--- a/Description/ResrvationNewSeason.pptx
+++ b/Description/ResrvationNewSeason.pptx
@@ -275,7 +275,7 @@
           <a:p>
             <a:fld id="{DDCE6D58-9B57-4731-A47B-3CD41B48F0A9}" type="datetimeFigureOut">
               <a:rPr lang="de-CH" smtClean="0"/>
-              <a:t>29.05.2025</a:t>
+              <a:t>01.06.2025</a:t>
             </a:fld>
             <a:endParaRPr lang="de-CH"/>
           </a:p>
@@ -445,7 +445,7 @@
           <a:p>
             <a:fld id="{DDCE6D58-9B57-4731-A47B-3CD41B48F0A9}" type="datetimeFigureOut">
               <a:rPr lang="de-CH" smtClean="0"/>
-              <a:t>29.05.2025</a:t>
+              <a:t>01.06.2025</a:t>
             </a:fld>
             <a:endParaRPr lang="de-CH"/>
           </a:p>
@@ -625,7 +625,7 @@
           <a:p>
             <a:fld id="{DDCE6D58-9B57-4731-A47B-3CD41B48F0A9}" type="datetimeFigureOut">
               <a:rPr lang="de-CH" smtClean="0"/>
-              <a:t>29.05.2025</a:t>
+              <a:t>01.06.2025</a:t>
             </a:fld>
             <a:endParaRPr lang="de-CH"/>
           </a:p>
@@ -795,7 +795,7 @@
           <a:p>
             <a:fld id="{DDCE6D58-9B57-4731-A47B-3CD41B48F0A9}" type="datetimeFigureOut">
               <a:rPr lang="de-CH" smtClean="0"/>
-              <a:t>29.05.2025</a:t>
+              <a:t>01.06.2025</a:t>
             </a:fld>
             <a:endParaRPr lang="de-CH"/>
           </a:p>
@@ -1041,7 +1041,7 @@
           <a:p>
             <a:fld id="{DDCE6D58-9B57-4731-A47B-3CD41B48F0A9}" type="datetimeFigureOut">
               <a:rPr lang="de-CH" smtClean="0"/>
-              <a:t>29.05.2025</a:t>
+              <a:t>01.06.2025</a:t>
             </a:fld>
             <a:endParaRPr lang="de-CH"/>
           </a:p>
@@ -1273,7 +1273,7 @@
           <a:p>
             <a:fld id="{DDCE6D58-9B57-4731-A47B-3CD41B48F0A9}" type="datetimeFigureOut">
               <a:rPr lang="de-CH" smtClean="0"/>
-              <a:t>29.05.2025</a:t>
+              <a:t>01.06.2025</a:t>
             </a:fld>
             <a:endParaRPr lang="de-CH"/>
           </a:p>
@@ -1640,7 +1640,7 @@
           <a:p>
             <a:fld id="{DDCE6D58-9B57-4731-A47B-3CD41B48F0A9}" type="datetimeFigureOut">
               <a:rPr lang="de-CH" smtClean="0"/>
-              <a:t>29.05.2025</a:t>
+              <a:t>01.06.2025</a:t>
             </a:fld>
             <a:endParaRPr lang="de-CH"/>
           </a:p>
@@ -1758,7 +1758,7 @@
           <a:p>
             <a:fld id="{DDCE6D58-9B57-4731-A47B-3CD41B48F0A9}" type="datetimeFigureOut">
               <a:rPr lang="de-CH" smtClean="0"/>
-              <a:t>29.05.2025</a:t>
+              <a:t>01.06.2025</a:t>
             </a:fld>
             <a:endParaRPr lang="de-CH"/>
           </a:p>
@@ -1853,7 +1853,7 @@
           <a:p>
             <a:fld id="{DDCE6D58-9B57-4731-A47B-3CD41B48F0A9}" type="datetimeFigureOut">
               <a:rPr lang="de-CH" smtClean="0"/>
-              <a:t>29.05.2025</a:t>
+              <a:t>01.06.2025</a:t>
             </a:fld>
             <a:endParaRPr lang="de-CH"/>
           </a:p>
@@ -2130,7 +2130,7 @@
           <a:p>
             <a:fld id="{DDCE6D58-9B57-4731-A47B-3CD41B48F0A9}" type="datetimeFigureOut">
               <a:rPr lang="de-CH" smtClean="0"/>
-              <a:t>29.05.2025</a:t>
+              <a:t>01.06.2025</a:t>
             </a:fld>
             <a:endParaRPr lang="de-CH"/>
           </a:p>
@@ -2383,7 +2383,7 @@
           <a:p>
             <a:fld id="{DDCE6D58-9B57-4731-A47B-3CD41B48F0A9}" type="datetimeFigureOut">
               <a:rPr lang="de-CH" smtClean="0"/>
-              <a:t>29.05.2025</a:t>
+              <a:t>01.06.2025</a:t>
             </a:fld>
             <a:endParaRPr lang="de-CH"/>
           </a:p>
@@ -2596,7 +2596,7 @@
           <a:p>
             <a:fld id="{DDCE6D58-9B57-4731-A47B-3CD41B48F0A9}" type="datetimeFigureOut">
               <a:rPr lang="de-CH" smtClean="0"/>
-              <a:t>29.05.2025</a:t>
+              <a:t>01.06.2025</a:t>
             </a:fld>
             <a:endParaRPr lang="de-CH"/>
           </a:p>
@@ -3001,6 +3001,2026 @@
           <a:chExt cx="0" cy="0"/>
         </a:xfrm>
       </p:grpSpPr>
+      <p:sp>
+        <p:nvSpPr>
+          <p:cNvPr id="2" name="Rechteck 1">
+            <a:extLst>
+              <a:ext uri="{FF2B5EF4-FFF2-40B4-BE49-F238E27FC236}">
+                <a16:creationId xmlns:a16="http://schemas.microsoft.com/office/drawing/2014/main" id="{AF544034-4CB0-7421-E984-56CFE2F42B7E}"/>
+              </a:ext>
+            </a:extLst>
+          </p:cNvPr>
+          <p:cNvSpPr/>
+          <p:nvPr/>
+        </p:nvSpPr>
+        <p:spPr>
+          <a:xfrm>
+            <a:off x="4920374" y="997777"/>
+            <a:ext cx="4057369" cy="570469"/>
+          </a:xfrm>
+          <a:prstGeom prst="rect">
+            <a:avLst/>
+          </a:prstGeom>
+          <a:noFill/>
+          <a:ln w="19050">
+            <a:solidFill>
+              <a:schemeClr val="tx1"/>
+            </a:solidFill>
+          </a:ln>
+        </p:spPr>
+        <p:style>
+          <a:lnRef idx="2">
+            <a:schemeClr val="accent1">
+              <a:shade val="50000"/>
+            </a:schemeClr>
+          </a:lnRef>
+          <a:fillRef idx="1">
+            <a:schemeClr val="accent1"/>
+          </a:fillRef>
+          <a:effectRef idx="0">
+            <a:schemeClr val="accent1"/>
+          </a:effectRef>
+          <a:fontRef idx="minor">
+            <a:schemeClr val="lt1"/>
+          </a:fontRef>
+        </p:style>
+        <p:txBody>
+          <a:bodyPr rtlCol="0" anchor="ctr"/>
+          <a:lstStyle/>
+          <a:p>
+            <a:pPr algn="ctr"/>
+            <a:r>
+              <a:rPr lang="de-CH" b="1" dirty="0" err="1">
+                <a:solidFill>
+                  <a:schemeClr val="tx1"/>
+                </a:solidFill>
+                <a:latin typeface="Arial" panose="020B0604020202020204" pitchFamily="34" charset="0"/>
+                <a:cs typeface="Arial" panose="020B0604020202020204" pitchFamily="34" charset="0"/>
+              </a:rPr>
+              <a:t>SeasonToEventProgramXmlData</a:t>
+            </a:r>
+            <a:r>
+              <a:rPr lang="de-CH" dirty="0">
+                <a:solidFill>
+                  <a:schemeClr val="tx1"/>
+                </a:solidFill>
+                <a:latin typeface="Arial" panose="020B0604020202020204" pitchFamily="34" charset="0"/>
+                <a:cs typeface="Arial" panose="020B0604020202020204" pitchFamily="34" charset="0"/>
+              </a:rPr>
+              <a:t> </a:t>
+            </a:r>
+          </a:p>
+          <a:p>
+            <a:pPr algn="ctr"/>
+            <a:r>
+              <a:rPr lang="de-CH" sz="1200" dirty="0">
+                <a:solidFill>
+                  <a:schemeClr val="tx1"/>
+                </a:solidFill>
+                <a:latin typeface="Arial" panose="020B0604020202020204" pitchFamily="34" charset="0"/>
+                <a:cs typeface="Arial" panose="020B0604020202020204" pitchFamily="34" charset="0"/>
+              </a:rPr>
+              <a:t>Data </a:t>
+            </a:r>
+            <a:r>
+              <a:rPr lang="de-CH" sz="1200" dirty="0" err="1">
+                <a:solidFill>
+                  <a:schemeClr val="tx1"/>
+                </a:solidFill>
+                <a:latin typeface="Arial" panose="020B0604020202020204" pitchFamily="34" charset="0"/>
+                <a:cs typeface="Arial" panose="020B0604020202020204" pitchFamily="34" charset="0"/>
+              </a:rPr>
+              <a:t>for</a:t>
+            </a:r>
+            <a:r>
+              <a:rPr lang="de-CH" sz="1200" dirty="0">
+                <a:solidFill>
+                  <a:schemeClr val="tx1"/>
+                </a:solidFill>
+                <a:latin typeface="Arial" panose="020B0604020202020204" pitchFamily="34" charset="0"/>
+                <a:cs typeface="Arial" panose="020B0604020202020204" pitchFamily="34" charset="0"/>
+              </a:rPr>
+              <a:t> </a:t>
+            </a:r>
+            <a:r>
+              <a:rPr lang="de-CH" sz="1200" dirty="0" err="1">
+                <a:solidFill>
+                  <a:schemeClr val="tx1"/>
+                </a:solidFill>
+                <a:latin typeface="Arial" panose="020B0604020202020204" pitchFamily="34" charset="0"/>
+                <a:cs typeface="Arial" panose="020B0604020202020204" pitchFamily="34" charset="0"/>
+              </a:rPr>
+              <a:t>the</a:t>
+            </a:r>
+            <a:r>
+              <a:rPr lang="de-CH" sz="1200" dirty="0">
+                <a:solidFill>
+                  <a:schemeClr val="tx1"/>
+                </a:solidFill>
+                <a:latin typeface="Arial" panose="020B0604020202020204" pitchFamily="34" charset="0"/>
+                <a:cs typeface="Arial" panose="020B0604020202020204" pitchFamily="34" charset="0"/>
+              </a:rPr>
+              <a:t> </a:t>
+            </a:r>
+            <a:r>
+              <a:rPr lang="de-CH" sz="1200" dirty="0" err="1">
+                <a:solidFill>
+                  <a:schemeClr val="tx1"/>
+                </a:solidFill>
+                <a:latin typeface="Arial" panose="020B0604020202020204" pitchFamily="34" charset="0"/>
+                <a:cs typeface="Arial" panose="020B0604020202020204" pitchFamily="34" charset="0"/>
+              </a:rPr>
+              <a:t>SeasonToEventProgramXml</a:t>
+            </a:r>
+            <a:r>
+              <a:rPr lang="de-CH" sz="1200" dirty="0">
+                <a:solidFill>
+                  <a:schemeClr val="tx1"/>
+                </a:solidFill>
+                <a:latin typeface="Arial" panose="020B0604020202020204" pitchFamily="34" charset="0"/>
+                <a:cs typeface="Arial" panose="020B0604020202020204" pitchFamily="34" charset="0"/>
+              </a:rPr>
+              <a:t> </a:t>
+            </a:r>
+            <a:r>
+              <a:rPr lang="de-CH" sz="1200" dirty="0" err="1">
+                <a:solidFill>
+                  <a:schemeClr val="tx1"/>
+                </a:solidFill>
+                <a:latin typeface="Arial" panose="020B0604020202020204" pitchFamily="34" charset="0"/>
+                <a:cs typeface="Arial" panose="020B0604020202020204" pitchFamily="34" charset="0"/>
+              </a:rPr>
+              <a:t>functions</a:t>
+            </a:r>
+            <a:endParaRPr lang="de-CH" sz="1200" dirty="0">
+              <a:solidFill>
+                <a:schemeClr val="tx1"/>
+              </a:solidFill>
+              <a:latin typeface="Arial" panose="020B0604020202020204" pitchFamily="34" charset="0"/>
+              <a:cs typeface="Arial" panose="020B0604020202020204" pitchFamily="34" charset="0"/>
+            </a:endParaRPr>
+          </a:p>
+        </p:txBody>
+      </p:sp>
+      <p:sp>
+        <p:nvSpPr>
+          <p:cNvPr id="3" name="Rechteck 2">
+            <a:extLst>
+              <a:ext uri="{FF2B5EF4-FFF2-40B4-BE49-F238E27FC236}">
+                <a16:creationId xmlns:a16="http://schemas.microsoft.com/office/drawing/2014/main" id="{915AF3A7-8F2C-18A0-9575-87F4CA364F68}"/>
+              </a:ext>
+            </a:extLst>
+          </p:cNvPr>
+          <p:cNvSpPr/>
+          <p:nvPr/>
+        </p:nvSpPr>
+        <p:spPr>
+          <a:xfrm>
+            <a:off x="4920374" y="1568246"/>
+            <a:ext cx="4057372" cy="4375229"/>
+          </a:xfrm>
+          <a:prstGeom prst="rect">
+            <a:avLst/>
+          </a:prstGeom>
+          <a:noFill/>
+          <a:ln w="19050">
+            <a:solidFill>
+              <a:schemeClr val="tx1"/>
+            </a:solidFill>
+          </a:ln>
+        </p:spPr>
+        <p:style>
+          <a:lnRef idx="2">
+            <a:schemeClr val="accent1">
+              <a:shade val="50000"/>
+            </a:schemeClr>
+          </a:lnRef>
+          <a:fillRef idx="1">
+            <a:schemeClr val="accent1"/>
+          </a:fillRef>
+          <a:effectRef idx="0">
+            <a:schemeClr val="accent1"/>
+          </a:effectRef>
+          <a:fontRef idx="minor">
+            <a:schemeClr val="lt1"/>
+          </a:fontRef>
+        </p:style>
+        <p:txBody>
+          <a:bodyPr rtlCol="0" anchor="ctr"/>
+          <a:lstStyle/>
+          <a:p>
+            <a:r>
+              <a:rPr lang="en-US" sz="1000" b="1" dirty="0" err="1">
+                <a:solidFill>
+                  <a:schemeClr val="tx1"/>
+                </a:solidFill>
+                <a:latin typeface="Arial" panose="020B0604020202020204" pitchFamily="34" charset="0"/>
+                <a:cs typeface="Arial" panose="020B0604020202020204" pitchFamily="34" charset="0"/>
+              </a:rPr>
+              <a:t>m_season_case</a:t>
+            </a:r>
+            <a:r>
+              <a:rPr lang="en-US" sz="1000" b="1" dirty="0">
+                <a:solidFill>
+                  <a:schemeClr val="tx1"/>
+                </a:solidFill>
+                <a:latin typeface="Arial" panose="020B0604020202020204" pitchFamily="34" charset="0"/>
+                <a:cs typeface="Arial" panose="020B0604020202020204" pitchFamily="34" charset="0"/>
+              </a:rPr>
+              <a:t> </a:t>
+            </a:r>
+          </a:p>
+          <a:p>
+            <a:r>
+              <a:rPr lang="en-US" sz="1000" b="1" i="1" dirty="0">
+                <a:solidFill>
+                  <a:schemeClr val="tx1"/>
+                </a:solidFill>
+                <a:latin typeface="Arial" panose="020B0604020202020204" pitchFamily="34" charset="0"/>
+                <a:cs typeface="Arial" panose="020B0604020202020204" pitchFamily="34" charset="0"/>
+              </a:rPr>
+              <a:t>   Case current, previous or next</a:t>
+            </a:r>
+          </a:p>
+          <a:p>
+            <a:r>
+              <a:rPr lang="en-US" sz="1000" b="1" dirty="0" err="1">
+                <a:solidFill>
+                  <a:schemeClr val="tx1"/>
+                </a:solidFill>
+                <a:latin typeface="Arial" panose="020B0604020202020204" pitchFamily="34" charset="0"/>
+                <a:cs typeface="Arial" panose="020B0604020202020204" pitchFamily="34" charset="0"/>
+              </a:rPr>
+              <a:t>m_main_dir</a:t>
+            </a:r>
+            <a:r>
+              <a:rPr lang="en-US" sz="1000" b="1" dirty="0">
+                <a:solidFill>
+                  <a:schemeClr val="tx1"/>
+                </a:solidFill>
+                <a:latin typeface="Arial" panose="020B0604020202020204" pitchFamily="34" charset="0"/>
+                <a:cs typeface="Arial" panose="020B0604020202020204" pitchFamily="34" charset="0"/>
+              </a:rPr>
+              <a:t> </a:t>
+            </a:r>
+          </a:p>
+          <a:p>
+            <a:r>
+              <a:rPr lang="en-US" sz="1000" b="1" i="1" dirty="0">
+                <a:solidFill>
+                  <a:schemeClr val="tx1"/>
+                </a:solidFill>
+                <a:latin typeface="Arial" panose="020B0604020202020204" pitchFamily="34" charset="0"/>
+                <a:cs typeface="Arial" panose="020B0604020202020204" pitchFamily="34" charset="0"/>
+              </a:rPr>
+              <a:t>   Reservation (Release) or </a:t>
+            </a:r>
+            <a:r>
+              <a:rPr lang="en-US" sz="1000" b="1" i="1" dirty="0" err="1">
+                <a:solidFill>
+                  <a:schemeClr val="tx1"/>
+                </a:solidFill>
+                <a:latin typeface="Arial" panose="020B0604020202020204" pitchFamily="34" charset="0"/>
+                <a:cs typeface="Arial" panose="020B0604020202020204" pitchFamily="34" charset="0"/>
+              </a:rPr>
+              <a:t>ReservationLayout</a:t>
+            </a:r>
+            <a:r>
+              <a:rPr lang="en-US" sz="1000" b="1" i="1" dirty="0">
+                <a:solidFill>
+                  <a:schemeClr val="tx1"/>
+                </a:solidFill>
+                <a:latin typeface="Arial" panose="020B0604020202020204" pitchFamily="34" charset="0"/>
+                <a:cs typeface="Arial" panose="020B0604020202020204" pitchFamily="34" charset="0"/>
+              </a:rPr>
+              <a:t> (Development)</a:t>
+            </a:r>
+          </a:p>
+          <a:p>
+            <a:r>
+              <a:rPr lang="en-US" sz="1000" b="1" dirty="0" err="1">
+                <a:solidFill>
+                  <a:schemeClr val="tx1"/>
+                </a:solidFill>
+                <a:latin typeface="Arial" panose="020B0604020202020204" pitchFamily="34" charset="0"/>
+                <a:cs typeface="Arial" panose="020B0604020202020204" pitchFamily="34" charset="0"/>
+              </a:rPr>
+              <a:t>m_result_die</a:t>
+            </a:r>
+            <a:r>
+              <a:rPr lang="en-US" sz="1000" b="1" i="1" dirty="0">
+                <a:solidFill>
+                  <a:schemeClr val="tx1"/>
+                </a:solidFill>
+                <a:latin typeface="Arial" panose="020B0604020202020204" pitchFamily="34" charset="0"/>
+                <a:cs typeface="Arial" panose="020B0604020202020204" pitchFamily="34" charset="0"/>
+              </a:rPr>
+              <a:t> </a:t>
+            </a:r>
+          </a:p>
+          <a:p>
+            <a:r>
+              <a:rPr lang="en-US" sz="1000" b="1" i="1" dirty="0">
+                <a:solidFill>
+                  <a:schemeClr val="tx1"/>
+                </a:solidFill>
+                <a:latin typeface="Arial" panose="020B0604020202020204" pitchFamily="34" charset="0"/>
+                <a:cs typeface="Arial" panose="020B0604020202020204" pitchFamily="34" charset="0"/>
+              </a:rPr>
+              <a:t>   For instance Spagi_76_Chairs_V_2</a:t>
+            </a:r>
+          </a:p>
+          <a:p>
+            <a:r>
+              <a:rPr lang="en-US" sz="1000" b="1" dirty="0" err="1">
+                <a:solidFill>
+                  <a:schemeClr val="tx1"/>
+                </a:solidFill>
+                <a:latin typeface="Arial" panose="020B0604020202020204" pitchFamily="34" charset="0"/>
+                <a:cs typeface="Arial" panose="020B0604020202020204" pitchFamily="34" charset="0"/>
+              </a:rPr>
+              <a:t>m_sub_xml_dir</a:t>
+            </a:r>
+            <a:r>
+              <a:rPr lang="en-US" sz="1000" b="1" dirty="0">
+                <a:solidFill>
+                  <a:schemeClr val="tx1"/>
+                </a:solidFill>
+                <a:latin typeface="Arial" panose="020B0604020202020204" pitchFamily="34" charset="0"/>
+                <a:cs typeface="Arial" panose="020B0604020202020204" pitchFamily="34" charset="0"/>
+              </a:rPr>
+              <a:t> </a:t>
+            </a:r>
+          </a:p>
+          <a:p>
+            <a:r>
+              <a:rPr lang="en-US" sz="1000" b="1" i="1" dirty="0">
+                <a:solidFill>
+                  <a:schemeClr val="tx1"/>
+                </a:solidFill>
+                <a:latin typeface="Arial" panose="020B0604020202020204" pitchFamily="34" charset="0"/>
+                <a:cs typeface="Arial" panose="020B0604020202020204" pitchFamily="34" charset="0"/>
+              </a:rPr>
+              <a:t>   </a:t>
+            </a:r>
+            <a:r>
+              <a:rPr lang="en-US" sz="1000" b="1" i="1" dirty="0" err="1">
+                <a:solidFill>
+                  <a:schemeClr val="tx1"/>
+                </a:solidFill>
+                <a:latin typeface="Arial" panose="020B0604020202020204" pitchFamily="34" charset="0"/>
+                <a:cs typeface="Arial" panose="020B0604020202020204" pitchFamily="34" charset="0"/>
+              </a:rPr>
+              <a:t>SaisonXML</a:t>
+            </a:r>
+            <a:endParaRPr lang="en-US" sz="1000" b="1" i="1" dirty="0">
+              <a:solidFill>
+                <a:schemeClr val="tx1"/>
+              </a:solidFill>
+              <a:latin typeface="Arial" panose="020B0604020202020204" pitchFamily="34" charset="0"/>
+              <a:cs typeface="Arial" panose="020B0604020202020204" pitchFamily="34" charset="0"/>
+            </a:endParaRPr>
+          </a:p>
+          <a:p>
+            <a:r>
+              <a:rPr lang="en-US" sz="1000" b="1" dirty="0" err="1">
+                <a:solidFill>
+                  <a:schemeClr val="tx1"/>
+                </a:solidFill>
+                <a:latin typeface="Arial" panose="020B0604020202020204" pitchFamily="34" charset="0"/>
+                <a:cs typeface="Arial" panose="020B0604020202020204" pitchFamily="34" charset="0"/>
+              </a:rPr>
+              <a:t>m_xml_filename</a:t>
+            </a:r>
+            <a:r>
+              <a:rPr lang="en-US" sz="1000" b="1" dirty="0">
+                <a:solidFill>
+                  <a:schemeClr val="tx1"/>
+                </a:solidFill>
+                <a:latin typeface="Arial" panose="020B0604020202020204" pitchFamily="34" charset="0"/>
+                <a:cs typeface="Arial" panose="020B0604020202020204" pitchFamily="34" charset="0"/>
+              </a:rPr>
+              <a:t> </a:t>
+            </a:r>
+          </a:p>
+          <a:p>
+            <a:r>
+              <a:rPr lang="en-US" sz="1000" b="1" i="1" dirty="0">
+                <a:solidFill>
+                  <a:schemeClr val="tx1"/>
+                </a:solidFill>
+                <a:latin typeface="Arial" panose="020B0604020202020204" pitchFamily="34" charset="0"/>
+                <a:cs typeface="Arial" panose="020B0604020202020204" pitchFamily="34" charset="0"/>
+              </a:rPr>
+              <a:t>   EventProgram.xml</a:t>
+            </a:r>
+          </a:p>
+          <a:p>
+            <a:r>
+              <a:rPr lang="en-US" sz="1000" b="1" dirty="0" err="1">
+                <a:solidFill>
+                  <a:schemeClr val="tx1"/>
+                </a:solidFill>
+                <a:latin typeface="Arial" panose="020B0604020202020204" pitchFamily="34" charset="0"/>
+                <a:cs typeface="Arial" panose="020B0604020202020204" pitchFamily="34" charset="0"/>
+              </a:rPr>
+              <a:t>m_callback_fctn</a:t>
+            </a:r>
+            <a:r>
+              <a:rPr lang="en-US" sz="1000" b="1" dirty="0">
+                <a:solidFill>
+                  <a:schemeClr val="tx1"/>
+                </a:solidFill>
+                <a:latin typeface="Arial" panose="020B0604020202020204" pitchFamily="34" charset="0"/>
+                <a:cs typeface="Arial" panose="020B0604020202020204" pitchFamily="34" charset="0"/>
+              </a:rPr>
+              <a:t> </a:t>
+            </a:r>
+          </a:p>
+          <a:p>
+            <a:r>
+              <a:rPr lang="en-US" sz="1000" b="1" i="1" dirty="0">
+                <a:solidFill>
+                  <a:schemeClr val="tx1"/>
+                </a:solidFill>
+                <a:latin typeface="Arial" panose="020B0604020202020204" pitchFamily="34" charset="0"/>
+                <a:cs typeface="Arial" panose="020B0604020202020204" pitchFamily="34" charset="0"/>
+              </a:rPr>
+              <a:t>    Callback function name when file has been created </a:t>
+            </a:r>
+          </a:p>
+          <a:p>
+            <a:endParaRPr lang="en-US" sz="1000" b="1" dirty="0">
+              <a:solidFill>
+                <a:schemeClr val="tx1"/>
+              </a:solidFill>
+              <a:latin typeface="Arial" panose="020B0604020202020204" pitchFamily="34" charset="0"/>
+              <a:cs typeface="Arial" panose="020B0604020202020204" pitchFamily="34" charset="0"/>
+            </a:endParaRPr>
+          </a:p>
+          <a:p>
+            <a:r>
+              <a:rPr lang="en-US" sz="1000" b="1" dirty="0" err="1">
+                <a:solidFill>
+                  <a:schemeClr val="tx1"/>
+                </a:solidFill>
+                <a:latin typeface="Arial" panose="020B0604020202020204" pitchFamily="34" charset="0"/>
+                <a:cs typeface="Arial" panose="020B0604020202020204" pitchFamily="34" charset="0"/>
+              </a:rPr>
+              <a:t>m_abs_event_program_url</a:t>
+            </a:r>
+            <a:r>
+              <a:rPr lang="en-US" sz="1000" b="1" dirty="0">
+                <a:solidFill>
+                  <a:schemeClr val="tx1"/>
+                </a:solidFill>
+                <a:latin typeface="Arial" panose="020B0604020202020204" pitchFamily="34" charset="0"/>
+                <a:cs typeface="Arial" panose="020B0604020202020204" pitchFamily="34" charset="0"/>
+              </a:rPr>
+              <a:t> </a:t>
+            </a:r>
+          </a:p>
+          <a:p>
+            <a:r>
+              <a:rPr lang="en-US" sz="1000" b="1" i="1" dirty="0">
+                <a:solidFill>
+                  <a:schemeClr val="tx1"/>
+                </a:solidFill>
+                <a:latin typeface="Arial" panose="020B0604020202020204" pitchFamily="34" charset="0"/>
+                <a:cs typeface="Arial" panose="020B0604020202020204" pitchFamily="34" charset="0"/>
+              </a:rPr>
+              <a:t>    Absolute URL for </a:t>
+            </a:r>
+            <a:r>
+              <a:rPr lang="en-US" sz="1000" b="1" i="1" dirty="0" err="1">
+                <a:solidFill>
+                  <a:schemeClr val="tx1"/>
+                </a:solidFill>
+                <a:latin typeface="Arial" panose="020B0604020202020204" pitchFamily="34" charset="0"/>
+                <a:cs typeface="Arial" panose="020B0604020202020204" pitchFamily="34" charset="0"/>
+              </a:rPr>
+              <a:t>m_xml_filename</a:t>
+            </a:r>
+            <a:endParaRPr lang="en-US" sz="1000" b="1" i="1" dirty="0">
+              <a:solidFill>
+                <a:schemeClr val="tx1"/>
+              </a:solidFill>
+              <a:latin typeface="Arial" panose="020B0604020202020204" pitchFamily="34" charset="0"/>
+              <a:cs typeface="Arial" panose="020B0604020202020204" pitchFamily="34" charset="0"/>
+            </a:endParaRPr>
+          </a:p>
+          <a:p>
+            <a:r>
+              <a:rPr lang="de-CH" sz="1000" b="1" dirty="0" err="1">
+                <a:solidFill>
+                  <a:schemeClr val="tx1"/>
+                </a:solidFill>
+                <a:latin typeface="Arial" panose="020B0604020202020204" pitchFamily="34" charset="0"/>
+                <a:cs typeface="Arial" panose="020B0604020202020204" pitchFamily="34" charset="0"/>
+              </a:rPr>
+              <a:t>m_abs_result_dir_url</a:t>
+            </a:r>
+            <a:endParaRPr lang="de-CH" sz="1000" b="1" dirty="0">
+              <a:solidFill>
+                <a:schemeClr val="tx1"/>
+              </a:solidFill>
+              <a:latin typeface="Arial" panose="020B0604020202020204" pitchFamily="34" charset="0"/>
+              <a:cs typeface="Arial" panose="020B0604020202020204" pitchFamily="34" charset="0"/>
+            </a:endParaRPr>
+          </a:p>
+          <a:p>
+            <a:r>
+              <a:rPr lang="de-CH" sz="1000" b="1" dirty="0">
+                <a:solidFill>
+                  <a:schemeClr val="tx1"/>
+                </a:solidFill>
+                <a:latin typeface="Arial" panose="020B0604020202020204" pitchFamily="34" charset="0"/>
+                <a:cs typeface="Arial" panose="020B0604020202020204" pitchFamily="34" charset="0"/>
+              </a:rPr>
+              <a:t>  </a:t>
+            </a:r>
+            <a:r>
+              <a:rPr lang="en-US" sz="1000" b="1" i="1" dirty="0">
+                <a:solidFill>
+                  <a:schemeClr val="tx1"/>
+                </a:solidFill>
+                <a:latin typeface="Arial" panose="020B0604020202020204" pitchFamily="34" charset="0"/>
+                <a:cs typeface="Arial" panose="020B0604020202020204" pitchFamily="34" charset="0"/>
+              </a:rPr>
+              <a:t>Absolute URL to result directory</a:t>
+            </a:r>
+            <a:endParaRPr lang="de-CH" sz="1000" b="1" dirty="0">
+              <a:solidFill>
+                <a:schemeClr val="tx1"/>
+              </a:solidFill>
+              <a:latin typeface="Arial" panose="020B0604020202020204" pitchFamily="34" charset="0"/>
+              <a:cs typeface="Arial" panose="020B0604020202020204" pitchFamily="34" charset="0"/>
+            </a:endParaRPr>
+          </a:p>
+          <a:p>
+            <a:r>
+              <a:rPr lang="de-CH" sz="1000" b="1" dirty="0" err="1">
+                <a:solidFill>
+                  <a:schemeClr val="tx1"/>
+                </a:solidFill>
+                <a:latin typeface="Arial" panose="020B0604020202020204" pitchFamily="34" charset="0"/>
+                <a:cs typeface="Arial" panose="020B0604020202020204" pitchFamily="34" charset="0"/>
+              </a:rPr>
+              <a:t>m_rel_event_program_dir_url</a:t>
+            </a:r>
+            <a:endParaRPr lang="de-CH" sz="1000" b="1" dirty="0">
+              <a:solidFill>
+                <a:schemeClr val="tx1"/>
+              </a:solidFill>
+              <a:latin typeface="Arial" panose="020B0604020202020204" pitchFamily="34" charset="0"/>
+              <a:cs typeface="Arial" panose="020B0604020202020204" pitchFamily="34" charset="0"/>
+            </a:endParaRPr>
+          </a:p>
+          <a:p>
+            <a:r>
+              <a:rPr lang="de-CH" sz="1000" b="1" dirty="0">
+                <a:solidFill>
+                  <a:schemeClr val="tx1"/>
+                </a:solidFill>
+                <a:latin typeface="Arial" panose="020B0604020202020204" pitchFamily="34" charset="0"/>
+                <a:cs typeface="Arial" panose="020B0604020202020204" pitchFamily="34" charset="0"/>
+              </a:rPr>
+              <a:t>   Relative </a:t>
+            </a:r>
+            <a:r>
+              <a:rPr lang="en-US" sz="1000" b="1" i="1" dirty="0">
+                <a:solidFill>
+                  <a:schemeClr val="tx1"/>
+                </a:solidFill>
+                <a:latin typeface="Arial" panose="020B0604020202020204" pitchFamily="34" charset="0"/>
+                <a:cs typeface="Arial" panose="020B0604020202020204" pitchFamily="34" charset="0"/>
+              </a:rPr>
+              <a:t>URL to result directory</a:t>
+            </a:r>
+            <a:endParaRPr lang="de-CH" sz="1000" b="1" dirty="0">
+              <a:solidFill>
+                <a:schemeClr val="tx1"/>
+              </a:solidFill>
+              <a:latin typeface="Arial" panose="020B0604020202020204" pitchFamily="34" charset="0"/>
+              <a:cs typeface="Arial" panose="020B0604020202020204" pitchFamily="34" charset="0"/>
+            </a:endParaRPr>
+          </a:p>
+          <a:p>
+            <a:r>
+              <a:rPr lang="de-CH" sz="1000" b="1" dirty="0" err="1">
+                <a:solidFill>
+                  <a:schemeClr val="tx1"/>
+                </a:solidFill>
+                <a:latin typeface="Arial" panose="020B0604020202020204" pitchFamily="34" charset="0"/>
+                <a:cs typeface="Arial" panose="020B0604020202020204" pitchFamily="34" charset="0"/>
+              </a:rPr>
+              <a:t>m_input_data_ok</a:t>
+            </a:r>
+            <a:endParaRPr lang="de-CH" sz="1000" b="1" dirty="0">
+              <a:solidFill>
+                <a:schemeClr val="tx1"/>
+              </a:solidFill>
+              <a:latin typeface="Arial" panose="020B0604020202020204" pitchFamily="34" charset="0"/>
+              <a:cs typeface="Arial" panose="020B0604020202020204" pitchFamily="34" charset="0"/>
+            </a:endParaRPr>
+          </a:p>
+          <a:p>
+            <a:r>
+              <a:rPr lang="de-CH" sz="1000" b="1" i="1" dirty="0">
+                <a:solidFill>
+                  <a:schemeClr val="tx1"/>
+                </a:solidFill>
+                <a:latin typeface="Arial" panose="020B0604020202020204" pitchFamily="34" charset="0"/>
+                <a:cs typeface="Arial" panose="020B0604020202020204" pitchFamily="34" charset="0"/>
+              </a:rPr>
+              <a:t>   </a:t>
+            </a:r>
+            <a:r>
+              <a:rPr lang="de-CH" sz="1000" b="1" i="1" dirty="0" err="1">
+                <a:solidFill>
+                  <a:schemeClr val="tx1"/>
+                </a:solidFill>
+                <a:latin typeface="Arial" panose="020B0604020202020204" pitchFamily="34" charset="0"/>
+                <a:cs typeface="Arial" panose="020B0604020202020204" pitchFamily="34" charset="0"/>
+              </a:rPr>
+              <a:t>Flag</a:t>
+            </a:r>
+            <a:r>
+              <a:rPr lang="de-CH" sz="1000" b="1" i="1" dirty="0">
+                <a:solidFill>
+                  <a:schemeClr val="tx1"/>
+                </a:solidFill>
+                <a:latin typeface="Arial" panose="020B0604020202020204" pitchFamily="34" charset="0"/>
+                <a:cs typeface="Arial" panose="020B0604020202020204" pitchFamily="34" charset="0"/>
+              </a:rPr>
+              <a:t> </a:t>
+            </a:r>
+            <a:r>
+              <a:rPr lang="en-US" sz="1000" b="1" i="1" dirty="0">
+                <a:solidFill>
+                  <a:schemeClr val="tx1"/>
+                </a:solidFill>
+                <a:latin typeface="Arial" panose="020B0604020202020204" pitchFamily="34" charset="0"/>
+                <a:cs typeface="Arial" panose="020B0604020202020204" pitchFamily="34" charset="0"/>
+              </a:rPr>
+              <a:t>telling if the input data is OK</a:t>
+            </a:r>
+            <a:endParaRPr lang="de-CH" sz="1000" b="1" dirty="0">
+              <a:solidFill>
+                <a:schemeClr val="tx1"/>
+              </a:solidFill>
+              <a:latin typeface="Arial" panose="020B0604020202020204" pitchFamily="34" charset="0"/>
+              <a:cs typeface="Arial" panose="020B0604020202020204" pitchFamily="34" charset="0"/>
+            </a:endParaRPr>
+          </a:p>
+          <a:p>
+            <a:r>
+              <a:rPr lang="de-CH" sz="1000" b="1" dirty="0" err="1">
+                <a:solidFill>
+                  <a:schemeClr val="tx1"/>
+                </a:solidFill>
+                <a:latin typeface="Arial" panose="020B0604020202020204" pitchFamily="34" charset="0"/>
+                <a:cs typeface="Arial" panose="020B0604020202020204" pitchFamily="34" charset="0"/>
+              </a:rPr>
+              <a:t>m_season_start_year</a:t>
+            </a:r>
+            <a:endParaRPr lang="de-CH" sz="1000" b="1" dirty="0">
+              <a:solidFill>
+                <a:schemeClr val="tx1"/>
+              </a:solidFill>
+              <a:latin typeface="Arial" panose="020B0604020202020204" pitchFamily="34" charset="0"/>
+              <a:cs typeface="Arial" panose="020B0604020202020204" pitchFamily="34" charset="0"/>
+            </a:endParaRPr>
+          </a:p>
+          <a:p>
+            <a:r>
+              <a:rPr lang="de-CH" sz="1000" b="1" dirty="0">
+                <a:solidFill>
+                  <a:schemeClr val="tx1"/>
+                </a:solidFill>
+                <a:latin typeface="Arial" panose="020B0604020202020204" pitchFamily="34" charset="0"/>
+                <a:cs typeface="Arial" panose="020B0604020202020204" pitchFamily="34" charset="0"/>
+              </a:rPr>
+              <a:t>   </a:t>
+            </a:r>
+            <a:r>
+              <a:rPr lang="de-CH" sz="1000" b="1" i="1" dirty="0">
+                <a:solidFill>
+                  <a:schemeClr val="tx1"/>
+                </a:solidFill>
+                <a:latin typeface="Arial" panose="020B0604020202020204" pitchFamily="34" charset="0"/>
+                <a:cs typeface="Arial" panose="020B0604020202020204" pitchFamily="34" charset="0"/>
+              </a:rPr>
+              <a:t>Season </a:t>
+            </a:r>
+            <a:r>
+              <a:rPr lang="de-CH" sz="1000" b="1" i="1" dirty="0" err="1">
+                <a:solidFill>
+                  <a:schemeClr val="tx1"/>
+                </a:solidFill>
+                <a:latin typeface="Arial" panose="020B0604020202020204" pitchFamily="34" charset="0"/>
+                <a:cs typeface="Arial" panose="020B0604020202020204" pitchFamily="34" charset="0"/>
+              </a:rPr>
+              <a:t>program</a:t>
+            </a:r>
+            <a:r>
+              <a:rPr lang="de-CH" sz="1000" b="1" i="1" dirty="0">
+                <a:solidFill>
+                  <a:schemeClr val="tx1"/>
+                </a:solidFill>
+                <a:latin typeface="Arial" panose="020B0604020202020204" pitchFamily="34" charset="0"/>
+                <a:cs typeface="Arial" panose="020B0604020202020204" pitchFamily="34" charset="0"/>
+              </a:rPr>
+              <a:t> </a:t>
+            </a:r>
+            <a:r>
+              <a:rPr lang="de-CH" sz="1000" b="1" i="1" dirty="0" err="1">
+                <a:solidFill>
+                  <a:schemeClr val="tx1"/>
+                </a:solidFill>
+                <a:latin typeface="Arial" panose="020B0604020202020204" pitchFamily="34" charset="0"/>
+                <a:cs typeface="Arial" panose="020B0604020202020204" pitchFamily="34" charset="0"/>
+              </a:rPr>
+              <a:t>start</a:t>
+            </a:r>
+            <a:r>
+              <a:rPr lang="de-CH" sz="1000" b="1" i="1" dirty="0">
+                <a:solidFill>
+                  <a:schemeClr val="tx1"/>
+                </a:solidFill>
+                <a:latin typeface="Arial" panose="020B0604020202020204" pitchFamily="34" charset="0"/>
+                <a:cs typeface="Arial" panose="020B0604020202020204" pitchFamily="34" charset="0"/>
+              </a:rPr>
+              <a:t> </a:t>
+            </a:r>
+            <a:r>
+              <a:rPr lang="de-CH" sz="1000" b="1" i="1" dirty="0" err="1">
+                <a:solidFill>
+                  <a:schemeClr val="tx1"/>
+                </a:solidFill>
+                <a:latin typeface="Arial" panose="020B0604020202020204" pitchFamily="34" charset="0"/>
+                <a:cs typeface="Arial" panose="020B0604020202020204" pitchFamily="34" charset="0"/>
+              </a:rPr>
+              <a:t>year</a:t>
+            </a:r>
+            <a:endParaRPr lang="de-CH" sz="1000" b="1" dirty="0">
+              <a:solidFill>
+                <a:schemeClr val="tx1"/>
+              </a:solidFill>
+              <a:latin typeface="Arial" panose="020B0604020202020204" pitchFamily="34" charset="0"/>
+              <a:cs typeface="Arial" panose="020B0604020202020204" pitchFamily="34" charset="0"/>
+            </a:endParaRPr>
+          </a:p>
+          <a:p>
+            <a:r>
+              <a:rPr lang="de-CH" sz="1000" b="1" dirty="0" err="1">
+                <a:solidFill>
+                  <a:schemeClr val="tx1"/>
+                </a:solidFill>
+                <a:latin typeface="Arial" panose="020B0604020202020204" pitchFamily="34" charset="0"/>
+                <a:cs typeface="Arial" panose="020B0604020202020204" pitchFamily="34" charset="0"/>
+              </a:rPr>
+              <a:t>m_season_xml</a:t>
+            </a:r>
+            <a:r>
+              <a:rPr lang="de-CH" sz="1000" b="1" dirty="0">
+                <a:solidFill>
+                  <a:schemeClr val="tx1"/>
+                </a:solidFill>
+                <a:latin typeface="Arial" panose="020B0604020202020204" pitchFamily="34" charset="0"/>
+                <a:cs typeface="Arial" panose="020B0604020202020204" pitchFamily="34" charset="0"/>
+              </a:rPr>
+              <a:t> </a:t>
+            </a:r>
+          </a:p>
+          <a:p>
+            <a:r>
+              <a:rPr lang="de-CH" sz="1000" b="1" i="1" dirty="0">
+                <a:solidFill>
+                  <a:schemeClr val="tx1"/>
+                </a:solidFill>
+                <a:latin typeface="Arial" panose="020B0604020202020204" pitchFamily="34" charset="0"/>
+                <a:cs typeface="Arial" panose="020B0604020202020204" pitchFamily="34" charset="0"/>
+              </a:rPr>
+              <a:t>   Instance </a:t>
+            </a:r>
+            <a:r>
+              <a:rPr lang="de-CH" sz="1000" b="1" i="1" dirty="0" err="1">
+                <a:solidFill>
+                  <a:schemeClr val="tx1"/>
+                </a:solidFill>
+                <a:latin typeface="Arial" panose="020B0604020202020204" pitchFamily="34" charset="0"/>
+                <a:cs typeface="Arial" panose="020B0604020202020204" pitchFamily="34" charset="0"/>
+              </a:rPr>
+              <a:t>of</a:t>
+            </a:r>
+            <a:r>
+              <a:rPr lang="de-CH" sz="1000" b="1" i="1" dirty="0">
+                <a:solidFill>
+                  <a:schemeClr val="tx1"/>
+                </a:solidFill>
+                <a:latin typeface="Arial" panose="020B0604020202020204" pitchFamily="34" charset="0"/>
+                <a:cs typeface="Arial" panose="020B0604020202020204" pitchFamily="34" charset="0"/>
+              </a:rPr>
+              <a:t> </a:t>
+            </a:r>
+            <a:r>
+              <a:rPr lang="de-CH" sz="1000" b="1" i="1" dirty="0" err="1">
+                <a:solidFill>
+                  <a:schemeClr val="tx1"/>
+                </a:solidFill>
+                <a:latin typeface="Arial" panose="020B0604020202020204" pitchFamily="34" charset="0"/>
+                <a:cs typeface="Arial" panose="020B0604020202020204" pitchFamily="34" charset="0"/>
+              </a:rPr>
+              <a:t>SeasonXml</a:t>
+            </a:r>
+            <a:endParaRPr lang="de-CH" sz="1000" b="1" i="1" dirty="0">
+              <a:solidFill>
+                <a:schemeClr val="tx1"/>
+              </a:solidFill>
+              <a:latin typeface="Arial" panose="020B0604020202020204" pitchFamily="34" charset="0"/>
+              <a:cs typeface="Arial" panose="020B0604020202020204" pitchFamily="34" charset="0"/>
+            </a:endParaRPr>
+          </a:p>
+          <a:p>
+            <a:r>
+              <a:rPr lang="de-CH" sz="1000" b="1" dirty="0" err="1">
+                <a:solidFill>
+                  <a:schemeClr val="tx1"/>
+                </a:solidFill>
+                <a:latin typeface="Arial" panose="020B0604020202020204" pitchFamily="34" charset="0"/>
+                <a:cs typeface="Arial" panose="020B0604020202020204" pitchFamily="34" charset="0"/>
+              </a:rPr>
+              <a:t>m_event_xml</a:t>
+            </a:r>
+            <a:endParaRPr lang="de-CH" sz="1000" b="1" dirty="0">
+              <a:solidFill>
+                <a:schemeClr val="tx1"/>
+              </a:solidFill>
+              <a:latin typeface="Arial" panose="020B0604020202020204" pitchFamily="34" charset="0"/>
+              <a:cs typeface="Arial" panose="020B0604020202020204" pitchFamily="34" charset="0"/>
+            </a:endParaRPr>
+          </a:p>
+          <a:p>
+            <a:r>
+              <a:rPr lang="de-CH" sz="1000" b="1" dirty="0">
+                <a:solidFill>
+                  <a:schemeClr val="tx1"/>
+                </a:solidFill>
+                <a:latin typeface="Arial" panose="020B0604020202020204" pitchFamily="34" charset="0"/>
+                <a:cs typeface="Arial" panose="020B0604020202020204" pitchFamily="34" charset="0"/>
+              </a:rPr>
+              <a:t>    </a:t>
+            </a:r>
+            <a:r>
+              <a:rPr lang="de-CH" sz="1000" b="1" i="1" dirty="0">
+                <a:solidFill>
+                  <a:schemeClr val="tx1"/>
+                </a:solidFill>
+                <a:latin typeface="Arial" panose="020B0604020202020204" pitchFamily="34" charset="0"/>
+                <a:cs typeface="Arial" panose="020B0604020202020204" pitchFamily="34" charset="0"/>
+              </a:rPr>
+              <a:t>Instance </a:t>
+            </a:r>
+            <a:r>
+              <a:rPr lang="de-CH" sz="1000" b="1" i="1" dirty="0" err="1">
+                <a:solidFill>
+                  <a:schemeClr val="tx1"/>
+                </a:solidFill>
+                <a:latin typeface="Arial" panose="020B0604020202020204" pitchFamily="34" charset="0"/>
+                <a:cs typeface="Arial" panose="020B0604020202020204" pitchFamily="34" charset="0"/>
+              </a:rPr>
+              <a:t>of</a:t>
+            </a:r>
+            <a:r>
+              <a:rPr lang="de-CH" sz="1000" b="1" i="1" dirty="0">
+                <a:solidFill>
+                  <a:schemeClr val="tx1"/>
+                </a:solidFill>
+                <a:latin typeface="Arial" panose="020B0604020202020204" pitchFamily="34" charset="0"/>
+                <a:cs typeface="Arial" panose="020B0604020202020204" pitchFamily="34" charset="0"/>
+              </a:rPr>
+              <a:t> </a:t>
+            </a:r>
+            <a:r>
+              <a:rPr lang="de-CH" sz="1000" b="1" i="1" dirty="0" err="1">
+                <a:solidFill>
+                  <a:schemeClr val="tx1"/>
+                </a:solidFill>
+                <a:latin typeface="Arial" panose="020B0604020202020204" pitchFamily="34" charset="0"/>
+                <a:cs typeface="Arial" panose="020B0604020202020204" pitchFamily="34" charset="0"/>
+              </a:rPr>
+              <a:t>EventProgramXml</a:t>
+            </a:r>
+            <a:r>
+              <a:rPr lang="de-CH" sz="1000" b="1" i="1" dirty="0">
+                <a:solidFill>
+                  <a:schemeClr val="tx1"/>
+                </a:solidFill>
+                <a:latin typeface="Arial" panose="020B0604020202020204" pitchFamily="34" charset="0"/>
+                <a:cs typeface="Arial" panose="020B0604020202020204" pitchFamily="34" charset="0"/>
+              </a:rPr>
+              <a:t>  </a:t>
+            </a:r>
+          </a:p>
+        </p:txBody>
+      </p:sp>
+      <p:sp>
+        <p:nvSpPr>
+          <p:cNvPr id="4" name="Textfeld 3">
+            <a:extLst>
+              <a:ext uri="{FF2B5EF4-FFF2-40B4-BE49-F238E27FC236}">
+                <a16:creationId xmlns:a16="http://schemas.microsoft.com/office/drawing/2014/main" id="{01235A2A-663A-B1C1-5EA5-8B1C6EBDC8E9}"/>
+              </a:ext>
+            </a:extLst>
+          </p:cNvPr>
+          <p:cNvSpPr txBox="1"/>
+          <p:nvPr/>
+        </p:nvSpPr>
+        <p:spPr>
+          <a:xfrm>
+            <a:off x="0" y="187288"/>
+            <a:ext cx="12192000" cy="369332"/>
+          </a:xfrm>
+          <a:prstGeom prst="rect">
+            <a:avLst/>
+          </a:prstGeom>
+          <a:noFill/>
+        </p:spPr>
+        <p:txBody>
+          <a:bodyPr wrap="square">
+            <a:spAutoFit/>
+          </a:bodyPr>
+          <a:lstStyle/>
+          <a:p>
+            <a:pPr algn="ctr"/>
+            <a:r>
+              <a:rPr lang="de-CH" b="1" dirty="0">
+                <a:latin typeface="Arial" panose="020B0604020202020204" pitchFamily="34" charset="0"/>
+                <a:cs typeface="Arial" panose="020B0604020202020204" pitchFamily="34" charset="0"/>
+              </a:rPr>
+              <a:t>SeasonToEventProgramXml.js</a:t>
+            </a:r>
+          </a:p>
+        </p:txBody>
+      </p:sp>
+      <p:sp>
+        <p:nvSpPr>
+          <p:cNvPr id="5" name="Textfeld 4">
+            <a:extLst>
+              <a:ext uri="{FF2B5EF4-FFF2-40B4-BE49-F238E27FC236}">
+                <a16:creationId xmlns:a16="http://schemas.microsoft.com/office/drawing/2014/main" id="{26D08DB3-A645-AC9B-6568-85F23F06607B}"/>
+              </a:ext>
+            </a:extLst>
+          </p:cNvPr>
+          <p:cNvSpPr txBox="1"/>
+          <p:nvPr/>
+        </p:nvSpPr>
+        <p:spPr>
+          <a:xfrm>
+            <a:off x="4920264" y="6016212"/>
+            <a:ext cx="4057369" cy="738664"/>
+          </a:xfrm>
+          <a:prstGeom prst="rect">
+            <a:avLst/>
+          </a:prstGeom>
+          <a:noFill/>
+        </p:spPr>
+        <p:txBody>
+          <a:bodyPr wrap="square">
+            <a:spAutoFit/>
+          </a:bodyPr>
+          <a:lstStyle/>
+          <a:p>
+            <a:pPr algn="ctr"/>
+            <a:r>
+              <a:rPr lang="en-US" sz="1400" b="1" dirty="0" err="1">
+                <a:latin typeface="Arial" panose="020B0604020202020204" pitchFamily="34" charset="0"/>
+                <a:cs typeface="Arial" panose="020B0604020202020204" pitchFamily="34" charset="0"/>
+              </a:rPr>
+              <a:t>g_season_to_event_data</a:t>
+            </a:r>
+            <a:r>
+              <a:rPr lang="en-US" sz="1400" b="1" dirty="0">
+                <a:latin typeface="Arial" panose="020B0604020202020204" pitchFamily="34" charset="0"/>
+                <a:cs typeface="Arial" panose="020B0604020202020204" pitchFamily="34" charset="0"/>
+              </a:rPr>
+              <a:t> = </a:t>
+            </a:r>
+          </a:p>
+          <a:p>
+            <a:pPr algn="ctr"/>
+            <a:endParaRPr lang="en-US" sz="1400" b="1" dirty="0">
+              <a:latin typeface="Arial" panose="020B0604020202020204" pitchFamily="34" charset="0"/>
+              <a:cs typeface="Arial" panose="020B0604020202020204" pitchFamily="34" charset="0"/>
+            </a:endParaRPr>
+          </a:p>
+          <a:p>
+            <a:pPr algn="ctr"/>
+            <a:r>
+              <a:rPr lang="en-US" sz="1400" b="1" dirty="0">
+                <a:latin typeface="Arial" panose="020B0604020202020204" pitchFamily="34" charset="0"/>
+                <a:cs typeface="Arial" panose="020B0604020202020204" pitchFamily="34" charset="0"/>
+              </a:rPr>
+              <a:t>new </a:t>
+            </a:r>
+            <a:r>
+              <a:rPr lang="en-US" sz="1400" b="1" dirty="0" err="1">
+                <a:latin typeface="Arial" panose="020B0604020202020204" pitchFamily="34" charset="0"/>
+                <a:cs typeface="Arial" panose="020B0604020202020204" pitchFamily="34" charset="0"/>
+              </a:rPr>
+              <a:t>SeasonToEventProgramXmlData</a:t>
+            </a:r>
+            <a:r>
+              <a:rPr lang="en-US" sz="1400" b="1" dirty="0">
+                <a:latin typeface="Arial" panose="020B0604020202020204" pitchFamily="34" charset="0"/>
+                <a:cs typeface="Arial" panose="020B0604020202020204" pitchFamily="34" charset="0"/>
+              </a:rPr>
+              <a:t> (…) </a:t>
+            </a:r>
+            <a:endParaRPr lang="de-CH" sz="1400" b="1" dirty="0">
+              <a:latin typeface="Arial" panose="020B0604020202020204" pitchFamily="34" charset="0"/>
+              <a:cs typeface="Arial" panose="020B0604020202020204" pitchFamily="34" charset="0"/>
+            </a:endParaRPr>
+          </a:p>
+        </p:txBody>
+      </p:sp>
+      <p:sp>
+        <p:nvSpPr>
+          <p:cNvPr id="6" name="Rechteck 5">
+            <a:extLst>
+              <a:ext uri="{FF2B5EF4-FFF2-40B4-BE49-F238E27FC236}">
+                <a16:creationId xmlns:a16="http://schemas.microsoft.com/office/drawing/2014/main" id="{CEBBE27A-EE61-4A1F-883F-15F65C4A1A99}"/>
+              </a:ext>
+            </a:extLst>
+          </p:cNvPr>
+          <p:cNvSpPr/>
+          <p:nvPr/>
+        </p:nvSpPr>
+        <p:spPr>
+          <a:xfrm>
+            <a:off x="180110" y="997779"/>
+            <a:ext cx="4665403" cy="570469"/>
+          </a:xfrm>
+          <a:prstGeom prst="rect">
+            <a:avLst/>
+          </a:prstGeom>
+          <a:noFill/>
+          <a:ln w="19050">
+            <a:solidFill>
+              <a:schemeClr val="tx1"/>
+            </a:solidFill>
+          </a:ln>
+        </p:spPr>
+        <p:style>
+          <a:lnRef idx="2">
+            <a:schemeClr val="accent1">
+              <a:shade val="50000"/>
+            </a:schemeClr>
+          </a:lnRef>
+          <a:fillRef idx="1">
+            <a:schemeClr val="accent1"/>
+          </a:fillRef>
+          <a:effectRef idx="0">
+            <a:schemeClr val="accent1"/>
+          </a:effectRef>
+          <a:fontRef idx="minor">
+            <a:schemeClr val="lt1"/>
+          </a:fontRef>
+        </p:style>
+        <p:txBody>
+          <a:bodyPr rtlCol="0" anchor="ctr"/>
+          <a:lstStyle/>
+          <a:p>
+            <a:pPr algn="ctr"/>
+            <a:r>
+              <a:rPr lang="de-CH" b="1" dirty="0" err="1">
+                <a:solidFill>
+                  <a:schemeClr val="tx1"/>
+                </a:solidFill>
+                <a:latin typeface="Arial" panose="020B0604020202020204" pitchFamily="34" charset="0"/>
+                <a:cs typeface="Arial" panose="020B0604020202020204" pitchFamily="34" charset="0"/>
+              </a:rPr>
+              <a:t>SeasonToEventProgramXml</a:t>
+            </a:r>
+            <a:r>
+              <a:rPr lang="de-CH" b="1" dirty="0">
+                <a:solidFill>
+                  <a:schemeClr val="tx1"/>
+                </a:solidFill>
+                <a:latin typeface="Arial" panose="020B0604020202020204" pitchFamily="34" charset="0"/>
+                <a:cs typeface="Arial" panose="020B0604020202020204" pitchFamily="34" charset="0"/>
+              </a:rPr>
+              <a:t> </a:t>
+            </a:r>
+          </a:p>
+          <a:p>
+            <a:pPr algn="ctr"/>
+            <a:r>
+              <a:rPr lang="de-CH" sz="1200" dirty="0" err="1">
+                <a:solidFill>
+                  <a:schemeClr val="tx1"/>
+                </a:solidFill>
+                <a:latin typeface="Arial" panose="020B0604020202020204" pitchFamily="34" charset="0"/>
+                <a:cs typeface="Arial" panose="020B0604020202020204" pitchFamily="34" charset="0"/>
+              </a:rPr>
+              <a:t>Creates</a:t>
+            </a:r>
+            <a:r>
+              <a:rPr lang="de-CH" sz="1200" dirty="0">
+                <a:solidFill>
+                  <a:schemeClr val="tx1"/>
+                </a:solidFill>
+                <a:latin typeface="Arial" panose="020B0604020202020204" pitchFamily="34" charset="0"/>
+                <a:cs typeface="Arial" panose="020B0604020202020204" pitchFamily="34" charset="0"/>
+              </a:rPr>
+              <a:t> </a:t>
+            </a:r>
+            <a:r>
+              <a:rPr lang="de-CH" sz="1200" dirty="0" err="1">
+                <a:solidFill>
+                  <a:schemeClr val="tx1"/>
+                </a:solidFill>
+                <a:latin typeface="Arial" panose="020B0604020202020204" pitchFamily="34" charset="0"/>
+                <a:cs typeface="Arial" panose="020B0604020202020204" pitchFamily="34" charset="0"/>
+              </a:rPr>
+              <a:t>event</a:t>
+            </a:r>
+            <a:r>
+              <a:rPr lang="de-CH" sz="1200" dirty="0">
+                <a:solidFill>
+                  <a:schemeClr val="tx1"/>
+                </a:solidFill>
+                <a:latin typeface="Arial" panose="020B0604020202020204" pitchFamily="34" charset="0"/>
+                <a:cs typeface="Arial" panose="020B0604020202020204" pitchFamily="34" charset="0"/>
+              </a:rPr>
+              <a:t> XML </a:t>
+            </a:r>
+            <a:r>
+              <a:rPr lang="de-CH" sz="1200" dirty="0" err="1">
+                <a:solidFill>
+                  <a:schemeClr val="tx1"/>
+                </a:solidFill>
+                <a:latin typeface="Arial" panose="020B0604020202020204" pitchFamily="34" charset="0"/>
+                <a:cs typeface="Arial" panose="020B0604020202020204" pitchFamily="34" charset="0"/>
+              </a:rPr>
+              <a:t>program</a:t>
+            </a:r>
+            <a:r>
+              <a:rPr lang="de-CH" sz="1200" dirty="0">
+                <a:solidFill>
+                  <a:schemeClr val="tx1"/>
+                </a:solidFill>
+                <a:latin typeface="Arial" panose="020B0604020202020204" pitchFamily="34" charset="0"/>
+                <a:cs typeface="Arial" panose="020B0604020202020204" pitchFamily="34" charset="0"/>
+              </a:rPr>
+              <a:t> </a:t>
+            </a:r>
+            <a:r>
+              <a:rPr lang="de-CH" sz="1200" dirty="0" err="1">
+                <a:solidFill>
+                  <a:schemeClr val="tx1"/>
+                </a:solidFill>
+                <a:latin typeface="Arial" panose="020B0604020202020204" pitchFamily="34" charset="0"/>
+                <a:cs typeface="Arial" panose="020B0604020202020204" pitchFamily="34" charset="0"/>
+              </a:rPr>
+              <a:t>from</a:t>
+            </a:r>
+            <a:r>
+              <a:rPr lang="de-CH" sz="1200" dirty="0">
+                <a:solidFill>
+                  <a:schemeClr val="tx1"/>
+                </a:solidFill>
+                <a:latin typeface="Arial" panose="020B0604020202020204" pitchFamily="34" charset="0"/>
+                <a:cs typeface="Arial" panose="020B0604020202020204" pitchFamily="34" charset="0"/>
+              </a:rPr>
+              <a:t> </a:t>
+            </a:r>
+            <a:r>
+              <a:rPr lang="de-CH" sz="1200" dirty="0" err="1">
+                <a:solidFill>
+                  <a:schemeClr val="tx1"/>
+                </a:solidFill>
+                <a:latin typeface="Arial" panose="020B0604020202020204" pitchFamily="34" charset="0"/>
+                <a:cs typeface="Arial" panose="020B0604020202020204" pitchFamily="34" charset="0"/>
+              </a:rPr>
+              <a:t>season</a:t>
+            </a:r>
+            <a:r>
+              <a:rPr lang="de-CH" sz="1200" dirty="0">
+                <a:solidFill>
+                  <a:schemeClr val="tx1"/>
+                </a:solidFill>
+                <a:latin typeface="Arial" panose="020B0604020202020204" pitchFamily="34" charset="0"/>
+                <a:cs typeface="Arial" panose="020B0604020202020204" pitchFamily="34" charset="0"/>
+              </a:rPr>
+              <a:t> XML </a:t>
+            </a:r>
+            <a:r>
+              <a:rPr lang="de-CH" sz="1200" dirty="0" err="1">
+                <a:solidFill>
+                  <a:schemeClr val="tx1"/>
+                </a:solidFill>
+                <a:latin typeface="Arial" panose="020B0604020202020204" pitchFamily="34" charset="0"/>
+                <a:cs typeface="Arial" panose="020B0604020202020204" pitchFamily="34" charset="0"/>
+              </a:rPr>
+              <a:t>program</a:t>
+            </a:r>
+            <a:endParaRPr lang="de-CH" sz="1200" dirty="0">
+              <a:solidFill>
+                <a:schemeClr val="tx1"/>
+              </a:solidFill>
+              <a:latin typeface="Arial" panose="020B0604020202020204" pitchFamily="34" charset="0"/>
+              <a:cs typeface="Arial" panose="020B0604020202020204" pitchFamily="34" charset="0"/>
+            </a:endParaRPr>
+          </a:p>
+        </p:txBody>
+      </p:sp>
+      <p:sp>
+        <p:nvSpPr>
+          <p:cNvPr id="7" name="Rechteck 6">
+            <a:extLst>
+              <a:ext uri="{FF2B5EF4-FFF2-40B4-BE49-F238E27FC236}">
+                <a16:creationId xmlns:a16="http://schemas.microsoft.com/office/drawing/2014/main" id="{5F47DD69-844E-FFAB-0C4F-14CFB5325223}"/>
+              </a:ext>
+            </a:extLst>
+          </p:cNvPr>
+          <p:cNvSpPr/>
+          <p:nvPr/>
+        </p:nvSpPr>
+        <p:spPr>
+          <a:xfrm>
+            <a:off x="180110" y="1568247"/>
+            <a:ext cx="4665406" cy="5289753"/>
+          </a:xfrm>
+          <a:prstGeom prst="rect">
+            <a:avLst/>
+          </a:prstGeom>
+          <a:noFill/>
+          <a:ln w="19050">
+            <a:solidFill>
+              <a:schemeClr val="tx1"/>
+            </a:solidFill>
+          </a:ln>
+        </p:spPr>
+        <p:style>
+          <a:lnRef idx="2">
+            <a:schemeClr val="accent1">
+              <a:shade val="50000"/>
+            </a:schemeClr>
+          </a:lnRef>
+          <a:fillRef idx="1">
+            <a:schemeClr val="accent1"/>
+          </a:fillRef>
+          <a:effectRef idx="0">
+            <a:schemeClr val="accent1"/>
+          </a:effectRef>
+          <a:fontRef idx="minor">
+            <a:schemeClr val="lt1"/>
+          </a:fontRef>
+        </p:style>
+        <p:txBody>
+          <a:bodyPr rtlCol="0" anchor="ctr"/>
+          <a:lstStyle/>
+          <a:p>
+            <a:r>
+              <a:rPr lang="en-US" sz="1200" b="1" i="1" dirty="0">
+                <a:solidFill>
+                  <a:schemeClr val="tx1"/>
+                </a:solidFill>
+                <a:latin typeface="Arial" panose="020B0604020202020204" pitchFamily="34" charset="0"/>
+                <a:cs typeface="Arial" panose="020B0604020202020204" pitchFamily="34" charset="0"/>
+              </a:rPr>
+              <a:t>start</a:t>
+            </a:r>
+          </a:p>
+          <a:p>
+            <a:r>
+              <a:rPr lang="en-US" sz="1000" b="1" dirty="0">
+                <a:solidFill>
+                  <a:schemeClr val="tx1"/>
+                </a:solidFill>
+                <a:latin typeface="Arial" panose="020B0604020202020204" pitchFamily="34" charset="0"/>
+                <a:cs typeface="Arial" panose="020B0604020202020204" pitchFamily="34" charset="0"/>
+              </a:rPr>
+              <a:t>   Create data object. Set </a:t>
+            </a:r>
+            <a:r>
+              <a:rPr lang="en-US" sz="1200" b="1" i="1" dirty="0" err="1">
+                <a:solidFill>
+                  <a:schemeClr val="tx1"/>
+                </a:solidFill>
+                <a:latin typeface="Arial" panose="020B0604020202020204" pitchFamily="34" charset="0"/>
+                <a:cs typeface="Arial" panose="020B0604020202020204" pitchFamily="34" charset="0"/>
+              </a:rPr>
+              <a:t>g_season_to_event_data</a:t>
+            </a:r>
+            <a:r>
+              <a:rPr lang="en-US" sz="1200" b="1" i="1" dirty="0">
+                <a:solidFill>
+                  <a:schemeClr val="tx1"/>
+                </a:solidFill>
+                <a:latin typeface="Arial" panose="020B0604020202020204" pitchFamily="34" charset="0"/>
+                <a:cs typeface="Arial" panose="020B0604020202020204" pitchFamily="34" charset="0"/>
+              </a:rPr>
+              <a:t> </a:t>
+            </a:r>
+          </a:p>
+          <a:p>
+            <a:r>
+              <a:rPr lang="en-US" sz="1000" b="1" dirty="0">
+                <a:solidFill>
+                  <a:schemeClr val="tx1"/>
+                </a:solidFill>
+                <a:latin typeface="Arial" panose="020B0604020202020204" pitchFamily="34" charset="0"/>
+                <a:cs typeface="Arial" panose="020B0604020202020204" pitchFamily="34" charset="0"/>
+              </a:rPr>
+              <a:t>   Check input. Calls </a:t>
+            </a:r>
+            <a:r>
+              <a:rPr lang="en-US" sz="1000" b="1" dirty="0" err="1">
+                <a:solidFill>
+                  <a:schemeClr val="tx1"/>
+                </a:solidFill>
+                <a:latin typeface="Arial" panose="020B0604020202020204" pitchFamily="34" charset="0"/>
+                <a:cs typeface="Arial" panose="020B0604020202020204" pitchFamily="34" charset="0"/>
+              </a:rPr>
+              <a:t>checkInput</a:t>
+            </a:r>
+            <a:endParaRPr lang="en-US" sz="1000" b="1" dirty="0">
+              <a:solidFill>
+                <a:schemeClr val="tx1"/>
+              </a:solidFill>
+              <a:latin typeface="Arial" panose="020B0604020202020204" pitchFamily="34" charset="0"/>
+              <a:cs typeface="Arial" panose="020B0604020202020204" pitchFamily="34" charset="0"/>
+            </a:endParaRPr>
+          </a:p>
+          <a:p>
+            <a:r>
+              <a:rPr lang="en-US" sz="1000" b="1" dirty="0">
+                <a:solidFill>
+                  <a:schemeClr val="tx1"/>
+                </a:solidFill>
+                <a:latin typeface="Arial" panose="020B0604020202020204" pitchFamily="34" charset="0"/>
+                <a:cs typeface="Arial" panose="020B0604020202020204" pitchFamily="34" charset="0"/>
+              </a:rPr>
+              <a:t>   Construct URLs for output file. </a:t>
+            </a:r>
+          </a:p>
+          <a:p>
+            <a:r>
+              <a:rPr lang="en-US" sz="1000" b="1" dirty="0">
+                <a:solidFill>
+                  <a:schemeClr val="tx1"/>
+                </a:solidFill>
+                <a:latin typeface="Arial" panose="020B0604020202020204" pitchFamily="34" charset="0"/>
+                <a:cs typeface="Arial" panose="020B0604020202020204" pitchFamily="34" charset="0"/>
+              </a:rPr>
+              <a:t>   Get season program start year</a:t>
+            </a:r>
+          </a:p>
+          <a:p>
+            <a:r>
+              <a:rPr lang="en-US" sz="1000" b="1" dirty="0">
+                <a:solidFill>
+                  <a:schemeClr val="tx1"/>
+                </a:solidFill>
+                <a:latin typeface="Arial" panose="020B0604020202020204" pitchFamily="34" charset="0"/>
+                <a:cs typeface="Arial" panose="020B0604020202020204" pitchFamily="34" charset="0"/>
+              </a:rPr>
+              <a:t>   Create season XML object. Call </a:t>
+            </a:r>
+            <a:r>
+              <a:rPr lang="en-US" sz="1200" b="1" i="1" dirty="0" err="1">
+                <a:solidFill>
+                  <a:schemeClr val="tx1"/>
+                </a:solidFill>
+                <a:latin typeface="Arial" panose="020B0604020202020204" pitchFamily="34" charset="0"/>
+                <a:cs typeface="Arial" panose="020B0604020202020204" pitchFamily="34" charset="0"/>
+              </a:rPr>
+              <a:t>seasonXmlObjec</a:t>
+            </a:r>
+            <a:r>
+              <a:rPr lang="en-US" sz="1000" b="1" dirty="0" err="1">
+                <a:solidFill>
+                  <a:schemeClr val="tx1"/>
+                </a:solidFill>
+                <a:latin typeface="Arial" panose="020B0604020202020204" pitchFamily="34" charset="0"/>
+                <a:cs typeface="Arial" panose="020B0604020202020204" pitchFamily="34" charset="0"/>
+              </a:rPr>
+              <a:t>t</a:t>
+            </a:r>
+            <a:endParaRPr lang="en-US" sz="1000" b="1" dirty="0">
+              <a:solidFill>
+                <a:schemeClr val="tx1"/>
+              </a:solidFill>
+              <a:latin typeface="Arial" panose="020B0604020202020204" pitchFamily="34" charset="0"/>
+              <a:cs typeface="Arial" panose="020B0604020202020204" pitchFamily="34" charset="0"/>
+            </a:endParaRPr>
+          </a:p>
+          <a:p>
+            <a:endParaRPr lang="en-US" sz="1000" b="1" dirty="0">
+              <a:solidFill>
+                <a:schemeClr val="tx1"/>
+              </a:solidFill>
+              <a:latin typeface="Arial" panose="020B0604020202020204" pitchFamily="34" charset="0"/>
+              <a:cs typeface="Arial" panose="020B0604020202020204" pitchFamily="34" charset="0"/>
+            </a:endParaRPr>
+          </a:p>
+          <a:p>
+            <a:r>
+              <a:rPr lang="en-US" sz="1000" b="1" dirty="0">
+                <a:solidFill>
+                  <a:schemeClr val="tx1"/>
+                </a:solidFill>
+                <a:latin typeface="Arial" panose="020B0604020202020204" pitchFamily="34" charset="0"/>
+                <a:cs typeface="Arial" panose="020B0604020202020204" pitchFamily="34" charset="0"/>
+              </a:rPr>
+              <a:t> </a:t>
+            </a:r>
+            <a:r>
+              <a:rPr lang="en-US" sz="1200" b="1" i="1" dirty="0" err="1">
+                <a:solidFill>
+                  <a:schemeClr val="tx1"/>
+                </a:solidFill>
+                <a:latin typeface="Arial" panose="020B0604020202020204" pitchFamily="34" charset="0"/>
+                <a:cs typeface="Arial" panose="020B0604020202020204" pitchFamily="34" charset="0"/>
+              </a:rPr>
+              <a:t>seasonXmlObject</a:t>
+            </a:r>
+            <a:r>
+              <a:rPr lang="en-US" sz="1000" b="1" dirty="0">
+                <a:solidFill>
+                  <a:schemeClr val="tx1"/>
+                </a:solidFill>
+                <a:latin typeface="Arial" panose="020B0604020202020204" pitchFamily="34" charset="0"/>
+                <a:cs typeface="Arial" panose="020B0604020202020204" pitchFamily="34" charset="0"/>
+              </a:rPr>
+              <a:t>  </a:t>
+            </a:r>
+          </a:p>
+          <a:p>
+            <a:r>
+              <a:rPr lang="en-US" sz="1000" b="1" dirty="0">
+                <a:solidFill>
+                  <a:schemeClr val="tx1"/>
+                </a:solidFill>
+                <a:latin typeface="Arial" panose="020B0604020202020204" pitchFamily="34" charset="0"/>
+                <a:cs typeface="Arial" panose="020B0604020202020204" pitchFamily="34" charset="0"/>
+              </a:rPr>
+              <a:t>  Create object </a:t>
+            </a:r>
+            <a:r>
+              <a:rPr lang="en-US" sz="1000" b="1" dirty="0" err="1">
+                <a:solidFill>
+                  <a:schemeClr val="tx1"/>
+                </a:solidFill>
+                <a:latin typeface="Arial" panose="020B0604020202020204" pitchFamily="34" charset="0"/>
+                <a:cs typeface="Arial" panose="020B0604020202020204" pitchFamily="34" charset="0"/>
+              </a:rPr>
+              <a:t>SeasonXml</a:t>
+            </a:r>
+            <a:r>
+              <a:rPr lang="en-US" sz="1000" b="1" dirty="0">
+                <a:solidFill>
+                  <a:schemeClr val="tx1"/>
+                </a:solidFill>
+                <a:latin typeface="Arial" panose="020B0604020202020204" pitchFamily="34" charset="0"/>
+                <a:cs typeface="Arial" panose="020B0604020202020204" pitchFamily="34" charset="0"/>
+              </a:rPr>
+              <a:t> Callback function </a:t>
+            </a:r>
+            <a:r>
+              <a:rPr lang="en-US" sz="1200" b="1" i="1" dirty="0" err="1">
+                <a:solidFill>
+                  <a:schemeClr val="tx1"/>
+                </a:solidFill>
+                <a:latin typeface="Arial" panose="020B0604020202020204" pitchFamily="34" charset="0"/>
+                <a:cs typeface="Arial" panose="020B0604020202020204" pitchFamily="34" charset="0"/>
+              </a:rPr>
+              <a:t>createEventXmlStartFile</a:t>
+            </a:r>
+            <a:endParaRPr lang="en-US" sz="1200" b="1" i="1" dirty="0">
+              <a:solidFill>
+                <a:schemeClr val="tx1"/>
+              </a:solidFill>
+              <a:latin typeface="Arial" panose="020B0604020202020204" pitchFamily="34" charset="0"/>
+              <a:cs typeface="Arial" panose="020B0604020202020204" pitchFamily="34" charset="0"/>
+            </a:endParaRPr>
+          </a:p>
+          <a:p>
+            <a:r>
+              <a:rPr lang="en-US" sz="1000" b="1" dirty="0">
+                <a:solidFill>
+                  <a:schemeClr val="tx1"/>
+                </a:solidFill>
+                <a:latin typeface="Arial" panose="020B0604020202020204" pitchFamily="34" charset="0"/>
+                <a:cs typeface="Arial" panose="020B0604020202020204" pitchFamily="34" charset="0"/>
+              </a:rPr>
+              <a:t>  Set </a:t>
+            </a:r>
+            <a:r>
+              <a:rPr lang="en-US" sz="1000" b="1" dirty="0" err="1">
+                <a:solidFill>
+                  <a:schemeClr val="tx1"/>
+                </a:solidFill>
+                <a:latin typeface="Arial" panose="020B0604020202020204" pitchFamily="34" charset="0"/>
+                <a:cs typeface="Arial" panose="020B0604020202020204" pitchFamily="34" charset="0"/>
+              </a:rPr>
+              <a:t>g_season_to_event_data.m_season_xml</a:t>
+            </a:r>
+            <a:endParaRPr lang="en-US" sz="1000" b="1" dirty="0">
+              <a:solidFill>
+                <a:schemeClr val="tx1"/>
+              </a:solidFill>
+              <a:latin typeface="Arial" panose="020B0604020202020204" pitchFamily="34" charset="0"/>
+              <a:cs typeface="Arial" panose="020B0604020202020204" pitchFamily="34" charset="0"/>
+            </a:endParaRPr>
+          </a:p>
+          <a:p>
+            <a:endParaRPr lang="en-US" sz="1000" b="1" dirty="0">
+              <a:solidFill>
+                <a:schemeClr val="tx1"/>
+              </a:solidFill>
+              <a:latin typeface="Arial" panose="020B0604020202020204" pitchFamily="34" charset="0"/>
+              <a:cs typeface="Arial" panose="020B0604020202020204" pitchFamily="34" charset="0"/>
+            </a:endParaRPr>
+          </a:p>
+          <a:p>
+            <a:r>
+              <a:rPr lang="en-US" sz="1200" b="1" i="1" dirty="0" err="1">
+                <a:solidFill>
+                  <a:schemeClr val="tx1"/>
+                </a:solidFill>
+                <a:latin typeface="Arial" panose="020B0604020202020204" pitchFamily="34" charset="0"/>
+                <a:cs typeface="Arial" panose="020B0604020202020204" pitchFamily="34" charset="0"/>
+              </a:rPr>
+              <a:t>createEventXmlStartFile</a:t>
+            </a:r>
+            <a:endParaRPr lang="en-US" sz="1200" b="1" i="1" dirty="0">
+              <a:solidFill>
+                <a:schemeClr val="tx1"/>
+              </a:solidFill>
+              <a:latin typeface="Arial" panose="020B0604020202020204" pitchFamily="34" charset="0"/>
+              <a:cs typeface="Arial" panose="020B0604020202020204" pitchFamily="34" charset="0"/>
+            </a:endParaRPr>
+          </a:p>
+          <a:p>
+            <a:r>
+              <a:rPr lang="en-US" sz="1000" b="1" dirty="0">
+                <a:solidFill>
+                  <a:schemeClr val="tx1"/>
+                </a:solidFill>
+                <a:latin typeface="Arial" panose="020B0604020202020204" pitchFamily="34" charset="0"/>
+                <a:cs typeface="Arial" panose="020B0604020202020204" pitchFamily="34" charset="0"/>
+              </a:rPr>
+              <a:t>  Create start file with tag &lt;</a:t>
+            </a:r>
+            <a:r>
+              <a:rPr lang="en-US" sz="1000" b="1" dirty="0" err="1">
+                <a:solidFill>
+                  <a:schemeClr val="tx1"/>
+                </a:solidFill>
+                <a:latin typeface="Arial" panose="020B0604020202020204" pitchFamily="34" charset="0"/>
+                <a:cs typeface="Arial" panose="020B0604020202020204" pitchFamily="34" charset="0"/>
+              </a:rPr>
+              <a:t>EventProgram</a:t>
+            </a:r>
+            <a:r>
+              <a:rPr lang="en-US" sz="1000" b="1" dirty="0">
+                <a:solidFill>
+                  <a:schemeClr val="tx1"/>
+                </a:solidFill>
+                <a:latin typeface="Arial" panose="020B0604020202020204" pitchFamily="34" charset="0"/>
+                <a:cs typeface="Arial" panose="020B0604020202020204" pitchFamily="34" charset="0"/>
+              </a:rPr>
+              <a:t>&gt;</a:t>
+            </a:r>
+          </a:p>
+          <a:p>
+            <a:r>
+              <a:rPr lang="en-US" sz="1000" b="1" dirty="0">
+                <a:solidFill>
+                  <a:schemeClr val="tx1"/>
+                </a:solidFill>
+                <a:latin typeface="Arial" panose="020B0604020202020204" pitchFamily="34" charset="0"/>
+                <a:cs typeface="Arial" panose="020B0604020202020204" pitchFamily="34" charset="0"/>
+              </a:rPr>
+              <a:t>  Call </a:t>
+            </a:r>
+            <a:r>
+              <a:rPr lang="en-US" sz="1000" b="1" dirty="0" err="1">
+                <a:solidFill>
+                  <a:schemeClr val="tx1"/>
+                </a:solidFill>
+                <a:latin typeface="Arial" panose="020B0604020202020204" pitchFamily="34" charset="0"/>
+                <a:cs typeface="Arial" panose="020B0604020202020204" pitchFamily="34" charset="0"/>
+              </a:rPr>
+              <a:t>UtilServer.saveDirFile</a:t>
+            </a:r>
+            <a:r>
+              <a:rPr lang="en-US" sz="1000" b="1" dirty="0">
+                <a:solidFill>
+                  <a:schemeClr val="tx1"/>
+                </a:solidFill>
+                <a:latin typeface="Arial" panose="020B0604020202020204" pitchFamily="34" charset="0"/>
+                <a:cs typeface="Arial" panose="020B0604020202020204" pitchFamily="34" charset="0"/>
+              </a:rPr>
+              <a:t> with callback function </a:t>
+            </a:r>
+            <a:r>
+              <a:rPr lang="en-US" sz="1200" b="1" i="1" dirty="0" err="1">
+                <a:solidFill>
+                  <a:schemeClr val="tx1"/>
+                </a:solidFill>
+                <a:latin typeface="Arial" panose="020B0604020202020204" pitchFamily="34" charset="0"/>
+                <a:cs typeface="Arial" panose="020B0604020202020204" pitchFamily="34" charset="0"/>
+              </a:rPr>
+              <a:t>eventObjectXml</a:t>
+            </a:r>
+            <a:endParaRPr lang="en-US" sz="1200" b="1" i="1" dirty="0">
+              <a:solidFill>
+                <a:schemeClr val="tx1"/>
+              </a:solidFill>
+              <a:latin typeface="Arial" panose="020B0604020202020204" pitchFamily="34" charset="0"/>
+              <a:cs typeface="Arial" panose="020B0604020202020204" pitchFamily="34" charset="0"/>
+            </a:endParaRPr>
+          </a:p>
+          <a:p>
+            <a:endParaRPr lang="en-US" sz="1000" b="1" dirty="0">
+              <a:solidFill>
+                <a:schemeClr val="tx1"/>
+              </a:solidFill>
+              <a:latin typeface="Arial" panose="020B0604020202020204" pitchFamily="34" charset="0"/>
+              <a:cs typeface="Arial" panose="020B0604020202020204" pitchFamily="34" charset="0"/>
+            </a:endParaRPr>
+          </a:p>
+          <a:p>
+            <a:r>
+              <a:rPr lang="en-US" sz="1200" b="1" i="1" dirty="0" err="1">
+                <a:solidFill>
+                  <a:schemeClr val="tx1"/>
+                </a:solidFill>
+                <a:latin typeface="Arial" panose="020B0604020202020204" pitchFamily="34" charset="0"/>
+                <a:cs typeface="Arial" panose="020B0604020202020204" pitchFamily="34" charset="0"/>
+              </a:rPr>
+              <a:t>eventObjectXml</a:t>
+            </a:r>
+            <a:endParaRPr lang="en-US" sz="1200" b="1" i="1" dirty="0">
+              <a:solidFill>
+                <a:schemeClr val="tx1"/>
+              </a:solidFill>
+              <a:latin typeface="Arial" panose="020B0604020202020204" pitchFamily="34" charset="0"/>
+              <a:cs typeface="Arial" panose="020B0604020202020204" pitchFamily="34" charset="0"/>
+            </a:endParaRPr>
+          </a:p>
+          <a:p>
+            <a:r>
+              <a:rPr lang="en-US" sz="1000" b="1" dirty="0">
+                <a:solidFill>
+                  <a:schemeClr val="tx1"/>
+                </a:solidFill>
+                <a:latin typeface="Arial" panose="020B0604020202020204" pitchFamily="34" charset="0"/>
+                <a:cs typeface="Arial" panose="020B0604020202020204" pitchFamily="34" charset="0"/>
+              </a:rPr>
+              <a:t>  Create instance of </a:t>
+            </a:r>
+            <a:r>
+              <a:rPr lang="en-US" sz="1000" b="1" dirty="0" err="1">
+                <a:solidFill>
+                  <a:schemeClr val="tx1"/>
+                </a:solidFill>
+                <a:latin typeface="Arial" panose="020B0604020202020204" pitchFamily="34" charset="0"/>
+                <a:cs typeface="Arial" panose="020B0604020202020204" pitchFamily="34" charset="0"/>
+              </a:rPr>
+              <a:t>EventProgramXml</a:t>
+            </a:r>
+            <a:r>
+              <a:rPr lang="en-US" sz="1000" b="1" dirty="0">
+                <a:solidFill>
+                  <a:schemeClr val="tx1"/>
+                </a:solidFill>
+                <a:latin typeface="Arial" panose="020B0604020202020204" pitchFamily="34" charset="0"/>
+                <a:cs typeface="Arial" panose="020B0604020202020204" pitchFamily="34" charset="0"/>
+              </a:rPr>
+              <a:t> callback </a:t>
+            </a:r>
+            <a:r>
+              <a:rPr lang="en-US" sz="1200" b="1" i="1" dirty="0" err="1">
+                <a:solidFill>
+                  <a:schemeClr val="tx1"/>
+                </a:solidFill>
+                <a:latin typeface="Arial" panose="020B0604020202020204" pitchFamily="34" charset="0"/>
+                <a:cs typeface="Arial" panose="020B0604020202020204" pitchFamily="34" charset="0"/>
+              </a:rPr>
+              <a:t>fromSeasonToEvent</a:t>
+            </a:r>
+            <a:endParaRPr lang="en-US" sz="1200" b="1" i="1" dirty="0">
+              <a:solidFill>
+                <a:schemeClr val="tx1"/>
+              </a:solidFill>
+              <a:latin typeface="Arial" panose="020B0604020202020204" pitchFamily="34" charset="0"/>
+              <a:cs typeface="Arial" panose="020B0604020202020204" pitchFamily="34" charset="0"/>
+            </a:endParaRPr>
+          </a:p>
+          <a:p>
+            <a:r>
+              <a:rPr lang="en-US" sz="1000" b="1" dirty="0">
+                <a:solidFill>
+                  <a:schemeClr val="tx1"/>
+                </a:solidFill>
+                <a:latin typeface="Arial" panose="020B0604020202020204" pitchFamily="34" charset="0"/>
+                <a:cs typeface="Arial" panose="020B0604020202020204" pitchFamily="34" charset="0"/>
+              </a:rPr>
+              <a:t>  Set </a:t>
+            </a:r>
+            <a:r>
+              <a:rPr lang="en-US" sz="1000" b="1" dirty="0" err="1">
+                <a:solidFill>
+                  <a:schemeClr val="tx1"/>
+                </a:solidFill>
+                <a:latin typeface="Arial" panose="020B0604020202020204" pitchFamily="34" charset="0"/>
+                <a:cs typeface="Arial" panose="020B0604020202020204" pitchFamily="34" charset="0"/>
+              </a:rPr>
+              <a:t>g_season_to_event_data</a:t>
+            </a:r>
+            <a:r>
+              <a:rPr lang="en-US" sz="1000" b="1" dirty="0">
+                <a:solidFill>
+                  <a:schemeClr val="tx1"/>
+                </a:solidFill>
+                <a:latin typeface="Arial" panose="020B0604020202020204" pitchFamily="34" charset="0"/>
+                <a:cs typeface="Arial" panose="020B0604020202020204" pitchFamily="34" charset="0"/>
+              </a:rPr>
+              <a:t>. </a:t>
+            </a:r>
+            <a:r>
+              <a:rPr lang="en-US" sz="1000" b="1" dirty="0" err="1">
+                <a:solidFill>
+                  <a:schemeClr val="tx1"/>
+                </a:solidFill>
+                <a:latin typeface="Arial" panose="020B0604020202020204" pitchFamily="34" charset="0"/>
+                <a:cs typeface="Arial" panose="020B0604020202020204" pitchFamily="34" charset="0"/>
+              </a:rPr>
+              <a:t>m_event_xml</a:t>
+            </a:r>
+            <a:endParaRPr lang="en-US" sz="1000" b="1" dirty="0">
+              <a:solidFill>
+                <a:schemeClr val="tx1"/>
+              </a:solidFill>
+              <a:latin typeface="Arial" panose="020B0604020202020204" pitchFamily="34" charset="0"/>
+              <a:cs typeface="Arial" panose="020B0604020202020204" pitchFamily="34" charset="0"/>
+            </a:endParaRPr>
+          </a:p>
+          <a:p>
+            <a:endParaRPr lang="en-US" sz="1000" b="1" dirty="0">
+              <a:solidFill>
+                <a:schemeClr val="tx1"/>
+              </a:solidFill>
+              <a:latin typeface="Arial" panose="020B0604020202020204" pitchFamily="34" charset="0"/>
+              <a:cs typeface="Arial" panose="020B0604020202020204" pitchFamily="34" charset="0"/>
+            </a:endParaRPr>
+          </a:p>
+          <a:p>
+            <a:r>
+              <a:rPr lang="en-US" sz="1200" b="1" i="1" dirty="0" err="1">
+                <a:solidFill>
+                  <a:schemeClr val="tx1"/>
+                </a:solidFill>
+                <a:latin typeface="Arial" panose="020B0604020202020204" pitchFamily="34" charset="0"/>
+                <a:cs typeface="Arial" panose="020B0604020202020204" pitchFamily="34" charset="0"/>
+              </a:rPr>
+              <a:t>fromSeasonToEvent</a:t>
+            </a:r>
+            <a:endParaRPr lang="en-US" sz="1200" b="1" i="1" dirty="0">
+              <a:solidFill>
+                <a:schemeClr val="tx1"/>
+              </a:solidFill>
+              <a:latin typeface="Arial" panose="020B0604020202020204" pitchFamily="34" charset="0"/>
+              <a:cs typeface="Arial" panose="020B0604020202020204" pitchFamily="34" charset="0"/>
+            </a:endParaRPr>
+          </a:p>
+          <a:p>
+            <a:r>
+              <a:rPr lang="en-US" sz="1000" b="1" dirty="0">
+                <a:solidFill>
+                  <a:schemeClr val="tx1"/>
+                </a:solidFill>
+                <a:latin typeface="Arial" panose="020B0604020202020204" pitchFamily="34" charset="0"/>
+                <a:cs typeface="Arial" panose="020B0604020202020204" pitchFamily="34" charset="0"/>
+              </a:rPr>
+              <a:t>  Append event XML records with data from season XML records</a:t>
+            </a:r>
+          </a:p>
+          <a:p>
+            <a:r>
+              <a:rPr lang="en-US" sz="1000" b="1" dirty="0">
+                <a:solidFill>
+                  <a:schemeClr val="tx1"/>
+                </a:solidFill>
+                <a:latin typeface="Arial" panose="020B0604020202020204" pitchFamily="34" charset="0"/>
+                <a:cs typeface="Arial" panose="020B0604020202020204" pitchFamily="34" charset="0"/>
+              </a:rPr>
+              <a:t>  Call </a:t>
+            </a:r>
+            <a:r>
+              <a:rPr lang="en-US" sz="1200" b="1" i="1" dirty="0" err="1">
+                <a:solidFill>
+                  <a:schemeClr val="tx1"/>
+                </a:solidFill>
+                <a:latin typeface="Arial" panose="020B0604020202020204" pitchFamily="34" charset="0"/>
+                <a:cs typeface="Arial" panose="020B0604020202020204" pitchFamily="34" charset="0"/>
+              </a:rPr>
+              <a:t>modifyEventStrings</a:t>
+            </a:r>
+            <a:endParaRPr lang="en-US" sz="1200" b="1" i="1" dirty="0">
+              <a:solidFill>
+                <a:schemeClr val="tx1"/>
+              </a:solidFill>
+              <a:latin typeface="Arial" panose="020B0604020202020204" pitchFamily="34" charset="0"/>
+              <a:cs typeface="Arial" panose="020B0604020202020204" pitchFamily="34" charset="0"/>
+            </a:endParaRPr>
+          </a:p>
+          <a:p>
+            <a:endParaRPr lang="en-US" sz="1000" b="1" dirty="0">
+              <a:solidFill>
+                <a:schemeClr val="tx1"/>
+              </a:solidFill>
+              <a:latin typeface="Arial" panose="020B0604020202020204" pitchFamily="34" charset="0"/>
+              <a:cs typeface="Arial" panose="020B0604020202020204" pitchFamily="34" charset="0"/>
+            </a:endParaRPr>
+          </a:p>
+          <a:p>
+            <a:r>
+              <a:rPr lang="en-US" sz="1000" b="1" dirty="0" err="1">
+                <a:solidFill>
+                  <a:schemeClr val="tx1"/>
+                </a:solidFill>
+                <a:latin typeface="Arial" panose="020B0604020202020204" pitchFamily="34" charset="0"/>
+                <a:cs typeface="Arial" panose="020B0604020202020204" pitchFamily="34" charset="0"/>
+              </a:rPr>
+              <a:t>modifyEventStrings</a:t>
+            </a:r>
+            <a:endParaRPr lang="en-US" sz="1000" b="1" dirty="0">
+              <a:solidFill>
+                <a:schemeClr val="tx1"/>
+              </a:solidFill>
+              <a:latin typeface="Arial" panose="020B0604020202020204" pitchFamily="34" charset="0"/>
+              <a:cs typeface="Arial" panose="020B0604020202020204" pitchFamily="34" charset="0"/>
+            </a:endParaRPr>
+          </a:p>
+          <a:p>
+            <a:r>
+              <a:rPr lang="en-US" sz="1000" b="1" dirty="0">
+                <a:solidFill>
+                  <a:schemeClr val="tx1"/>
+                </a:solidFill>
+                <a:latin typeface="Arial" panose="020B0604020202020204" pitchFamily="34" charset="0"/>
+                <a:cs typeface="Arial" panose="020B0604020202020204" pitchFamily="34" charset="0"/>
+              </a:rPr>
+              <a:t>  Shorten band names in interaction with user</a:t>
+            </a:r>
+          </a:p>
+          <a:p>
+            <a:r>
+              <a:rPr lang="en-US" sz="1000" b="1" dirty="0">
+                <a:solidFill>
+                  <a:schemeClr val="tx1"/>
+                </a:solidFill>
+                <a:latin typeface="Arial" panose="020B0604020202020204" pitchFamily="34" charset="0"/>
+                <a:cs typeface="Arial" panose="020B0604020202020204" pitchFamily="34" charset="0"/>
+              </a:rPr>
+              <a:t>   Call </a:t>
+            </a:r>
+            <a:r>
+              <a:rPr lang="en-US" sz="1200" b="1" i="1" dirty="0" err="1">
+                <a:solidFill>
+                  <a:schemeClr val="tx1"/>
+                </a:solidFill>
+                <a:latin typeface="Arial" panose="020B0604020202020204" pitchFamily="34" charset="0"/>
+                <a:cs typeface="Arial" panose="020B0604020202020204" pitchFamily="34" charset="0"/>
+              </a:rPr>
+              <a:t>saveEventXml</a:t>
+            </a:r>
+            <a:endParaRPr lang="en-US" sz="1200" b="1" i="1" dirty="0">
+              <a:solidFill>
+                <a:schemeClr val="tx1"/>
+              </a:solidFill>
+              <a:latin typeface="Arial" panose="020B0604020202020204" pitchFamily="34" charset="0"/>
+              <a:cs typeface="Arial" panose="020B0604020202020204" pitchFamily="34" charset="0"/>
+            </a:endParaRPr>
+          </a:p>
+          <a:p>
+            <a:endParaRPr lang="en-US" sz="1000" b="1" dirty="0">
+              <a:solidFill>
+                <a:schemeClr val="tx1"/>
+              </a:solidFill>
+              <a:latin typeface="Arial" panose="020B0604020202020204" pitchFamily="34" charset="0"/>
+              <a:cs typeface="Arial" panose="020B0604020202020204" pitchFamily="34" charset="0"/>
+            </a:endParaRPr>
+          </a:p>
+          <a:p>
+            <a:r>
+              <a:rPr lang="en-US" sz="1200" b="1" i="1" dirty="0" err="1">
+                <a:solidFill>
+                  <a:schemeClr val="tx1"/>
+                </a:solidFill>
+                <a:latin typeface="Arial" panose="020B0604020202020204" pitchFamily="34" charset="0"/>
+                <a:cs typeface="Arial" panose="020B0604020202020204" pitchFamily="34" charset="0"/>
+              </a:rPr>
+              <a:t>saveEventXml</a:t>
+            </a:r>
+            <a:endParaRPr lang="en-US" sz="1200" b="1" i="1" dirty="0">
+              <a:solidFill>
+                <a:schemeClr val="tx1"/>
+              </a:solidFill>
+              <a:latin typeface="Arial" panose="020B0604020202020204" pitchFamily="34" charset="0"/>
+              <a:cs typeface="Arial" panose="020B0604020202020204" pitchFamily="34" charset="0"/>
+            </a:endParaRPr>
+          </a:p>
+          <a:p>
+            <a:r>
+              <a:rPr lang="en-US" sz="1000" b="1" dirty="0">
+                <a:solidFill>
+                  <a:schemeClr val="tx1"/>
+                </a:solidFill>
+                <a:latin typeface="Arial" panose="020B0604020202020204" pitchFamily="34" charset="0"/>
+                <a:cs typeface="Arial" panose="020B0604020202020204" pitchFamily="34" charset="0"/>
+              </a:rPr>
+              <a:t>   Call of </a:t>
+            </a:r>
+            <a:r>
+              <a:rPr lang="en-US" sz="1000" b="1" dirty="0" err="1">
+                <a:solidFill>
+                  <a:schemeClr val="tx1"/>
+                </a:solidFill>
+                <a:latin typeface="Arial" panose="020B0604020202020204" pitchFamily="34" charset="0"/>
+                <a:cs typeface="Arial" panose="020B0604020202020204" pitchFamily="34" charset="0"/>
+              </a:rPr>
+              <a:t>UtilServer.saveCallback</a:t>
+            </a:r>
+            <a:r>
+              <a:rPr lang="en-US" sz="1000" b="1" dirty="0">
+                <a:solidFill>
+                  <a:schemeClr val="tx1"/>
+                </a:solidFill>
+                <a:latin typeface="Arial" panose="020B0604020202020204" pitchFamily="34" charset="0"/>
+                <a:cs typeface="Arial" panose="020B0604020202020204" pitchFamily="34" charset="0"/>
+              </a:rPr>
+              <a:t> </a:t>
+            </a:r>
+          </a:p>
+          <a:p>
+            <a:r>
+              <a:rPr lang="en-US" sz="1000" b="1" dirty="0">
+                <a:solidFill>
+                  <a:schemeClr val="tx1"/>
+                </a:solidFill>
+                <a:latin typeface="Arial" panose="020B0604020202020204" pitchFamily="34" charset="0"/>
+                <a:cs typeface="Arial" panose="020B0604020202020204" pitchFamily="34" charset="0"/>
+              </a:rPr>
+              <a:t>   Callback function </a:t>
+            </a:r>
+            <a:r>
+              <a:rPr lang="en-US" sz="1200" b="1" i="1" dirty="0" err="1">
+                <a:solidFill>
+                  <a:schemeClr val="tx1"/>
+                </a:solidFill>
+                <a:latin typeface="Arial" panose="020B0604020202020204" pitchFamily="34" charset="0"/>
+                <a:cs typeface="Arial" panose="020B0604020202020204" pitchFamily="34" charset="0"/>
+              </a:rPr>
+              <a:t>g_season_to_event_data</a:t>
+            </a:r>
+            <a:r>
+              <a:rPr lang="en-US" sz="1200" b="1" i="1" dirty="0">
+                <a:solidFill>
+                  <a:schemeClr val="tx1"/>
+                </a:solidFill>
+                <a:latin typeface="Arial" panose="020B0604020202020204" pitchFamily="34" charset="0"/>
+                <a:cs typeface="Arial" panose="020B0604020202020204" pitchFamily="34" charset="0"/>
+              </a:rPr>
+              <a:t>. </a:t>
+            </a:r>
+            <a:r>
+              <a:rPr lang="en-US" sz="1200" b="1" i="1" dirty="0" err="1">
+                <a:solidFill>
+                  <a:schemeClr val="tx1"/>
+                </a:solidFill>
+                <a:latin typeface="Arial" panose="020B0604020202020204" pitchFamily="34" charset="0"/>
+                <a:cs typeface="Arial" panose="020B0604020202020204" pitchFamily="34" charset="0"/>
+              </a:rPr>
+              <a:t>m_callback_fctn</a:t>
+            </a:r>
+            <a:endParaRPr lang="en-US" sz="1200" b="1" i="1" dirty="0">
+              <a:solidFill>
+                <a:schemeClr val="tx1"/>
+              </a:solidFill>
+              <a:latin typeface="Arial" panose="020B0604020202020204" pitchFamily="34" charset="0"/>
+              <a:cs typeface="Arial" panose="020B0604020202020204" pitchFamily="34" charset="0"/>
+            </a:endParaRPr>
+          </a:p>
+        </p:txBody>
+      </p:sp>
     </p:spTree>
     <p:extLst>
       <p:ext uri="{BB962C8B-B14F-4D97-AF65-F5344CB8AC3E}">
@@ -7423,7 +9443,7 @@
         </p:nvSpPr>
         <p:spPr>
           <a:xfrm>
-            <a:off x="6277251" y="557709"/>
+            <a:off x="2609260" y="557709"/>
             <a:ext cx="5454085" cy="3847207"/>
           </a:xfrm>
           <a:prstGeom prst="rect">

--- a/Description/ResrvationNewSeason.pptx
+++ b/Description/ResrvationNewSeason.pptx
@@ -5531,7 +5531,7 @@
                 <a:latin typeface="Arial" panose="020B0604020202020204" pitchFamily="34" charset="0"/>
                 <a:cs typeface="Arial" panose="020B0604020202020204" pitchFamily="34" charset="0"/>
               </a:rPr>
-              <a:t>SeasonToEventProgramXmlData</a:t>
+              <a:t>ReservationNewSeasonData</a:t>
             </a:r>
             <a:r>
               <a:rPr lang="de-CH" dirty="0">
@@ -5604,7 +5604,7 @@
                 <a:latin typeface="Arial" panose="020B0604020202020204" pitchFamily="34" charset="0"/>
                 <a:cs typeface="Arial" panose="020B0604020202020204" pitchFamily="34" charset="0"/>
               </a:rPr>
-              <a:t>SeasonToEventProgramXml</a:t>
+              <a:t>creation</a:t>
             </a:r>
             <a:r>
               <a:rPr lang="de-CH" sz="1200" dirty="0">
@@ -5624,7 +5624,87 @@
                 <a:latin typeface="Arial" panose="020B0604020202020204" pitchFamily="34" charset="0"/>
                 <a:cs typeface="Arial" panose="020B0604020202020204" pitchFamily="34" charset="0"/>
               </a:rPr>
-              <a:t>functions</a:t>
+              <a:t>of</a:t>
+            </a:r>
+            <a:r>
+              <a:rPr lang="de-CH" sz="1200" dirty="0">
+                <a:solidFill>
+                  <a:schemeClr val="tx1"/>
+                </a:solidFill>
+                <a:latin typeface="Arial" panose="020B0604020202020204" pitchFamily="34" charset="0"/>
+                <a:cs typeface="Arial" panose="020B0604020202020204" pitchFamily="34" charset="0"/>
+              </a:rPr>
+              <a:t> </a:t>
+            </a:r>
+            <a:r>
+              <a:rPr lang="de-CH" sz="1200" dirty="0" err="1">
+                <a:solidFill>
+                  <a:schemeClr val="tx1"/>
+                </a:solidFill>
+                <a:latin typeface="Arial" panose="020B0604020202020204" pitchFamily="34" charset="0"/>
+                <a:cs typeface="Arial" panose="020B0604020202020204" pitchFamily="34" charset="0"/>
+              </a:rPr>
+              <a:t>the</a:t>
+            </a:r>
+            <a:r>
+              <a:rPr lang="de-CH" sz="1200" dirty="0">
+                <a:solidFill>
+                  <a:schemeClr val="tx1"/>
+                </a:solidFill>
+                <a:latin typeface="Arial" panose="020B0604020202020204" pitchFamily="34" charset="0"/>
+                <a:cs typeface="Arial" panose="020B0604020202020204" pitchFamily="34" charset="0"/>
+              </a:rPr>
+              <a:t> </a:t>
+            </a:r>
+            <a:r>
+              <a:rPr lang="de-CH" sz="1200" dirty="0" err="1">
+                <a:solidFill>
+                  <a:schemeClr val="tx1"/>
+                </a:solidFill>
+                <a:latin typeface="Arial" panose="020B0604020202020204" pitchFamily="34" charset="0"/>
+                <a:cs typeface="Arial" panose="020B0604020202020204" pitchFamily="34" charset="0"/>
+              </a:rPr>
+              <a:t>new</a:t>
+            </a:r>
+            <a:r>
+              <a:rPr lang="de-CH" sz="1200" dirty="0">
+                <a:solidFill>
+                  <a:schemeClr val="tx1"/>
+                </a:solidFill>
+                <a:latin typeface="Arial" panose="020B0604020202020204" pitchFamily="34" charset="0"/>
+                <a:cs typeface="Arial" panose="020B0604020202020204" pitchFamily="34" charset="0"/>
+              </a:rPr>
+              <a:t> </a:t>
+            </a:r>
+            <a:r>
+              <a:rPr lang="de-CH" sz="1200" dirty="0" err="1">
+                <a:solidFill>
+                  <a:schemeClr val="tx1"/>
+                </a:solidFill>
+                <a:latin typeface="Arial" panose="020B0604020202020204" pitchFamily="34" charset="0"/>
+                <a:cs typeface="Arial" panose="020B0604020202020204" pitchFamily="34" charset="0"/>
+              </a:rPr>
+              <a:t>season</a:t>
+            </a:r>
+            <a:r>
+              <a:rPr lang="de-CH" sz="1200" dirty="0">
+                <a:solidFill>
+                  <a:schemeClr val="tx1"/>
+                </a:solidFill>
+                <a:latin typeface="Arial" panose="020B0604020202020204" pitchFamily="34" charset="0"/>
+                <a:cs typeface="Arial" panose="020B0604020202020204" pitchFamily="34" charset="0"/>
+              </a:rPr>
+              <a:t> </a:t>
+            </a:r>
+            <a:r>
+              <a:rPr lang="de-CH" sz="1200" dirty="0" err="1">
+                <a:solidFill>
+                  <a:schemeClr val="tx1"/>
+                </a:solidFill>
+                <a:latin typeface="Arial" panose="020B0604020202020204" pitchFamily="34" charset="0"/>
+                <a:cs typeface="Arial" panose="020B0604020202020204" pitchFamily="34" charset="0"/>
+              </a:rPr>
+              <a:t>files</a:t>
             </a:r>
             <a:endParaRPr lang="de-CH" sz="1200" dirty="0">
               <a:solidFill>
@@ -5779,7 +5859,7 @@
                 <a:latin typeface="Arial" panose="020B0604020202020204" pitchFamily="34" charset="0"/>
                 <a:cs typeface="Arial" panose="020B0604020202020204" pitchFamily="34" charset="0"/>
               </a:rPr>
-              <a:t>m_result_die</a:t>
+              <a:t>m_result_dir</a:t>
             </a:r>
             <a:r>
               <a:rPr lang="en-US" sz="1000" b="1" i="1" dirty="0">
@@ -5891,6 +5971,16 @@
           </a:p>
           <a:p>
             <a:r>
+              <a:rPr lang="en-US" sz="1000" b="1" dirty="0">
+                <a:solidFill>
+                  <a:schemeClr val="tx1"/>
+                </a:solidFill>
+                <a:latin typeface="Arial" panose="020B0604020202020204" pitchFamily="34" charset="0"/>
+                <a:cs typeface="Arial" panose="020B0604020202020204" pitchFamily="34" charset="0"/>
+              </a:rPr>
+              <a:t> </a:t>
+            </a:r>
+            <a:r>
               <a:rPr lang="en-US" sz="1000" b="1" dirty="0" err="1">
                 <a:solidFill>
                   <a:schemeClr val="tx1"/>
@@ -5898,18 +5988,15 @@
                 <a:latin typeface="Arial" panose="020B0604020202020204" pitchFamily="34" charset="0"/>
                 <a:cs typeface="Arial" panose="020B0604020202020204" pitchFamily="34" charset="0"/>
               </a:rPr>
-              <a:t>m_callback_fctn</a:t>
-            </a:r>
-            <a:r>
-              <a:rPr lang="en-US" sz="1000" b="1" dirty="0">
-                <a:solidFill>
-                  <a:schemeClr val="tx1"/>
-                </a:solidFill>
-                <a:latin typeface="Arial" panose="020B0604020202020204" pitchFamily="34" charset="0"/>
-                <a:cs typeface="Arial" panose="020B0604020202020204" pitchFamily="34" charset="0"/>
-              </a:rPr>
-              <a:t> </a:t>
-            </a:r>
+              <a:t>m_event_program_callback_fctn</a:t>
+            </a:r>
+            <a:endParaRPr lang="en-US" sz="1000" b="1" dirty="0">
+              <a:solidFill>
+                <a:schemeClr val="tx1"/>
+              </a:solidFill>
+              <a:latin typeface="Arial" panose="020B0604020202020204" pitchFamily="34" charset="0"/>
+              <a:cs typeface="Arial" panose="020B0604020202020204" pitchFamily="34" charset="0"/>
+            </a:endParaRPr>
           </a:p>
           <a:p>
             <a:r>
@@ -5920,7 +6007,7 @@
                 <a:latin typeface="Arial" panose="020B0604020202020204" pitchFamily="34" charset="0"/>
                 <a:cs typeface="Arial" panose="020B0604020202020204" pitchFamily="34" charset="0"/>
               </a:rPr>
-              <a:t>    Callback function name when file has been created </a:t>
+              <a:t>    Callback function name for the event program file creation</a:t>
             </a:r>
           </a:p>
           <a:p>
@@ -6453,7 +6540,7 @@
         <p:spPr>
           <a:xfrm>
             <a:off x="4920264" y="6016212"/>
-            <a:ext cx="4057369" cy="738664"/>
+            <a:ext cx="4057369" cy="523220"/>
           </a:xfrm>
           <a:prstGeom prst="rect">
             <a:avLst/>
@@ -6472,7 +6559,7 @@
                 <a:latin typeface="Arial" panose="020B0604020202020204" pitchFamily="34" charset="0"/>
                 <a:cs typeface="Arial" panose="020B0604020202020204" pitchFamily="34" charset="0"/>
               </a:rPr>
-              <a:t>g_season_to_event_data</a:t>
+              <a:t>g_new_season_files_data</a:t>
             </a:r>
             <a:r>
               <a:rPr lang="en-US" sz="1400" b="1" dirty="0">
@@ -6484,13 +6571,6 @@
           </a:p>
           <a:p>
             <a:pPr algn="ctr"/>
-            <a:endParaRPr lang="en-US" sz="1400" b="1" dirty="0">
-              <a:latin typeface="Arial" panose="020B0604020202020204" pitchFamily="34" charset="0"/>
-              <a:cs typeface="Arial" panose="020B0604020202020204" pitchFamily="34" charset="0"/>
-            </a:endParaRPr>
-          </a:p>
-          <a:p>
-            <a:pPr algn="ctr"/>
             <a:r>
               <a:rPr lang="en-US" sz="1400" b="1" dirty="0">
                 <a:latin typeface="Arial" panose="020B0604020202020204" pitchFamily="34" charset="0"/>
@@ -6503,7 +6583,7 @@
                 <a:latin typeface="Arial" panose="020B0604020202020204" pitchFamily="34" charset="0"/>
                 <a:cs typeface="Arial" panose="020B0604020202020204" pitchFamily="34" charset="0"/>
               </a:rPr>
-              <a:t>SeasonToEventProgramXmlData</a:t>
+              <a:t>ReservationNewSeasonData</a:t>
             </a:r>
             <a:r>
               <a:rPr lang="en-US" sz="1400" b="1" dirty="0">
@@ -6724,8 +6804,8 @@
         </p:nvSpPr>
         <p:spPr>
           <a:xfrm>
-            <a:off x="180110" y="1568247"/>
-            <a:ext cx="4665406" cy="5289753"/>
+            <a:off x="180110" y="1568248"/>
+            <a:ext cx="4665406" cy="4915680"/>
           </a:xfrm>
           <a:prstGeom prst="rect">
             <a:avLst/>
@@ -6777,7 +6857,27 @@
                 <a:latin typeface="Arial" panose="020B0604020202020204" pitchFamily="34" charset="0"/>
                 <a:cs typeface="Arial" panose="020B0604020202020204" pitchFamily="34" charset="0"/>
               </a:rPr>
-              <a:t>   Create data object. Set </a:t>
+              <a:t>   Check </a:t>
+            </a:r>
+            <a:r>
+              <a:rPr lang="en-US" sz="1000" b="1" dirty="0" err="1">
+                <a:solidFill>
+                  <a:schemeClr val="tx1"/>
+                </a:solidFill>
+                <a:latin typeface="Arial" panose="020B0604020202020204" pitchFamily="34" charset="0"/>
+                <a:cs typeface="Arial" panose="020B0604020202020204" pitchFamily="34" charset="0"/>
+              </a:rPr>
+              <a:t>exitence</a:t>
+            </a:r>
+            <a:r>
+              <a:rPr lang="en-US" sz="1000" b="1" dirty="0">
+                <a:solidFill>
+                  <a:schemeClr val="tx1"/>
+                </a:solidFill>
+                <a:latin typeface="Arial" panose="020B0604020202020204" pitchFamily="34" charset="0"/>
+                <a:cs typeface="Arial" panose="020B0604020202020204" pitchFamily="34" charset="0"/>
+              </a:rPr>
+              <a:t> of </a:t>
             </a:r>
             <a:r>
               <a:rPr lang="en-US" sz="1200" b="1" i="1" dirty="0" err="1">
@@ -6787,7 +6887,7 @@
                 <a:latin typeface="Arial" panose="020B0604020202020204" pitchFamily="34" charset="0"/>
                 <a:cs typeface="Arial" panose="020B0604020202020204" pitchFamily="34" charset="0"/>
               </a:rPr>
-              <a:t>g_season_to_event_data</a:t>
+              <a:t>g_new_season_files_data</a:t>
             </a:r>
             <a:r>
               <a:rPr lang="en-US" sz="1200" b="1" i="1" dirty="0">
@@ -6797,60 +6897,7 @@
                 <a:latin typeface="Arial" panose="020B0604020202020204" pitchFamily="34" charset="0"/>
                 <a:cs typeface="Arial" panose="020B0604020202020204" pitchFamily="34" charset="0"/>
               </a:rPr>
-              <a:t> </a:t>
-            </a:r>
-          </a:p>
-          <a:p>
-            <a:r>
-              <a:rPr lang="en-US" sz="1000" b="1" dirty="0">
-                <a:solidFill>
-                  <a:schemeClr val="tx1"/>
-                </a:solidFill>
-                <a:latin typeface="Arial" panose="020B0604020202020204" pitchFamily="34" charset="0"/>
-                <a:cs typeface="Arial" panose="020B0604020202020204" pitchFamily="34" charset="0"/>
-              </a:rPr>
-              <a:t>   Check input. Calls </a:t>
-            </a:r>
-            <a:r>
-              <a:rPr lang="en-US" sz="1000" b="1" dirty="0" err="1">
-                <a:solidFill>
-                  <a:schemeClr val="tx1"/>
-                </a:solidFill>
-                <a:latin typeface="Arial" panose="020B0604020202020204" pitchFamily="34" charset="0"/>
-                <a:cs typeface="Arial" panose="020B0604020202020204" pitchFamily="34" charset="0"/>
-              </a:rPr>
-              <a:t>checkInput</a:t>
-            </a:r>
-            <a:endParaRPr lang="en-US" sz="1000" b="1" dirty="0">
-              <a:solidFill>
-                <a:schemeClr val="tx1"/>
-              </a:solidFill>
-              <a:latin typeface="Arial" panose="020B0604020202020204" pitchFamily="34" charset="0"/>
-              <a:cs typeface="Arial" panose="020B0604020202020204" pitchFamily="34" charset="0"/>
-            </a:endParaRPr>
-          </a:p>
-          <a:p>
-            <a:r>
-              <a:rPr lang="en-US" sz="1000" b="1" dirty="0">
-                <a:solidFill>
-                  <a:schemeClr val="tx1"/>
-                </a:solidFill>
-                <a:latin typeface="Arial" panose="020B0604020202020204" pitchFamily="34" charset="0"/>
-                <a:cs typeface="Arial" panose="020B0604020202020204" pitchFamily="34" charset="0"/>
-              </a:rPr>
-              <a:t>   Construct URLs for output file. </a:t>
-            </a:r>
-          </a:p>
-          <a:p>
-            <a:r>
-              <a:rPr lang="en-US" sz="1000" b="1" dirty="0">
-                <a:solidFill>
-                  <a:schemeClr val="tx1"/>
-                </a:solidFill>
-                <a:latin typeface="Arial" panose="020B0604020202020204" pitchFamily="34" charset="0"/>
-                <a:cs typeface="Arial" panose="020B0604020202020204" pitchFamily="34" charset="0"/>
-              </a:rPr>
-              <a:t>   Get season program start year</a:t>
+              <a:t>  </a:t>
             </a:r>
           </a:p>
           <a:p>

--- a/Description/ResrvationNewSeason.pptx
+++ b/Description/ResrvationNewSeason.pptx
@@ -7,15 +7,16 @@
   <p:sldIdLst>
     <p:sldId id="262" r:id="rId2"/>
     <p:sldId id="259" r:id="rId3"/>
-    <p:sldId id="266" r:id="rId4"/>
-    <p:sldId id="257" r:id="rId5"/>
-    <p:sldId id="264" r:id="rId6"/>
-    <p:sldId id="256" r:id="rId7"/>
-    <p:sldId id="260" r:id="rId8"/>
-    <p:sldId id="261" r:id="rId9"/>
-    <p:sldId id="263" r:id="rId10"/>
-    <p:sldId id="265" r:id="rId11"/>
-    <p:sldId id="258" r:id="rId12"/>
+    <p:sldId id="267" r:id="rId4"/>
+    <p:sldId id="266" r:id="rId5"/>
+    <p:sldId id="257" r:id="rId6"/>
+    <p:sldId id="264" r:id="rId7"/>
+    <p:sldId id="256" r:id="rId8"/>
+    <p:sldId id="260" r:id="rId9"/>
+    <p:sldId id="261" r:id="rId10"/>
+    <p:sldId id="263" r:id="rId11"/>
+    <p:sldId id="265" r:id="rId12"/>
+    <p:sldId id="258" r:id="rId13"/>
   </p:sldIdLst>
   <p:sldSz cx="12192000" cy="6858000"/>
   <p:notesSz cx="6721475" cy="9866313"/>
@@ -276,7 +277,7 @@
           <a:p>
             <a:fld id="{DDCE6D58-9B57-4731-A47B-3CD41B48F0A9}" type="datetimeFigureOut">
               <a:rPr lang="de-CH" smtClean="0"/>
-              <a:t>01.06.2025</a:t>
+              <a:t>02.06.2025</a:t>
             </a:fld>
             <a:endParaRPr lang="de-CH"/>
           </a:p>
@@ -446,7 +447,7 @@
           <a:p>
             <a:fld id="{DDCE6D58-9B57-4731-A47B-3CD41B48F0A9}" type="datetimeFigureOut">
               <a:rPr lang="de-CH" smtClean="0"/>
-              <a:t>01.06.2025</a:t>
+              <a:t>02.06.2025</a:t>
             </a:fld>
             <a:endParaRPr lang="de-CH"/>
           </a:p>
@@ -626,7 +627,7 @@
           <a:p>
             <a:fld id="{DDCE6D58-9B57-4731-A47B-3CD41B48F0A9}" type="datetimeFigureOut">
               <a:rPr lang="de-CH" smtClean="0"/>
-              <a:t>01.06.2025</a:t>
+              <a:t>02.06.2025</a:t>
             </a:fld>
             <a:endParaRPr lang="de-CH"/>
           </a:p>
@@ -796,7 +797,7 @@
           <a:p>
             <a:fld id="{DDCE6D58-9B57-4731-A47B-3CD41B48F0A9}" type="datetimeFigureOut">
               <a:rPr lang="de-CH" smtClean="0"/>
-              <a:t>01.06.2025</a:t>
+              <a:t>02.06.2025</a:t>
             </a:fld>
             <a:endParaRPr lang="de-CH"/>
           </a:p>
@@ -1042,7 +1043,7 @@
           <a:p>
             <a:fld id="{DDCE6D58-9B57-4731-A47B-3CD41B48F0A9}" type="datetimeFigureOut">
               <a:rPr lang="de-CH" smtClean="0"/>
-              <a:t>01.06.2025</a:t>
+              <a:t>02.06.2025</a:t>
             </a:fld>
             <a:endParaRPr lang="de-CH"/>
           </a:p>
@@ -1274,7 +1275,7 @@
           <a:p>
             <a:fld id="{DDCE6D58-9B57-4731-A47B-3CD41B48F0A9}" type="datetimeFigureOut">
               <a:rPr lang="de-CH" smtClean="0"/>
-              <a:t>01.06.2025</a:t>
+              <a:t>02.06.2025</a:t>
             </a:fld>
             <a:endParaRPr lang="de-CH"/>
           </a:p>
@@ -1641,7 +1642,7 @@
           <a:p>
             <a:fld id="{DDCE6D58-9B57-4731-A47B-3CD41B48F0A9}" type="datetimeFigureOut">
               <a:rPr lang="de-CH" smtClean="0"/>
-              <a:t>01.06.2025</a:t>
+              <a:t>02.06.2025</a:t>
             </a:fld>
             <a:endParaRPr lang="de-CH"/>
           </a:p>
@@ -1759,7 +1760,7 @@
           <a:p>
             <a:fld id="{DDCE6D58-9B57-4731-A47B-3CD41B48F0A9}" type="datetimeFigureOut">
               <a:rPr lang="de-CH" smtClean="0"/>
-              <a:t>01.06.2025</a:t>
+              <a:t>02.06.2025</a:t>
             </a:fld>
             <a:endParaRPr lang="de-CH"/>
           </a:p>
@@ -1854,7 +1855,7 @@
           <a:p>
             <a:fld id="{DDCE6D58-9B57-4731-A47B-3CD41B48F0A9}" type="datetimeFigureOut">
               <a:rPr lang="de-CH" smtClean="0"/>
-              <a:t>01.06.2025</a:t>
+              <a:t>02.06.2025</a:t>
             </a:fld>
             <a:endParaRPr lang="de-CH"/>
           </a:p>
@@ -2131,7 +2132,7 @@
           <a:p>
             <a:fld id="{DDCE6D58-9B57-4731-A47B-3CD41B48F0A9}" type="datetimeFigureOut">
               <a:rPr lang="de-CH" smtClean="0"/>
-              <a:t>01.06.2025</a:t>
+              <a:t>02.06.2025</a:t>
             </a:fld>
             <a:endParaRPr lang="de-CH"/>
           </a:p>
@@ -2384,7 +2385,7 @@
           <a:p>
             <a:fld id="{DDCE6D58-9B57-4731-A47B-3CD41B48F0A9}" type="datetimeFigureOut">
               <a:rPr lang="de-CH" smtClean="0"/>
-              <a:t>01.06.2025</a:t>
+              <a:t>02.06.2025</a:t>
             </a:fld>
             <a:endParaRPr lang="de-CH"/>
           </a:p>
@@ -2597,7 +2598,7 @@
           <a:p>
             <a:fld id="{DDCE6D58-9B57-4731-A47B-3CD41B48F0A9}" type="datetimeFigureOut">
               <a:rPr lang="de-CH" smtClean="0"/>
-              <a:t>01.06.2025</a:t>
+              <a:t>02.06.2025</a:t>
             </a:fld>
             <a:endParaRPr lang="de-CH"/>
           </a:p>
@@ -3065,6 +3066,36 @@
     </p:spTree>
     <p:extLst>
       <p:ext uri="{BB962C8B-B14F-4D97-AF65-F5344CB8AC3E}">
+        <p14:creationId xmlns:p14="http://schemas.microsoft.com/office/powerpoint/2010/main" val="1562672897"/>
+      </p:ext>
+    </p:extLst>
+  </p:cSld>
+  <p:clrMapOvr>
+    <a:masterClrMapping/>
+  </p:clrMapOvr>
+</p:sld>
+</file>
+
+<file path=ppt/slides/slide11.xml><?xml version="1.0" encoding="utf-8"?>
+<p:sld xmlns:a="http://schemas.openxmlformats.org/drawingml/2006/main" xmlns:r="http://schemas.openxmlformats.org/officeDocument/2006/relationships" xmlns:p="http://schemas.openxmlformats.org/presentationml/2006/main">
+  <p:cSld>
+    <p:spTree>
+      <p:nvGrpSpPr>
+        <p:cNvPr id="1" name=""/>
+        <p:cNvGrpSpPr/>
+        <p:nvPr/>
+      </p:nvGrpSpPr>
+      <p:grpSpPr>
+        <a:xfrm>
+          <a:off x="0" y="0"/>
+          <a:ext cx="0" cy="0"/>
+          <a:chOff x="0" y="0"/>
+          <a:chExt cx="0" cy="0"/>
+        </a:xfrm>
+      </p:grpSpPr>
+    </p:spTree>
+    <p:extLst>
+      <p:ext uri="{BB962C8B-B14F-4D97-AF65-F5344CB8AC3E}">
         <p14:creationId xmlns:p14="http://schemas.microsoft.com/office/powerpoint/2010/main" val="2116491267"/>
       </p:ext>
     </p:extLst>
@@ -3075,7 +3106,7 @@
 </p:sld>
 </file>
 
-<file path=ppt/slides/slide11.xml><?xml version="1.0" encoding="utf-8"?>
+<file path=ppt/slides/slide12.xml><?xml version="1.0" encoding="utf-8"?>
 <p:sld xmlns:a="http://schemas.openxmlformats.org/drawingml/2006/main" xmlns:r="http://schemas.openxmlformats.org/officeDocument/2006/relationships" xmlns:p="http://schemas.openxmlformats.org/presentationml/2006/main">
   <p:cSld>
     <p:spTree>
@@ -5477,1017 +5508,6 @@
       </p:grpSpPr>
       <p:sp>
         <p:nvSpPr>
-          <p:cNvPr id="2" name="Rechteck 1">
-            <a:extLst>
-              <a:ext uri="{FF2B5EF4-FFF2-40B4-BE49-F238E27FC236}">
-                <a16:creationId xmlns:a16="http://schemas.microsoft.com/office/drawing/2014/main" id="{AF544034-4CB0-7421-E984-56CFE2F42B7E}"/>
-              </a:ext>
-            </a:extLst>
-          </p:cNvPr>
-          <p:cNvSpPr/>
-          <p:nvPr/>
-        </p:nvSpPr>
-        <p:spPr>
-          <a:xfrm>
-            <a:off x="4920374" y="997777"/>
-            <a:ext cx="4057369" cy="570469"/>
-          </a:xfrm>
-          <a:prstGeom prst="rect">
-            <a:avLst/>
-          </a:prstGeom>
-          <a:noFill/>
-          <a:ln w="19050">
-            <a:solidFill>
-              <a:schemeClr val="tx1"/>
-            </a:solidFill>
-          </a:ln>
-        </p:spPr>
-        <p:style>
-          <a:lnRef idx="2">
-            <a:schemeClr val="accent1">
-              <a:shade val="50000"/>
-            </a:schemeClr>
-          </a:lnRef>
-          <a:fillRef idx="1">
-            <a:schemeClr val="accent1"/>
-          </a:fillRef>
-          <a:effectRef idx="0">
-            <a:schemeClr val="accent1"/>
-          </a:effectRef>
-          <a:fontRef idx="minor">
-            <a:schemeClr val="lt1"/>
-          </a:fontRef>
-        </p:style>
-        <p:txBody>
-          <a:bodyPr rtlCol="0" anchor="ctr"/>
-          <a:lstStyle/>
-          <a:p>
-            <a:pPr algn="ctr"/>
-            <a:r>
-              <a:rPr lang="de-CH" b="1" dirty="0" err="1">
-                <a:solidFill>
-                  <a:schemeClr val="tx1"/>
-                </a:solidFill>
-                <a:latin typeface="Arial" panose="020B0604020202020204" pitchFamily="34" charset="0"/>
-                <a:cs typeface="Arial" panose="020B0604020202020204" pitchFamily="34" charset="0"/>
-              </a:rPr>
-              <a:t>ReservationNewSeasonData</a:t>
-            </a:r>
-            <a:r>
-              <a:rPr lang="de-CH" dirty="0">
-                <a:solidFill>
-                  <a:schemeClr val="tx1"/>
-                </a:solidFill>
-                <a:latin typeface="Arial" panose="020B0604020202020204" pitchFamily="34" charset="0"/>
-                <a:cs typeface="Arial" panose="020B0604020202020204" pitchFamily="34" charset="0"/>
-              </a:rPr>
-              <a:t> </a:t>
-            </a:r>
-          </a:p>
-          <a:p>
-            <a:pPr algn="ctr"/>
-            <a:r>
-              <a:rPr lang="de-CH" sz="1200" dirty="0">
-                <a:solidFill>
-                  <a:schemeClr val="tx1"/>
-                </a:solidFill>
-                <a:latin typeface="Arial" panose="020B0604020202020204" pitchFamily="34" charset="0"/>
-                <a:cs typeface="Arial" panose="020B0604020202020204" pitchFamily="34" charset="0"/>
-              </a:rPr>
-              <a:t>Data </a:t>
-            </a:r>
-            <a:r>
-              <a:rPr lang="de-CH" sz="1200" dirty="0" err="1">
-                <a:solidFill>
-                  <a:schemeClr val="tx1"/>
-                </a:solidFill>
-                <a:latin typeface="Arial" panose="020B0604020202020204" pitchFamily="34" charset="0"/>
-                <a:cs typeface="Arial" panose="020B0604020202020204" pitchFamily="34" charset="0"/>
-              </a:rPr>
-              <a:t>for</a:t>
-            </a:r>
-            <a:r>
-              <a:rPr lang="de-CH" sz="1200" dirty="0">
-                <a:solidFill>
-                  <a:schemeClr val="tx1"/>
-                </a:solidFill>
-                <a:latin typeface="Arial" panose="020B0604020202020204" pitchFamily="34" charset="0"/>
-                <a:cs typeface="Arial" panose="020B0604020202020204" pitchFamily="34" charset="0"/>
-              </a:rPr>
-              <a:t> </a:t>
-            </a:r>
-            <a:r>
-              <a:rPr lang="de-CH" sz="1200" dirty="0" err="1">
-                <a:solidFill>
-                  <a:schemeClr val="tx1"/>
-                </a:solidFill>
-                <a:latin typeface="Arial" panose="020B0604020202020204" pitchFamily="34" charset="0"/>
-                <a:cs typeface="Arial" panose="020B0604020202020204" pitchFamily="34" charset="0"/>
-              </a:rPr>
-              <a:t>the</a:t>
-            </a:r>
-            <a:r>
-              <a:rPr lang="de-CH" sz="1200" dirty="0">
-                <a:solidFill>
-                  <a:schemeClr val="tx1"/>
-                </a:solidFill>
-                <a:latin typeface="Arial" panose="020B0604020202020204" pitchFamily="34" charset="0"/>
-                <a:cs typeface="Arial" panose="020B0604020202020204" pitchFamily="34" charset="0"/>
-              </a:rPr>
-              <a:t> </a:t>
-            </a:r>
-            <a:r>
-              <a:rPr lang="de-CH" sz="1200" dirty="0" err="1">
-                <a:solidFill>
-                  <a:schemeClr val="tx1"/>
-                </a:solidFill>
-                <a:latin typeface="Arial" panose="020B0604020202020204" pitchFamily="34" charset="0"/>
-                <a:cs typeface="Arial" panose="020B0604020202020204" pitchFamily="34" charset="0"/>
-              </a:rPr>
-              <a:t>creation</a:t>
-            </a:r>
-            <a:r>
-              <a:rPr lang="de-CH" sz="1200" dirty="0">
-                <a:solidFill>
-                  <a:schemeClr val="tx1"/>
-                </a:solidFill>
-                <a:latin typeface="Arial" panose="020B0604020202020204" pitchFamily="34" charset="0"/>
-                <a:cs typeface="Arial" panose="020B0604020202020204" pitchFamily="34" charset="0"/>
-              </a:rPr>
-              <a:t> </a:t>
-            </a:r>
-            <a:r>
-              <a:rPr lang="de-CH" sz="1200" dirty="0" err="1">
-                <a:solidFill>
-                  <a:schemeClr val="tx1"/>
-                </a:solidFill>
-                <a:latin typeface="Arial" panose="020B0604020202020204" pitchFamily="34" charset="0"/>
-                <a:cs typeface="Arial" panose="020B0604020202020204" pitchFamily="34" charset="0"/>
-              </a:rPr>
-              <a:t>of</a:t>
-            </a:r>
-            <a:r>
-              <a:rPr lang="de-CH" sz="1200" dirty="0">
-                <a:solidFill>
-                  <a:schemeClr val="tx1"/>
-                </a:solidFill>
-                <a:latin typeface="Arial" panose="020B0604020202020204" pitchFamily="34" charset="0"/>
-                <a:cs typeface="Arial" panose="020B0604020202020204" pitchFamily="34" charset="0"/>
-              </a:rPr>
-              <a:t> </a:t>
-            </a:r>
-            <a:r>
-              <a:rPr lang="de-CH" sz="1200" dirty="0" err="1">
-                <a:solidFill>
-                  <a:schemeClr val="tx1"/>
-                </a:solidFill>
-                <a:latin typeface="Arial" panose="020B0604020202020204" pitchFamily="34" charset="0"/>
-                <a:cs typeface="Arial" panose="020B0604020202020204" pitchFamily="34" charset="0"/>
-              </a:rPr>
-              <a:t>the</a:t>
-            </a:r>
-            <a:r>
-              <a:rPr lang="de-CH" sz="1200" dirty="0">
-                <a:solidFill>
-                  <a:schemeClr val="tx1"/>
-                </a:solidFill>
-                <a:latin typeface="Arial" panose="020B0604020202020204" pitchFamily="34" charset="0"/>
-                <a:cs typeface="Arial" panose="020B0604020202020204" pitchFamily="34" charset="0"/>
-              </a:rPr>
-              <a:t> </a:t>
-            </a:r>
-            <a:r>
-              <a:rPr lang="de-CH" sz="1200" dirty="0" err="1">
-                <a:solidFill>
-                  <a:schemeClr val="tx1"/>
-                </a:solidFill>
-                <a:latin typeface="Arial" panose="020B0604020202020204" pitchFamily="34" charset="0"/>
-                <a:cs typeface="Arial" panose="020B0604020202020204" pitchFamily="34" charset="0"/>
-              </a:rPr>
-              <a:t>new</a:t>
-            </a:r>
-            <a:r>
-              <a:rPr lang="de-CH" sz="1200" dirty="0">
-                <a:solidFill>
-                  <a:schemeClr val="tx1"/>
-                </a:solidFill>
-                <a:latin typeface="Arial" panose="020B0604020202020204" pitchFamily="34" charset="0"/>
-                <a:cs typeface="Arial" panose="020B0604020202020204" pitchFamily="34" charset="0"/>
-              </a:rPr>
-              <a:t> </a:t>
-            </a:r>
-            <a:r>
-              <a:rPr lang="de-CH" sz="1200" dirty="0" err="1">
-                <a:solidFill>
-                  <a:schemeClr val="tx1"/>
-                </a:solidFill>
-                <a:latin typeface="Arial" panose="020B0604020202020204" pitchFamily="34" charset="0"/>
-                <a:cs typeface="Arial" panose="020B0604020202020204" pitchFamily="34" charset="0"/>
-              </a:rPr>
-              <a:t>season</a:t>
-            </a:r>
-            <a:r>
-              <a:rPr lang="de-CH" sz="1200" dirty="0">
-                <a:solidFill>
-                  <a:schemeClr val="tx1"/>
-                </a:solidFill>
-                <a:latin typeface="Arial" panose="020B0604020202020204" pitchFamily="34" charset="0"/>
-                <a:cs typeface="Arial" panose="020B0604020202020204" pitchFamily="34" charset="0"/>
-              </a:rPr>
-              <a:t> </a:t>
-            </a:r>
-            <a:r>
-              <a:rPr lang="de-CH" sz="1200" dirty="0" err="1">
-                <a:solidFill>
-                  <a:schemeClr val="tx1"/>
-                </a:solidFill>
-                <a:latin typeface="Arial" panose="020B0604020202020204" pitchFamily="34" charset="0"/>
-                <a:cs typeface="Arial" panose="020B0604020202020204" pitchFamily="34" charset="0"/>
-              </a:rPr>
-              <a:t>files</a:t>
-            </a:r>
-            <a:endParaRPr lang="de-CH" sz="1200" dirty="0">
-              <a:solidFill>
-                <a:schemeClr val="tx1"/>
-              </a:solidFill>
-              <a:latin typeface="Arial" panose="020B0604020202020204" pitchFamily="34" charset="0"/>
-              <a:cs typeface="Arial" panose="020B0604020202020204" pitchFamily="34" charset="0"/>
-            </a:endParaRPr>
-          </a:p>
-        </p:txBody>
-      </p:sp>
-      <p:sp>
-        <p:nvSpPr>
-          <p:cNvPr id="3" name="Rechteck 2">
-            <a:extLst>
-              <a:ext uri="{FF2B5EF4-FFF2-40B4-BE49-F238E27FC236}">
-                <a16:creationId xmlns:a16="http://schemas.microsoft.com/office/drawing/2014/main" id="{915AF3A7-8F2C-18A0-9575-87F4CA364F68}"/>
-              </a:ext>
-            </a:extLst>
-          </p:cNvPr>
-          <p:cNvSpPr/>
-          <p:nvPr/>
-        </p:nvSpPr>
-        <p:spPr>
-          <a:xfrm>
-            <a:off x="4920374" y="1568246"/>
-            <a:ext cx="4057372" cy="4375229"/>
-          </a:xfrm>
-          <a:prstGeom prst="rect">
-            <a:avLst/>
-          </a:prstGeom>
-          <a:noFill/>
-          <a:ln w="19050">
-            <a:solidFill>
-              <a:schemeClr val="tx1"/>
-            </a:solidFill>
-          </a:ln>
-        </p:spPr>
-        <p:style>
-          <a:lnRef idx="2">
-            <a:schemeClr val="accent1">
-              <a:shade val="50000"/>
-            </a:schemeClr>
-          </a:lnRef>
-          <a:fillRef idx="1">
-            <a:schemeClr val="accent1"/>
-          </a:fillRef>
-          <a:effectRef idx="0">
-            <a:schemeClr val="accent1"/>
-          </a:effectRef>
-          <a:fontRef idx="minor">
-            <a:schemeClr val="lt1"/>
-          </a:fontRef>
-        </p:style>
-        <p:txBody>
-          <a:bodyPr rtlCol="0" anchor="ctr"/>
-          <a:lstStyle/>
-          <a:p>
-            <a:r>
-              <a:rPr lang="en-US" sz="1000" b="1" dirty="0" err="1">
-                <a:solidFill>
-                  <a:schemeClr val="tx1"/>
-                </a:solidFill>
-                <a:latin typeface="Arial" panose="020B0604020202020204" pitchFamily="34" charset="0"/>
-                <a:cs typeface="Arial" panose="020B0604020202020204" pitchFamily="34" charset="0"/>
-              </a:rPr>
-              <a:t>m_season_case</a:t>
-            </a:r>
-            <a:r>
-              <a:rPr lang="en-US" sz="1000" b="1" dirty="0">
-                <a:solidFill>
-                  <a:schemeClr val="tx1"/>
-                </a:solidFill>
-                <a:latin typeface="Arial" panose="020B0604020202020204" pitchFamily="34" charset="0"/>
-                <a:cs typeface="Arial" panose="020B0604020202020204" pitchFamily="34" charset="0"/>
-              </a:rPr>
-              <a:t> </a:t>
-            </a:r>
-          </a:p>
-          <a:p>
-            <a:r>
-              <a:rPr lang="en-US" sz="1000" b="1" i="1" dirty="0">
-                <a:solidFill>
-                  <a:schemeClr val="tx1"/>
-                </a:solidFill>
-                <a:latin typeface="Arial" panose="020B0604020202020204" pitchFamily="34" charset="0"/>
-                <a:cs typeface="Arial" panose="020B0604020202020204" pitchFamily="34" charset="0"/>
-              </a:rPr>
-              <a:t>   Case current, previous or next</a:t>
-            </a:r>
-          </a:p>
-          <a:p>
-            <a:r>
-              <a:rPr lang="en-US" sz="1000" b="1" dirty="0" err="1">
-                <a:solidFill>
-                  <a:schemeClr val="tx1"/>
-                </a:solidFill>
-                <a:latin typeface="Arial" panose="020B0604020202020204" pitchFamily="34" charset="0"/>
-                <a:cs typeface="Arial" panose="020B0604020202020204" pitchFamily="34" charset="0"/>
-              </a:rPr>
-              <a:t>m_main_dir</a:t>
-            </a:r>
-            <a:r>
-              <a:rPr lang="en-US" sz="1000" b="1" dirty="0">
-                <a:solidFill>
-                  <a:schemeClr val="tx1"/>
-                </a:solidFill>
-                <a:latin typeface="Arial" panose="020B0604020202020204" pitchFamily="34" charset="0"/>
-                <a:cs typeface="Arial" panose="020B0604020202020204" pitchFamily="34" charset="0"/>
-              </a:rPr>
-              <a:t> </a:t>
-            </a:r>
-          </a:p>
-          <a:p>
-            <a:r>
-              <a:rPr lang="en-US" sz="1000" b="1" i="1" dirty="0">
-                <a:solidFill>
-                  <a:schemeClr val="tx1"/>
-                </a:solidFill>
-                <a:latin typeface="Arial" panose="020B0604020202020204" pitchFamily="34" charset="0"/>
-                <a:cs typeface="Arial" panose="020B0604020202020204" pitchFamily="34" charset="0"/>
-              </a:rPr>
-              <a:t>   Reservation (Release) or </a:t>
-            </a:r>
-            <a:r>
-              <a:rPr lang="en-US" sz="1000" b="1" i="1" dirty="0" err="1">
-                <a:solidFill>
-                  <a:schemeClr val="tx1"/>
-                </a:solidFill>
-                <a:latin typeface="Arial" panose="020B0604020202020204" pitchFamily="34" charset="0"/>
-                <a:cs typeface="Arial" panose="020B0604020202020204" pitchFamily="34" charset="0"/>
-              </a:rPr>
-              <a:t>ReservationLayout</a:t>
-            </a:r>
-            <a:r>
-              <a:rPr lang="en-US" sz="1000" b="1" i="1" dirty="0">
-                <a:solidFill>
-                  <a:schemeClr val="tx1"/>
-                </a:solidFill>
-                <a:latin typeface="Arial" panose="020B0604020202020204" pitchFamily="34" charset="0"/>
-                <a:cs typeface="Arial" panose="020B0604020202020204" pitchFamily="34" charset="0"/>
-              </a:rPr>
-              <a:t> (Development)</a:t>
-            </a:r>
-          </a:p>
-          <a:p>
-            <a:r>
-              <a:rPr lang="en-US" sz="1000" b="1" dirty="0" err="1">
-                <a:solidFill>
-                  <a:schemeClr val="tx1"/>
-                </a:solidFill>
-                <a:latin typeface="Arial" panose="020B0604020202020204" pitchFamily="34" charset="0"/>
-                <a:cs typeface="Arial" panose="020B0604020202020204" pitchFamily="34" charset="0"/>
-              </a:rPr>
-              <a:t>m_result_dir</a:t>
-            </a:r>
-            <a:r>
-              <a:rPr lang="en-US" sz="1000" b="1" i="1" dirty="0">
-                <a:solidFill>
-                  <a:schemeClr val="tx1"/>
-                </a:solidFill>
-                <a:latin typeface="Arial" panose="020B0604020202020204" pitchFamily="34" charset="0"/>
-                <a:cs typeface="Arial" panose="020B0604020202020204" pitchFamily="34" charset="0"/>
-              </a:rPr>
-              <a:t> </a:t>
-            </a:r>
-          </a:p>
-          <a:p>
-            <a:r>
-              <a:rPr lang="en-US" sz="1000" b="1" i="1" dirty="0">
-                <a:solidFill>
-                  <a:schemeClr val="tx1"/>
-                </a:solidFill>
-                <a:latin typeface="Arial" panose="020B0604020202020204" pitchFamily="34" charset="0"/>
-                <a:cs typeface="Arial" panose="020B0604020202020204" pitchFamily="34" charset="0"/>
-              </a:rPr>
-              <a:t>   For instance Spagi_76_Chairs_V_2</a:t>
-            </a:r>
-          </a:p>
-          <a:p>
-            <a:r>
-              <a:rPr lang="en-US" sz="1000" b="1" dirty="0" err="1">
-                <a:solidFill>
-                  <a:schemeClr val="tx1"/>
-                </a:solidFill>
-                <a:latin typeface="Arial" panose="020B0604020202020204" pitchFamily="34" charset="0"/>
-                <a:cs typeface="Arial" panose="020B0604020202020204" pitchFamily="34" charset="0"/>
-              </a:rPr>
-              <a:t>m_sub_xml_dir</a:t>
-            </a:r>
-            <a:r>
-              <a:rPr lang="en-US" sz="1000" b="1" dirty="0">
-                <a:solidFill>
-                  <a:schemeClr val="tx1"/>
-                </a:solidFill>
-                <a:latin typeface="Arial" panose="020B0604020202020204" pitchFamily="34" charset="0"/>
-                <a:cs typeface="Arial" panose="020B0604020202020204" pitchFamily="34" charset="0"/>
-              </a:rPr>
-              <a:t> </a:t>
-            </a:r>
-          </a:p>
-          <a:p>
-            <a:r>
-              <a:rPr lang="en-US" sz="1000" b="1" i="1" dirty="0">
-                <a:solidFill>
-                  <a:schemeClr val="tx1"/>
-                </a:solidFill>
-                <a:latin typeface="Arial" panose="020B0604020202020204" pitchFamily="34" charset="0"/>
-                <a:cs typeface="Arial" panose="020B0604020202020204" pitchFamily="34" charset="0"/>
-              </a:rPr>
-              <a:t>   </a:t>
-            </a:r>
-            <a:r>
-              <a:rPr lang="en-US" sz="1000" b="1" i="1" dirty="0" err="1">
-                <a:solidFill>
-                  <a:schemeClr val="tx1"/>
-                </a:solidFill>
-                <a:latin typeface="Arial" panose="020B0604020202020204" pitchFamily="34" charset="0"/>
-                <a:cs typeface="Arial" panose="020B0604020202020204" pitchFamily="34" charset="0"/>
-              </a:rPr>
-              <a:t>SaisonXML</a:t>
-            </a:r>
-            <a:endParaRPr lang="en-US" sz="1000" b="1" i="1" dirty="0">
-              <a:solidFill>
-                <a:schemeClr val="tx1"/>
-              </a:solidFill>
-              <a:latin typeface="Arial" panose="020B0604020202020204" pitchFamily="34" charset="0"/>
-              <a:cs typeface="Arial" panose="020B0604020202020204" pitchFamily="34" charset="0"/>
-            </a:endParaRPr>
-          </a:p>
-          <a:p>
-            <a:r>
-              <a:rPr lang="en-US" sz="1000" b="1" dirty="0" err="1">
-                <a:solidFill>
-                  <a:schemeClr val="tx1"/>
-                </a:solidFill>
-                <a:latin typeface="Arial" panose="020B0604020202020204" pitchFamily="34" charset="0"/>
-                <a:cs typeface="Arial" panose="020B0604020202020204" pitchFamily="34" charset="0"/>
-              </a:rPr>
-              <a:t>m_xml_filename</a:t>
-            </a:r>
-            <a:r>
-              <a:rPr lang="en-US" sz="1000" b="1" dirty="0">
-                <a:solidFill>
-                  <a:schemeClr val="tx1"/>
-                </a:solidFill>
-                <a:latin typeface="Arial" panose="020B0604020202020204" pitchFamily="34" charset="0"/>
-                <a:cs typeface="Arial" panose="020B0604020202020204" pitchFamily="34" charset="0"/>
-              </a:rPr>
-              <a:t> </a:t>
-            </a:r>
-          </a:p>
-          <a:p>
-            <a:r>
-              <a:rPr lang="en-US" sz="1000" b="1" i="1" dirty="0">
-                <a:solidFill>
-                  <a:schemeClr val="tx1"/>
-                </a:solidFill>
-                <a:latin typeface="Arial" panose="020B0604020202020204" pitchFamily="34" charset="0"/>
-                <a:cs typeface="Arial" panose="020B0604020202020204" pitchFamily="34" charset="0"/>
-              </a:rPr>
-              <a:t>   EventProgram.xml</a:t>
-            </a:r>
-          </a:p>
-          <a:p>
-            <a:r>
-              <a:rPr lang="en-US" sz="1000" b="1" dirty="0">
-                <a:solidFill>
-                  <a:schemeClr val="tx1"/>
-                </a:solidFill>
-                <a:latin typeface="Arial" panose="020B0604020202020204" pitchFamily="34" charset="0"/>
-                <a:cs typeface="Arial" panose="020B0604020202020204" pitchFamily="34" charset="0"/>
-              </a:rPr>
-              <a:t> </a:t>
-            </a:r>
-            <a:r>
-              <a:rPr lang="en-US" sz="1000" b="1" dirty="0" err="1">
-                <a:solidFill>
-                  <a:schemeClr val="tx1"/>
-                </a:solidFill>
-                <a:latin typeface="Arial" panose="020B0604020202020204" pitchFamily="34" charset="0"/>
-                <a:cs typeface="Arial" panose="020B0604020202020204" pitchFamily="34" charset="0"/>
-              </a:rPr>
-              <a:t>m_event_program_callback_fctn</a:t>
-            </a:r>
-            <a:endParaRPr lang="en-US" sz="1000" b="1" dirty="0">
-              <a:solidFill>
-                <a:schemeClr val="tx1"/>
-              </a:solidFill>
-              <a:latin typeface="Arial" panose="020B0604020202020204" pitchFamily="34" charset="0"/>
-              <a:cs typeface="Arial" panose="020B0604020202020204" pitchFamily="34" charset="0"/>
-            </a:endParaRPr>
-          </a:p>
-          <a:p>
-            <a:r>
-              <a:rPr lang="en-US" sz="1000" b="1" i="1" dirty="0">
-                <a:solidFill>
-                  <a:schemeClr val="tx1"/>
-                </a:solidFill>
-                <a:latin typeface="Arial" panose="020B0604020202020204" pitchFamily="34" charset="0"/>
-                <a:cs typeface="Arial" panose="020B0604020202020204" pitchFamily="34" charset="0"/>
-              </a:rPr>
-              <a:t>    Callback function name for the event program file creation</a:t>
-            </a:r>
-          </a:p>
-          <a:p>
-            <a:endParaRPr lang="en-US" sz="1000" b="1" dirty="0">
-              <a:solidFill>
-                <a:schemeClr val="tx1"/>
-              </a:solidFill>
-              <a:latin typeface="Arial" panose="020B0604020202020204" pitchFamily="34" charset="0"/>
-              <a:cs typeface="Arial" panose="020B0604020202020204" pitchFamily="34" charset="0"/>
-            </a:endParaRPr>
-          </a:p>
-          <a:p>
-            <a:r>
-              <a:rPr lang="en-US" sz="1000" b="1" dirty="0" err="1">
-                <a:solidFill>
-                  <a:schemeClr val="tx1"/>
-                </a:solidFill>
-                <a:latin typeface="Arial" panose="020B0604020202020204" pitchFamily="34" charset="0"/>
-                <a:cs typeface="Arial" panose="020B0604020202020204" pitchFamily="34" charset="0"/>
-              </a:rPr>
-              <a:t>m_abs_event_program_url</a:t>
-            </a:r>
-            <a:r>
-              <a:rPr lang="en-US" sz="1000" b="1" dirty="0">
-                <a:solidFill>
-                  <a:schemeClr val="tx1"/>
-                </a:solidFill>
-                <a:latin typeface="Arial" panose="020B0604020202020204" pitchFamily="34" charset="0"/>
-                <a:cs typeface="Arial" panose="020B0604020202020204" pitchFamily="34" charset="0"/>
-              </a:rPr>
-              <a:t> </a:t>
-            </a:r>
-          </a:p>
-          <a:p>
-            <a:r>
-              <a:rPr lang="en-US" sz="1000" b="1" i="1" dirty="0">
-                <a:solidFill>
-                  <a:schemeClr val="tx1"/>
-                </a:solidFill>
-                <a:latin typeface="Arial" panose="020B0604020202020204" pitchFamily="34" charset="0"/>
-                <a:cs typeface="Arial" panose="020B0604020202020204" pitchFamily="34" charset="0"/>
-              </a:rPr>
-              <a:t>    Absolute URL for </a:t>
-            </a:r>
-            <a:r>
-              <a:rPr lang="en-US" sz="1000" b="1" i="1" dirty="0" err="1">
-                <a:solidFill>
-                  <a:schemeClr val="tx1"/>
-                </a:solidFill>
-                <a:latin typeface="Arial" panose="020B0604020202020204" pitchFamily="34" charset="0"/>
-                <a:cs typeface="Arial" panose="020B0604020202020204" pitchFamily="34" charset="0"/>
-              </a:rPr>
-              <a:t>m_xml_filename</a:t>
-            </a:r>
-            <a:endParaRPr lang="en-US" sz="1000" b="1" i="1" dirty="0">
-              <a:solidFill>
-                <a:schemeClr val="tx1"/>
-              </a:solidFill>
-              <a:latin typeface="Arial" panose="020B0604020202020204" pitchFamily="34" charset="0"/>
-              <a:cs typeface="Arial" panose="020B0604020202020204" pitchFamily="34" charset="0"/>
-            </a:endParaRPr>
-          </a:p>
-          <a:p>
-            <a:r>
-              <a:rPr lang="de-CH" sz="1000" b="1" dirty="0" err="1">
-                <a:solidFill>
-                  <a:schemeClr val="tx1"/>
-                </a:solidFill>
-                <a:latin typeface="Arial" panose="020B0604020202020204" pitchFamily="34" charset="0"/>
-                <a:cs typeface="Arial" panose="020B0604020202020204" pitchFamily="34" charset="0"/>
-              </a:rPr>
-              <a:t>m_abs_result_dir_url</a:t>
-            </a:r>
-            <a:endParaRPr lang="de-CH" sz="1000" b="1" dirty="0">
-              <a:solidFill>
-                <a:schemeClr val="tx1"/>
-              </a:solidFill>
-              <a:latin typeface="Arial" panose="020B0604020202020204" pitchFamily="34" charset="0"/>
-              <a:cs typeface="Arial" panose="020B0604020202020204" pitchFamily="34" charset="0"/>
-            </a:endParaRPr>
-          </a:p>
-          <a:p>
-            <a:r>
-              <a:rPr lang="de-CH" sz="1000" b="1" dirty="0">
-                <a:solidFill>
-                  <a:schemeClr val="tx1"/>
-                </a:solidFill>
-                <a:latin typeface="Arial" panose="020B0604020202020204" pitchFamily="34" charset="0"/>
-                <a:cs typeface="Arial" panose="020B0604020202020204" pitchFamily="34" charset="0"/>
-              </a:rPr>
-              <a:t>  </a:t>
-            </a:r>
-            <a:r>
-              <a:rPr lang="en-US" sz="1000" b="1" i="1" dirty="0">
-                <a:solidFill>
-                  <a:schemeClr val="tx1"/>
-                </a:solidFill>
-                <a:latin typeface="Arial" panose="020B0604020202020204" pitchFamily="34" charset="0"/>
-                <a:cs typeface="Arial" panose="020B0604020202020204" pitchFamily="34" charset="0"/>
-              </a:rPr>
-              <a:t>Absolute URL to result directory</a:t>
-            </a:r>
-            <a:endParaRPr lang="de-CH" sz="1000" b="1" dirty="0">
-              <a:solidFill>
-                <a:schemeClr val="tx1"/>
-              </a:solidFill>
-              <a:latin typeface="Arial" panose="020B0604020202020204" pitchFamily="34" charset="0"/>
-              <a:cs typeface="Arial" panose="020B0604020202020204" pitchFamily="34" charset="0"/>
-            </a:endParaRPr>
-          </a:p>
-          <a:p>
-            <a:r>
-              <a:rPr lang="de-CH" sz="1000" b="1" dirty="0" err="1">
-                <a:solidFill>
-                  <a:schemeClr val="tx1"/>
-                </a:solidFill>
-                <a:latin typeface="Arial" panose="020B0604020202020204" pitchFamily="34" charset="0"/>
-                <a:cs typeface="Arial" panose="020B0604020202020204" pitchFamily="34" charset="0"/>
-              </a:rPr>
-              <a:t>m_rel_event_program_dir_url</a:t>
-            </a:r>
-            <a:endParaRPr lang="de-CH" sz="1000" b="1" dirty="0">
-              <a:solidFill>
-                <a:schemeClr val="tx1"/>
-              </a:solidFill>
-              <a:latin typeface="Arial" panose="020B0604020202020204" pitchFamily="34" charset="0"/>
-              <a:cs typeface="Arial" panose="020B0604020202020204" pitchFamily="34" charset="0"/>
-            </a:endParaRPr>
-          </a:p>
-          <a:p>
-            <a:r>
-              <a:rPr lang="de-CH" sz="1000" b="1" dirty="0">
-                <a:solidFill>
-                  <a:schemeClr val="tx1"/>
-                </a:solidFill>
-                <a:latin typeface="Arial" panose="020B0604020202020204" pitchFamily="34" charset="0"/>
-                <a:cs typeface="Arial" panose="020B0604020202020204" pitchFamily="34" charset="0"/>
-              </a:rPr>
-              <a:t>   Relative </a:t>
-            </a:r>
-            <a:r>
-              <a:rPr lang="en-US" sz="1000" b="1" i="1" dirty="0">
-                <a:solidFill>
-                  <a:schemeClr val="tx1"/>
-                </a:solidFill>
-                <a:latin typeface="Arial" panose="020B0604020202020204" pitchFamily="34" charset="0"/>
-                <a:cs typeface="Arial" panose="020B0604020202020204" pitchFamily="34" charset="0"/>
-              </a:rPr>
-              <a:t>URL to result directory</a:t>
-            </a:r>
-            <a:endParaRPr lang="de-CH" sz="1000" b="1" dirty="0">
-              <a:solidFill>
-                <a:schemeClr val="tx1"/>
-              </a:solidFill>
-              <a:latin typeface="Arial" panose="020B0604020202020204" pitchFamily="34" charset="0"/>
-              <a:cs typeface="Arial" panose="020B0604020202020204" pitchFamily="34" charset="0"/>
-            </a:endParaRPr>
-          </a:p>
-          <a:p>
-            <a:r>
-              <a:rPr lang="de-CH" sz="1000" b="1" dirty="0" err="1">
-                <a:solidFill>
-                  <a:schemeClr val="tx1"/>
-                </a:solidFill>
-                <a:latin typeface="Arial" panose="020B0604020202020204" pitchFamily="34" charset="0"/>
-                <a:cs typeface="Arial" panose="020B0604020202020204" pitchFamily="34" charset="0"/>
-              </a:rPr>
-              <a:t>m_input_data_ok</a:t>
-            </a:r>
-            <a:endParaRPr lang="de-CH" sz="1000" b="1" dirty="0">
-              <a:solidFill>
-                <a:schemeClr val="tx1"/>
-              </a:solidFill>
-              <a:latin typeface="Arial" panose="020B0604020202020204" pitchFamily="34" charset="0"/>
-              <a:cs typeface="Arial" panose="020B0604020202020204" pitchFamily="34" charset="0"/>
-            </a:endParaRPr>
-          </a:p>
-          <a:p>
-            <a:r>
-              <a:rPr lang="de-CH" sz="1000" b="1" i="1" dirty="0">
-                <a:solidFill>
-                  <a:schemeClr val="tx1"/>
-                </a:solidFill>
-                <a:latin typeface="Arial" panose="020B0604020202020204" pitchFamily="34" charset="0"/>
-                <a:cs typeface="Arial" panose="020B0604020202020204" pitchFamily="34" charset="0"/>
-              </a:rPr>
-              <a:t>   </a:t>
-            </a:r>
-            <a:r>
-              <a:rPr lang="de-CH" sz="1000" b="1" i="1" dirty="0" err="1">
-                <a:solidFill>
-                  <a:schemeClr val="tx1"/>
-                </a:solidFill>
-                <a:latin typeface="Arial" panose="020B0604020202020204" pitchFamily="34" charset="0"/>
-                <a:cs typeface="Arial" panose="020B0604020202020204" pitchFamily="34" charset="0"/>
-              </a:rPr>
-              <a:t>Flag</a:t>
-            </a:r>
-            <a:r>
-              <a:rPr lang="de-CH" sz="1000" b="1" i="1" dirty="0">
-                <a:solidFill>
-                  <a:schemeClr val="tx1"/>
-                </a:solidFill>
-                <a:latin typeface="Arial" panose="020B0604020202020204" pitchFamily="34" charset="0"/>
-                <a:cs typeface="Arial" panose="020B0604020202020204" pitchFamily="34" charset="0"/>
-              </a:rPr>
-              <a:t> </a:t>
-            </a:r>
-            <a:r>
-              <a:rPr lang="en-US" sz="1000" b="1" i="1" dirty="0">
-                <a:solidFill>
-                  <a:schemeClr val="tx1"/>
-                </a:solidFill>
-                <a:latin typeface="Arial" panose="020B0604020202020204" pitchFamily="34" charset="0"/>
-                <a:cs typeface="Arial" panose="020B0604020202020204" pitchFamily="34" charset="0"/>
-              </a:rPr>
-              <a:t>telling if the input data is OK</a:t>
-            </a:r>
-            <a:endParaRPr lang="de-CH" sz="1000" b="1" dirty="0">
-              <a:solidFill>
-                <a:schemeClr val="tx1"/>
-              </a:solidFill>
-              <a:latin typeface="Arial" panose="020B0604020202020204" pitchFamily="34" charset="0"/>
-              <a:cs typeface="Arial" panose="020B0604020202020204" pitchFamily="34" charset="0"/>
-            </a:endParaRPr>
-          </a:p>
-          <a:p>
-            <a:r>
-              <a:rPr lang="de-CH" sz="1000" b="1" dirty="0" err="1">
-                <a:solidFill>
-                  <a:schemeClr val="tx1"/>
-                </a:solidFill>
-                <a:latin typeface="Arial" panose="020B0604020202020204" pitchFamily="34" charset="0"/>
-                <a:cs typeface="Arial" panose="020B0604020202020204" pitchFamily="34" charset="0"/>
-              </a:rPr>
-              <a:t>m_season_start_year</a:t>
-            </a:r>
-            <a:endParaRPr lang="de-CH" sz="1000" b="1" dirty="0">
-              <a:solidFill>
-                <a:schemeClr val="tx1"/>
-              </a:solidFill>
-              <a:latin typeface="Arial" panose="020B0604020202020204" pitchFamily="34" charset="0"/>
-              <a:cs typeface="Arial" panose="020B0604020202020204" pitchFamily="34" charset="0"/>
-            </a:endParaRPr>
-          </a:p>
-          <a:p>
-            <a:r>
-              <a:rPr lang="de-CH" sz="1000" b="1" dirty="0">
-                <a:solidFill>
-                  <a:schemeClr val="tx1"/>
-                </a:solidFill>
-                <a:latin typeface="Arial" panose="020B0604020202020204" pitchFamily="34" charset="0"/>
-                <a:cs typeface="Arial" panose="020B0604020202020204" pitchFamily="34" charset="0"/>
-              </a:rPr>
-              <a:t>   </a:t>
-            </a:r>
-            <a:r>
-              <a:rPr lang="de-CH" sz="1000" b="1" i="1" dirty="0">
-                <a:solidFill>
-                  <a:schemeClr val="tx1"/>
-                </a:solidFill>
-                <a:latin typeface="Arial" panose="020B0604020202020204" pitchFamily="34" charset="0"/>
-                <a:cs typeface="Arial" panose="020B0604020202020204" pitchFamily="34" charset="0"/>
-              </a:rPr>
-              <a:t>Season </a:t>
-            </a:r>
-            <a:r>
-              <a:rPr lang="de-CH" sz="1000" b="1" i="1" dirty="0" err="1">
-                <a:solidFill>
-                  <a:schemeClr val="tx1"/>
-                </a:solidFill>
-                <a:latin typeface="Arial" panose="020B0604020202020204" pitchFamily="34" charset="0"/>
-                <a:cs typeface="Arial" panose="020B0604020202020204" pitchFamily="34" charset="0"/>
-              </a:rPr>
-              <a:t>program</a:t>
-            </a:r>
-            <a:r>
-              <a:rPr lang="de-CH" sz="1000" b="1" i="1" dirty="0">
-                <a:solidFill>
-                  <a:schemeClr val="tx1"/>
-                </a:solidFill>
-                <a:latin typeface="Arial" panose="020B0604020202020204" pitchFamily="34" charset="0"/>
-                <a:cs typeface="Arial" panose="020B0604020202020204" pitchFamily="34" charset="0"/>
-              </a:rPr>
-              <a:t> </a:t>
-            </a:r>
-            <a:r>
-              <a:rPr lang="de-CH" sz="1000" b="1" i="1" dirty="0" err="1">
-                <a:solidFill>
-                  <a:schemeClr val="tx1"/>
-                </a:solidFill>
-                <a:latin typeface="Arial" panose="020B0604020202020204" pitchFamily="34" charset="0"/>
-                <a:cs typeface="Arial" panose="020B0604020202020204" pitchFamily="34" charset="0"/>
-              </a:rPr>
-              <a:t>start</a:t>
-            </a:r>
-            <a:r>
-              <a:rPr lang="de-CH" sz="1000" b="1" i="1" dirty="0">
-                <a:solidFill>
-                  <a:schemeClr val="tx1"/>
-                </a:solidFill>
-                <a:latin typeface="Arial" panose="020B0604020202020204" pitchFamily="34" charset="0"/>
-                <a:cs typeface="Arial" panose="020B0604020202020204" pitchFamily="34" charset="0"/>
-              </a:rPr>
-              <a:t> </a:t>
-            </a:r>
-            <a:r>
-              <a:rPr lang="de-CH" sz="1000" b="1" i="1" dirty="0" err="1">
-                <a:solidFill>
-                  <a:schemeClr val="tx1"/>
-                </a:solidFill>
-                <a:latin typeface="Arial" panose="020B0604020202020204" pitchFamily="34" charset="0"/>
-                <a:cs typeface="Arial" panose="020B0604020202020204" pitchFamily="34" charset="0"/>
-              </a:rPr>
-              <a:t>year</a:t>
-            </a:r>
-            <a:endParaRPr lang="de-CH" sz="1000" b="1" dirty="0">
-              <a:solidFill>
-                <a:schemeClr val="tx1"/>
-              </a:solidFill>
-              <a:latin typeface="Arial" panose="020B0604020202020204" pitchFamily="34" charset="0"/>
-              <a:cs typeface="Arial" panose="020B0604020202020204" pitchFamily="34" charset="0"/>
-            </a:endParaRPr>
-          </a:p>
-          <a:p>
-            <a:r>
-              <a:rPr lang="de-CH" sz="1000" b="1" dirty="0" err="1">
-                <a:solidFill>
-                  <a:schemeClr val="tx1"/>
-                </a:solidFill>
-                <a:latin typeface="Arial" panose="020B0604020202020204" pitchFamily="34" charset="0"/>
-                <a:cs typeface="Arial" panose="020B0604020202020204" pitchFamily="34" charset="0"/>
-              </a:rPr>
-              <a:t>m_season_xml</a:t>
-            </a:r>
-            <a:r>
-              <a:rPr lang="de-CH" sz="1000" b="1" dirty="0">
-                <a:solidFill>
-                  <a:schemeClr val="tx1"/>
-                </a:solidFill>
-                <a:latin typeface="Arial" panose="020B0604020202020204" pitchFamily="34" charset="0"/>
-                <a:cs typeface="Arial" panose="020B0604020202020204" pitchFamily="34" charset="0"/>
-              </a:rPr>
-              <a:t> </a:t>
-            </a:r>
-          </a:p>
-          <a:p>
-            <a:r>
-              <a:rPr lang="de-CH" sz="1000" b="1" i="1" dirty="0">
-                <a:solidFill>
-                  <a:schemeClr val="tx1"/>
-                </a:solidFill>
-                <a:latin typeface="Arial" panose="020B0604020202020204" pitchFamily="34" charset="0"/>
-                <a:cs typeface="Arial" panose="020B0604020202020204" pitchFamily="34" charset="0"/>
-              </a:rPr>
-              <a:t>   Instance </a:t>
-            </a:r>
-            <a:r>
-              <a:rPr lang="de-CH" sz="1000" b="1" i="1" dirty="0" err="1">
-                <a:solidFill>
-                  <a:schemeClr val="tx1"/>
-                </a:solidFill>
-                <a:latin typeface="Arial" panose="020B0604020202020204" pitchFamily="34" charset="0"/>
-                <a:cs typeface="Arial" panose="020B0604020202020204" pitchFamily="34" charset="0"/>
-              </a:rPr>
-              <a:t>of</a:t>
-            </a:r>
-            <a:r>
-              <a:rPr lang="de-CH" sz="1000" b="1" i="1" dirty="0">
-                <a:solidFill>
-                  <a:schemeClr val="tx1"/>
-                </a:solidFill>
-                <a:latin typeface="Arial" panose="020B0604020202020204" pitchFamily="34" charset="0"/>
-                <a:cs typeface="Arial" panose="020B0604020202020204" pitchFamily="34" charset="0"/>
-              </a:rPr>
-              <a:t> </a:t>
-            </a:r>
-            <a:r>
-              <a:rPr lang="de-CH" sz="1000" b="1" i="1" dirty="0" err="1">
-                <a:solidFill>
-                  <a:schemeClr val="tx1"/>
-                </a:solidFill>
-                <a:latin typeface="Arial" panose="020B0604020202020204" pitchFamily="34" charset="0"/>
-                <a:cs typeface="Arial" panose="020B0604020202020204" pitchFamily="34" charset="0"/>
-              </a:rPr>
-              <a:t>SeasonXml</a:t>
-            </a:r>
-            <a:endParaRPr lang="de-CH" sz="1000" b="1" i="1" dirty="0">
-              <a:solidFill>
-                <a:schemeClr val="tx1"/>
-              </a:solidFill>
-              <a:latin typeface="Arial" panose="020B0604020202020204" pitchFamily="34" charset="0"/>
-              <a:cs typeface="Arial" panose="020B0604020202020204" pitchFamily="34" charset="0"/>
-            </a:endParaRPr>
-          </a:p>
-          <a:p>
-            <a:r>
-              <a:rPr lang="de-CH" sz="1000" b="1" dirty="0" err="1">
-                <a:solidFill>
-                  <a:schemeClr val="tx1"/>
-                </a:solidFill>
-                <a:latin typeface="Arial" panose="020B0604020202020204" pitchFamily="34" charset="0"/>
-                <a:cs typeface="Arial" panose="020B0604020202020204" pitchFamily="34" charset="0"/>
-              </a:rPr>
-              <a:t>m_event_xml</a:t>
-            </a:r>
-            <a:endParaRPr lang="de-CH" sz="1000" b="1" dirty="0">
-              <a:solidFill>
-                <a:schemeClr val="tx1"/>
-              </a:solidFill>
-              <a:latin typeface="Arial" panose="020B0604020202020204" pitchFamily="34" charset="0"/>
-              <a:cs typeface="Arial" panose="020B0604020202020204" pitchFamily="34" charset="0"/>
-            </a:endParaRPr>
-          </a:p>
-          <a:p>
-            <a:r>
-              <a:rPr lang="de-CH" sz="1000" b="1" dirty="0">
-                <a:solidFill>
-                  <a:schemeClr val="tx1"/>
-                </a:solidFill>
-                <a:latin typeface="Arial" panose="020B0604020202020204" pitchFamily="34" charset="0"/>
-                <a:cs typeface="Arial" panose="020B0604020202020204" pitchFamily="34" charset="0"/>
-              </a:rPr>
-              <a:t>    </a:t>
-            </a:r>
-            <a:r>
-              <a:rPr lang="de-CH" sz="1000" b="1" i="1" dirty="0">
-                <a:solidFill>
-                  <a:schemeClr val="tx1"/>
-                </a:solidFill>
-                <a:latin typeface="Arial" panose="020B0604020202020204" pitchFamily="34" charset="0"/>
-                <a:cs typeface="Arial" panose="020B0604020202020204" pitchFamily="34" charset="0"/>
-              </a:rPr>
-              <a:t>Instance </a:t>
-            </a:r>
-            <a:r>
-              <a:rPr lang="de-CH" sz="1000" b="1" i="1" dirty="0" err="1">
-                <a:solidFill>
-                  <a:schemeClr val="tx1"/>
-                </a:solidFill>
-                <a:latin typeface="Arial" panose="020B0604020202020204" pitchFamily="34" charset="0"/>
-                <a:cs typeface="Arial" panose="020B0604020202020204" pitchFamily="34" charset="0"/>
-              </a:rPr>
-              <a:t>of</a:t>
-            </a:r>
-            <a:r>
-              <a:rPr lang="de-CH" sz="1000" b="1" i="1" dirty="0">
-                <a:solidFill>
-                  <a:schemeClr val="tx1"/>
-                </a:solidFill>
-                <a:latin typeface="Arial" panose="020B0604020202020204" pitchFamily="34" charset="0"/>
-                <a:cs typeface="Arial" panose="020B0604020202020204" pitchFamily="34" charset="0"/>
-              </a:rPr>
-              <a:t> </a:t>
-            </a:r>
-            <a:r>
-              <a:rPr lang="de-CH" sz="1000" b="1" i="1" dirty="0" err="1">
-                <a:solidFill>
-                  <a:schemeClr val="tx1"/>
-                </a:solidFill>
-                <a:latin typeface="Arial" panose="020B0604020202020204" pitchFamily="34" charset="0"/>
-                <a:cs typeface="Arial" panose="020B0604020202020204" pitchFamily="34" charset="0"/>
-              </a:rPr>
-              <a:t>EventProgramXml</a:t>
-            </a:r>
-            <a:r>
-              <a:rPr lang="de-CH" sz="1000" b="1" i="1" dirty="0">
-                <a:solidFill>
-                  <a:schemeClr val="tx1"/>
-                </a:solidFill>
-                <a:latin typeface="Arial" panose="020B0604020202020204" pitchFamily="34" charset="0"/>
-                <a:cs typeface="Arial" panose="020B0604020202020204" pitchFamily="34" charset="0"/>
-              </a:rPr>
-              <a:t>  </a:t>
-            </a:r>
-          </a:p>
-        </p:txBody>
-      </p:sp>
-      <p:sp>
-        <p:nvSpPr>
           <p:cNvPr id="4" name="Textfeld 3">
             <a:extLst>
               <a:ext uri="{FF2B5EF4-FFF2-40B4-BE49-F238E27FC236}">
@@ -6522,80 +5542,6 @@
               </a:rPr>
               <a:t>SeasonToEventProgramXml.js</a:t>
             </a:r>
-          </a:p>
-        </p:txBody>
-      </p:sp>
-      <p:sp>
-        <p:nvSpPr>
-          <p:cNvPr id="5" name="Textfeld 4">
-            <a:extLst>
-              <a:ext uri="{FF2B5EF4-FFF2-40B4-BE49-F238E27FC236}">
-                <a16:creationId xmlns:a16="http://schemas.microsoft.com/office/drawing/2014/main" id="{26D08DB3-A645-AC9B-6568-85F23F06607B}"/>
-              </a:ext>
-            </a:extLst>
-          </p:cNvPr>
-          <p:cNvSpPr txBox="1"/>
-          <p:nvPr/>
-        </p:nvSpPr>
-        <p:spPr>
-          <a:xfrm>
-            <a:off x="4920264" y="6016212"/>
-            <a:ext cx="4057369" cy="523220"/>
-          </a:xfrm>
-          <a:prstGeom prst="rect">
-            <a:avLst/>
-          </a:prstGeom>
-          <a:noFill/>
-        </p:spPr>
-        <p:txBody>
-          <a:bodyPr wrap="square">
-            <a:spAutoFit/>
-          </a:bodyPr>
-          <a:lstStyle/>
-          <a:p>
-            <a:pPr algn="ctr"/>
-            <a:r>
-              <a:rPr lang="en-US" sz="1400" b="1" dirty="0" err="1">
-                <a:latin typeface="Arial" panose="020B0604020202020204" pitchFamily="34" charset="0"/>
-                <a:cs typeface="Arial" panose="020B0604020202020204" pitchFamily="34" charset="0"/>
-              </a:rPr>
-              <a:t>g_new_season_files_data</a:t>
-            </a:r>
-            <a:r>
-              <a:rPr lang="en-US" sz="1400" b="1" dirty="0">
-                <a:latin typeface="Arial" panose="020B0604020202020204" pitchFamily="34" charset="0"/>
-                <a:cs typeface="Arial" panose="020B0604020202020204" pitchFamily="34" charset="0"/>
-              </a:rPr>
-              <a:t> = </a:t>
-            </a:r>
-          </a:p>
-          <a:p>
-            <a:pPr algn="ctr"/>
-            <a:r>
-              <a:rPr lang="en-US" sz="1400" b="1" dirty="0">
-                <a:latin typeface="Arial" panose="020B0604020202020204" pitchFamily="34" charset="0"/>
-                <a:cs typeface="Arial" panose="020B0604020202020204" pitchFamily="34" charset="0"/>
-              </a:rPr>
-              <a:t>new </a:t>
-            </a:r>
-            <a:r>
-              <a:rPr lang="en-US" sz="1400" b="1" dirty="0" err="1">
-                <a:latin typeface="Arial" panose="020B0604020202020204" pitchFamily="34" charset="0"/>
-                <a:cs typeface="Arial" panose="020B0604020202020204" pitchFamily="34" charset="0"/>
-              </a:rPr>
-              <a:t>ReservationNewSeasonData</a:t>
-            </a:r>
-            <a:r>
-              <a:rPr lang="en-US" sz="1400" b="1" dirty="0">
-                <a:latin typeface="Arial" panose="020B0604020202020204" pitchFamily="34" charset="0"/>
-                <a:cs typeface="Arial" panose="020B0604020202020204" pitchFamily="34" charset="0"/>
-              </a:rPr>
-              <a:t> (…) </a:t>
-            </a:r>
-            <a:endParaRPr lang="de-CH" sz="1400" b="1" dirty="0">
-              <a:latin typeface="Arial" panose="020B0604020202020204" pitchFamily="34" charset="0"/>
-              <a:cs typeface="Arial" panose="020B0604020202020204" pitchFamily="34" charset="0"/>
-            </a:endParaRPr>
           </a:p>
         </p:txBody>
       </p:sp>
@@ -7577,6 +6523,1397 @@
           <p:cNvPr id="2" name="Rechteck 1">
             <a:extLst>
               <a:ext uri="{FF2B5EF4-FFF2-40B4-BE49-F238E27FC236}">
+                <a16:creationId xmlns:a16="http://schemas.microsoft.com/office/drawing/2014/main" id="{AF544034-4CB0-7421-E984-56CFE2F42B7E}"/>
+              </a:ext>
+            </a:extLst>
+          </p:cNvPr>
+          <p:cNvSpPr/>
+          <p:nvPr/>
+        </p:nvSpPr>
+        <p:spPr>
+          <a:xfrm>
+            <a:off x="753620" y="270414"/>
+            <a:ext cx="4057369" cy="570469"/>
+          </a:xfrm>
+          <a:prstGeom prst="rect">
+            <a:avLst/>
+          </a:prstGeom>
+          <a:noFill/>
+          <a:ln w="19050">
+            <a:solidFill>
+              <a:schemeClr val="tx1"/>
+            </a:solidFill>
+          </a:ln>
+        </p:spPr>
+        <p:style>
+          <a:lnRef idx="2">
+            <a:schemeClr val="accent1">
+              <a:shade val="50000"/>
+            </a:schemeClr>
+          </a:lnRef>
+          <a:fillRef idx="1">
+            <a:schemeClr val="accent1"/>
+          </a:fillRef>
+          <a:effectRef idx="0">
+            <a:schemeClr val="accent1"/>
+          </a:effectRef>
+          <a:fontRef idx="minor">
+            <a:schemeClr val="lt1"/>
+          </a:fontRef>
+        </p:style>
+        <p:txBody>
+          <a:bodyPr rtlCol="0" anchor="ctr"/>
+          <a:lstStyle/>
+          <a:p>
+            <a:pPr algn="ctr"/>
+            <a:r>
+              <a:rPr lang="de-CH" b="1" dirty="0" err="1">
+                <a:solidFill>
+                  <a:schemeClr val="tx1"/>
+                </a:solidFill>
+                <a:latin typeface="Arial" panose="020B0604020202020204" pitchFamily="34" charset="0"/>
+                <a:cs typeface="Arial" panose="020B0604020202020204" pitchFamily="34" charset="0"/>
+              </a:rPr>
+              <a:t>ReservationNewSeasonData</a:t>
+            </a:r>
+            <a:r>
+              <a:rPr lang="de-CH" dirty="0">
+                <a:solidFill>
+                  <a:schemeClr val="tx1"/>
+                </a:solidFill>
+                <a:latin typeface="Arial" panose="020B0604020202020204" pitchFamily="34" charset="0"/>
+                <a:cs typeface="Arial" panose="020B0604020202020204" pitchFamily="34" charset="0"/>
+              </a:rPr>
+              <a:t> </a:t>
+            </a:r>
+          </a:p>
+          <a:p>
+            <a:pPr algn="ctr"/>
+            <a:r>
+              <a:rPr lang="de-CH" sz="1200" dirty="0">
+                <a:solidFill>
+                  <a:schemeClr val="tx1"/>
+                </a:solidFill>
+                <a:latin typeface="Arial" panose="020B0604020202020204" pitchFamily="34" charset="0"/>
+                <a:cs typeface="Arial" panose="020B0604020202020204" pitchFamily="34" charset="0"/>
+              </a:rPr>
+              <a:t>Data </a:t>
+            </a:r>
+            <a:r>
+              <a:rPr lang="de-CH" sz="1200" dirty="0" err="1">
+                <a:solidFill>
+                  <a:schemeClr val="tx1"/>
+                </a:solidFill>
+                <a:latin typeface="Arial" panose="020B0604020202020204" pitchFamily="34" charset="0"/>
+                <a:cs typeface="Arial" panose="020B0604020202020204" pitchFamily="34" charset="0"/>
+              </a:rPr>
+              <a:t>for</a:t>
+            </a:r>
+            <a:r>
+              <a:rPr lang="de-CH" sz="1200" dirty="0">
+                <a:solidFill>
+                  <a:schemeClr val="tx1"/>
+                </a:solidFill>
+                <a:latin typeface="Arial" panose="020B0604020202020204" pitchFamily="34" charset="0"/>
+                <a:cs typeface="Arial" panose="020B0604020202020204" pitchFamily="34" charset="0"/>
+              </a:rPr>
+              <a:t> </a:t>
+            </a:r>
+            <a:r>
+              <a:rPr lang="de-CH" sz="1200" dirty="0" err="1">
+                <a:solidFill>
+                  <a:schemeClr val="tx1"/>
+                </a:solidFill>
+                <a:latin typeface="Arial" panose="020B0604020202020204" pitchFamily="34" charset="0"/>
+                <a:cs typeface="Arial" panose="020B0604020202020204" pitchFamily="34" charset="0"/>
+              </a:rPr>
+              <a:t>the</a:t>
+            </a:r>
+            <a:r>
+              <a:rPr lang="de-CH" sz="1200" dirty="0">
+                <a:solidFill>
+                  <a:schemeClr val="tx1"/>
+                </a:solidFill>
+                <a:latin typeface="Arial" panose="020B0604020202020204" pitchFamily="34" charset="0"/>
+                <a:cs typeface="Arial" panose="020B0604020202020204" pitchFamily="34" charset="0"/>
+              </a:rPr>
+              <a:t> </a:t>
+            </a:r>
+            <a:r>
+              <a:rPr lang="de-CH" sz="1200" dirty="0" err="1">
+                <a:solidFill>
+                  <a:schemeClr val="tx1"/>
+                </a:solidFill>
+                <a:latin typeface="Arial" panose="020B0604020202020204" pitchFamily="34" charset="0"/>
+                <a:cs typeface="Arial" panose="020B0604020202020204" pitchFamily="34" charset="0"/>
+              </a:rPr>
+              <a:t>creation</a:t>
+            </a:r>
+            <a:r>
+              <a:rPr lang="de-CH" sz="1200" dirty="0">
+                <a:solidFill>
+                  <a:schemeClr val="tx1"/>
+                </a:solidFill>
+                <a:latin typeface="Arial" panose="020B0604020202020204" pitchFamily="34" charset="0"/>
+                <a:cs typeface="Arial" panose="020B0604020202020204" pitchFamily="34" charset="0"/>
+              </a:rPr>
+              <a:t> </a:t>
+            </a:r>
+            <a:r>
+              <a:rPr lang="de-CH" sz="1200" dirty="0" err="1">
+                <a:solidFill>
+                  <a:schemeClr val="tx1"/>
+                </a:solidFill>
+                <a:latin typeface="Arial" panose="020B0604020202020204" pitchFamily="34" charset="0"/>
+                <a:cs typeface="Arial" panose="020B0604020202020204" pitchFamily="34" charset="0"/>
+              </a:rPr>
+              <a:t>of</a:t>
+            </a:r>
+            <a:r>
+              <a:rPr lang="de-CH" sz="1200" dirty="0">
+                <a:solidFill>
+                  <a:schemeClr val="tx1"/>
+                </a:solidFill>
+                <a:latin typeface="Arial" panose="020B0604020202020204" pitchFamily="34" charset="0"/>
+                <a:cs typeface="Arial" panose="020B0604020202020204" pitchFamily="34" charset="0"/>
+              </a:rPr>
+              <a:t> </a:t>
+            </a:r>
+            <a:r>
+              <a:rPr lang="de-CH" sz="1200" dirty="0" err="1">
+                <a:solidFill>
+                  <a:schemeClr val="tx1"/>
+                </a:solidFill>
+                <a:latin typeface="Arial" panose="020B0604020202020204" pitchFamily="34" charset="0"/>
+                <a:cs typeface="Arial" panose="020B0604020202020204" pitchFamily="34" charset="0"/>
+              </a:rPr>
+              <a:t>the</a:t>
+            </a:r>
+            <a:r>
+              <a:rPr lang="de-CH" sz="1200" dirty="0">
+                <a:solidFill>
+                  <a:schemeClr val="tx1"/>
+                </a:solidFill>
+                <a:latin typeface="Arial" panose="020B0604020202020204" pitchFamily="34" charset="0"/>
+                <a:cs typeface="Arial" panose="020B0604020202020204" pitchFamily="34" charset="0"/>
+              </a:rPr>
+              <a:t> </a:t>
+            </a:r>
+            <a:r>
+              <a:rPr lang="de-CH" sz="1200" dirty="0" err="1">
+                <a:solidFill>
+                  <a:schemeClr val="tx1"/>
+                </a:solidFill>
+                <a:latin typeface="Arial" panose="020B0604020202020204" pitchFamily="34" charset="0"/>
+                <a:cs typeface="Arial" panose="020B0604020202020204" pitchFamily="34" charset="0"/>
+              </a:rPr>
+              <a:t>new</a:t>
+            </a:r>
+            <a:r>
+              <a:rPr lang="de-CH" sz="1200" dirty="0">
+                <a:solidFill>
+                  <a:schemeClr val="tx1"/>
+                </a:solidFill>
+                <a:latin typeface="Arial" panose="020B0604020202020204" pitchFamily="34" charset="0"/>
+                <a:cs typeface="Arial" panose="020B0604020202020204" pitchFamily="34" charset="0"/>
+              </a:rPr>
+              <a:t> </a:t>
+            </a:r>
+            <a:r>
+              <a:rPr lang="de-CH" sz="1200" dirty="0" err="1">
+                <a:solidFill>
+                  <a:schemeClr val="tx1"/>
+                </a:solidFill>
+                <a:latin typeface="Arial" panose="020B0604020202020204" pitchFamily="34" charset="0"/>
+                <a:cs typeface="Arial" panose="020B0604020202020204" pitchFamily="34" charset="0"/>
+              </a:rPr>
+              <a:t>season</a:t>
+            </a:r>
+            <a:r>
+              <a:rPr lang="de-CH" sz="1200" dirty="0">
+                <a:solidFill>
+                  <a:schemeClr val="tx1"/>
+                </a:solidFill>
+                <a:latin typeface="Arial" panose="020B0604020202020204" pitchFamily="34" charset="0"/>
+                <a:cs typeface="Arial" panose="020B0604020202020204" pitchFamily="34" charset="0"/>
+              </a:rPr>
+              <a:t> </a:t>
+            </a:r>
+            <a:r>
+              <a:rPr lang="de-CH" sz="1200" dirty="0" err="1">
+                <a:solidFill>
+                  <a:schemeClr val="tx1"/>
+                </a:solidFill>
+                <a:latin typeface="Arial" panose="020B0604020202020204" pitchFamily="34" charset="0"/>
+                <a:cs typeface="Arial" panose="020B0604020202020204" pitchFamily="34" charset="0"/>
+              </a:rPr>
+              <a:t>files</a:t>
+            </a:r>
+            <a:endParaRPr lang="de-CH" sz="1200" dirty="0">
+              <a:solidFill>
+                <a:schemeClr val="tx1"/>
+              </a:solidFill>
+              <a:latin typeface="Arial" panose="020B0604020202020204" pitchFamily="34" charset="0"/>
+              <a:cs typeface="Arial" panose="020B0604020202020204" pitchFamily="34" charset="0"/>
+            </a:endParaRPr>
+          </a:p>
+        </p:txBody>
+      </p:sp>
+      <p:sp>
+        <p:nvSpPr>
+          <p:cNvPr id="3" name="Rechteck 2">
+            <a:extLst>
+              <a:ext uri="{FF2B5EF4-FFF2-40B4-BE49-F238E27FC236}">
+                <a16:creationId xmlns:a16="http://schemas.microsoft.com/office/drawing/2014/main" id="{915AF3A7-8F2C-18A0-9575-87F4CA364F68}"/>
+              </a:ext>
+            </a:extLst>
+          </p:cNvPr>
+          <p:cNvSpPr/>
+          <p:nvPr/>
+        </p:nvSpPr>
+        <p:spPr>
+          <a:xfrm>
+            <a:off x="753620" y="840882"/>
+            <a:ext cx="4057372" cy="5746703"/>
+          </a:xfrm>
+          <a:prstGeom prst="rect">
+            <a:avLst/>
+          </a:prstGeom>
+          <a:noFill/>
+          <a:ln w="19050">
+            <a:solidFill>
+              <a:schemeClr val="tx1"/>
+            </a:solidFill>
+          </a:ln>
+        </p:spPr>
+        <p:style>
+          <a:lnRef idx="2">
+            <a:schemeClr val="accent1">
+              <a:shade val="50000"/>
+            </a:schemeClr>
+          </a:lnRef>
+          <a:fillRef idx="1">
+            <a:schemeClr val="accent1"/>
+          </a:fillRef>
+          <a:effectRef idx="0">
+            <a:schemeClr val="accent1"/>
+          </a:effectRef>
+          <a:fontRef idx="minor">
+            <a:schemeClr val="lt1"/>
+          </a:fontRef>
+        </p:style>
+        <p:txBody>
+          <a:bodyPr rtlCol="0" anchor="ctr"/>
+          <a:lstStyle/>
+          <a:p>
+            <a:r>
+              <a:rPr lang="en-US" sz="1000" b="1" dirty="0" err="1">
+                <a:solidFill>
+                  <a:schemeClr val="tx1"/>
+                </a:solidFill>
+                <a:latin typeface="Arial" panose="020B0604020202020204" pitchFamily="34" charset="0"/>
+                <a:cs typeface="Arial" panose="020B0604020202020204" pitchFamily="34" charset="0"/>
+              </a:rPr>
+              <a:t>m_season_case</a:t>
+            </a:r>
+            <a:r>
+              <a:rPr lang="en-US" sz="1000" b="1" dirty="0">
+                <a:solidFill>
+                  <a:schemeClr val="tx1"/>
+                </a:solidFill>
+                <a:latin typeface="Arial" panose="020B0604020202020204" pitchFamily="34" charset="0"/>
+                <a:cs typeface="Arial" panose="020B0604020202020204" pitchFamily="34" charset="0"/>
+              </a:rPr>
+              <a:t> </a:t>
+            </a:r>
+          </a:p>
+          <a:p>
+            <a:r>
+              <a:rPr lang="en-US" sz="1000" b="1" i="1" dirty="0">
+                <a:solidFill>
+                  <a:schemeClr val="tx1"/>
+                </a:solidFill>
+                <a:latin typeface="Arial" panose="020B0604020202020204" pitchFamily="34" charset="0"/>
+                <a:cs typeface="Arial" panose="020B0604020202020204" pitchFamily="34" charset="0"/>
+              </a:rPr>
+              <a:t>   Case current, previous or next</a:t>
+            </a:r>
+          </a:p>
+          <a:p>
+            <a:r>
+              <a:rPr lang="en-US" sz="1000" b="1" dirty="0" err="1">
+                <a:solidFill>
+                  <a:schemeClr val="tx1"/>
+                </a:solidFill>
+                <a:latin typeface="Arial" panose="020B0604020202020204" pitchFamily="34" charset="0"/>
+                <a:cs typeface="Arial" panose="020B0604020202020204" pitchFamily="34" charset="0"/>
+              </a:rPr>
+              <a:t>m_main_dir</a:t>
+            </a:r>
+            <a:r>
+              <a:rPr lang="en-US" sz="1000" b="1" dirty="0">
+                <a:solidFill>
+                  <a:schemeClr val="tx1"/>
+                </a:solidFill>
+                <a:latin typeface="Arial" panose="020B0604020202020204" pitchFamily="34" charset="0"/>
+                <a:cs typeface="Arial" panose="020B0604020202020204" pitchFamily="34" charset="0"/>
+              </a:rPr>
+              <a:t> </a:t>
+            </a:r>
+          </a:p>
+          <a:p>
+            <a:r>
+              <a:rPr lang="en-US" sz="1000" b="1" i="1" dirty="0">
+                <a:solidFill>
+                  <a:schemeClr val="tx1"/>
+                </a:solidFill>
+                <a:latin typeface="Arial" panose="020B0604020202020204" pitchFamily="34" charset="0"/>
+                <a:cs typeface="Arial" panose="020B0604020202020204" pitchFamily="34" charset="0"/>
+              </a:rPr>
+              <a:t>   Reservation (Release) or </a:t>
+            </a:r>
+            <a:r>
+              <a:rPr lang="en-US" sz="1000" b="1" i="1" dirty="0" err="1">
+                <a:solidFill>
+                  <a:schemeClr val="tx1"/>
+                </a:solidFill>
+                <a:latin typeface="Arial" panose="020B0604020202020204" pitchFamily="34" charset="0"/>
+                <a:cs typeface="Arial" panose="020B0604020202020204" pitchFamily="34" charset="0"/>
+              </a:rPr>
+              <a:t>ReservationLayout</a:t>
+            </a:r>
+            <a:r>
+              <a:rPr lang="en-US" sz="1000" b="1" i="1" dirty="0">
+                <a:solidFill>
+                  <a:schemeClr val="tx1"/>
+                </a:solidFill>
+                <a:latin typeface="Arial" panose="020B0604020202020204" pitchFamily="34" charset="0"/>
+                <a:cs typeface="Arial" panose="020B0604020202020204" pitchFamily="34" charset="0"/>
+              </a:rPr>
+              <a:t> (Development)</a:t>
+            </a:r>
+          </a:p>
+          <a:p>
+            <a:r>
+              <a:rPr lang="en-US" sz="1000" b="1" dirty="0" err="1">
+                <a:solidFill>
+                  <a:schemeClr val="tx1"/>
+                </a:solidFill>
+                <a:latin typeface="Arial" panose="020B0604020202020204" pitchFamily="34" charset="0"/>
+                <a:cs typeface="Arial" panose="020B0604020202020204" pitchFamily="34" charset="0"/>
+              </a:rPr>
+              <a:t>m_result_dir</a:t>
+            </a:r>
+            <a:r>
+              <a:rPr lang="en-US" sz="1000" b="1" i="1" dirty="0">
+                <a:solidFill>
+                  <a:schemeClr val="tx1"/>
+                </a:solidFill>
+                <a:latin typeface="Arial" panose="020B0604020202020204" pitchFamily="34" charset="0"/>
+                <a:cs typeface="Arial" panose="020B0604020202020204" pitchFamily="34" charset="0"/>
+              </a:rPr>
+              <a:t> </a:t>
+            </a:r>
+          </a:p>
+          <a:p>
+            <a:r>
+              <a:rPr lang="en-US" sz="1000" b="1" i="1" dirty="0">
+                <a:solidFill>
+                  <a:schemeClr val="tx1"/>
+                </a:solidFill>
+                <a:latin typeface="Arial" panose="020B0604020202020204" pitchFamily="34" charset="0"/>
+                <a:cs typeface="Arial" panose="020B0604020202020204" pitchFamily="34" charset="0"/>
+              </a:rPr>
+              <a:t>   For instance Spagi_76_Chairs_V_2</a:t>
+            </a:r>
+          </a:p>
+          <a:p>
+            <a:r>
+              <a:rPr lang="en-US" sz="1000" b="1" dirty="0" err="1">
+                <a:solidFill>
+                  <a:schemeClr val="tx1"/>
+                </a:solidFill>
+                <a:latin typeface="Arial" panose="020B0604020202020204" pitchFamily="34" charset="0"/>
+                <a:cs typeface="Arial" panose="020B0604020202020204" pitchFamily="34" charset="0"/>
+              </a:rPr>
+              <a:t>m_sub_xml_dir</a:t>
+            </a:r>
+            <a:r>
+              <a:rPr lang="en-US" sz="1000" b="1" dirty="0">
+                <a:solidFill>
+                  <a:schemeClr val="tx1"/>
+                </a:solidFill>
+                <a:latin typeface="Arial" panose="020B0604020202020204" pitchFamily="34" charset="0"/>
+                <a:cs typeface="Arial" panose="020B0604020202020204" pitchFamily="34" charset="0"/>
+              </a:rPr>
+              <a:t> </a:t>
+            </a:r>
+          </a:p>
+          <a:p>
+            <a:r>
+              <a:rPr lang="en-US" sz="1000" b="1" i="1" dirty="0">
+                <a:solidFill>
+                  <a:schemeClr val="tx1"/>
+                </a:solidFill>
+                <a:latin typeface="Arial" panose="020B0604020202020204" pitchFamily="34" charset="0"/>
+                <a:cs typeface="Arial" panose="020B0604020202020204" pitchFamily="34" charset="0"/>
+              </a:rPr>
+              <a:t>   </a:t>
+            </a:r>
+            <a:r>
+              <a:rPr lang="en-US" sz="1000" b="1" i="1" dirty="0" err="1">
+                <a:solidFill>
+                  <a:schemeClr val="tx1"/>
+                </a:solidFill>
+                <a:latin typeface="Arial" panose="020B0604020202020204" pitchFamily="34" charset="0"/>
+                <a:cs typeface="Arial" panose="020B0604020202020204" pitchFamily="34" charset="0"/>
+              </a:rPr>
+              <a:t>SaisonXML</a:t>
+            </a:r>
+            <a:endParaRPr lang="en-US" sz="1000" b="1" i="1" dirty="0">
+              <a:solidFill>
+                <a:schemeClr val="tx1"/>
+              </a:solidFill>
+              <a:latin typeface="Arial" panose="020B0604020202020204" pitchFamily="34" charset="0"/>
+              <a:cs typeface="Arial" panose="020B0604020202020204" pitchFamily="34" charset="0"/>
+            </a:endParaRPr>
+          </a:p>
+          <a:p>
+            <a:r>
+              <a:rPr lang="en-US" sz="1000" b="1" dirty="0" err="1">
+                <a:solidFill>
+                  <a:schemeClr val="tx1"/>
+                </a:solidFill>
+                <a:latin typeface="Arial" panose="020B0604020202020204" pitchFamily="34" charset="0"/>
+                <a:cs typeface="Arial" panose="020B0604020202020204" pitchFamily="34" charset="0"/>
+              </a:rPr>
+              <a:t>m_xml_filename</a:t>
+            </a:r>
+            <a:r>
+              <a:rPr lang="en-US" sz="1000" b="1" dirty="0">
+                <a:solidFill>
+                  <a:schemeClr val="tx1"/>
+                </a:solidFill>
+                <a:latin typeface="Arial" panose="020B0604020202020204" pitchFamily="34" charset="0"/>
+                <a:cs typeface="Arial" panose="020B0604020202020204" pitchFamily="34" charset="0"/>
+              </a:rPr>
+              <a:t> </a:t>
+            </a:r>
+          </a:p>
+          <a:p>
+            <a:r>
+              <a:rPr lang="en-US" sz="1000" b="1" i="1" dirty="0">
+                <a:solidFill>
+                  <a:schemeClr val="tx1"/>
+                </a:solidFill>
+                <a:latin typeface="Arial" panose="020B0604020202020204" pitchFamily="34" charset="0"/>
+                <a:cs typeface="Arial" panose="020B0604020202020204" pitchFamily="34" charset="0"/>
+              </a:rPr>
+              <a:t>   EventProgram.xml</a:t>
+            </a:r>
+          </a:p>
+          <a:p>
+            <a:r>
+              <a:rPr lang="en-US" sz="1000" b="1" dirty="0">
+                <a:solidFill>
+                  <a:schemeClr val="tx1"/>
+                </a:solidFill>
+                <a:latin typeface="Arial" panose="020B0604020202020204" pitchFamily="34" charset="0"/>
+                <a:cs typeface="Arial" panose="020B0604020202020204" pitchFamily="34" charset="0"/>
+              </a:rPr>
+              <a:t> </a:t>
+            </a:r>
+            <a:r>
+              <a:rPr lang="en-US" sz="1000" b="1" dirty="0" err="1">
+                <a:solidFill>
+                  <a:schemeClr val="tx1"/>
+                </a:solidFill>
+                <a:latin typeface="Arial" panose="020B0604020202020204" pitchFamily="34" charset="0"/>
+                <a:cs typeface="Arial" panose="020B0604020202020204" pitchFamily="34" charset="0"/>
+              </a:rPr>
+              <a:t>m_event_program_callback_fctn</a:t>
+            </a:r>
+            <a:endParaRPr lang="en-US" sz="1000" b="1" dirty="0">
+              <a:solidFill>
+                <a:schemeClr val="tx1"/>
+              </a:solidFill>
+              <a:latin typeface="Arial" panose="020B0604020202020204" pitchFamily="34" charset="0"/>
+              <a:cs typeface="Arial" panose="020B0604020202020204" pitchFamily="34" charset="0"/>
+            </a:endParaRPr>
+          </a:p>
+          <a:p>
+            <a:r>
+              <a:rPr lang="en-US" sz="1000" b="1" i="1" dirty="0">
+                <a:solidFill>
+                  <a:schemeClr val="tx1"/>
+                </a:solidFill>
+                <a:latin typeface="Arial" panose="020B0604020202020204" pitchFamily="34" charset="0"/>
+                <a:cs typeface="Arial" panose="020B0604020202020204" pitchFamily="34" charset="0"/>
+              </a:rPr>
+              <a:t>    Callback function name for the event program file creation</a:t>
+            </a:r>
+          </a:p>
+          <a:p>
+            <a:endParaRPr lang="en-US" sz="1000" b="1" dirty="0">
+              <a:solidFill>
+                <a:schemeClr val="tx1"/>
+              </a:solidFill>
+              <a:latin typeface="Arial" panose="020B0604020202020204" pitchFamily="34" charset="0"/>
+              <a:cs typeface="Arial" panose="020B0604020202020204" pitchFamily="34" charset="0"/>
+            </a:endParaRPr>
+          </a:p>
+          <a:p>
+            <a:r>
+              <a:rPr lang="en-US" sz="1000" b="1" dirty="0" err="1">
+                <a:solidFill>
+                  <a:schemeClr val="tx1"/>
+                </a:solidFill>
+                <a:latin typeface="Arial" panose="020B0604020202020204" pitchFamily="34" charset="0"/>
+                <a:cs typeface="Arial" panose="020B0604020202020204" pitchFamily="34" charset="0"/>
+              </a:rPr>
+              <a:t>m_abs_event_program_url</a:t>
+            </a:r>
+            <a:r>
+              <a:rPr lang="en-US" sz="1000" b="1" dirty="0">
+                <a:solidFill>
+                  <a:schemeClr val="tx1"/>
+                </a:solidFill>
+                <a:latin typeface="Arial" panose="020B0604020202020204" pitchFamily="34" charset="0"/>
+                <a:cs typeface="Arial" panose="020B0604020202020204" pitchFamily="34" charset="0"/>
+              </a:rPr>
+              <a:t> </a:t>
+            </a:r>
+          </a:p>
+          <a:p>
+            <a:r>
+              <a:rPr lang="en-US" sz="1000" b="1" i="1" dirty="0">
+                <a:solidFill>
+                  <a:schemeClr val="tx1"/>
+                </a:solidFill>
+                <a:latin typeface="Arial" panose="020B0604020202020204" pitchFamily="34" charset="0"/>
+                <a:cs typeface="Arial" panose="020B0604020202020204" pitchFamily="34" charset="0"/>
+              </a:rPr>
+              <a:t>    Absolute URL for </a:t>
+            </a:r>
+            <a:r>
+              <a:rPr lang="en-US" sz="1000" b="1" i="1" dirty="0" err="1">
+                <a:solidFill>
+                  <a:schemeClr val="tx1"/>
+                </a:solidFill>
+                <a:latin typeface="Arial" panose="020B0604020202020204" pitchFamily="34" charset="0"/>
+                <a:cs typeface="Arial" panose="020B0604020202020204" pitchFamily="34" charset="0"/>
+              </a:rPr>
+              <a:t>m_xml_filename</a:t>
+            </a:r>
+            <a:endParaRPr lang="en-US" sz="1000" b="1" i="1" dirty="0">
+              <a:solidFill>
+                <a:schemeClr val="tx1"/>
+              </a:solidFill>
+              <a:latin typeface="Arial" panose="020B0604020202020204" pitchFamily="34" charset="0"/>
+              <a:cs typeface="Arial" panose="020B0604020202020204" pitchFamily="34" charset="0"/>
+            </a:endParaRPr>
+          </a:p>
+          <a:p>
+            <a:r>
+              <a:rPr lang="de-CH" sz="1000" b="1" dirty="0" err="1">
+                <a:solidFill>
+                  <a:schemeClr val="tx1"/>
+                </a:solidFill>
+                <a:latin typeface="Arial" panose="020B0604020202020204" pitchFamily="34" charset="0"/>
+                <a:cs typeface="Arial" panose="020B0604020202020204" pitchFamily="34" charset="0"/>
+              </a:rPr>
+              <a:t>m_abs_result_dir_url</a:t>
+            </a:r>
+            <a:endParaRPr lang="de-CH" sz="1000" b="1" dirty="0">
+              <a:solidFill>
+                <a:schemeClr val="tx1"/>
+              </a:solidFill>
+              <a:latin typeface="Arial" panose="020B0604020202020204" pitchFamily="34" charset="0"/>
+              <a:cs typeface="Arial" panose="020B0604020202020204" pitchFamily="34" charset="0"/>
+            </a:endParaRPr>
+          </a:p>
+          <a:p>
+            <a:r>
+              <a:rPr lang="de-CH" sz="1000" b="1" dirty="0">
+                <a:solidFill>
+                  <a:schemeClr val="tx1"/>
+                </a:solidFill>
+                <a:latin typeface="Arial" panose="020B0604020202020204" pitchFamily="34" charset="0"/>
+                <a:cs typeface="Arial" panose="020B0604020202020204" pitchFamily="34" charset="0"/>
+              </a:rPr>
+              <a:t>  </a:t>
+            </a:r>
+            <a:r>
+              <a:rPr lang="en-US" sz="1000" b="1" i="1" dirty="0">
+                <a:solidFill>
+                  <a:schemeClr val="tx1"/>
+                </a:solidFill>
+                <a:latin typeface="Arial" panose="020B0604020202020204" pitchFamily="34" charset="0"/>
+                <a:cs typeface="Arial" panose="020B0604020202020204" pitchFamily="34" charset="0"/>
+              </a:rPr>
+              <a:t>Absolute URL to result directory</a:t>
+            </a:r>
+            <a:endParaRPr lang="de-CH" sz="1000" b="1" dirty="0">
+              <a:solidFill>
+                <a:schemeClr val="tx1"/>
+              </a:solidFill>
+              <a:latin typeface="Arial" panose="020B0604020202020204" pitchFamily="34" charset="0"/>
+              <a:cs typeface="Arial" panose="020B0604020202020204" pitchFamily="34" charset="0"/>
+            </a:endParaRPr>
+          </a:p>
+          <a:p>
+            <a:r>
+              <a:rPr lang="de-CH" sz="1000" b="1" dirty="0" err="1">
+                <a:solidFill>
+                  <a:schemeClr val="tx1"/>
+                </a:solidFill>
+                <a:latin typeface="Arial" panose="020B0604020202020204" pitchFamily="34" charset="0"/>
+                <a:cs typeface="Arial" panose="020B0604020202020204" pitchFamily="34" charset="0"/>
+              </a:rPr>
+              <a:t>m_rel_event_program_dir_url</a:t>
+            </a:r>
+            <a:endParaRPr lang="de-CH" sz="1000" b="1" dirty="0">
+              <a:solidFill>
+                <a:schemeClr val="tx1"/>
+              </a:solidFill>
+              <a:latin typeface="Arial" panose="020B0604020202020204" pitchFamily="34" charset="0"/>
+              <a:cs typeface="Arial" panose="020B0604020202020204" pitchFamily="34" charset="0"/>
+            </a:endParaRPr>
+          </a:p>
+          <a:p>
+            <a:r>
+              <a:rPr lang="de-CH" sz="1000" b="1" dirty="0">
+                <a:solidFill>
+                  <a:schemeClr val="tx1"/>
+                </a:solidFill>
+                <a:latin typeface="Arial" panose="020B0604020202020204" pitchFamily="34" charset="0"/>
+                <a:cs typeface="Arial" panose="020B0604020202020204" pitchFamily="34" charset="0"/>
+              </a:rPr>
+              <a:t>   Relative </a:t>
+            </a:r>
+            <a:r>
+              <a:rPr lang="en-US" sz="1000" b="1" i="1" dirty="0">
+                <a:solidFill>
+                  <a:schemeClr val="tx1"/>
+                </a:solidFill>
+                <a:latin typeface="Arial" panose="020B0604020202020204" pitchFamily="34" charset="0"/>
+                <a:cs typeface="Arial" panose="020B0604020202020204" pitchFamily="34" charset="0"/>
+              </a:rPr>
+              <a:t>URL to result directory</a:t>
+            </a:r>
+            <a:endParaRPr lang="de-CH" sz="1000" b="1" dirty="0">
+              <a:solidFill>
+                <a:schemeClr val="tx1"/>
+              </a:solidFill>
+              <a:latin typeface="Arial" panose="020B0604020202020204" pitchFamily="34" charset="0"/>
+              <a:cs typeface="Arial" panose="020B0604020202020204" pitchFamily="34" charset="0"/>
+            </a:endParaRPr>
+          </a:p>
+          <a:p>
+            <a:r>
+              <a:rPr lang="fr-FR" sz="1000" b="1" dirty="0" err="1">
+                <a:solidFill>
+                  <a:schemeClr val="tx1"/>
+                </a:solidFill>
+                <a:latin typeface="Arial" panose="020B0604020202020204" pitchFamily="34" charset="0"/>
+                <a:cs typeface="Arial" panose="020B0604020202020204" pitchFamily="34" charset="0"/>
+              </a:rPr>
+              <a:t>m_rel_event_files_dir_url</a:t>
+            </a:r>
+            <a:endParaRPr lang="fr-FR" sz="1000" b="1" dirty="0">
+              <a:solidFill>
+                <a:schemeClr val="tx1"/>
+              </a:solidFill>
+              <a:latin typeface="Arial" panose="020B0604020202020204" pitchFamily="34" charset="0"/>
+              <a:cs typeface="Arial" panose="020B0604020202020204" pitchFamily="34" charset="0"/>
+            </a:endParaRPr>
+          </a:p>
+          <a:p>
+            <a:r>
+              <a:rPr lang="de-CH" sz="1000" b="1" dirty="0">
+                <a:solidFill>
+                  <a:schemeClr val="tx1"/>
+                </a:solidFill>
+                <a:latin typeface="Arial" panose="020B0604020202020204" pitchFamily="34" charset="0"/>
+                <a:cs typeface="Arial" panose="020B0604020202020204" pitchFamily="34" charset="0"/>
+              </a:rPr>
+              <a:t>    Relative </a:t>
+            </a:r>
+            <a:r>
+              <a:rPr lang="en-US" sz="1000" b="1" i="1" dirty="0">
+                <a:solidFill>
+                  <a:schemeClr val="tx1"/>
+                </a:solidFill>
+                <a:latin typeface="Arial" panose="020B0604020202020204" pitchFamily="34" charset="0"/>
+                <a:cs typeface="Arial" panose="020B0604020202020204" pitchFamily="34" charset="0"/>
+              </a:rPr>
+              <a:t>URL to result directory</a:t>
+            </a:r>
+            <a:endParaRPr lang="de-CH" sz="1000" b="1" dirty="0">
+              <a:solidFill>
+                <a:schemeClr val="tx1"/>
+              </a:solidFill>
+              <a:latin typeface="Arial" panose="020B0604020202020204" pitchFamily="34" charset="0"/>
+              <a:cs typeface="Arial" panose="020B0604020202020204" pitchFamily="34" charset="0"/>
+            </a:endParaRPr>
+          </a:p>
+          <a:p>
+            <a:r>
+              <a:rPr lang="de-CH" sz="1000" b="1" dirty="0" err="1">
+                <a:solidFill>
+                  <a:schemeClr val="tx1"/>
+                </a:solidFill>
+                <a:latin typeface="Arial" panose="020B0604020202020204" pitchFamily="34" charset="0"/>
+                <a:cs typeface="Arial" panose="020B0604020202020204" pitchFamily="34" charset="0"/>
+              </a:rPr>
+              <a:t>m_input_data_ok</a:t>
+            </a:r>
+            <a:endParaRPr lang="de-CH" sz="1000" b="1" dirty="0">
+              <a:solidFill>
+                <a:schemeClr val="tx1"/>
+              </a:solidFill>
+              <a:latin typeface="Arial" panose="020B0604020202020204" pitchFamily="34" charset="0"/>
+              <a:cs typeface="Arial" panose="020B0604020202020204" pitchFamily="34" charset="0"/>
+            </a:endParaRPr>
+          </a:p>
+          <a:p>
+            <a:r>
+              <a:rPr lang="de-CH" sz="1000" b="1" i="1" dirty="0">
+                <a:solidFill>
+                  <a:schemeClr val="tx1"/>
+                </a:solidFill>
+                <a:latin typeface="Arial" panose="020B0604020202020204" pitchFamily="34" charset="0"/>
+                <a:cs typeface="Arial" panose="020B0604020202020204" pitchFamily="34" charset="0"/>
+              </a:rPr>
+              <a:t>   </a:t>
+            </a:r>
+            <a:r>
+              <a:rPr lang="de-CH" sz="1000" b="1" i="1" dirty="0" err="1">
+                <a:solidFill>
+                  <a:schemeClr val="tx1"/>
+                </a:solidFill>
+                <a:latin typeface="Arial" panose="020B0604020202020204" pitchFamily="34" charset="0"/>
+                <a:cs typeface="Arial" panose="020B0604020202020204" pitchFamily="34" charset="0"/>
+              </a:rPr>
+              <a:t>Flag</a:t>
+            </a:r>
+            <a:r>
+              <a:rPr lang="de-CH" sz="1000" b="1" i="1" dirty="0">
+                <a:solidFill>
+                  <a:schemeClr val="tx1"/>
+                </a:solidFill>
+                <a:latin typeface="Arial" panose="020B0604020202020204" pitchFamily="34" charset="0"/>
+                <a:cs typeface="Arial" panose="020B0604020202020204" pitchFamily="34" charset="0"/>
+              </a:rPr>
+              <a:t> </a:t>
+            </a:r>
+            <a:r>
+              <a:rPr lang="en-US" sz="1000" b="1" i="1" dirty="0">
+                <a:solidFill>
+                  <a:schemeClr val="tx1"/>
+                </a:solidFill>
+                <a:latin typeface="Arial" panose="020B0604020202020204" pitchFamily="34" charset="0"/>
+                <a:cs typeface="Arial" panose="020B0604020202020204" pitchFamily="34" charset="0"/>
+              </a:rPr>
+              <a:t>telling if the input data is OK</a:t>
+            </a:r>
+            <a:endParaRPr lang="de-CH" sz="1000" b="1" dirty="0">
+              <a:solidFill>
+                <a:schemeClr val="tx1"/>
+              </a:solidFill>
+              <a:latin typeface="Arial" panose="020B0604020202020204" pitchFamily="34" charset="0"/>
+              <a:cs typeface="Arial" panose="020B0604020202020204" pitchFamily="34" charset="0"/>
+            </a:endParaRPr>
+          </a:p>
+          <a:p>
+            <a:r>
+              <a:rPr lang="de-CH" sz="1000" b="1" dirty="0" err="1">
+                <a:solidFill>
+                  <a:schemeClr val="tx1"/>
+                </a:solidFill>
+                <a:latin typeface="Arial" panose="020B0604020202020204" pitchFamily="34" charset="0"/>
+                <a:cs typeface="Arial" panose="020B0604020202020204" pitchFamily="34" charset="0"/>
+              </a:rPr>
+              <a:t>m_season_start_year</a:t>
+            </a:r>
+            <a:endParaRPr lang="de-CH" sz="1000" b="1" dirty="0">
+              <a:solidFill>
+                <a:schemeClr val="tx1"/>
+              </a:solidFill>
+              <a:latin typeface="Arial" panose="020B0604020202020204" pitchFamily="34" charset="0"/>
+              <a:cs typeface="Arial" panose="020B0604020202020204" pitchFamily="34" charset="0"/>
+            </a:endParaRPr>
+          </a:p>
+          <a:p>
+            <a:r>
+              <a:rPr lang="de-CH" sz="1000" b="1" dirty="0">
+                <a:solidFill>
+                  <a:schemeClr val="tx1"/>
+                </a:solidFill>
+                <a:latin typeface="Arial" panose="020B0604020202020204" pitchFamily="34" charset="0"/>
+                <a:cs typeface="Arial" panose="020B0604020202020204" pitchFamily="34" charset="0"/>
+              </a:rPr>
+              <a:t>   </a:t>
+            </a:r>
+            <a:r>
+              <a:rPr lang="de-CH" sz="1000" b="1" i="1" dirty="0">
+                <a:solidFill>
+                  <a:schemeClr val="tx1"/>
+                </a:solidFill>
+                <a:latin typeface="Arial" panose="020B0604020202020204" pitchFamily="34" charset="0"/>
+                <a:cs typeface="Arial" panose="020B0604020202020204" pitchFamily="34" charset="0"/>
+              </a:rPr>
+              <a:t>Season </a:t>
+            </a:r>
+            <a:r>
+              <a:rPr lang="de-CH" sz="1000" b="1" i="1" dirty="0" err="1">
+                <a:solidFill>
+                  <a:schemeClr val="tx1"/>
+                </a:solidFill>
+                <a:latin typeface="Arial" panose="020B0604020202020204" pitchFamily="34" charset="0"/>
+                <a:cs typeface="Arial" panose="020B0604020202020204" pitchFamily="34" charset="0"/>
+              </a:rPr>
+              <a:t>program</a:t>
+            </a:r>
+            <a:r>
+              <a:rPr lang="de-CH" sz="1000" b="1" i="1" dirty="0">
+                <a:solidFill>
+                  <a:schemeClr val="tx1"/>
+                </a:solidFill>
+                <a:latin typeface="Arial" panose="020B0604020202020204" pitchFamily="34" charset="0"/>
+                <a:cs typeface="Arial" panose="020B0604020202020204" pitchFamily="34" charset="0"/>
+              </a:rPr>
+              <a:t> </a:t>
+            </a:r>
+            <a:r>
+              <a:rPr lang="de-CH" sz="1000" b="1" i="1" dirty="0" err="1">
+                <a:solidFill>
+                  <a:schemeClr val="tx1"/>
+                </a:solidFill>
+                <a:latin typeface="Arial" panose="020B0604020202020204" pitchFamily="34" charset="0"/>
+                <a:cs typeface="Arial" panose="020B0604020202020204" pitchFamily="34" charset="0"/>
+              </a:rPr>
+              <a:t>start</a:t>
+            </a:r>
+            <a:r>
+              <a:rPr lang="de-CH" sz="1000" b="1" i="1" dirty="0">
+                <a:solidFill>
+                  <a:schemeClr val="tx1"/>
+                </a:solidFill>
+                <a:latin typeface="Arial" panose="020B0604020202020204" pitchFamily="34" charset="0"/>
+                <a:cs typeface="Arial" panose="020B0604020202020204" pitchFamily="34" charset="0"/>
+              </a:rPr>
+              <a:t> </a:t>
+            </a:r>
+            <a:r>
+              <a:rPr lang="de-CH" sz="1000" b="1" i="1" dirty="0" err="1">
+                <a:solidFill>
+                  <a:schemeClr val="tx1"/>
+                </a:solidFill>
+                <a:latin typeface="Arial" panose="020B0604020202020204" pitchFamily="34" charset="0"/>
+                <a:cs typeface="Arial" panose="020B0604020202020204" pitchFamily="34" charset="0"/>
+              </a:rPr>
+              <a:t>year</a:t>
+            </a:r>
+            <a:endParaRPr lang="de-CH" sz="1000" b="1" dirty="0">
+              <a:solidFill>
+                <a:schemeClr val="tx1"/>
+              </a:solidFill>
+              <a:latin typeface="Arial" panose="020B0604020202020204" pitchFamily="34" charset="0"/>
+              <a:cs typeface="Arial" panose="020B0604020202020204" pitchFamily="34" charset="0"/>
+            </a:endParaRPr>
+          </a:p>
+          <a:p>
+            <a:r>
+              <a:rPr lang="de-CH" sz="1000" b="1" dirty="0" err="1">
+                <a:solidFill>
+                  <a:schemeClr val="tx1"/>
+                </a:solidFill>
+                <a:latin typeface="Arial" panose="020B0604020202020204" pitchFamily="34" charset="0"/>
+                <a:cs typeface="Arial" panose="020B0604020202020204" pitchFamily="34" charset="0"/>
+              </a:rPr>
+              <a:t>m_season_xml</a:t>
+            </a:r>
+            <a:r>
+              <a:rPr lang="de-CH" sz="1000" b="1" dirty="0">
+                <a:solidFill>
+                  <a:schemeClr val="tx1"/>
+                </a:solidFill>
+                <a:latin typeface="Arial" panose="020B0604020202020204" pitchFamily="34" charset="0"/>
+                <a:cs typeface="Arial" panose="020B0604020202020204" pitchFamily="34" charset="0"/>
+              </a:rPr>
+              <a:t> </a:t>
+            </a:r>
+          </a:p>
+          <a:p>
+            <a:r>
+              <a:rPr lang="de-CH" sz="1000" b="1" i="1" dirty="0">
+                <a:solidFill>
+                  <a:schemeClr val="tx1"/>
+                </a:solidFill>
+                <a:latin typeface="Arial" panose="020B0604020202020204" pitchFamily="34" charset="0"/>
+                <a:cs typeface="Arial" panose="020B0604020202020204" pitchFamily="34" charset="0"/>
+              </a:rPr>
+              <a:t>   Instance </a:t>
+            </a:r>
+            <a:r>
+              <a:rPr lang="de-CH" sz="1000" b="1" i="1" dirty="0" err="1">
+                <a:solidFill>
+                  <a:schemeClr val="tx1"/>
+                </a:solidFill>
+                <a:latin typeface="Arial" panose="020B0604020202020204" pitchFamily="34" charset="0"/>
+                <a:cs typeface="Arial" panose="020B0604020202020204" pitchFamily="34" charset="0"/>
+              </a:rPr>
+              <a:t>of</a:t>
+            </a:r>
+            <a:r>
+              <a:rPr lang="de-CH" sz="1000" b="1" i="1" dirty="0">
+                <a:solidFill>
+                  <a:schemeClr val="tx1"/>
+                </a:solidFill>
+                <a:latin typeface="Arial" panose="020B0604020202020204" pitchFamily="34" charset="0"/>
+                <a:cs typeface="Arial" panose="020B0604020202020204" pitchFamily="34" charset="0"/>
+              </a:rPr>
+              <a:t> </a:t>
+            </a:r>
+            <a:r>
+              <a:rPr lang="de-CH" sz="1000" b="1" i="1" dirty="0" err="1">
+                <a:solidFill>
+                  <a:schemeClr val="tx1"/>
+                </a:solidFill>
+                <a:latin typeface="Arial" panose="020B0604020202020204" pitchFamily="34" charset="0"/>
+                <a:cs typeface="Arial" panose="020B0604020202020204" pitchFamily="34" charset="0"/>
+              </a:rPr>
+              <a:t>SeasonXml</a:t>
+            </a:r>
+            <a:endParaRPr lang="de-CH" sz="1000" b="1" i="1" dirty="0">
+              <a:solidFill>
+                <a:schemeClr val="tx1"/>
+              </a:solidFill>
+              <a:latin typeface="Arial" panose="020B0604020202020204" pitchFamily="34" charset="0"/>
+              <a:cs typeface="Arial" panose="020B0604020202020204" pitchFamily="34" charset="0"/>
+            </a:endParaRPr>
+          </a:p>
+          <a:p>
+            <a:r>
+              <a:rPr lang="de-CH" sz="1000" b="1" dirty="0" err="1">
+                <a:solidFill>
+                  <a:schemeClr val="tx1"/>
+                </a:solidFill>
+                <a:latin typeface="Arial" panose="020B0604020202020204" pitchFamily="34" charset="0"/>
+                <a:cs typeface="Arial" panose="020B0604020202020204" pitchFamily="34" charset="0"/>
+              </a:rPr>
+              <a:t>m_event_xml</a:t>
+            </a:r>
+            <a:endParaRPr lang="de-CH" sz="1000" b="1" dirty="0">
+              <a:solidFill>
+                <a:schemeClr val="tx1"/>
+              </a:solidFill>
+              <a:latin typeface="Arial" panose="020B0604020202020204" pitchFamily="34" charset="0"/>
+              <a:cs typeface="Arial" panose="020B0604020202020204" pitchFamily="34" charset="0"/>
+            </a:endParaRPr>
+          </a:p>
+          <a:p>
+            <a:r>
+              <a:rPr lang="de-CH" sz="1000" b="1" dirty="0">
+                <a:solidFill>
+                  <a:schemeClr val="tx1"/>
+                </a:solidFill>
+                <a:latin typeface="Arial" panose="020B0604020202020204" pitchFamily="34" charset="0"/>
+                <a:cs typeface="Arial" panose="020B0604020202020204" pitchFamily="34" charset="0"/>
+              </a:rPr>
+              <a:t>    </a:t>
+            </a:r>
+            <a:r>
+              <a:rPr lang="de-CH" sz="1000" b="1" i="1" dirty="0">
+                <a:solidFill>
+                  <a:schemeClr val="tx1"/>
+                </a:solidFill>
+                <a:latin typeface="Arial" panose="020B0604020202020204" pitchFamily="34" charset="0"/>
+                <a:cs typeface="Arial" panose="020B0604020202020204" pitchFamily="34" charset="0"/>
+              </a:rPr>
+              <a:t>Instance </a:t>
+            </a:r>
+            <a:r>
+              <a:rPr lang="de-CH" sz="1000" b="1" i="1" dirty="0" err="1">
+                <a:solidFill>
+                  <a:schemeClr val="tx1"/>
+                </a:solidFill>
+                <a:latin typeface="Arial" panose="020B0604020202020204" pitchFamily="34" charset="0"/>
+                <a:cs typeface="Arial" panose="020B0604020202020204" pitchFamily="34" charset="0"/>
+              </a:rPr>
+              <a:t>of</a:t>
+            </a:r>
+            <a:r>
+              <a:rPr lang="de-CH" sz="1000" b="1" i="1" dirty="0">
+                <a:solidFill>
+                  <a:schemeClr val="tx1"/>
+                </a:solidFill>
+                <a:latin typeface="Arial" panose="020B0604020202020204" pitchFamily="34" charset="0"/>
+                <a:cs typeface="Arial" panose="020B0604020202020204" pitchFamily="34" charset="0"/>
+              </a:rPr>
+              <a:t> </a:t>
+            </a:r>
+            <a:r>
+              <a:rPr lang="de-CH" sz="1000" b="1" i="1" dirty="0" err="1">
+                <a:solidFill>
+                  <a:schemeClr val="tx1"/>
+                </a:solidFill>
+                <a:latin typeface="Arial" panose="020B0604020202020204" pitchFamily="34" charset="0"/>
+                <a:cs typeface="Arial" panose="020B0604020202020204" pitchFamily="34" charset="0"/>
+              </a:rPr>
+              <a:t>EventProgramXml</a:t>
+            </a:r>
+            <a:r>
+              <a:rPr lang="de-CH" sz="1000" b="1" i="1" dirty="0">
+                <a:solidFill>
+                  <a:schemeClr val="tx1"/>
+                </a:solidFill>
+                <a:latin typeface="Arial" panose="020B0604020202020204" pitchFamily="34" charset="0"/>
+                <a:cs typeface="Arial" panose="020B0604020202020204" pitchFamily="34" charset="0"/>
+              </a:rPr>
+              <a:t> </a:t>
+            </a:r>
+          </a:p>
+          <a:p>
+            <a:r>
+              <a:rPr lang="de-CH" sz="1000" b="1" dirty="0" err="1">
+                <a:solidFill>
+                  <a:schemeClr val="tx1"/>
+                </a:solidFill>
+                <a:latin typeface="Arial" panose="020B0604020202020204" pitchFamily="34" charset="0"/>
+                <a:cs typeface="Arial" panose="020B0604020202020204" pitchFamily="34" charset="0"/>
+              </a:rPr>
+              <a:t>m_event_object_index</a:t>
+            </a:r>
+            <a:endParaRPr lang="de-CH" sz="1000" b="1" dirty="0">
+              <a:solidFill>
+                <a:schemeClr val="tx1"/>
+              </a:solidFill>
+              <a:latin typeface="Arial" panose="020B0604020202020204" pitchFamily="34" charset="0"/>
+              <a:cs typeface="Arial" panose="020B0604020202020204" pitchFamily="34" charset="0"/>
+            </a:endParaRPr>
+          </a:p>
+          <a:p>
+            <a:r>
+              <a:rPr lang="en-US" sz="1000" b="1" i="1" dirty="0">
+                <a:solidFill>
+                  <a:schemeClr val="tx1"/>
+                </a:solidFill>
+                <a:latin typeface="Arial" panose="020B0604020202020204" pitchFamily="34" charset="0"/>
+                <a:cs typeface="Arial" panose="020B0604020202020204" pitchFamily="34" charset="0"/>
+              </a:rPr>
+              <a:t> Current index for </a:t>
+            </a:r>
+            <a:r>
+              <a:rPr lang="en-US" sz="1000" b="1" i="1" dirty="0" err="1">
+                <a:solidFill>
+                  <a:schemeClr val="tx1"/>
+                </a:solidFill>
+                <a:latin typeface="Arial" panose="020B0604020202020204" pitchFamily="34" charset="0"/>
+                <a:cs typeface="Arial" panose="020B0604020202020204" pitchFamily="34" charset="0"/>
+              </a:rPr>
+              <a:t>m_event_xml_array</a:t>
+            </a:r>
+            <a:r>
+              <a:rPr lang="en-US" sz="1000" b="1" i="1" dirty="0">
+                <a:solidFill>
+                  <a:schemeClr val="tx1"/>
+                </a:solidFill>
+                <a:latin typeface="Arial" panose="020B0604020202020204" pitchFamily="34" charset="0"/>
+                <a:cs typeface="Arial" panose="020B0604020202020204" pitchFamily="34" charset="0"/>
+              </a:rPr>
+              <a:t> in recursive loop</a:t>
+            </a:r>
+            <a:endParaRPr lang="de-CH" sz="1000" b="1" i="1" dirty="0">
+              <a:solidFill>
+                <a:schemeClr val="tx1"/>
+              </a:solidFill>
+              <a:latin typeface="Arial" panose="020B0604020202020204" pitchFamily="34" charset="0"/>
+              <a:cs typeface="Arial" panose="020B0604020202020204" pitchFamily="34" charset="0"/>
+            </a:endParaRPr>
+          </a:p>
+          <a:p>
+            <a:r>
+              <a:rPr lang="de-CH" sz="1000" b="1" dirty="0" err="1">
+                <a:solidFill>
+                  <a:schemeClr val="tx1"/>
+                </a:solidFill>
+                <a:latin typeface="Arial" panose="020B0604020202020204" pitchFamily="34" charset="0"/>
+                <a:cs typeface="Arial" panose="020B0604020202020204" pitchFamily="34" charset="0"/>
+              </a:rPr>
+              <a:t>m_event_xml_array</a:t>
+            </a:r>
+            <a:endParaRPr lang="de-CH" sz="1000" b="1" dirty="0">
+              <a:solidFill>
+                <a:schemeClr val="tx1"/>
+              </a:solidFill>
+              <a:latin typeface="Arial" panose="020B0604020202020204" pitchFamily="34" charset="0"/>
+              <a:cs typeface="Arial" panose="020B0604020202020204" pitchFamily="34" charset="0"/>
+            </a:endParaRPr>
+          </a:p>
+          <a:p>
+            <a:r>
+              <a:rPr lang="en-US" sz="1000" b="1" i="1" dirty="0">
+                <a:solidFill>
+                  <a:schemeClr val="tx1"/>
+                </a:solidFill>
+                <a:latin typeface="Arial" panose="020B0604020202020204" pitchFamily="34" charset="0"/>
+                <a:cs typeface="Arial" panose="020B0604020202020204" pitchFamily="34" charset="0"/>
+              </a:rPr>
+              <a:t> Array with event XML objects</a:t>
+            </a:r>
+          </a:p>
+          <a:p>
+            <a:r>
+              <a:rPr lang="en-US" sz="1000" b="1" dirty="0" err="1">
+                <a:solidFill>
+                  <a:schemeClr val="tx1"/>
+                </a:solidFill>
+                <a:latin typeface="Arial" panose="020B0604020202020204" pitchFamily="34" charset="0"/>
+                <a:cs typeface="Arial" panose="020B0604020202020204" pitchFamily="34" charset="0"/>
+              </a:rPr>
+              <a:t>m_file_name_add_str</a:t>
+            </a:r>
+            <a:r>
+              <a:rPr lang="en-US" sz="1000" b="1" dirty="0">
+                <a:solidFill>
+                  <a:schemeClr val="tx1"/>
+                </a:solidFill>
+                <a:latin typeface="Arial" panose="020B0604020202020204" pitchFamily="34" charset="0"/>
+                <a:cs typeface="Arial" panose="020B0604020202020204" pitchFamily="34" charset="0"/>
+              </a:rPr>
+              <a:t> = 'Salmen’;</a:t>
+            </a:r>
+          </a:p>
+          <a:p>
+            <a:r>
+              <a:rPr lang="fr-FR" sz="1000" b="1" dirty="0" err="1">
+                <a:solidFill>
+                  <a:schemeClr val="tx1"/>
+                </a:solidFill>
+                <a:latin typeface="Arial" panose="020B0604020202020204" pitchFamily="34" charset="0"/>
+                <a:cs typeface="Arial" panose="020B0604020202020204" pitchFamily="34" charset="0"/>
+              </a:rPr>
+              <a:t>m_event_files_sub_dir</a:t>
+            </a:r>
+            <a:endParaRPr lang="fr-FR" sz="1000" b="1" dirty="0">
+              <a:solidFill>
+                <a:schemeClr val="tx1"/>
+              </a:solidFill>
+              <a:latin typeface="Arial" panose="020B0604020202020204" pitchFamily="34" charset="0"/>
+              <a:cs typeface="Arial" panose="020B0604020202020204" pitchFamily="34" charset="0"/>
+            </a:endParaRPr>
+          </a:p>
+          <a:p>
+            <a:r>
+              <a:rPr lang="de-CH" sz="1000" b="1" i="1" dirty="0">
+                <a:solidFill>
+                  <a:schemeClr val="tx1"/>
+                </a:solidFill>
+                <a:latin typeface="Arial" panose="020B0604020202020204" pitchFamily="34" charset="0"/>
+                <a:cs typeface="Arial" panose="020B0604020202020204" pitchFamily="34" charset="0"/>
+              </a:rPr>
+              <a:t>    Subdirectory </a:t>
+            </a:r>
+            <a:r>
+              <a:rPr lang="de-CH" sz="1000" b="1" i="1" dirty="0" err="1">
+                <a:solidFill>
+                  <a:schemeClr val="tx1"/>
+                </a:solidFill>
+                <a:latin typeface="Arial" panose="020B0604020202020204" pitchFamily="34" charset="0"/>
+                <a:cs typeface="Arial" panose="020B0604020202020204" pitchFamily="34" charset="0"/>
+              </a:rPr>
+              <a:t>m_result_dir</a:t>
+            </a:r>
+            <a:r>
+              <a:rPr lang="de-CH" sz="1000" b="1" i="1" dirty="0">
+                <a:solidFill>
+                  <a:schemeClr val="tx1"/>
+                </a:solidFill>
+                <a:latin typeface="Arial" panose="020B0604020202020204" pitchFamily="34" charset="0"/>
+                <a:cs typeface="Arial" panose="020B0604020202020204" pitchFamily="34" charset="0"/>
+              </a:rPr>
+              <a:t>/</a:t>
+            </a:r>
+            <a:r>
+              <a:rPr lang="de-CH" sz="1000" b="1" i="1" dirty="0" err="1">
+                <a:solidFill>
+                  <a:schemeClr val="tx1"/>
+                </a:solidFill>
+                <a:latin typeface="Arial" panose="020B0604020202020204" pitchFamily="34" charset="0"/>
+                <a:cs typeface="Arial" panose="020B0604020202020204" pitchFamily="34" charset="0"/>
+              </a:rPr>
+              <a:t>m_sub_xml_dir</a:t>
+            </a:r>
+            <a:r>
+              <a:rPr lang="de-CH" sz="1000" b="1" i="1" dirty="0">
+                <a:solidFill>
+                  <a:schemeClr val="tx1"/>
+                </a:solidFill>
+                <a:latin typeface="Arial" panose="020B0604020202020204" pitchFamily="34" charset="0"/>
+                <a:cs typeface="Arial" panose="020B0604020202020204" pitchFamily="34" charset="0"/>
+              </a:rPr>
+              <a:t>/</a:t>
+            </a:r>
+          </a:p>
+        </p:txBody>
+      </p:sp>
+      <p:sp>
+        <p:nvSpPr>
+          <p:cNvPr id="4" name="Textfeld 3">
+            <a:extLst>
+              <a:ext uri="{FF2B5EF4-FFF2-40B4-BE49-F238E27FC236}">
+                <a16:creationId xmlns:a16="http://schemas.microsoft.com/office/drawing/2014/main" id="{01235A2A-663A-B1C1-5EA5-8B1C6EBDC8E9}"/>
+              </a:ext>
+            </a:extLst>
+          </p:cNvPr>
+          <p:cNvSpPr txBox="1"/>
+          <p:nvPr/>
+        </p:nvSpPr>
+        <p:spPr>
+          <a:xfrm>
+            <a:off x="5517572" y="187288"/>
+            <a:ext cx="6674427" cy="369332"/>
+          </a:xfrm>
+          <a:prstGeom prst="rect">
+            <a:avLst/>
+          </a:prstGeom>
+          <a:noFill/>
+        </p:spPr>
+        <p:txBody>
+          <a:bodyPr wrap="square">
+            <a:spAutoFit/>
+          </a:bodyPr>
+          <a:lstStyle/>
+          <a:p>
+            <a:pPr algn="ctr"/>
+            <a:r>
+              <a:rPr lang="de-CH" b="1" dirty="0" err="1">
+                <a:latin typeface="Arial" panose="020B0604020202020204" pitchFamily="34" charset="0"/>
+                <a:cs typeface="Arial" panose="020B0604020202020204" pitchFamily="34" charset="0"/>
+              </a:rPr>
+              <a:t>ReservationNewSeasonData</a:t>
+            </a:r>
+            <a:r>
+              <a:rPr lang="de-CH" b="1" dirty="0">
+                <a:latin typeface="Arial" panose="020B0604020202020204" pitchFamily="34" charset="0"/>
+                <a:cs typeface="Arial" panose="020B0604020202020204" pitchFamily="34" charset="0"/>
+              </a:rPr>
+              <a:t> .js</a:t>
+            </a:r>
+          </a:p>
+        </p:txBody>
+      </p:sp>
+      <p:sp>
+        <p:nvSpPr>
+          <p:cNvPr id="5" name="Textfeld 4">
+            <a:extLst>
+              <a:ext uri="{FF2B5EF4-FFF2-40B4-BE49-F238E27FC236}">
+                <a16:creationId xmlns:a16="http://schemas.microsoft.com/office/drawing/2014/main" id="{26D08DB3-A645-AC9B-6568-85F23F06607B}"/>
+              </a:ext>
+            </a:extLst>
+          </p:cNvPr>
+          <p:cNvSpPr txBox="1"/>
+          <p:nvPr/>
+        </p:nvSpPr>
+        <p:spPr>
+          <a:xfrm>
+            <a:off x="4920264" y="6016212"/>
+            <a:ext cx="4057369" cy="523220"/>
+          </a:xfrm>
+          <a:prstGeom prst="rect">
+            <a:avLst/>
+          </a:prstGeom>
+          <a:noFill/>
+        </p:spPr>
+        <p:txBody>
+          <a:bodyPr wrap="square">
+            <a:spAutoFit/>
+          </a:bodyPr>
+          <a:lstStyle/>
+          <a:p>
+            <a:pPr algn="ctr"/>
+            <a:r>
+              <a:rPr lang="en-US" sz="1400" b="1" dirty="0" err="1">
+                <a:latin typeface="Arial" panose="020B0604020202020204" pitchFamily="34" charset="0"/>
+                <a:cs typeface="Arial" panose="020B0604020202020204" pitchFamily="34" charset="0"/>
+              </a:rPr>
+              <a:t>g_new_season_files_data</a:t>
+            </a:r>
+            <a:r>
+              <a:rPr lang="en-US" sz="1400" b="1" dirty="0">
+                <a:latin typeface="Arial" panose="020B0604020202020204" pitchFamily="34" charset="0"/>
+                <a:cs typeface="Arial" panose="020B0604020202020204" pitchFamily="34" charset="0"/>
+              </a:rPr>
+              <a:t> = </a:t>
+            </a:r>
+          </a:p>
+          <a:p>
+            <a:pPr algn="ctr"/>
+            <a:r>
+              <a:rPr lang="en-US" sz="1400" b="1" dirty="0">
+                <a:latin typeface="Arial" panose="020B0604020202020204" pitchFamily="34" charset="0"/>
+                <a:cs typeface="Arial" panose="020B0604020202020204" pitchFamily="34" charset="0"/>
+              </a:rPr>
+              <a:t>new </a:t>
+            </a:r>
+            <a:r>
+              <a:rPr lang="en-US" sz="1400" b="1" dirty="0" err="1">
+                <a:latin typeface="Arial" panose="020B0604020202020204" pitchFamily="34" charset="0"/>
+                <a:cs typeface="Arial" panose="020B0604020202020204" pitchFamily="34" charset="0"/>
+              </a:rPr>
+              <a:t>ReservationNewSeasonData</a:t>
+            </a:r>
+            <a:r>
+              <a:rPr lang="en-US" sz="1400" b="1" dirty="0">
+                <a:latin typeface="Arial" panose="020B0604020202020204" pitchFamily="34" charset="0"/>
+                <a:cs typeface="Arial" panose="020B0604020202020204" pitchFamily="34" charset="0"/>
+              </a:rPr>
+              <a:t> (…) </a:t>
+            </a:r>
+            <a:endParaRPr lang="de-CH" sz="1400" b="1" dirty="0">
+              <a:latin typeface="Arial" panose="020B0604020202020204" pitchFamily="34" charset="0"/>
+              <a:cs typeface="Arial" panose="020B0604020202020204" pitchFamily="34" charset="0"/>
+            </a:endParaRPr>
+          </a:p>
+        </p:txBody>
+      </p:sp>
+    </p:spTree>
+    <p:extLst>
+      <p:ext uri="{BB962C8B-B14F-4D97-AF65-F5344CB8AC3E}">
+        <p14:creationId xmlns:p14="http://schemas.microsoft.com/office/powerpoint/2010/main" val="2130856640"/>
+      </p:ext>
+    </p:extLst>
+  </p:cSld>
+  <p:clrMapOvr>
+    <a:masterClrMapping/>
+  </p:clrMapOvr>
+</p:sld>
+</file>
+
+<file path=ppt/slides/slide4.xml><?xml version="1.0" encoding="utf-8"?>
+<p:sld xmlns:a="http://schemas.openxmlformats.org/drawingml/2006/main" xmlns:r="http://schemas.openxmlformats.org/officeDocument/2006/relationships" xmlns:p="http://schemas.openxmlformats.org/presentationml/2006/main">
+  <p:cSld>
+    <p:spTree>
+      <p:nvGrpSpPr>
+        <p:cNvPr id="1" name=""/>
+        <p:cNvGrpSpPr/>
+        <p:nvPr/>
+      </p:nvGrpSpPr>
+      <p:grpSpPr>
+        <a:xfrm>
+          <a:off x="0" y="0"/>
+          <a:ext cx="0" cy="0"/>
+          <a:chOff x="0" y="0"/>
+          <a:chExt cx="0" cy="0"/>
+        </a:xfrm>
+      </p:grpSpPr>
+      <p:sp>
+        <p:nvSpPr>
+          <p:cNvPr id="2" name="Rechteck 1">
+            <a:extLst>
+              <a:ext uri="{FF2B5EF4-FFF2-40B4-BE49-F238E27FC236}">
                 <a16:creationId xmlns:a16="http://schemas.microsoft.com/office/drawing/2014/main" id="{0B0E4C48-E5E3-50B0-722E-1FF60AA68ED7}"/>
               </a:ext>
             </a:extLst>
@@ -9089,7 +9426,7 @@
 </p:sld>
 </file>
 
-<file path=ppt/slides/slide4.xml><?xml version="1.0" encoding="utf-8"?>
+<file path=ppt/slides/slide5.xml><?xml version="1.0" encoding="utf-8"?>
 <p:sld xmlns:a="http://schemas.openxmlformats.org/drawingml/2006/main" xmlns:r="http://schemas.openxmlformats.org/officeDocument/2006/relationships" xmlns:p="http://schemas.openxmlformats.org/presentationml/2006/main">
   <p:cSld>
     <p:spTree>
@@ -11084,7 +11421,7 @@
 </p:sld>
 </file>
 
-<file path=ppt/slides/slide5.xml><?xml version="1.0" encoding="utf-8"?>
+<file path=ppt/slides/slide6.xml><?xml version="1.0" encoding="utf-8"?>
 <p:sld xmlns:a="http://schemas.openxmlformats.org/drawingml/2006/main" xmlns:r="http://schemas.openxmlformats.org/officeDocument/2006/relationships" xmlns:p="http://schemas.openxmlformats.org/presentationml/2006/main">
   <p:cSld>
     <p:spTree>
@@ -12776,7 +13113,7 @@
 </p:sld>
 </file>
 
-<file path=ppt/slides/slide6.xml><?xml version="1.0" encoding="utf-8"?>
+<file path=ppt/slides/slide7.xml><?xml version="1.0" encoding="utf-8"?>
 <p:sld xmlns:a="http://schemas.openxmlformats.org/drawingml/2006/main" xmlns:r="http://schemas.openxmlformats.org/officeDocument/2006/relationships" xmlns:p="http://schemas.openxmlformats.org/presentationml/2006/main">
   <p:cSld>
     <p:spTree>
@@ -13075,7 +13412,7 @@
 </p:sld>
 </file>
 
-<file path=ppt/slides/slide7.xml><?xml version="1.0" encoding="utf-8"?>
+<file path=ppt/slides/slide8.xml><?xml version="1.0" encoding="utf-8"?>
 <p:sld xmlns:a="http://schemas.openxmlformats.org/drawingml/2006/main" xmlns:r="http://schemas.openxmlformats.org/officeDocument/2006/relationships" xmlns:p="http://schemas.openxmlformats.org/presentationml/2006/main">
   <p:cSld>
     <p:spTree>
@@ -13135,7 +13472,7 @@
 </p:sld>
 </file>
 
-<file path=ppt/slides/slide8.xml><?xml version="1.0" encoding="utf-8"?>
+<file path=ppt/slides/slide9.xml><?xml version="1.0" encoding="utf-8"?>
 <p:sld xmlns:a="http://schemas.openxmlformats.org/drawingml/2006/main" xmlns:r="http://schemas.openxmlformats.org/officeDocument/2006/relationships" xmlns:p="http://schemas.openxmlformats.org/presentationml/2006/main">
   <p:cSld>
     <p:spTree>
@@ -13186,36 +13523,6 @@
     <p:extLst>
       <p:ext uri="{BB962C8B-B14F-4D97-AF65-F5344CB8AC3E}">
         <p14:creationId xmlns:p14="http://schemas.microsoft.com/office/powerpoint/2010/main" val="364843717"/>
-      </p:ext>
-    </p:extLst>
-  </p:cSld>
-  <p:clrMapOvr>
-    <a:masterClrMapping/>
-  </p:clrMapOvr>
-</p:sld>
-</file>
-
-<file path=ppt/slides/slide9.xml><?xml version="1.0" encoding="utf-8"?>
-<p:sld xmlns:a="http://schemas.openxmlformats.org/drawingml/2006/main" xmlns:r="http://schemas.openxmlformats.org/officeDocument/2006/relationships" xmlns:p="http://schemas.openxmlformats.org/presentationml/2006/main">
-  <p:cSld>
-    <p:spTree>
-      <p:nvGrpSpPr>
-        <p:cNvPr id="1" name=""/>
-        <p:cNvGrpSpPr/>
-        <p:nvPr/>
-      </p:nvGrpSpPr>
-      <p:grpSpPr>
-        <a:xfrm>
-          <a:off x="0" y="0"/>
-          <a:ext cx="0" cy="0"/>
-          <a:chOff x="0" y="0"/>
-          <a:chExt cx="0" cy="0"/>
-        </a:xfrm>
-      </p:grpSpPr>
-    </p:spTree>
-    <p:extLst>
-      <p:ext uri="{BB962C8B-B14F-4D97-AF65-F5344CB8AC3E}">
-        <p14:creationId xmlns:p14="http://schemas.microsoft.com/office/powerpoint/2010/main" val="1562672897"/>
       </p:ext>
     </p:extLst>
   </p:cSld>

--- a/Description/ResrvationNewSeason.pptx
+++ b/Description/ResrvationNewSeason.pptx
@@ -7,16 +7,17 @@
   <p:sldIdLst>
     <p:sldId id="262" r:id="rId2"/>
     <p:sldId id="259" r:id="rId3"/>
-    <p:sldId id="267" r:id="rId4"/>
-    <p:sldId id="266" r:id="rId5"/>
-    <p:sldId id="257" r:id="rId6"/>
-    <p:sldId id="264" r:id="rId7"/>
-    <p:sldId id="256" r:id="rId8"/>
-    <p:sldId id="260" r:id="rId9"/>
-    <p:sldId id="261" r:id="rId10"/>
-    <p:sldId id="263" r:id="rId11"/>
-    <p:sldId id="265" r:id="rId12"/>
-    <p:sldId id="258" r:id="rId13"/>
+    <p:sldId id="268" r:id="rId4"/>
+    <p:sldId id="267" r:id="rId5"/>
+    <p:sldId id="266" r:id="rId6"/>
+    <p:sldId id="257" r:id="rId7"/>
+    <p:sldId id="264" r:id="rId8"/>
+    <p:sldId id="256" r:id="rId9"/>
+    <p:sldId id="260" r:id="rId10"/>
+    <p:sldId id="261" r:id="rId11"/>
+    <p:sldId id="263" r:id="rId12"/>
+    <p:sldId id="265" r:id="rId13"/>
+    <p:sldId id="258" r:id="rId14"/>
   </p:sldIdLst>
   <p:sldSz cx="12192000" cy="6858000"/>
   <p:notesSz cx="6721475" cy="9866313"/>
@@ -3063,10 +3064,40 @@
           <a:chExt cx="0" cy="0"/>
         </a:xfrm>
       </p:grpSpPr>
+      <p:pic>
+        <p:nvPicPr>
+          <p:cNvPr id="3" name="Grafik 2">
+            <a:extLst>
+              <a:ext uri="{FF2B5EF4-FFF2-40B4-BE49-F238E27FC236}">
+                <a16:creationId xmlns:a16="http://schemas.microsoft.com/office/drawing/2014/main" id="{17CA3C3D-C39A-BD3C-4464-718D814A967C}"/>
+              </a:ext>
+            </a:extLst>
+          </p:cNvPr>
+          <p:cNvPicPr>
+            <a:picLocks noChangeAspect="1"/>
+          </p:cNvPicPr>
+          <p:nvPr/>
+        </p:nvPicPr>
+        <p:blipFill>
+          <a:blip r:embed="rId2"/>
+          <a:stretch>
+            <a:fillRect/>
+          </a:stretch>
+        </p:blipFill>
+        <p:spPr>
+          <a:xfrm>
+            <a:off x="810286" y="776619"/>
+            <a:ext cx="10571428" cy="5304762"/>
+          </a:xfrm>
+          <a:prstGeom prst="rect">
+            <a:avLst/>
+          </a:prstGeom>
+        </p:spPr>
+      </p:pic>
     </p:spTree>
     <p:extLst>
       <p:ext uri="{BB962C8B-B14F-4D97-AF65-F5344CB8AC3E}">
-        <p14:creationId xmlns:p14="http://schemas.microsoft.com/office/powerpoint/2010/main" val="1562672897"/>
+        <p14:creationId xmlns:p14="http://schemas.microsoft.com/office/powerpoint/2010/main" val="364843717"/>
       </p:ext>
     </p:extLst>
   </p:cSld>
@@ -3096,6 +3127,36 @@
     </p:spTree>
     <p:extLst>
       <p:ext uri="{BB962C8B-B14F-4D97-AF65-F5344CB8AC3E}">
+        <p14:creationId xmlns:p14="http://schemas.microsoft.com/office/powerpoint/2010/main" val="1562672897"/>
+      </p:ext>
+    </p:extLst>
+  </p:cSld>
+  <p:clrMapOvr>
+    <a:masterClrMapping/>
+  </p:clrMapOvr>
+</p:sld>
+</file>
+
+<file path=ppt/slides/slide12.xml><?xml version="1.0" encoding="utf-8"?>
+<p:sld xmlns:a="http://schemas.openxmlformats.org/drawingml/2006/main" xmlns:r="http://schemas.openxmlformats.org/officeDocument/2006/relationships" xmlns:p="http://schemas.openxmlformats.org/presentationml/2006/main">
+  <p:cSld>
+    <p:spTree>
+      <p:nvGrpSpPr>
+        <p:cNvPr id="1" name=""/>
+        <p:cNvGrpSpPr/>
+        <p:nvPr/>
+      </p:nvGrpSpPr>
+      <p:grpSpPr>
+        <a:xfrm>
+          <a:off x="0" y="0"/>
+          <a:ext cx="0" cy="0"/>
+          <a:chOff x="0" y="0"/>
+          <a:chExt cx="0" cy="0"/>
+        </a:xfrm>
+      </p:grpSpPr>
+    </p:spTree>
+    <p:extLst>
+      <p:ext uri="{BB962C8B-B14F-4D97-AF65-F5344CB8AC3E}">
         <p14:creationId xmlns:p14="http://schemas.microsoft.com/office/powerpoint/2010/main" val="2116491267"/>
       </p:ext>
     </p:extLst>
@@ -3106,7 +3167,7 @@
 </p:sld>
 </file>
 
-<file path=ppt/slides/slide12.xml><?xml version="1.0" encoding="utf-8"?>
+<file path=ppt/slides/slide13.xml><?xml version="1.0" encoding="utf-8"?>
 <p:sld xmlns:a="http://schemas.openxmlformats.org/drawingml/2006/main" xmlns:r="http://schemas.openxmlformats.org/officeDocument/2006/relationships" xmlns:p="http://schemas.openxmlformats.org/presentationml/2006/main">
   <p:cSld>
     <p:spTree>
@@ -5559,7 +5620,7 @@
         </p:nvSpPr>
         <p:spPr>
           <a:xfrm>
-            <a:off x="180110" y="997779"/>
+            <a:off x="3588328" y="883479"/>
             <a:ext cx="4665403" cy="570469"/>
           </a:xfrm>
           <a:prstGeom prst="rect">
@@ -5750,7 +5811,7 @@
         </p:nvSpPr>
         <p:spPr>
           <a:xfrm>
-            <a:off x="180110" y="1568248"/>
+            <a:off x="3588328" y="1453948"/>
             <a:ext cx="4665406" cy="4915680"/>
           </a:xfrm>
           <a:prstGeom prst="rect">
@@ -6520,1247 +6581,6 @@
       </p:grpSpPr>
       <p:sp>
         <p:nvSpPr>
-          <p:cNvPr id="2" name="Rechteck 1">
-            <a:extLst>
-              <a:ext uri="{FF2B5EF4-FFF2-40B4-BE49-F238E27FC236}">
-                <a16:creationId xmlns:a16="http://schemas.microsoft.com/office/drawing/2014/main" id="{AF544034-4CB0-7421-E984-56CFE2F42B7E}"/>
-              </a:ext>
-            </a:extLst>
-          </p:cNvPr>
-          <p:cNvSpPr/>
-          <p:nvPr/>
-        </p:nvSpPr>
-        <p:spPr>
-          <a:xfrm>
-            <a:off x="753620" y="270414"/>
-            <a:ext cx="4057369" cy="570469"/>
-          </a:xfrm>
-          <a:prstGeom prst="rect">
-            <a:avLst/>
-          </a:prstGeom>
-          <a:noFill/>
-          <a:ln w="19050">
-            <a:solidFill>
-              <a:schemeClr val="tx1"/>
-            </a:solidFill>
-          </a:ln>
-        </p:spPr>
-        <p:style>
-          <a:lnRef idx="2">
-            <a:schemeClr val="accent1">
-              <a:shade val="50000"/>
-            </a:schemeClr>
-          </a:lnRef>
-          <a:fillRef idx="1">
-            <a:schemeClr val="accent1"/>
-          </a:fillRef>
-          <a:effectRef idx="0">
-            <a:schemeClr val="accent1"/>
-          </a:effectRef>
-          <a:fontRef idx="minor">
-            <a:schemeClr val="lt1"/>
-          </a:fontRef>
-        </p:style>
-        <p:txBody>
-          <a:bodyPr rtlCol="0" anchor="ctr"/>
-          <a:lstStyle/>
-          <a:p>
-            <a:pPr algn="ctr"/>
-            <a:r>
-              <a:rPr lang="de-CH" b="1" dirty="0" err="1">
-                <a:solidFill>
-                  <a:schemeClr val="tx1"/>
-                </a:solidFill>
-                <a:latin typeface="Arial" panose="020B0604020202020204" pitchFamily="34" charset="0"/>
-                <a:cs typeface="Arial" panose="020B0604020202020204" pitchFamily="34" charset="0"/>
-              </a:rPr>
-              <a:t>ReservationNewSeasonData</a:t>
-            </a:r>
-            <a:r>
-              <a:rPr lang="de-CH" dirty="0">
-                <a:solidFill>
-                  <a:schemeClr val="tx1"/>
-                </a:solidFill>
-                <a:latin typeface="Arial" panose="020B0604020202020204" pitchFamily="34" charset="0"/>
-                <a:cs typeface="Arial" panose="020B0604020202020204" pitchFamily="34" charset="0"/>
-              </a:rPr>
-              <a:t> </a:t>
-            </a:r>
-          </a:p>
-          <a:p>
-            <a:pPr algn="ctr"/>
-            <a:r>
-              <a:rPr lang="de-CH" sz="1200" dirty="0">
-                <a:solidFill>
-                  <a:schemeClr val="tx1"/>
-                </a:solidFill>
-                <a:latin typeface="Arial" panose="020B0604020202020204" pitchFamily="34" charset="0"/>
-                <a:cs typeface="Arial" panose="020B0604020202020204" pitchFamily="34" charset="0"/>
-              </a:rPr>
-              <a:t>Data </a:t>
-            </a:r>
-            <a:r>
-              <a:rPr lang="de-CH" sz="1200" dirty="0" err="1">
-                <a:solidFill>
-                  <a:schemeClr val="tx1"/>
-                </a:solidFill>
-                <a:latin typeface="Arial" panose="020B0604020202020204" pitchFamily="34" charset="0"/>
-                <a:cs typeface="Arial" panose="020B0604020202020204" pitchFamily="34" charset="0"/>
-              </a:rPr>
-              <a:t>for</a:t>
-            </a:r>
-            <a:r>
-              <a:rPr lang="de-CH" sz="1200" dirty="0">
-                <a:solidFill>
-                  <a:schemeClr val="tx1"/>
-                </a:solidFill>
-                <a:latin typeface="Arial" panose="020B0604020202020204" pitchFamily="34" charset="0"/>
-                <a:cs typeface="Arial" panose="020B0604020202020204" pitchFamily="34" charset="0"/>
-              </a:rPr>
-              <a:t> </a:t>
-            </a:r>
-            <a:r>
-              <a:rPr lang="de-CH" sz="1200" dirty="0" err="1">
-                <a:solidFill>
-                  <a:schemeClr val="tx1"/>
-                </a:solidFill>
-                <a:latin typeface="Arial" panose="020B0604020202020204" pitchFamily="34" charset="0"/>
-                <a:cs typeface="Arial" panose="020B0604020202020204" pitchFamily="34" charset="0"/>
-              </a:rPr>
-              <a:t>the</a:t>
-            </a:r>
-            <a:r>
-              <a:rPr lang="de-CH" sz="1200" dirty="0">
-                <a:solidFill>
-                  <a:schemeClr val="tx1"/>
-                </a:solidFill>
-                <a:latin typeface="Arial" panose="020B0604020202020204" pitchFamily="34" charset="0"/>
-                <a:cs typeface="Arial" panose="020B0604020202020204" pitchFamily="34" charset="0"/>
-              </a:rPr>
-              <a:t> </a:t>
-            </a:r>
-            <a:r>
-              <a:rPr lang="de-CH" sz="1200" dirty="0" err="1">
-                <a:solidFill>
-                  <a:schemeClr val="tx1"/>
-                </a:solidFill>
-                <a:latin typeface="Arial" panose="020B0604020202020204" pitchFamily="34" charset="0"/>
-                <a:cs typeface="Arial" panose="020B0604020202020204" pitchFamily="34" charset="0"/>
-              </a:rPr>
-              <a:t>creation</a:t>
-            </a:r>
-            <a:r>
-              <a:rPr lang="de-CH" sz="1200" dirty="0">
-                <a:solidFill>
-                  <a:schemeClr val="tx1"/>
-                </a:solidFill>
-                <a:latin typeface="Arial" panose="020B0604020202020204" pitchFamily="34" charset="0"/>
-                <a:cs typeface="Arial" panose="020B0604020202020204" pitchFamily="34" charset="0"/>
-              </a:rPr>
-              <a:t> </a:t>
-            </a:r>
-            <a:r>
-              <a:rPr lang="de-CH" sz="1200" dirty="0" err="1">
-                <a:solidFill>
-                  <a:schemeClr val="tx1"/>
-                </a:solidFill>
-                <a:latin typeface="Arial" panose="020B0604020202020204" pitchFamily="34" charset="0"/>
-                <a:cs typeface="Arial" panose="020B0604020202020204" pitchFamily="34" charset="0"/>
-              </a:rPr>
-              <a:t>of</a:t>
-            </a:r>
-            <a:r>
-              <a:rPr lang="de-CH" sz="1200" dirty="0">
-                <a:solidFill>
-                  <a:schemeClr val="tx1"/>
-                </a:solidFill>
-                <a:latin typeface="Arial" panose="020B0604020202020204" pitchFamily="34" charset="0"/>
-                <a:cs typeface="Arial" panose="020B0604020202020204" pitchFamily="34" charset="0"/>
-              </a:rPr>
-              <a:t> </a:t>
-            </a:r>
-            <a:r>
-              <a:rPr lang="de-CH" sz="1200" dirty="0" err="1">
-                <a:solidFill>
-                  <a:schemeClr val="tx1"/>
-                </a:solidFill>
-                <a:latin typeface="Arial" panose="020B0604020202020204" pitchFamily="34" charset="0"/>
-                <a:cs typeface="Arial" panose="020B0604020202020204" pitchFamily="34" charset="0"/>
-              </a:rPr>
-              <a:t>the</a:t>
-            </a:r>
-            <a:r>
-              <a:rPr lang="de-CH" sz="1200" dirty="0">
-                <a:solidFill>
-                  <a:schemeClr val="tx1"/>
-                </a:solidFill>
-                <a:latin typeface="Arial" panose="020B0604020202020204" pitchFamily="34" charset="0"/>
-                <a:cs typeface="Arial" panose="020B0604020202020204" pitchFamily="34" charset="0"/>
-              </a:rPr>
-              <a:t> </a:t>
-            </a:r>
-            <a:r>
-              <a:rPr lang="de-CH" sz="1200" dirty="0" err="1">
-                <a:solidFill>
-                  <a:schemeClr val="tx1"/>
-                </a:solidFill>
-                <a:latin typeface="Arial" panose="020B0604020202020204" pitchFamily="34" charset="0"/>
-                <a:cs typeface="Arial" panose="020B0604020202020204" pitchFamily="34" charset="0"/>
-              </a:rPr>
-              <a:t>new</a:t>
-            </a:r>
-            <a:r>
-              <a:rPr lang="de-CH" sz="1200" dirty="0">
-                <a:solidFill>
-                  <a:schemeClr val="tx1"/>
-                </a:solidFill>
-                <a:latin typeface="Arial" panose="020B0604020202020204" pitchFamily="34" charset="0"/>
-                <a:cs typeface="Arial" panose="020B0604020202020204" pitchFamily="34" charset="0"/>
-              </a:rPr>
-              <a:t> </a:t>
-            </a:r>
-            <a:r>
-              <a:rPr lang="de-CH" sz="1200" dirty="0" err="1">
-                <a:solidFill>
-                  <a:schemeClr val="tx1"/>
-                </a:solidFill>
-                <a:latin typeface="Arial" panose="020B0604020202020204" pitchFamily="34" charset="0"/>
-                <a:cs typeface="Arial" panose="020B0604020202020204" pitchFamily="34" charset="0"/>
-              </a:rPr>
-              <a:t>season</a:t>
-            </a:r>
-            <a:r>
-              <a:rPr lang="de-CH" sz="1200" dirty="0">
-                <a:solidFill>
-                  <a:schemeClr val="tx1"/>
-                </a:solidFill>
-                <a:latin typeface="Arial" panose="020B0604020202020204" pitchFamily="34" charset="0"/>
-                <a:cs typeface="Arial" panose="020B0604020202020204" pitchFamily="34" charset="0"/>
-              </a:rPr>
-              <a:t> </a:t>
-            </a:r>
-            <a:r>
-              <a:rPr lang="de-CH" sz="1200" dirty="0" err="1">
-                <a:solidFill>
-                  <a:schemeClr val="tx1"/>
-                </a:solidFill>
-                <a:latin typeface="Arial" panose="020B0604020202020204" pitchFamily="34" charset="0"/>
-                <a:cs typeface="Arial" panose="020B0604020202020204" pitchFamily="34" charset="0"/>
-              </a:rPr>
-              <a:t>files</a:t>
-            </a:r>
-            <a:endParaRPr lang="de-CH" sz="1200" dirty="0">
-              <a:solidFill>
-                <a:schemeClr val="tx1"/>
-              </a:solidFill>
-              <a:latin typeface="Arial" panose="020B0604020202020204" pitchFamily="34" charset="0"/>
-              <a:cs typeface="Arial" panose="020B0604020202020204" pitchFamily="34" charset="0"/>
-            </a:endParaRPr>
-          </a:p>
-        </p:txBody>
-      </p:sp>
-      <p:sp>
-        <p:nvSpPr>
-          <p:cNvPr id="3" name="Rechteck 2">
-            <a:extLst>
-              <a:ext uri="{FF2B5EF4-FFF2-40B4-BE49-F238E27FC236}">
-                <a16:creationId xmlns:a16="http://schemas.microsoft.com/office/drawing/2014/main" id="{915AF3A7-8F2C-18A0-9575-87F4CA364F68}"/>
-              </a:ext>
-            </a:extLst>
-          </p:cNvPr>
-          <p:cNvSpPr/>
-          <p:nvPr/>
-        </p:nvSpPr>
-        <p:spPr>
-          <a:xfrm>
-            <a:off x="753620" y="840882"/>
-            <a:ext cx="4057372" cy="5746703"/>
-          </a:xfrm>
-          <a:prstGeom prst="rect">
-            <a:avLst/>
-          </a:prstGeom>
-          <a:noFill/>
-          <a:ln w="19050">
-            <a:solidFill>
-              <a:schemeClr val="tx1"/>
-            </a:solidFill>
-          </a:ln>
-        </p:spPr>
-        <p:style>
-          <a:lnRef idx="2">
-            <a:schemeClr val="accent1">
-              <a:shade val="50000"/>
-            </a:schemeClr>
-          </a:lnRef>
-          <a:fillRef idx="1">
-            <a:schemeClr val="accent1"/>
-          </a:fillRef>
-          <a:effectRef idx="0">
-            <a:schemeClr val="accent1"/>
-          </a:effectRef>
-          <a:fontRef idx="minor">
-            <a:schemeClr val="lt1"/>
-          </a:fontRef>
-        </p:style>
-        <p:txBody>
-          <a:bodyPr rtlCol="0" anchor="ctr"/>
-          <a:lstStyle/>
-          <a:p>
-            <a:r>
-              <a:rPr lang="en-US" sz="1000" b="1" dirty="0" err="1">
-                <a:solidFill>
-                  <a:schemeClr val="tx1"/>
-                </a:solidFill>
-                <a:latin typeface="Arial" panose="020B0604020202020204" pitchFamily="34" charset="0"/>
-                <a:cs typeface="Arial" panose="020B0604020202020204" pitchFamily="34" charset="0"/>
-              </a:rPr>
-              <a:t>m_season_case</a:t>
-            </a:r>
-            <a:r>
-              <a:rPr lang="en-US" sz="1000" b="1" dirty="0">
-                <a:solidFill>
-                  <a:schemeClr val="tx1"/>
-                </a:solidFill>
-                <a:latin typeface="Arial" panose="020B0604020202020204" pitchFamily="34" charset="0"/>
-                <a:cs typeface="Arial" panose="020B0604020202020204" pitchFamily="34" charset="0"/>
-              </a:rPr>
-              <a:t> </a:t>
-            </a:r>
-          </a:p>
-          <a:p>
-            <a:r>
-              <a:rPr lang="en-US" sz="1000" b="1" i="1" dirty="0">
-                <a:solidFill>
-                  <a:schemeClr val="tx1"/>
-                </a:solidFill>
-                <a:latin typeface="Arial" panose="020B0604020202020204" pitchFamily="34" charset="0"/>
-                <a:cs typeface="Arial" panose="020B0604020202020204" pitchFamily="34" charset="0"/>
-              </a:rPr>
-              <a:t>   Case current, previous or next</a:t>
-            </a:r>
-          </a:p>
-          <a:p>
-            <a:r>
-              <a:rPr lang="en-US" sz="1000" b="1" dirty="0" err="1">
-                <a:solidFill>
-                  <a:schemeClr val="tx1"/>
-                </a:solidFill>
-                <a:latin typeface="Arial" panose="020B0604020202020204" pitchFamily="34" charset="0"/>
-                <a:cs typeface="Arial" panose="020B0604020202020204" pitchFamily="34" charset="0"/>
-              </a:rPr>
-              <a:t>m_main_dir</a:t>
-            </a:r>
-            <a:r>
-              <a:rPr lang="en-US" sz="1000" b="1" dirty="0">
-                <a:solidFill>
-                  <a:schemeClr val="tx1"/>
-                </a:solidFill>
-                <a:latin typeface="Arial" panose="020B0604020202020204" pitchFamily="34" charset="0"/>
-                <a:cs typeface="Arial" panose="020B0604020202020204" pitchFamily="34" charset="0"/>
-              </a:rPr>
-              <a:t> </a:t>
-            </a:r>
-          </a:p>
-          <a:p>
-            <a:r>
-              <a:rPr lang="en-US" sz="1000" b="1" i="1" dirty="0">
-                <a:solidFill>
-                  <a:schemeClr val="tx1"/>
-                </a:solidFill>
-                <a:latin typeface="Arial" panose="020B0604020202020204" pitchFamily="34" charset="0"/>
-                <a:cs typeface="Arial" panose="020B0604020202020204" pitchFamily="34" charset="0"/>
-              </a:rPr>
-              <a:t>   Reservation (Release) or </a:t>
-            </a:r>
-            <a:r>
-              <a:rPr lang="en-US" sz="1000" b="1" i="1" dirty="0" err="1">
-                <a:solidFill>
-                  <a:schemeClr val="tx1"/>
-                </a:solidFill>
-                <a:latin typeface="Arial" panose="020B0604020202020204" pitchFamily="34" charset="0"/>
-                <a:cs typeface="Arial" panose="020B0604020202020204" pitchFamily="34" charset="0"/>
-              </a:rPr>
-              <a:t>ReservationLayout</a:t>
-            </a:r>
-            <a:r>
-              <a:rPr lang="en-US" sz="1000" b="1" i="1" dirty="0">
-                <a:solidFill>
-                  <a:schemeClr val="tx1"/>
-                </a:solidFill>
-                <a:latin typeface="Arial" panose="020B0604020202020204" pitchFamily="34" charset="0"/>
-                <a:cs typeface="Arial" panose="020B0604020202020204" pitchFamily="34" charset="0"/>
-              </a:rPr>
-              <a:t> (Development)</a:t>
-            </a:r>
-          </a:p>
-          <a:p>
-            <a:r>
-              <a:rPr lang="en-US" sz="1000" b="1" dirty="0" err="1">
-                <a:solidFill>
-                  <a:schemeClr val="tx1"/>
-                </a:solidFill>
-                <a:latin typeface="Arial" panose="020B0604020202020204" pitchFamily="34" charset="0"/>
-                <a:cs typeface="Arial" panose="020B0604020202020204" pitchFamily="34" charset="0"/>
-              </a:rPr>
-              <a:t>m_result_dir</a:t>
-            </a:r>
-            <a:r>
-              <a:rPr lang="en-US" sz="1000" b="1" i="1" dirty="0">
-                <a:solidFill>
-                  <a:schemeClr val="tx1"/>
-                </a:solidFill>
-                <a:latin typeface="Arial" panose="020B0604020202020204" pitchFamily="34" charset="0"/>
-                <a:cs typeface="Arial" panose="020B0604020202020204" pitchFamily="34" charset="0"/>
-              </a:rPr>
-              <a:t> </a:t>
-            </a:r>
-          </a:p>
-          <a:p>
-            <a:r>
-              <a:rPr lang="en-US" sz="1000" b="1" i="1" dirty="0">
-                <a:solidFill>
-                  <a:schemeClr val="tx1"/>
-                </a:solidFill>
-                <a:latin typeface="Arial" panose="020B0604020202020204" pitchFamily="34" charset="0"/>
-                <a:cs typeface="Arial" panose="020B0604020202020204" pitchFamily="34" charset="0"/>
-              </a:rPr>
-              <a:t>   For instance Spagi_76_Chairs_V_2</a:t>
-            </a:r>
-          </a:p>
-          <a:p>
-            <a:r>
-              <a:rPr lang="en-US" sz="1000" b="1" dirty="0" err="1">
-                <a:solidFill>
-                  <a:schemeClr val="tx1"/>
-                </a:solidFill>
-                <a:latin typeface="Arial" panose="020B0604020202020204" pitchFamily="34" charset="0"/>
-                <a:cs typeface="Arial" panose="020B0604020202020204" pitchFamily="34" charset="0"/>
-              </a:rPr>
-              <a:t>m_sub_xml_dir</a:t>
-            </a:r>
-            <a:r>
-              <a:rPr lang="en-US" sz="1000" b="1" dirty="0">
-                <a:solidFill>
-                  <a:schemeClr val="tx1"/>
-                </a:solidFill>
-                <a:latin typeface="Arial" panose="020B0604020202020204" pitchFamily="34" charset="0"/>
-                <a:cs typeface="Arial" panose="020B0604020202020204" pitchFamily="34" charset="0"/>
-              </a:rPr>
-              <a:t> </a:t>
-            </a:r>
-          </a:p>
-          <a:p>
-            <a:r>
-              <a:rPr lang="en-US" sz="1000" b="1" i="1" dirty="0">
-                <a:solidFill>
-                  <a:schemeClr val="tx1"/>
-                </a:solidFill>
-                <a:latin typeface="Arial" panose="020B0604020202020204" pitchFamily="34" charset="0"/>
-                <a:cs typeface="Arial" panose="020B0604020202020204" pitchFamily="34" charset="0"/>
-              </a:rPr>
-              <a:t>   </a:t>
-            </a:r>
-            <a:r>
-              <a:rPr lang="en-US" sz="1000" b="1" i="1" dirty="0" err="1">
-                <a:solidFill>
-                  <a:schemeClr val="tx1"/>
-                </a:solidFill>
-                <a:latin typeface="Arial" panose="020B0604020202020204" pitchFamily="34" charset="0"/>
-                <a:cs typeface="Arial" panose="020B0604020202020204" pitchFamily="34" charset="0"/>
-              </a:rPr>
-              <a:t>SaisonXML</a:t>
-            </a:r>
-            <a:endParaRPr lang="en-US" sz="1000" b="1" i="1" dirty="0">
-              <a:solidFill>
-                <a:schemeClr val="tx1"/>
-              </a:solidFill>
-              <a:latin typeface="Arial" panose="020B0604020202020204" pitchFamily="34" charset="0"/>
-              <a:cs typeface="Arial" panose="020B0604020202020204" pitchFamily="34" charset="0"/>
-            </a:endParaRPr>
-          </a:p>
-          <a:p>
-            <a:r>
-              <a:rPr lang="en-US" sz="1000" b="1" dirty="0" err="1">
-                <a:solidFill>
-                  <a:schemeClr val="tx1"/>
-                </a:solidFill>
-                <a:latin typeface="Arial" panose="020B0604020202020204" pitchFamily="34" charset="0"/>
-                <a:cs typeface="Arial" panose="020B0604020202020204" pitchFamily="34" charset="0"/>
-              </a:rPr>
-              <a:t>m_xml_filename</a:t>
-            </a:r>
-            <a:r>
-              <a:rPr lang="en-US" sz="1000" b="1" dirty="0">
-                <a:solidFill>
-                  <a:schemeClr val="tx1"/>
-                </a:solidFill>
-                <a:latin typeface="Arial" panose="020B0604020202020204" pitchFamily="34" charset="0"/>
-                <a:cs typeface="Arial" panose="020B0604020202020204" pitchFamily="34" charset="0"/>
-              </a:rPr>
-              <a:t> </a:t>
-            </a:r>
-          </a:p>
-          <a:p>
-            <a:r>
-              <a:rPr lang="en-US" sz="1000" b="1" i="1" dirty="0">
-                <a:solidFill>
-                  <a:schemeClr val="tx1"/>
-                </a:solidFill>
-                <a:latin typeface="Arial" panose="020B0604020202020204" pitchFamily="34" charset="0"/>
-                <a:cs typeface="Arial" panose="020B0604020202020204" pitchFamily="34" charset="0"/>
-              </a:rPr>
-              <a:t>   EventProgram.xml</a:t>
-            </a:r>
-          </a:p>
-          <a:p>
-            <a:r>
-              <a:rPr lang="en-US" sz="1000" b="1" dirty="0">
-                <a:solidFill>
-                  <a:schemeClr val="tx1"/>
-                </a:solidFill>
-                <a:latin typeface="Arial" panose="020B0604020202020204" pitchFamily="34" charset="0"/>
-                <a:cs typeface="Arial" panose="020B0604020202020204" pitchFamily="34" charset="0"/>
-              </a:rPr>
-              <a:t> </a:t>
-            </a:r>
-            <a:r>
-              <a:rPr lang="en-US" sz="1000" b="1" dirty="0" err="1">
-                <a:solidFill>
-                  <a:schemeClr val="tx1"/>
-                </a:solidFill>
-                <a:latin typeface="Arial" panose="020B0604020202020204" pitchFamily="34" charset="0"/>
-                <a:cs typeface="Arial" panose="020B0604020202020204" pitchFamily="34" charset="0"/>
-              </a:rPr>
-              <a:t>m_event_program_callback_fctn</a:t>
-            </a:r>
-            <a:endParaRPr lang="en-US" sz="1000" b="1" dirty="0">
-              <a:solidFill>
-                <a:schemeClr val="tx1"/>
-              </a:solidFill>
-              <a:latin typeface="Arial" panose="020B0604020202020204" pitchFamily="34" charset="0"/>
-              <a:cs typeface="Arial" panose="020B0604020202020204" pitchFamily="34" charset="0"/>
-            </a:endParaRPr>
-          </a:p>
-          <a:p>
-            <a:r>
-              <a:rPr lang="en-US" sz="1000" b="1" i="1" dirty="0">
-                <a:solidFill>
-                  <a:schemeClr val="tx1"/>
-                </a:solidFill>
-                <a:latin typeface="Arial" panose="020B0604020202020204" pitchFamily="34" charset="0"/>
-                <a:cs typeface="Arial" panose="020B0604020202020204" pitchFamily="34" charset="0"/>
-              </a:rPr>
-              <a:t>    Callback function name for the event program file creation</a:t>
-            </a:r>
-          </a:p>
-          <a:p>
-            <a:endParaRPr lang="en-US" sz="1000" b="1" dirty="0">
-              <a:solidFill>
-                <a:schemeClr val="tx1"/>
-              </a:solidFill>
-              <a:latin typeface="Arial" panose="020B0604020202020204" pitchFamily="34" charset="0"/>
-              <a:cs typeface="Arial" panose="020B0604020202020204" pitchFamily="34" charset="0"/>
-            </a:endParaRPr>
-          </a:p>
-          <a:p>
-            <a:r>
-              <a:rPr lang="en-US" sz="1000" b="1" dirty="0" err="1">
-                <a:solidFill>
-                  <a:schemeClr val="tx1"/>
-                </a:solidFill>
-                <a:latin typeface="Arial" panose="020B0604020202020204" pitchFamily="34" charset="0"/>
-                <a:cs typeface="Arial" panose="020B0604020202020204" pitchFamily="34" charset="0"/>
-              </a:rPr>
-              <a:t>m_abs_event_program_url</a:t>
-            </a:r>
-            <a:r>
-              <a:rPr lang="en-US" sz="1000" b="1" dirty="0">
-                <a:solidFill>
-                  <a:schemeClr val="tx1"/>
-                </a:solidFill>
-                <a:latin typeface="Arial" panose="020B0604020202020204" pitchFamily="34" charset="0"/>
-                <a:cs typeface="Arial" panose="020B0604020202020204" pitchFamily="34" charset="0"/>
-              </a:rPr>
-              <a:t> </a:t>
-            </a:r>
-          </a:p>
-          <a:p>
-            <a:r>
-              <a:rPr lang="en-US" sz="1000" b="1" i="1" dirty="0">
-                <a:solidFill>
-                  <a:schemeClr val="tx1"/>
-                </a:solidFill>
-                <a:latin typeface="Arial" panose="020B0604020202020204" pitchFamily="34" charset="0"/>
-                <a:cs typeface="Arial" panose="020B0604020202020204" pitchFamily="34" charset="0"/>
-              </a:rPr>
-              <a:t>    Absolute URL for </a:t>
-            </a:r>
-            <a:r>
-              <a:rPr lang="en-US" sz="1000" b="1" i="1" dirty="0" err="1">
-                <a:solidFill>
-                  <a:schemeClr val="tx1"/>
-                </a:solidFill>
-                <a:latin typeface="Arial" panose="020B0604020202020204" pitchFamily="34" charset="0"/>
-                <a:cs typeface="Arial" panose="020B0604020202020204" pitchFamily="34" charset="0"/>
-              </a:rPr>
-              <a:t>m_xml_filename</a:t>
-            </a:r>
-            <a:endParaRPr lang="en-US" sz="1000" b="1" i="1" dirty="0">
-              <a:solidFill>
-                <a:schemeClr val="tx1"/>
-              </a:solidFill>
-              <a:latin typeface="Arial" panose="020B0604020202020204" pitchFamily="34" charset="0"/>
-              <a:cs typeface="Arial" panose="020B0604020202020204" pitchFamily="34" charset="0"/>
-            </a:endParaRPr>
-          </a:p>
-          <a:p>
-            <a:r>
-              <a:rPr lang="de-CH" sz="1000" b="1" dirty="0" err="1">
-                <a:solidFill>
-                  <a:schemeClr val="tx1"/>
-                </a:solidFill>
-                <a:latin typeface="Arial" panose="020B0604020202020204" pitchFamily="34" charset="0"/>
-                <a:cs typeface="Arial" panose="020B0604020202020204" pitchFamily="34" charset="0"/>
-              </a:rPr>
-              <a:t>m_abs_result_dir_url</a:t>
-            </a:r>
-            <a:endParaRPr lang="de-CH" sz="1000" b="1" dirty="0">
-              <a:solidFill>
-                <a:schemeClr val="tx1"/>
-              </a:solidFill>
-              <a:latin typeface="Arial" panose="020B0604020202020204" pitchFamily="34" charset="0"/>
-              <a:cs typeface="Arial" panose="020B0604020202020204" pitchFamily="34" charset="0"/>
-            </a:endParaRPr>
-          </a:p>
-          <a:p>
-            <a:r>
-              <a:rPr lang="de-CH" sz="1000" b="1" dirty="0">
-                <a:solidFill>
-                  <a:schemeClr val="tx1"/>
-                </a:solidFill>
-                <a:latin typeface="Arial" panose="020B0604020202020204" pitchFamily="34" charset="0"/>
-                <a:cs typeface="Arial" panose="020B0604020202020204" pitchFamily="34" charset="0"/>
-              </a:rPr>
-              <a:t>  </a:t>
-            </a:r>
-            <a:r>
-              <a:rPr lang="en-US" sz="1000" b="1" i="1" dirty="0">
-                <a:solidFill>
-                  <a:schemeClr val="tx1"/>
-                </a:solidFill>
-                <a:latin typeface="Arial" panose="020B0604020202020204" pitchFamily="34" charset="0"/>
-                <a:cs typeface="Arial" panose="020B0604020202020204" pitchFamily="34" charset="0"/>
-              </a:rPr>
-              <a:t>Absolute URL to result directory</a:t>
-            </a:r>
-            <a:endParaRPr lang="de-CH" sz="1000" b="1" dirty="0">
-              <a:solidFill>
-                <a:schemeClr val="tx1"/>
-              </a:solidFill>
-              <a:latin typeface="Arial" panose="020B0604020202020204" pitchFamily="34" charset="0"/>
-              <a:cs typeface="Arial" panose="020B0604020202020204" pitchFamily="34" charset="0"/>
-            </a:endParaRPr>
-          </a:p>
-          <a:p>
-            <a:r>
-              <a:rPr lang="de-CH" sz="1000" b="1" dirty="0" err="1">
-                <a:solidFill>
-                  <a:schemeClr val="tx1"/>
-                </a:solidFill>
-                <a:latin typeface="Arial" panose="020B0604020202020204" pitchFamily="34" charset="0"/>
-                <a:cs typeface="Arial" panose="020B0604020202020204" pitchFamily="34" charset="0"/>
-              </a:rPr>
-              <a:t>m_rel_event_program_dir_url</a:t>
-            </a:r>
-            <a:endParaRPr lang="de-CH" sz="1000" b="1" dirty="0">
-              <a:solidFill>
-                <a:schemeClr val="tx1"/>
-              </a:solidFill>
-              <a:latin typeface="Arial" panose="020B0604020202020204" pitchFamily="34" charset="0"/>
-              <a:cs typeface="Arial" panose="020B0604020202020204" pitchFamily="34" charset="0"/>
-            </a:endParaRPr>
-          </a:p>
-          <a:p>
-            <a:r>
-              <a:rPr lang="de-CH" sz="1000" b="1" dirty="0">
-                <a:solidFill>
-                  <a:schemeClr val="tx1"/>
-                </a:solidFill>
-                <a:latin typeface="Arial" panose="020B0604020202020204" pitchFamily="34" charset="0"/>
-                <a:cs typeface="Arial" panose="020B0604020202020204" pitchFamily="34" charset="0"/>
-              </a:rPr>
-              <a:t>   Relative </a:t>
-            </a:r>
-            <a:r>
-              <a:rPr lang="en-US" sz="1000" b="1" i="1" dirty="0">
-                <a:solidFill>
-                  <a:schemeClr val="tx1"/>
-                </a:solidFill>
-                <a:latin typeface="Arial" panose="020B0604020202020204" pitchFamily="34" charset="0"/>
-                <a:cs typeface="Arial" panose="020B0604020202020204" pitchFamily="34" charset="0"/>
-              </a:rPr>
-              <a:t>URL to result directory</a:t>
-            </a:r>
-            <a:endParaRPr lang="de-CH" sz="1000" b="1" dirty="0">
-              <a:solidFill>
-                <a:schemeClr val="tx1"/>
-              </a:solidFill>
-              <a:latin typeface="Arial" panose="020B0604020202020204" pitchFamily="34" charset="0"/>
-              <a:cs typeface="Arial" panose="020B0604020202020204" pitchFamily="34" charset="0"/>
-            </a:endParaRPr>
-          </a:p>
-          <a:p>
-            <a:r>
-              <a:rPr lang="fr-FR" sz="1000" b="1" dirty="0" err="1">
-                <a:solidFill>
-                  <a:schemeClr val="tx1"/>
-                </a:solidFill>
-                <a:latin typeface="Arial" panose="020B0604020202020204" pitchFamily="34" charset="0"/>
-                <a:cs typeface="Arial" panose="020B0604020202020204" pitchFamily="34" charset="0"/>
-              </a:rPr>
-              <a:t>m_rel_event_files_dir_url</a:t>
-            </a:r>
-            <a:endParaRPr lang="fr-FR" sz="1000" b="1" dirty="0">
-              <a:solidFill>
-                <a:schemeClr val="tx1"/>
-              </a:solidFill>
-              <a:latin typeface="Arial" panose="020B0604020202020204" pitchFamily="34" charset="0"/>
-              <a:cs typeface="Arial" panose="020B0604020202020204" pitchFamily="34" charset="0"/>
-            </a:endParaRPr>
-          </a:p>
-          <a:p>
-            <a:r>
-              <a:rPr lang="de-CH" sz="1000" b="1" dirty="0">
-                <a:solidFill>
-                  <a:schemeClr val="tx1"/>
-                </a:solidFill>
-                <a:latin typeface="Arial" panose="020B0604020202020204" pitchFamily="34" charset="0"/>
-                <a:cs typeface="Arial" panose="020B0604020202020204" pitchFamily="34" charset="0"/>
-              </a:rPr>
-              <a:t>    Relative </a:t>
-            </a:r>
-            <a:r>
-              <a:rPr lang="en-US" sz="1000" b="1" i="1" dirty="0">
-                <a:solidFill>
-                  <a:schemeClr val="tx1"/>
-                </a:solidFill>
-                <a:latin typeface="Arial" panose="020B0604020202020204" pitchFamily="34" charset="0"/>
-                <a:cs typeface="Arial" panose="020B0604020202020204" pitchFamily="34" charset="0"/>
-              </a:rPr>
-              <a:t>URL to result directory</a:t>
-            </a:r>
-            <a:endParaRPr lang="de-CH" sz="1000" b="1" dirty="0">
-              <a:solidFill>
-                <a:schemeClr val="tx1"/>
-              </a:solidFill>
-              <a:latin typeface="Arial" panose="020B0604020202020204" pitchFamily="34" charset="0"/>
-              <a:cs typeface="Arial" panose="020B0604020202020204" pitchFamily="34" charset="0"/>
-            </a:endParaRPr>
-          </a:p>
-          <a:p>
-            <a:r>
-              <a:rPr lang="de-CH" sz="1000" b="1" dirty="0" err="1">
-                <a:solidFill>
-                  <a:schemeClr val="tx1"/>
-                </a:solidFill>
-                <a:latin typeface="Arial" panose="020B0604020202020204" pitchFamily="34" charset="0"/>
-                <a:cs typeface="Arial" panose="020B0604020202020204" pitchFamily="34" charset="0"/>
-              </a:rPr>
-              <a:t>m_input_data_ok</a:t>
-            </a:r>
-            <a:endParaRPr lang="de-CH" sz="1000" b="1" dirty="0">
-              <a:solidFill>
-                <a:schemeClr val="tx1"/>
-              </a:solidFill>
-              <a:latin typeface="Arial" panose="020B0604020202020204" pitchFamily="34" charset="0"/>
-              <a:cs typeface="Arial" panose="020B0604020202020204" pitchFamily="34" charset="0"/>
-            </a:endParaRPr>
-          </a:p>
-          <a:p>
-            <a:r>
-              <a:rPr lang="de-CH" sz="1000" b="1" i="1" dirty="0">
-                <a:solidFill>
-                  <a:schemeClr val="tx1"/>
-                </a:solidFill>
-                <a:latin typeface="Arial" panose="020B0604020202020204" pitchFamily="34" charset="0"/>
-                <a:cs typeface="Arial" panose="020B0604020202020204" pitchFamily="34" charset="0"/>
-              </a:rPr>
-              <a:t>   </a:t>
-            </a:r>
-            <a:r>
-              <a:rPr lang="de-CH" sz="1000" b="1" i="1" dirty="0" err="1">
-                <a:solidFill>
-                  <a:schemeClr val="tx1"/>
-                </a:solidFill>
-                <a:latin typeface="Arial" panose="020B0604020202020204" pitchFamily="34" charset="0"/>
-                <a:cs typeface="Arial" panose="020B0604020202020204" pitchFamily="34" charset="0"/>
-              </a:rPr>
-              <a:t>Flag</a:t>
-            </a:r>
-            <a:r>
-              <a:rPr lang="de-CH" sz="1000" b="1" i="1" dirty="0">
-                <a:solidFill>
-                  <a:schemeClr val="tx1"/>
-                </a:solidFill>
-                <a:latin typeface="Arial" panose="020B0604020202020204" pitchFamily="34" charset="0"/>
-                <a:cs typeface="Arial" panose="020B0604020202020204" pitchFamily="34" charset="0"/>
-              </a:rPr>
-              <a:t> </a:t>
-            </a:r>
-            <a:r>
-              <a:rPr lang="en-US" sz="1000" b="1" i="1" dirty="0">
-                <a:solidFill>
-                  <a:schemeClr val="tx1"/>
-                </a:solidFill>
-                <a:latin typeface="Arial" panose="020B0604020202020204" pitchFamily="34" charset="0"/>
-                <a:cs typeface="Arial" panose="020B0604020202020204" pitchFamily="34" charset="0"/>
-              </a:rPr>
-              <a:t>telling if the input data is OK</a:t>
-            </a:r>
-            <a:endParaRPr lang="de-CH" sz="1000" b="1" dirty="0">
-              <a:solidFill>
-                <a:schemeClr val="tx1"/>
-              </a:solidFill>
-              <a:latin typeface="Arial" panose="020B0604020202020204" pitchFamily="34" charset="0"/>
-              <a:cs typeface="Arial" panose="020B0604020202020204" pitchFamily="34" charset="0"/>
-            </a:endParaRPr>
-          </a:p>
-          <a:p>
-            <a:r>
-              <a:rPr lang="de-CH" sz="1000" b="1" dirty="0" err="1">
-                <a:solidFill>
-                  <a:schemeClr val="tx1"/>
-                </a:solidFill>
-                <a:latin typeface="Arial" panose="020B0604020202020204" pitchFamily="34" charset="0"/>
-                <a:cs typeface="Arial" panose="020B0604020202020204" pitchFamily="34" charset="0"/>
-              </a:rPr>
-              <a:t>m_season_start_year</a:t>
-            </a:r>
-            <a:endParaRPr lang="de-CH" sz="1000" b="1" dirty="0">
-              <a:solidFill>
-                <a:schemeClr val="tx1"/>
-              </a:solidFill>
-              <a:latin typeface="Arial" panose="020B0604020202020204" pitchFamily="34" charset="0"/>
-              <a:cs typeface="Arial" panose="020B0604020202020204" pitchFamily="34" charset="0"/>
-            </a:endParaRPr>
-          </a:p>
-          <a:p>
-            <a:r>
-              <a:rPr lang="de-CH" sz="1000" b="1" dirty="0">
-                <a:solidFill>
-                  <a:schemeClr val="tx1"/>
-                </a:solidFill>
-                <a:latin typeface="Arial" panose="020B0604020202020204" pitchFamily="34" charset="0"/>
-                <a:cs typeface="Arial" panose="020B0604020202020204" pitchFamily="34" charset="0"/>
-              </a:rPr>
-              <a:t>   </a:t>
-            </a:r>
-            <a:r>
-              <a:rPr lang="de-CH" sz="1000" b="1" i="1" dirty="0">
-                <a:solidFill>
-                  <a:schemeClr val="tx1"/>
-                </a:solidFill>
-                <a:latin typeface="Arial" panose="020B0604020202020204" pitchFamily="34" charset="0"/>
-                <a:cs typeface="Arial" panose="020B0604020202020204" pitchFamily="34" charset="0"/>
-              </a:rPr>
-              <a:t>Season </a:t>
-            </a:r>
-            <a:r>
-              <a:rPr lang="de-CH" sz="1000" b="1" i="1" dirty="0" err="1">
-                <a:solidFill>
-                  <a:schemeClr val="tx1"/>
-                </a:solidFill>
-                <a:latin typeface="Arial" panose="020B0604020202020204" pitchFamily="34" charset="0"/>
-                <a:cs typeface="Arial" panose="020B0604020202020204" pitchFamily="34" charset="0"/>
-              </a:rPr>
-              <a:t>program</a:t>
-            </a:r>
-            <a:r>
-              <a:rPr lang="de-CH" sz="1000" b="1" i="1" dirty="0">
-                <a:solidFill>
-                  <a:schemeClr val="tx1"/>
-                </a:solidFill>
-                <a:latin typeface="Arial" panose="020B0604020202020204" pitchFamily="34" charset="0"/>
-                <a:cs typeface="Arial" panose="020B0604020202020204" pitchFamily="34" charset="0"/>
-              </a:rPr>
-              <a:t> </a:t>
-            </a:r>
-            <a:r>
-              <a:rPr lang="de-CH" sz="1000" b="1" i="1" dirty="0" err="1">
-                <a:solidFill>
-                  <a:schemeClr val="tx1"/>
-                </a:solidFill>
-                <a:latin typeface="Arial" panose="020B0604020202020204" pitchFamily="34" charset="0"/>
-                <a:cs typeface="Arial" panose="020B0604020202020204" pitchFamily="34" charset="0"/>
-              </a:rPr>
-              <a:t>start</a:t>
-            </a:r>
-            <a:r>
-              <a:rPr lang="de-CH" sz="1000" b="1" i="1" dirty="0">
-                <a:solidFill>
-                  <a:schemeClr val="tx1"/>
-                </a:solidFill>
-                <a:latin typeface="Arial" panose="020B0604020202020204" pitchFamily="34" charset="0"/>
-                <a:cs typeface="Arial" panose="020B0604020202020204" pitchFamily="34" charset="0"/>
-              </a:rPr>
-              <a:t> </a:t>
-            </a:r>
-            <a:r>
-              <a:rPr lang="de-CH" sz="1000" b="1" i="1" dirty="0" err="1">
-                <a:solidFill>
-                  <a:schemeClr val="tx1"/>
-                </a:solidFill>
-                <a:latin typeface="Arial" panose="020B0604020202020204" pitchFamily="34" charset="0"/>
-                <a:cs typeface="Arial" panose="020B0604020202020204" pitchFamily="34" charset="0"/>
-              </a:rPr>
-              <a:t>year</a:t>
-            </a:r>
-            <a:endParaRPr lang="de-CH" sz="1000" b="1" dirty="0">
-              <a:solidFill>
-                <a:schemeClr val="tx1"/>
-              </a:solidFill>
-              <a:latin typeface="Arial" panose="020B0604020202020204" pitchFamily="34" charset="0"/>
-              <a:cs typeface="Arial" panose="020B0604020202020204" pitchFamily="34" charset="0"/>
-            </a:endParaRPr>
-          </a:p>
-          <a:p>
-            <a:r>
-              <a:rPr lang="de-CH" sz="1000" b="1" dirty="0" err="1">
-                <a:solidFill>
-                  <a:schemeClr val="tx1"/>
-                </a:solidFill>
-                <a:latin typeface="Arial" panose="020B0604020202020204" pitchFamily="34" charset="0"/>
-                <a:cs typeface="Arial" panose="020B0604020202020204" pitchFamily="34" charset="0"/>
-              </a:rPr>
-              <a:t>m_season_xml</a:t>
-            </a:r>
-            <a:r>
-              <a:rPr lang="de-CH" sz="1000" b="1" dirty="0">
-                <a:solidFill>
-                  <a:schemeClr val="tx1"/>
-                </a:solidFill>
-                <a:latin typeface="Arial" panose="020B0604020202020204" pitchFamily="34" charset="0"/>
-                <a:cs typeface="Arial" panose="020B0604020202020204" pitchFamily="34" charset="0"/>
-              </a:rPr>
-              <a:t> </a:t>
-            </a:r>
-          </a:p>
-          <a:p>
-            <a:r>
-              <a:rPr lang="de-CH" sz="1000" b="1" i="1" dirty="0">
-                <a:solidFill>
-                  <a:schemeClr val="tx1"/>
-                </a:solidFill>
-                <a:latin typeface="Arial" panose="020B0604020202020204" pitchFamily="34" charset="0"/>
-                <a:cs typeface="Arial" panose="020B0604020202020204" pitchFamily="34" charset="0"/>
-              </a:rPr>
-              <a:t>   Instance </a:t>
-            </a:r>
-            <a:r>
-              <a:rPr lang="de-CH" sz="1000" b="1" i="1" dirty="0" err="1">
-                <a:solidFill>
-                  <a:schemeClr val="tx1"/>
-                </a:solidFill>
-                <a:latin typeface="Arial" panose="020B0604020202020204" pitchFamily="34" charset="0"/>
-                <a:cs typeface="Arial" panose="020B0604020202020204" pitchFamily="34" charset="0"/>
-              </a:rPr>
-              <a:t>of</a:t>
-            </a:r>
-            <a:r>
-              <a:rPr lang="de-CH" sz="1000" b="1" i="1" dirty="0">
-                <a:solidFill>
-                  <a:schemeClr val="tx1"/>
-                </a:solidFill>
-                <a:latin typeface="Arial" panose="020B0604020202020204" pitchFamily="34" charset="0"/>
-                <a:cs typeface="Arial" panose="020B0604020202020204" pitchFamily="34" charset="0"/>
-              </a:rPr>
-              <a:t> </a:t>
-            </a:r>
-            <a:r>
-              <a:rPr lang="de-CH" sz="1000" b="1" i="1" dirty="0" err="1">
-                <a:solidFill>
-                  <a:schemeClr val="tx1"/>
-                </a:solidFill>
-                <a:latin typeface="Arial" panose="020B0604020202020204" pitchFamily="34" charset="0"/>
-                <a:cs typeface="Arial" panose="020B0604020202020204" pitchFamily="34" charset="0"/>
-              </a:rPr>
-              <a:t>SeasonXml</a:t>
-            </a:r>
-            <a:endParaRPr lang="de-CH" sz="1000" b="1" i="1" dirty="0">
-              <a:solidFill>
-                <a:schemeClr val="tx1"/>
-              </a:solidFill>
-              <a:latin typeface="Arial" panose="020B0604020202020204" pitchFamily="34" charset="0"/>
-              <a:cs typeface="Arial" panose="020B0604020202020204" pitchFamily="34" charset="0"/>
-            </a:endParaRPr>
-          </a:p>
-          <a:p>
-            <a:r>
-              <a:rPr lang="de-CH" sz="1000" b="1" dirty="0" err="1">
-                <a:solidFill>
-                  <a:schemeClr val="tx1"/>
-                </a:solidFill>
-                <a:latin typeface="Arial" panose="020B0604020202020204" pitchFamily="34" charset="0"/>
-                <a:cs typeface="Arial" panose="020B0604020202020204" pitchFamily="34" charset="0"/>
-              </a:rPr>
-              <a:t>m_event_xml</a:t>
-            </a:r>
-            <a:endParaRPr lang="de-CH" sz="1000" b="1" dirty="0">
-              <a:solidFill>
-                <a:schemeClr val="tx1"/>
-              </a:solidFill>
-              <a:latin typeface="Arial" panose="020B0604020202020204" pitchFamily="34" charset="0"/>
-              <a:cs typeface="Arial" panose="020B0604020202020204" pitchFamily="34" charset="0"/>
-            </a:endParaRPr>
-          </a:p>
-          <a:p>
-            <a:r>
-              <a:rPr lang="de-CH" sz="1000" b="1" dirty="0">
-                <a:solidFill>
-                  <a:schemeClr val="tx1"/>
-                </a:solidFill>
-                <a:latin typeface="Arial" panose="020B0604020202020204" pitchFamily="34" charset="0"/>
-                <a:cs typeface="Arial" panose="020B0604020202020204" pitchFamily="34" charset="0"/>
-              </a:rPr>
-              <a:t>    </a:t>
-            </a:r>
-            <a:r>
-              <a:rPr lang="de-CH" sz="1000" b="1" i="1" dirty="0">
-                <a:solidFill>
-                  <a:schemeClr val="tx1"/>
-                </a:solidFill>
-                <a:latin typeface="Arial" panose="020B0604020202020204" pitchFamily="34" charset="0"/>
-                <a:cs typeface="Arial" panose="020B0604020202020204" pitchFamily="34" charset="0"/>
-              </a:rPr>
-              <a:t>Instance </a:t>
-            </a:r>
-            <a:r>
-              <a:rPr lang="de-CH" sz="1000" b="1" i="1" dirty="0" err="1">
-                <a:solidFill>
-                  <a:schemeClr val="tx1"/>
-                </a:solidFill>
-                <a:latin typeface="Arial" panose="020B0604020202020204" pitchFamily="34" charset="0"/>
-                <a:cs typeface="Arial" panose="020B0604020202020204" pitchFamily="34" charset="0"/>
-              </a:rPr>
-              <a:t>of</a:t>
-            </a:r>
-            <a:r>
-              <a:rPr lang="de-CH" sz="1000" b="1" i="1" dirty="0">
-                <a:solidFill>
-                  <a:schemeClr val="tx1"/>
-                </a:solidFill>
-                <a:latin typeface="Arial" panose="020B0604020202020204" pitchFamily="34" charset="0"/>
-                <a:cs typeface="Arial" panose="020B0604020202020204" pitchFamily="34" charset="0"/>
-              </a:rPr>
-              <a:t> </a:t>
-            </a:r>
-            <a:r>
-              <a:rPr lang="de-CH" sz="1000" b="1" i="1" dirty="0" err="1">
-                <a:solidFill>
-                  <a:schemeClr val="tx1"/>
-                </a:solidFill>
-                <a:latin typeface="Arial" panose="020B0604020202020204" pitchFamily="34" charset="0"/>
-                <a:cs typeface="Arial" panose="020B0604020202020204" pitchFamily="34" charset="0"/>
-              </a:rPr>
-              <a:t>EventProgramXml</a:t>
-            </a:r>
-            <a:r>
-              <a:rPr lang="de-CH" sz="1000" b="1" i="1" dirty="0">
-                <a:solidFill>
-                  <a:schemeClr val="tx1"/>
-                </a:solidFill>
-                <a:latin typeface="Arial" panose="020B0604020202020204" pitchFamily="34" charset="0"/>
-                <a:cs typeface="Arial" panose="020B0604020202020204" pitchFamily="34" charset="0"/>
-              </a:rPr>
-              <a:t> </a:t>
-            </a:r>
-          </a:p>
-          <a:p>
-            <a:r>
-              <a:rPr lang="de-CH" sz="1000" b="1" dirty="0" err="1">
-                <a:solidFill>
-                  <a:schemeClr val="tx1"/>
-                </a:solidFill>
-                <a:latin typeface="Arial" panose="020B0604020202020204" pitchFamily="34" charset="0"/>
-                <a:cs typeface="Arial" panose="020B0604020202020204" pitchFamily="34" charset="0"/>
-              </a:rPr>
-              <a:t>m_event_object_index</a:t>
-            </a:r>
-            <a:endParaRPr lang="de-CH" sz="1000" b="1" dirty="0">
-              <a:solidFill>
-                <a:schemeClr val="tx1"/>
-              </a:solidFill>
-              <a:latin typeface="Arial" panose="020B0604020202020204" pitchFamily="34" charset="0"/>
-              <a:cs typeface="Arial" panose="020B0604020202020204" pitchFamily="34" charset="0"/>
-            </a:endParaRPr>
-          </a:p>
-          <a:p>
-            <a:r>
-              <a:rPr lang="en-US" sz="1000" b="1" i="1" dirty="0">
-                <a:solidFill>
-                  <a:schemeClr val="tx1"/>
-                </a:solidFill>
-                <a:latin typeface="Arial" panose="020B0604020202020204" pitchFamily="34" charset="0"/>
-                <a:cs typeface="Arial" panose="020B0604020202020204" pitchFamily="34" charset="0"/>
-              </a:rPr>
-              <a:t> Current index for </a:t>
-            </a:r>
-            <a:r>
-              <a:rPr lang="en-US" sz="1000" b="1" i="1" dirty="0" err="1">
-                <a:solidFill>
-                  <a:schemeClr val="tx1"/>
-                </a:solidFill>
-                <a:latin typeface="Arial" panose="020B0604020202020204" pitchFamily="34" charset="0"/>
-                <a:cs typeface="Arial" panose="020B0604020202020204" pitchFamily="34" charset="0"/>
-              </a:rPr>
-              <a:t>m_event_xml_array</a:t>
-            </a:r>
-            <a:r>
-              <a:rPr lang="en-US" sz="1000" b="1" i="1" dirty="0">
-                <a:solidFill>
-                  <a:schemeClr val="tx1"/>
-                </a:solidFill>
-                <a:latin typeface="Arial" panose="020B0604020202020204" pitchFamily="34" charset="0"/>
-                <a:cs typeface="Arial" panose="020B0604020202020204" pitchFamily="34" charset="0"/>
-              </a:rPr>
-              <a:t> in recursive loop</a:t>
-            </a:r>
-            <a:endParaRPr lang="de-CH" sz="1000" b="1" i="1" dirty="0">
-              <a:solidFill>
-                <a:schemeClr val="tx1"/>
-              </a:solidFill>
-              <a:latin typeface="Arial" panose="020B0604020202020204" pitchFamily="34" charset="0"/>
-              <a:cs typeface="Arial" panose="020B0604020202020204" pitchFamily="34" charset="0"/>
-            </a:endParaRPr>
-          </a:p>
-          <a:p>
-            <a:r>
-              <a:rPr lang="de-CH" sz="1000" b="1" dirty="0" err="1">
-                <a:solidFill>
-                  <a:schemeClr val="tx1"/>
-                </a:solidFill>
-                <a:latin typeface="Arial" panose="020B0604020202020204" pitchFamily="34" charset="0"/>
-                <a:cs typeface="Arial" panose="020B0604020202020204" pitchFamily="34" charset="0"/>
-              </a:rPr>
-              <a:t>m_event_xml_array</a:t>
-            </a:r>
-            <a:endParaRPr lang="de-CH" sz="1000" b="1" dirty="0">
-              <a:solidFill>
-                <a:schemeClr val="tx1"/>
-              </a:solidFill>
-              <a:latin typeface="Arial" panose="020B0604020202020204" pitchFamily="34" charset="0"/>
-              <a:cs typeface="Arial" panose="020B0604020202020204" pitchFamily="34" charset="0"/>
-            </a:endParaRPr>
-          </a:p>
-          <a:p>
-            <a:r>
-              <a:rPr lang="en-US" sz="1000" b="1" i="1" dirty="0">
-                <a:solidFill>
-                  <a:schemeClr val="tx1"/>
-                </a:solidFill>
-                <a:latin typeface="Arial" panose="020B0604020202020204" pitchFamily="34" charset="0"/>
-                <a:cs typeface="Arial" panose="020B0604020202020204" pitchFamily="34" charset="0"/>
-              </a:rPr>
-              <a:t> Array with event XML objects</a:t>
-            </a:r>
-          </a:p>
-          <a:p>
-            <a:r>
-              <a:rPr lang="en-US" sz="1000" b="1" dirty="0" err="1">
-                <a:solidFill>
-                  <a:schemeClr val="tx1"/>
-                </a:solidFill>
-                <a:latin typeface="Arial" panose="020B0604020202020204" pitchFamily="34" charset="0"/>
-                <a:cs typeface="Arial" panose="020B0604020202020204" pitchFamily="34" charset="0"/>
-              </a:rPr>
-              <a:t>m_file_name_add_str</a:t>
-            </a:r>
-            <a:r>
-              <a:rPr lang="en-US" sz="1000" b="1" dirty="0">
-                <a:solidFill>
-                  <a:schemeClr val="tx1"/>
-                </a:solidFill>
-                <a:latin typeface="Arial" panose="020B0604020202020204" pitchFamily="34" charset="0"/>
-                <a:cs typeface="Arial" panose="020B0604020202020204" pitchFamily="34" charset="0"/>
-              </a:rPr>
-              <a:t> = 'Salmen’;</a:t>
-            </a:r>
-          </a:p>
-          <a:p>
-            <a:r>
-              <a:rPr lang="fr-FR" sz="1000" b="1" dirty="0" err="1">
-                <a:solidFill>
-                  <a:schemeClr val="tx1"/>
-                </a:solidFill>
-                <a:latin typeface="Arial" panose="020B0604020202020204" pitchFamily="34" charset="0"/>
-                <a:cs typeface="Arial" panose="020B0604020202020204" pitchFamily="34" charset="0"/>
-              </a:rPr>
-              <a:t>m_event_files_sub_dir</a:t>
-            </a:r>
-            <a:endParaRPr lang="fr-FR" sz="1000" b="1" dirty="0">
-              <a:solidFill>
-                <a:schemeClr val="tx1"/>
-              </a:solidFill>
-              <a:latin typeface="Arial" panose="020B0604020202020204" pitchFamily="34" charset="0"/>
-              <a:cs typeface="Arial" panose="020B0604020202020204" pitchFamily="34" charset="0"/>
-            </a:endParaRPr>
-          </a:p>
-          <a:p>
-            <a:r>
-              <a:rPr lang="de-CH" sz="1000" b="1" i="1" dirty="0">
-                <a:solidFill>
-                  <a:schemeClr val="tx1"/>
-                </a:solidFill>
-                <a:latin typeface="Arial" panose="020B0604020202020204" pitchFamily="34" charset="0"/>
-                <a:cs typeface="Arial" panose="020B0604020202020204" pitchFamily="34" charset="0"/>
-              </a:rPr>
-              <a:t>    Subdirectory </a:t>
-            </a:r>
-            <a:r>
-              <a:rPr lang="de-CH" sz="1000" b="1" i="1" dirty="0" err="1">
-                <a:solidFill>
-                  <a:schemeClr val="tx1"/>
-                </a:solidFill>
-                <a:latin typeface="Arial" panose="020B0604020202020204" pitchFamily="34" charset="0"/>
-                <a:cs typeface="Arial" panose="020B0604020202020204" pitchFamily="34" charset="0"/>
-              </a:rPr>
-              <a:t>m_result_dir</a:t>
-            </a:r>
-            <a:r>
-              <a:rPr lang="de-CH" sz="1000" b="1" i="1" dirty="0">
-                <a:solidFill>
-                  <a:schemeClr val="tx1"/>
-                </a:solidFill>
-                <a:latin typeface="Arial" panose="020B0604020202020204" pitchFamily="34" charset="0"/>
-                <a:cs typeface="Arial" panose="020B0604020202020204" pitchFamily="34" charset="0"/>
-              </a:rPr>
-              <a:t>/</a:t>
-            </a:r>
-            <a:r>
-              <a:rPr lang="de-CH" sz="1000" b="1" i="1" dirty="0" err="1">
-                <a:solidFill>
-                  <a:schemeClr val="tx1"/>
-                </a:solidFill>
-                <a:latin typeface="Arial" panose="020B0604020202020204" pitchFamily="34" charset="0"/>
-                <a:cs typeface="Arial" panose="020B0604020202020204" pitchFamily="34" charset="0"/>
-              </a:rPr>
-              <a:t>m_sub_xml_dir</a:t>
-            </a:r>
-            <a:r>
-              <a:rPr lang="de-CH" sz="1000" b="1" i="1" dirty="0">
-                <a:solidFill>
-                  <a:schemeClr val="tx1"/>
-                </a:solidFill>
-                <a:latin typeface="Arial" panose="020B0604020202020204" pitchFamily="34" charset="0"/>
-                <a:cs typeface="Arial" panose="020B0604020202020204" pitchFamily="34" charset="0"/>
-              </a:rPr>
-              <a:t>/</a:t>
-            </a:r>
-          </a:p>
-        </p:txBody>
-      </p:sp>
-      <p:sp>
-        <p:nvSpPr>
           <p:cNvPr id="4" name="Textfeld 3">
             <a:extLst>
               <a:ext uri="{FF2B5EF4-FFF2-40B4-BE49-F238E27FC236}">
@@ -7773,8 +6593,8 @@
         </p:nvSpPr>
         <p:spPr>
           <a:xfrm>
-            <a:off x="5517572" y="187288"/>
-            <a:ext cx="6674427" cy="369332"/>
+            <a:off x="0" y="187288"/>
+            <a:ext cx="12192000" cy="369332"/>
           </a:xfrm>
           <a:prstGeom prst="rect">
             <a:avLst/>
@@ -7789,90 +6609,883 @@
           <a:p>
             <a:pPr algn="ctr"/>
             <a:r>
-              <a:rPr lang="de-CH" b="1" dirty="0" err="1">
-                <a:latin typeface="Arial" panose="020B0604020202020204" pitchFamily="34" charset="0"/>
-                <a:cs typeface="Arial" panose="020B0604020202020204" pitchFamily="34" charset="0"/>
-              </a:rPr>
-              <a:t>ReservationNewSeasonData</a:t>
-            </a:r>
-            <a:r>
               <a:rPr lang="de-CH" b="1" dirty="0">
                 <a:latin typeface="Arial" panose="020B0604020202020204" pitchFamily="34" charset="0"/>
                 <a:cs typeface="Arial" panose="020B0604020202020204" pitchFamily="34" charset="0"/>
               </a:rPr>
-              <a:t> .js</a:t>
+              <a:t>CreateXmlEventFiles.js</a:t>
             </a:r>
           </a:p>
         </p:txBody>
       </p:sp>
       <p:sp>
         <p:nvSpPr>
-          <p:cNvPr id="5" name="Textfeld 4">
+          <p:cNvPr id="6" name="Rechteck 5">
             <a:extLst>
               <a:ext uri="{FF2B5EF4-FFF2-40B4-BE49-F238E27FC236}">
-                <a16:creationId xmlns:a16="http://schemas.microsoft.com/office/drawing/2014/main" id="{26D08DB3-A645-AC9B-6568-85F23F06607B}"/>
+                <a16:creationId xmlns:a16="http://schemas.microsoft.com/office/drawing/2014/main" id="{CEBBE27A-EE61-4A1F-883F-15F65C4A1A99}"/>
               </a:ext>
             </a:extLst>
           </p:cNvPr>
-          <p:cNvSpPr txBox="1"/>
+          <p:cNvSpPr/>
           <p:nvPr/>
         </p:nvSpPr>
         <p:spPr>
           <a:xfrm>
-            <a:off x="4920264" y="6016212"/>
-            <a:ext cx="4057369" cy="523220"/>
+            <a:off x="76199" y="727616"/>
+            <a:ext cx="4973781" cy="570469"/>
           </a:xfrm>
           <a:prstGeom prst="rect">
             <a:avLst/>
           </a:prstGeom>
           <a:noFill/>
-        </p:spPr>
+          <a:ln w="19050">
+            <a:solidFill>
+              <a:schemeClr val="tx1"/>
+            </a:solidFill>
+          </a:ln>
+        </p:spPr>
+        <p:style>
+          <a:lnRef idx="2">
+            <a:schemeClr val="accent1">
+              <a:shade val="50000"/>
+            </a:schemeClr>
+          </a:lnRef>
+          <a:fillRef idx="1">
+            <a:schemeClr val="accent1"/>
+          </a:fillRef>
+          <a:effectRef idx="0">
+            <a:schemeClr val="accent1"/>
+          </a:effectRef>
+          <a:fontRef idx="minor">
+            <a:schemeClr val="lt1"/>
+          </a:fontRef>
+        </p:style>
         <p:txBody>
-          <a:bodyPr wrap="square">
-            <a:spAutoFit/>
-          </a:bodyPr>
+          <a:bodyPr rtlCol="0" anchor="ctr"/>
           <a:lstStyle/>
           <a:p>
             <a:pPr algn="ctr"/>
             <a:r>
-              <a:rPr lang="en-US" sz="1400" b="1" dirty="0" err="1">
+              <a:rPr lang="de-CH" b="1" dirty="0" err="1">
+                <a:solidFill>
+                  <a:schemeClr val="tx1"/>
+                </a:solidFill>
+                <a:latin typeface="Arial" panose="020B0604020202020204" pitchFamily="34" charset="0"/>
+                <a:cs typeface="Arial" panose="020B0604020202020204" pitchFamily="34" charset="0"/>
+              </a:rPr>
+              <a:t>CreateXmlEventFiles</a:t>
+            </a:r>
+            <a:r>
+              <a:rPr lang="de-CH" b="1" dirty="0">
+                <a:solidFill>
+                  <a:schemeClr val="tx1"/>
+                </a:solidFill>
+                <a:latin typeface="Arial" panose="020B0604020202020204" pitchFamily="34" charset="0"/>
+                <a:cs typeface="Arial" panose="020B0604020202020204" pitchFamily="34" charset="0"/>
+              </a:rPr>
+              <a:t> </a:t>
+            </a:r>
+          </a:p>
+          <a:p>
+            <a:pPr algn="ctr"/>
+            <a:r>
+              <a:rPr lang="de-CH" sz="1200" dirty="0" err="1">
+                <a:solidFill>
+                  <a:schemeClr val="tx1"/>
+                </a:solidFill>
+                <a:latin typeface="Arial" panose="020B0604020202020204" pitchFamily="34" charset="0"/>
+                <a:cs typeface="Arial" panose="020B0604020202020204" pitchFamily="34" charset="0"/>
+              </a:rPr>
+              <a:t>Creates</a:t>
+            </a:r>
+            <a:r>
+              <a:rPr lang="de-CH" sz="1200" dirty="0">
+                <a:solidFill>
+                  <a:schemeClr val="tx1"/>
+                </a:solidFill>
+                <a:latin typeface="Arial" panose="020B0604020202020204" pitchFamily="34" charset="0"/>
+                <a:cs typeface="Arial" panose="020B0604020202020204" pitchFamily="34" charset="0"/>
+              </a:rPr>
+              <a:t> </a:t>
+            </a:r>
+            <a:r>
+              <a:rPr lang="de-CH" sz="1200" dirty="0" err="1">
+                <a:solidFill>
+                  <a:schemeClr val="tx1"/>
+                </a:solidFill>
+                <a:latin typeface="Arial" panose="020B0604020202020204" pitchFamily="34" charset="0"/>
+                <a:cs typeface="Arial" panose="020B0604020202020204" pitchFamily="34" charset="0"/>
+              </a:rPr>
+              <a:t>new</a:t>
+            </a:r>
+            <a:r>
+              <a:rPr lang="de-CH" sz="1200" dirty="0">
+                <a:solidFill>
+                  <a:schemeClr val="tx1"/>
+                </a:solidFill>
+                <a:latin typeface="Arial" panose="020B0604020202020204" pitchFamily="34" charset="0"/>
+                <a:cs typeface="Arial" panose="020B0604020202020204" pitchFamily="34" charset="0"/>
+              </a:rPr>
+              <a:t> </a:t>
+            </a:r>
+            <a:r>
+              <a:rPr lang="de-CH" sz="1200" dirty="0" err="1">
+                <a:solidFill>
+                  <a:schemeClr val="tx1"/>
+                </a:solidFill>
+                <a:latin typeface="Arial" panose="020B0604020202020204" pitchFamily="34" charset="0"/>
+                <a:cs typeface="Arial" panose="020B0604020202020204" pitchFamily="34" charset="0"/>
+              </a:rPr>
+              <a:t>event</a:t>
+            </a:r>
+            <a:r>
+              <a:rPr lang="de-CH" sz="1200" dirty="0">
+                <a:solidFill>
+                  <a:schemeClr val="tx1"/>
+                </a:solidFill>
+                <a:latin typeface="Arial" panose="020B0604020202020204" pitchFamily="34" charset="0"/>
+                <a:cs typeface="Arial" panose="020B0604020202020204" pitchFamily="34" charset="0"/>
+              </a:rPr>
+              <a:t> XML </a:t>
+            </a:r>
+            <a:r>
+              <a:rPr lang="de-CH" sz="1200" dirty="0" err="1">
+                <a:solidFill>
+                  <a:schemeClr val="tx1"/>
+                </a:solidFill>
+                <a:latin typeface="Arial" panose="020B0604020202020204" pitchFamily="34" charset="0"/>
+                <a:cs typeface="Arial" panose="020B0604020202020204" pitchFamily="34" charset="0"/>
+              </a:rPr>
+              <a:t>file</a:t>
+            </a:r>
+            <a:endParaRPr lang="de-CH" sz="1200" dirty="0">
+              <a:solidFill>
+                <a:schemeClr val="tx1"/>
+              </a:solidFill>
+              <a:latin typeface="Arial" panose="020B0604020202020204" pitchFamily="34" charset="0"/>
+              <a:cs typeface="Arial" panose="020B0604020202020204" pitchFamily="34" charset="0"/>
+            </a:endParaRPr>
+          </a:p>
+        </p:txBody>
+      </p:sp>
+      <p:sp>
+        <p:nvSpPr>
+          <p:cNvPr id="7" name="Rechteck 6">
+            <a:extLst>
+              <a:ext uri="{FF2B5EF4-FFF2-40B4-BE49-F238E27FC236}">
+                <a16:creationId xmlns:a16="http://schemas.microsoft.com/office/drawing/2014/main" id="{5F47DD69-844E-FFAB-0C4F-14CFB5325223}"/>
+              </a:ext>
+            </a:extLst>
+          </p:cNvPr>
+          <p:cNvSpPr/>
+          <p:nvPr/>
+        </p:nvSpPr>
+        <p:spPr>
+          <a:xfrm>
+            <a:off x="76199" y="1298085"/>
+            <a:ext cx="4973782" cy="4915680"/>
+          </a:xfrm>
+          <a:prstGeom prst="rect">
+            <a:avLst/>
+          </a:prstGeom>
+          <a:noFill/>
+          <a:ln w="19050">
+            <a:solidFill>
+              <a:schemeClr val="tx1"/>
+            </a:solidFill>
+          </a:ln>
+        </p:spPr>
+        <p:style>
+          <a:lnRef idx="2">
+            <a:schemeClr val="accent1">
+              <a:shade val="50000"/>
+            </a:schemeClr>
+          </a:lnRef>
+          <a:fillRef idx="1">
+            <a:schemeClr val="accent1"/>
+          </a:fillRef>
+          <a:effectRef idx="0">
+            <a:schemeClr val="accent1"/>
+          </a:effectRef>
+          <a:fontRef idx="minor">
+            <a:schemeClr val="lt1"/>
+          </a:fontRef>
+        </p:style>
+        <p:txBody>
+          <a:bodyPr rtlCol="0" anchor="ctr"/>
+          <a:lstStyle/>
+          <a:p>
+            <a:r>
+              <a:rPr lang="en-US" sz="1200" b="1" i="1" dirty="0">
+                <a:solidFill>
+                  <a:schemeClr val="tx1"/>
+                </a:solidFill>
+                <a:latin typeface="Arial" panose="020B0604020202020204" pitchFamily="34" charset="0"/>
+                <a:cs typeface="Arial" panose="020B0604020202020204" pitchFamily="34" charset="0"/>
+              </a:rPr>
+              <a:t>start</a:t>
+            </a:r>
+          </a:p>
+          <a:p>
+            <a:r>
+              <a:rPr lang="en-US" sz="1000" b="1" dirty="0">
+                <a:solidFill>
+                  <a:schemeClr val="tx1"/>
+                </a:solidFill>
+                <a:latin typeface="Arial" panose="020B0604020202020204" pitchFamily="34" charset="0"/>
+                <a:cs typeface="Arial" panose="020B0604020202020204" pitchFamily="34" charset="0"/>
+              </a:rPr>
+              <a:t>   Check </a:t>
+            </a:r>
+            <a:r>
+              <a:rPr lang="en-US" sz="1000" b="1" dirty="0" err="1">
+                <a:solidFill>
+                  <a:schemeClr val="tx1"/>
+                </a:solidFill>
+                <a:latin typeface="Arial" panose="020B0604020202020204" pitchFamily="34" charset="0"/>
+                <a:cs typeface="Arial" panose="020B0604020202020204" pitchFamily="34" charset="0"/>
+              </a:rPr>
+              <a:t>exitence</a:t>
+            </a:r>
+            <a:r>
+              <a:rPr lang="en-US" sz="1000" b="1" dirty="0">
+                <a:solidFill>
+                  <a:schemeClr val="tx1"/>
+                </a:solidFill>
+                <a:latin typeface="Arial" panose="020B0604020202020204" pitchFamily="34" charset="0"/>
+                <a:cs typeface="Arial" panose="020B0604020202020204" pitchFamily="34" charset="0"/>
+              </a:rPr>
+              <a:t> of </a:t>
+            </a:r>
+            <a:r>
+              <a:rPr lang="en-US" sz="1200" b="1" i="1" dirty="0" err="1">
+                <a:solidFill>
+                  <a:schemeClr val="tx1"/>
+                </a:solidFill>
                 <a:latin typeface="Arial" panose="020B0604020202020204" pitchFamily="34" charset="0"/>
                 <a:cs typeface="Arial" panose="020B0604020202020204" pitchFamily="34" charset="0"/>
               </a:rPr>
               <a:t>g_new_season_files_data</a:t>
             </a:r>
             <a:r>
-              <a:rPr lang="en-US" sz="1400" b="1" dirty="0">
-                <a:latin typeface="Arial" panose="020B0604020202020204" pitchFamily="34" charset="0"/>
-                <a:cs typeface="Arial" panose="020B0604020202020204" pitchFamily="34" charset="0"/>
-              </a:rPr>
-              <a:t> = </a:t>
-            </a:r>
-          </a:p>
-          <a:p>
-            <a:pPr algn="ctr"/>
-            <a:r>
-              <a:rPr lang="en-US" sz="1400" b="1" dirty="0">
-                <a:latin typeface="Arial" panose="020B0604020202020204" pitchFamily="34" charset="0"/>
-                <a:cs typeface="Arial" panose="020B0604020202020204" pitchFamily="34" charset="0"/>
-              </a:rPr>
-              <a:t>new </a:t>
-            </a:r>
-            <a:r>
-              <a:rPr lang="en-US" sz="1400" b="1" dirty="0" err="1">
-                <a:latin typeface="Arial" panose="020B0604020202020204" pitchFamily="34" charset="0"/>
-                <a:cs typeface="Arial" panose="020B0604020202020204" pitchFamily="34" charset="0"/>
-              </a:rPr>
-              <a:t>ReservationNewSeasonData</a:t>
-            </a:r>
-            <a:r>
-              <a:rPr lang="en-US" sz="1400" b="1" dirty="0">
-                <a:latin typeface="Arial" panose="020B0604020202020204" pitchFamily="34" charset="0"/>
-                <a:cs typeface="Arial" panose="020B0604020202020204" pitchFamily="34" charset="0"/>
-              </a:rPr>
-              <a:t> (…) </a:t>
-            </a:r>
-            <a:endParaRPr lang="de-CH" sz="1400" b="1" dirty="0">
+              <a:rPr lang="en-US" sz="1200" b="1" i="1" dirty="0">
+                <a:solidFill>
+                  <a:schemeClr val="tx1"/>
+                </a:solidFill>
+                <a:latin typeface="Arial" panose="020B0604020202020204" pitchFamily="34" charset="0"/>
+                <a:cs typeface="Arial" panose="020B0604020202020204" pitchFamily="34" charset="0"/>
+              </a:rPr>
+              <a:t>  </a:t>
+            </a:r>
+          </a:p>
+          <a:p>
+            <a:r>
+              <a:rPr lang="en-US" sz="1000" b="1" dirty="0">
+                <a:solidFill>
+                  <a:schemeClr val="tx1"/>
+                </a:solidFill>
+                <a:latin typeface="Arial" panose="020B0604020202020204" pitchFamily="34" charset="0"/>
+                <a:cs typeface="Arial" panose="020B0604020202020204" pitchFamily="34" charset="0"/>
+              </a:rPr>
+              <a:t>   Create event XML object. Call </a:t>
+            </a:r>
+            <a:r>
+              <a:rPr lang="en-US" sz="1200" b="1" i="1" dirty="0" err="1">
+                <a:solidFill>
+                  <a:schemeClr val="tx1"/>
+                </a:solidFill>
+                <a:latin typeface="Arial" panose="020B0604020202020204" pitchFamily="34" charset="0"/>
+                <a:cs typeface="Arial" panose="020B0604020202020204" pitchFamily="34" charset="0"/>
+              </a:rPr>
+              <a:t>eventObjectXml</a:t>
+            </a:r>
+            <a:endParaRPr lang="en-US" sz="1000" b="1" dirty="0">
+              <a:solidFill>
+                <a:schemeClr val="tx1"/>
+              </a:solidFill>
+              <a:latin typeface="Arial" panose="020B0604020202020204" pitchFamily="34" charset="0"/>
+              <a:cs typeface="Arial" panose="020B0604020202020204" pitchFamily="34" charset="0"/>
+            </a:endParaRPr>
+          </a:p>
+          <a:p>
+            <a:endParaRPr lang="en-US" sz="1000" b="1" dirty="0">
+              <a:solidFill>
+                <a:schemeClr val="tx1"/>
+              </a:solidFill>
+              <a:latin typeface="Arial" panose="020B0604020202020204" pitchFamily="34" charset="0"/>
+              <a:cs typeface="Arial" panose="020B0604020202020204" pitchFamily="34" charset="0"/>
+            </a:endParaRPr>
+          </a:p>
+          <a:p>
+            <a:r>
+              <a:rPr lang="en-US" sz="1000" b="1" dirty="0">
+                <a:solidFill>
+                  <a:schemeClr val="tx1"/>
+                </a:solidFill>
+                <a:latin typeface="Arial" panose="020B0604020202020204" pitchFamily="34" charset="0"/>
+                <a:cs typeface="Arial" panose="020B0604020202020204" pitchFamily="34" charset="0"/>
+              </a:rPr>
+              <a:t> </a:t>
+            </a:r>
+            <a:r>
+              <a:rPr lang="en-US" sz="1200" b="1" i="1" dirty="0" err="1">
+                <a:solidFill>
+                  <a:schemeClr val="tx1"/>
+                </a:solidFill>
+                <a:latin typeface="Arial" panose="020B0604020202020204" pitchFamily="34" charset="0"/>
+                <a:cs typeface="Arial" panose="020B0604020202020204" pitchFamily="34" charset="0"/>
+              </a:rPr>
+              <a:t>eventObjectXml</a:t>
+            </a:r>
+            <a:r>
+              <a:rPr lang="en-US" sz="1000" b="1" dirty="0">
+                <a:solidFill>
+                  <a:schemeClr val="tx1"/>
+                </a:solidFill>
+                <a:latin typeface="Arial" panose="020B0604020202020204" pitchFamily="34" charset="0"/>
+                <a:cs typeface="Arial" panose="020B0604020202020204" pitchFamily="34" charset="0"/>
+              </a:rPr>
+              <a:t>  </a:t>
+            </a:r>
+          </a:p>
+          <a:p>
+            <a:r>
+              <a:rPr lang="en-US" sz="1000" b="1" dirty="0">
+                <a:solidFill>
+                  <a:schemeClr val="tx1"/>
+                </a:solidFill>
+                <a:latin typeface="Arial" panose="020B0604020202020204" pitchFamily="34" charset="0"/>
+                <a:cs typeface="Arial" panose="020B0604020202020204" pitchFamily="34" charset="0"/>
+              </a:rPr>
+              <a:t>  Create object </a:t>
+            </a:r>
+            <a:r>
+              <a:rPr lang="en-US" sz="1000" b="1" dirty="0" err="1">
+                <a:solidFill>
+                  <a:schemeClr val="tx1"/>
+                </a:solidFill>
+                <a:latin typeface="Arial" panose="020B0604020202020204" pitchFamily="34" charset="0"/>
+                <a:cs typeface="Arial" panose="020B0604020202020204" pitchFamily="34" charset="0"/>
+              </a:rPr>
+              <a:t>EventProgramXml</a:t>
+            </a:r>
+            <a:r>
+              <a:rPr lang="en-US" sz="1000" b="1" dirty="0">
+                <a:solidFill>
+                  <a:schemeClr val="tx1"/>
+                </a:solidFill>
+                <a:latin typeface="Arial" panose="020B0604020202020204" pitchFamily="34" charset="0"/>
+                <a:cs typeface="Arial" panose="020B0604020202020204" pitchFamily="34" charset="0"/>
+              </a:rPr>
+              <a:t> Callback function </a:t>
+            </a:r>
+            <a:r>
+              <a:rPr lang="en-US" sz="1200" b="1" i="1" dirty="0" err="1">
+                <a:solidFill>
+                  <a:schemeClr val="tx1"/>
+                </a:solidFill>
+                <a:latin typeface="Arial" panose="020B0604020202020204" pitchFamily="34" charset="0"/>
+                <a:cs typeface="Arial" panose="020B0604020202020204" pitchFamily="34" charset="0"/>
+              </a:rPr>
+              <a:t>initEventXmlArray</a:t>
+            </a:r>
+            <a:endParaRPr lang="en-US" sz="1000" b="1" dirty="0">
+              <a:solidFill>
+                <a:schemeClr val="tx1"/>
+              </a:solidFill>
+              <a:latin typeface="Arial" panose="020B0604020202020204" pitchFamily="34" charset="0"/>
+              <a:cs typeface="Arial" panose="020B0604020202020204" pitchFamily="34" charset="0"/>
+            </a:endParaRPr>
+          </a:p>
+          <a:p>
+            <a:endParaRPr lang="en-US" sz="1200" b="1" i="1" dirty="0">
+              <a:solidFill>
+                <a:schemeClr val="tx1"/>
+              </a:solidFill>
+              <a:latin typeface="Arial" panose="020B0604020202020204" pitchFamily="34" charset="0"/>
+              <a:cs typeface="Arial" panose="020B0604020202020204" pitchFamily="34" charset="0"/>
+            </a:endParaRPr>
+          </a:p>
+          <a:p>
+            <a:r>
+              <a:rPr lang="en-US" sz="1200" b="1" i="1" dirty="0" err="1">
+                <a:solidFill>
+                  <a:schemeClr val="tx1"/>
+                </a:solidFill>
+                <a:latin typeface="Arial" panose="020B0604020202020204" pitchFamily="34" charset="0"/>
+                <a:cs typeface="Arial" panose="020B0604020202020204" pitchFamily="34" charset="0"/>
+              </a:rPr>
+              <a:t>initEventXmlArray</a:t>
+            </a:r>
+            <a:endParaRPr lang="en-US" sz="1200" b="1" i="1" dirty="0">
+              <a:solidFill>
+                <a:schemeClr val="tx1"/>
+              </a:solidFill>
+              <a:latin typeface="Arial" panose="020B0604020202020204" pitchFamily="34" charset="0"/>
+              <a:cs typeface="Arial" panose="020B0604020202020204" pitchFamily="34" charset="0"/>
+            </a:endParaRPr>
+          </a:p>
+          <a:p>
+            <a:r>
+              <a:rPr lang="en-US" sz="1000" b="1" dirty="0">
+                <a:solidFill>
+                  <a:schemeClr val="tx1"/>
+                </a:solidFill>
+                <a:latin typeface="Arial" panose="020B0604020202020204" pitchFamily="34" charset="0"/>
+                <a:cs typeface="Arial" panose="020B0604020202020204" pitchFamily="34" charset="0"/>
+              </a:rPr>
+              <a:t>  Initialize array for XML file objects. First call of </a:t>
+            </a:r>
+            <a:r>
+              <a:rPr lang="en-US" sz="1200" b="1" i="1" dirty="0" err="1">
+                <a:solidFill>
+                  <a:schemeClr val="tx1"/>
+                </a:solidFill>
+                <a:latin typeface="Arial" panose="020B0604020202020204" pitchFamily="34" charset="0"/>
+                <a:cs typeface="Arial" panose="020B0604020202020204" pitchFamily="34" charset="0"/>
+              </a:rPr>
+              <a:t>createObjectRecursively</a:t>
+            </a:r>
+            <a:endParaRPr lang="en-US" sz="1200" b="1" i="1" dirty="0">
+              <a:solidFill>
+                <a:schemeClr val="tx1"/>
+              </a:solidFill>
+              <a:latin typeface="Arial" panose="020B0604020202020204" pitchFamily="34" charset="0"/>
+              <a:cs typeface="Arial" panose="020B0604020202020204" pitchFamily="34" charset="0"/>
+            </a:endParaRPr>
+          </a:p>
+          <a:p>
+            <a:endParaRPr lang="en-US" sz="1200" b="1" i="1" dirty="0">
+              <a:solidFill>
+                <a:schemeClr val="tx1"/>
+              </a:solidFill>
+              <a:latin typeface="Arial" panose="020B0604020202020204" pitchFamily="34" charset="0"/>
+              <a:cs typeface="Arial" panose="020B0604020202020204" pitchFamily="34" charset="0"/>
+            </a:endParaRPr>
+          </a:p>
+          <a:p>
+            <a:r>
+              <a:rPr lang="en-US" sz="1200" b="1" i="1" dirty="0" err="1">
+                <a:solidFill>
+                  <a:schemeClr val="tx1"/>
+                </a:solidFill>
+                <a:latin typeface="Arial" panose="020B0604020202020204" pitchFamily="34" charset="0"/>
+                <a:cs typeface="Arial" panose="020B0604020202020204" pitchFamily="34" charset="0"/>
+              </a:rPr>
+              <a:t>createObjectRecursively</a:t>
+            </a:r>
+            <a:endParaRPr lang="en-US" sz="1200" b="1" i="1" dirty="0">
+              <a:solidFill>
+                <a:schemeClr val="tx1"/>
+              </a:solidFill>
+              <a:latin typeface="Arial" panose="020B0604020202020204" pitchFamily="34" charset="0"/>
+              <a:cs typeface="Arial" panose="020B0604020202020204" pitchFamily="34" charset="0"/>
+            </a:endParaRPr>
+          </a:p>
+          <a:p>
+            <a:r>
+              <a:rPr lang="en-US" sz="1000" b="1" dirty="0">
+                <a:solidFill>
+                  <a:schemeClr val="tx1"/>
+                </a:solidFill>
+                <a:latin typeface="Arial" panose="020B0604020202020204" pitchFamily="34" charset="0"/>
+                <a:cs typeface="Arial" panose="020B0604020202020204" pitchFamily="34" charset="0"/>
+              </a:rPr>
+              <a:t>  Create instance of </a:t>
+            </a:r>
+            <a:r>
+              <a:rPr lang="en-US" sz="1200" b="1" i="1" dirty="0" err="1">
+                <a:solidFill>
+                  <a:schemeClr val="tx1"/>
+                </a:solidFill>
+                <a:latin typeface="Arial" panose="020B0604020202020204" pitchFamily="34" charset="0"/>
+                <a:cs typeface="Arial" panose="020B0604020202020204" pitchFamily="34" charset="0"/>
+              </a:rPr>
+              <a:t>ReservationEventXml</a:t>
+            </a:r>
+            <a:r>
+              <a:rPr lang="en-US" sz="1000" b="1" dirty="0">
+                <a:solidFill>
+                  <a:schemeClr val="tx1"/>
+                </a:solidFill>
+                <a:latin typeface="Arial" panose="020B0604020202020204" pitchFamily="34" charset="0"/>
+                <a:cs typeface="Arial" panose="020B0604020202020204" pitchFamily="34" charset="0"/>
+              </a:rPr>
+              <a:t>. </a:t>
+            </a:r>
+          </a:p>
+          <a:p>
+            <a:r>
+              <a:rPr lang="en-US" sz="1000" b="1" dirty="0">
+                <a:solidFill>
+                  <a:schemeClr val="tx1"/>
+                </a:solidFill>
+                <a:latin typeface="Arial" panose="020B0604020202020204" pitchFamily="34" charset="0"/>
+                <a:cs typeface="Arial" panose="020B0604020202020204" pitchFamily="34" charset="0"/>
+              </a:rPr>
+              <a:t>  </a:t>
+            </a:r>
+            <a:r>
+              <a:rPr lang="en-US" sz="1000" b="1" dirty="0" err="1">
+                <a:solidFill>
+                  <a:schemeClr val="tx1"/>
+                </a:solidFill>
+                <a:latin typeface="Arial" panose="020B0604020202020204" pitchFamily="34" charset="0"/>
+                <a:cs typeface="Arial" panose="020B0604020202020204" pitchFamily="34" charset="0"/>
+              </a:rPr>
+              <a:t>Calback</a:t>
+            </a:r>
+            <a:r>
+              <a:rPr lang="en-US" sz="1000" b="1" dirty="0">
+                <a:solidFill>
+                  <a:schemeClr val="tx1"/>
+                </a:solidFill>
+                <a:latin typeface="Arial" panose="020B0604020202020204" pitchFamily="34" charset="0"/>
+                <a:cs typeface="Arial" panose="020B0604020202020204" pitchFamily="34" charset="0"/>
+              </a:rPr>
+              <a:t> function </a:t>
+            </a:r>
+            <a:r>
+              <a:rPr lang="en-US" sz="1200" b="1" i="1" dirty="0" err="1">
+                <a:solidFill>
+                  <a:schemeClr val="tx1"/>
+                </a:solidFill>
+                <a:latin typeface="Arial" panose="020B0604020202020204" pitchFamily="34" charset="0"/>
+                <a:cs typeface="Arial" panose="020B0604020202020204" pitchFamily="34" charset="0"/>
+              </a:rPr>
+              <a:t>createObjectRecursively</a:t>
+            </a:r>
+            <a:r>
+              <a:rPr lang="en-US" sz="1200" b="1" i="1" dirty="0">
+                <a:solidFill>
+                  <a:schemeClr val="tx1"/>
+                </a:solidFill>
+                <a:latin typeface="Arial" panose="020B0604020202020204" pitchFamily="34" charset="0"/>
+                <a:cs typeface="Arial" panose="020B0604020202020204" pitchFamily="34" charset="0"/>
+              </a:rPr>
+              <a:t> </a:t>
+            </a:r>
+            <a:r>
+              <a:rPr lang="en-US" sz="1200" dirty="0">
+                <a:solidFill>
+                  <a:schemeClr val="tx1"/>
+                </a:solidFill>
+                <a:latin typeface="Arial" panose="020B0604020202020204" pitchFamily="34" charset="0"/>
+                <a:cs typeface="Arial" panose="020B0604020202020204" pitchFamily="34" charset="0"/>
+              </a:rPr>
+              <a:t>and for last object</a:t>
+            </a:r>
+          </a:p>
+          <a:p>
+            <a:r>
+              <a:rPr lang="en-US" sz="1200" b="1" i="1" dirty="0">
+                <a:solidFill>
+                  <a:schemeClr val="tx1"/>
+                </a:solidFill>
+                <a:latin typeface="Arial" panose="020B0604020202020204" pitchFamily="34" charset="0"/>
+                <a:cs typeface="Arial" panose="020B0604020202020204" pitchFamily="34" charset="0"/>
+              </a:rPr>
+              <a:t> </a:t>
+            </a:r>
+            <a:r>
+              <a:rPr lang="en-US" sz="1200" dirty="0">
+                <a:solidFill>
+                  <a:schemeClr val="tx1"/>
+                </a:solidFill>
+                <a:latin typeface="Arial" panose="020B0604020202020204" pitchFamily="34" charset="0"/>
+                <a:cs typeface="Arial" panose="020B0604020202020204" pitchFamily="34" charset="0"/>
+              </a:rPr>
+              <a:t>and for the last object  </a:t>
+            </a:r>
+            <a:r>
+              <a:rPr lang="en-US" sz="1200" b="1" i="1" dirty="0" err="1">
+                <a:solidFill>
+                  <a:schemeClr val="tx1"/>
+                </a:solidFill>
+                <a:latin typeface="Arial" panose="020B0604020202020204" pitchFamily="34" charset="0"/>
+                <a:cs typeface="Arial" panose="020B0604020202020204" pitchFamily="34" charset="0"/>
+              </a:rPr>
+              <a:t>setEventXmlObjects</a:t>
+            </a:r>
+            <a:endParaRPr lang="en-US" sz="1200" b="1" i="1" dirty="0">
+              <a:solidFill>
+                <a:schemeClr val="tx1"/>
+              </a:solidFill>
+              <a:latin typeface="Arial" panose="020B0604020202020204" pitchFamily="34" charset="0"/>
+              <a:cs typeface="Arial" panose="020B0604020202020204" pitchFamily="34" charset="0"/>
+            </a:endParaRPr>
+          </a:p>
+          <a:p>
+            <a:endParaRPr lang="en-US" sz="1200" b="1" i="1" dirty="0">
+              <a:solidFill>
+                <a:schemeClr val="tx1"/>
+              </a:solidFill>
+              <a:latin typeface="Arial" panose="020B0604020202020204" pitchFamily="34" charset="0"/>
+              <a:cs typeface="Arial" panose="020B0604020202020204" pitchFamily="34" charset="0"/>
+            </a:endParaRPr>
+          </a:p>
+          <a:p>
+            <a:r>
+              <a:rPr lang="en-US" sz="1200" b="1" i="1" dirty="0" err="1">
+                <a:solidFill>
+                  <a:schemeClr val="tx1"/>
+                </a:solidFill>
+                <a:latin typeface="Arial" panose="020B0604020202020204" pitchFamily="34" charset="0"/>
+                <a:cs typeface="Arial" panose="020B0604020202020204" pitchFamily="34" charset="0"/>
+              </a:rPr>
+              <a:t>setEventXmlObjects</a:t>
+            </a:r>
+            <a:endParaRPr lang="en-US" sz="1200" b="1" i="1" dirty="0">
+              <a:solidFill>
+                <a:schemeClr val="tx1"/>
+              </a:solidFill>
+              <a:latin typeface="Arial" panose="020B0604020202020204" pitchFamily="34" charset="0"/>
+              <a:cs typeface="Arial" panose="020B0604020202020204" pitchFamily="34" charset="0"/>
+            </a:endParaRPr>
+          </a:p>
+          <a:p>
+            <a:r>
+              <a:rPr lang="en-US" sz="1000" b="1" dirty="0">
+                <a:solidFill>
+                  <a:schemeClr val="tx1"/>
+                </a:solidFill>
+                <a:latin typeface="Arial" panose="020B0604020202020204" pitchFamily="34" charset="0"/>
+                <a:cs typeface="Arial" panose="020B0604020202020204" pitchFamily="34" charset="0"/>
+              </a:rPr>
+              <a:t>  Sets all event XML objects with data from the event program XML object</a:t>
+            </a:r>
+          </a:p>
+          <a:p>
+            <a:r>
+              <a:rPr lang="en-US" sz="1000" b="1" dirty="0">
+                <a:solidFill>
+                  <a:schemeClr val="tx1"/>
+                </a:solidFill>
+                <a:latin typeface="Arial" panose="020B0604020202020204" pitchFamily="34" charset="0"/>
+                <a:cs typeface="Arial" panose="020B0604020202020204" pitchFamily="34" charset="0"/>
+              </a:rPr>
+              <a:t>  Call </a:t>
+            </a:r>
+            <a:r>
+              <a:rPr lang="en-US" sz="1200" b="1" i="1" dirty="0" err="1">
+                <a:solidFill>
+                  <a:schemeClr val="tx1"/>
+                </a:solidFill>
+                <a:latin typeface="Arial" panose="020B0604020202020204" pitchFamily="34" charset="0"/>
+                <a:cs typeface="Arial" panose="020B0604020202020204" pitchFamily="34" charset="0"/>
+              </a:rPr>
+              <a:t>saveEventXmlFilesRecursively</a:t>
+            </a:r>
+            <a:endParaRPr lang="en-US" sz="1200" b="1" i="1" dirty="0">
+              <a:solidFill>
+                <a:schemeClr val="tx1"/>
+              </a:solidFill>
+              <a:latin typeface="Arial" panose="020B0604020202020204" pitchFamily="34" charset="0"/>
+              <a:cs typeface="Arial" panose="020B0604020202020204" pitchFamily="34" charset="0"/>
+            </a:endParaRPr>
+          </a:p>
+          <a:p>
+            <a:endParaRPr lang="en-US" sz="1000" b="1" dirty="0">
+              <a:solidFill>
+                <a:schemeClr val="tx1"/>
+              </a:solidFill>
+              <a:latin typeface="Arial" panose="020B0604020202020204" pitchFamily="34" charset="0"/>
+              <a:cs typeface="Arial" panose="020B0604020202020204" pitchFamily="34" charset="0"/>
+            </a:endParaRPr>
+          </a:p>
+          <a:p>
+            <a:r>
+              <a:rPr lang="en-US" sz="1200" b="1" i="1" dirty="0" err="1">
+                <a:solidFill>
+                  <a:schemeClr val="tx1"/>
+                </a:solidFill>
+                <a:latin typeface="Arial" panose="020B0604020202020204" pitchFamily="34" charset="0"/>
+                <a:cs typeface="Arial" panose="020B0604020202020204" pitchFamily="34" charset="0"/>
+              </a:rPr>
+              <a:t>saveEventXmlFilesRecursively</a:t>
+            </a:r>
+            <a:endParaRPr lang="en-US" sz="1200" b="1" i="1" dirty="0">
+              <a:solidFill>
+                <a:schemeClr val="tx1"/>
+              </a:solidFill>
+              <a:latin typeface="Arial" panose="020B0604020202020204" pitchFamily="34" charset="0"/>
+              <a:cs typeface="Arial" panose="020B0604020202020204" pitchFamily="34" charset="0"/>
+            </a:endParaRPr>
+          </a:p>
+          <a:p>
+            <a:r>
+              <a:rPr lang="en-US" sz="1000" b="1" dirty="0">
+                <a:solidFill>
+                  <a:schemeClr val="tx1"/>
+                </a:solidFill>
+                <a:latin typeface="Arial" panose="020B0604020202020204" pitchFamily="34" charset="0"/>
+                <a:cs typeface="Arial" panose="020B0604020202020204" pitchFamily="34" charset="0"/>
+              </a:rPr>
+              <a:t>   Call of </a:t>
+            </a:r>
+            <a:r>
+              <a:rPr lang="en-US" sz="1200" b="1" i="1" dirty="0" err="1">
+                <a:solidFill>
+                  <a:schemeClr val="tx1"/>
+                </a:solidFill>
+                <a:latin typeface="Arial" panose="020B0604020202020204" pitchFamily="34" charset="0"/>
+                <a:cs typeface="Arial" panose="020B0604020202020204" pitchFamily="34" charset="0"/>
+              </a:rPr>
+              <a:t>ReservationEventXml</a:t>
+            </a:r>
+            <a:endParaRPr lang="en-US" sz="1200" b="1" i="1" dirty="0">
+              <a:solidFill>
+                <a:schemeClr val="tx1"/>
+              </a:solidFill>
+              <a:latin typeface="Arial" panose="020B0604020202020204" pitchFamily="34" charset="0"/>
+              <a:cs typeface="Arial" panose="020B0604020202020204" pitchFamily="34" charset="0"/>
+            </a:endParaRPr>
+          </a:p>
+          <a:p>
+            <a:r>
+              <a:rPr lang="en-US" sz="1000" b="1" dirty="0">
+                <a:solidFill>
+                  <a:schemeClr val="tx1"/>
+                </a:solidFill>
+                <a:latin typeface="Arial" panose="020B0604020202020204" pitchFamily="34" charset="0"/>
+                <a:cs typeface="Arial" panose="020B0604020202020204" pitchFamily="34" charset="0"/>
+              </a:rPr>
+              <a:t>   </a:t>
+            </a:r>
+            <a:r>
+              <a:rPr lang="en-US" sz="1000" b="1" dirty="0" err="1">
+                <a:solidFill>
+                  <a:schemeClr val="tx1"/>
+                </a:solidFill>
+                <a:latin typeface="Arial" panose="020B0604020202020204" pitchFamily="34" charset="0"/>
+                <a:cs typeface="Arial" panose="020B0604020202020204" pitchFamily="34" charset="0"/>
+              </a:rPr>
+              <a:t>Calback</a:t>
+            </a:r>
+            <a:r>
+              <a:rPr lang="en-US" sz="1000" b="1" dirty="0">
+                <a:solidFill>
+                  <a:schemeClr val="tx1"/>
+                </a:solidFill>
+                <a:latin typeface="Arial" panose="020B0604020202020204" pitchFamily="34" charset="0"/>
+                <a:cs typeface="Arial" panose="020B0604020202020204" pitchFamily="34" charset="0"/>
+              </a:rPr>
+              <a:t> function </a:t>
+            </a:r>
+            <a:r>
+              <a:rPr lang="en-US" sz="1100" b="1" i="1" dirty="0" err="1">
+                <a:solidFill>
+                  <a:schemeClr val="tx1"/>
+                </a:solidFill>
+                <a:latin typeface="Arial" panose="020B0604020202020204" pitchFamily="34" charset="0"/>
+                <a:cs typeface="Arial" panose="020B0604020202020204" pitchFamily="34" charset="0"/>
+              </a:rPr>
+              <a:t>saveEventXmlFilesRecursively</a:t>
+            </a:r>
+            <a:r>
+              <a:rPr lang="en-US" sz="1000" b="1" i="1" dirty="0">
+                <a:solidFill>
+                  <a:schemeClr val="tx1"/>
+                </a:solidFill>
+                <a:latin typeface="Arial" panose="020B0604020202020204" pitchFamily="34" charset="0"/>
+                <a:cs typeface="Arial" panose="020B0604020202020204" pitchFamily="34" charset="0"/>
+              </a:rPr>
+              <a:t> </a:t>
+            </a:r>
+            <a:r>
+              <a:rPr lang="en-US" sz="1000" b="1" dirty="0">
+                <a:solidFill>
+                  <a:schemeClr val="tx1"/>
+                </a:solidFill>
+                <a:latin typeface="Arial" panose="020B0604020202020204" pitchFamily="34" charset="0"/>
+                <a:cs typeface="Arial" panose="020B0604020202020204" pitchFamily="34" charset="0"/>
+              </a:rPr>
+              <a:t>and for last object</a:t>
+            </a:r>
+          </a:p>
+          <a:p>
+            <a:r>
+              <a:rPr lang="en-US" sz="1000" b="1" i="1" dirty="0">
+                <a:solidFill>
+                  <a:schemeClr val="tx1"/>
+                </a:solidFill>
+                <a:latin typeface="Arial" panose="020B0604020202020204" pitchFamily="34" charset="0"/>
+                <a:cs typeface="Arial" panose="020B0604020202020204" pitchFamily="34" charset="0"/>
+              </a:rPr>
+              <a:t>   </a:t>
+            </a:r>
+            <a:r>
+              <a:rPr lang="en-US" sz="1000" b="1" dirty="0">
+                <a:solidFill>
+                  <a:schemeClr val="tx1"/>
+                </a:solidFill>
+                <a:latin typeface="Arial" panose="020B0604020202020204" pitchFamily="34" charset="0"/>
+                <a:cs typeface="Arial" panose="020B0604020202020204" pitchFamily="34" charset="0"/>
+              </a:rPr>
+              <a:t>and for the last object  </a:t>
+            </a:r>
+            <a:r>
+              <a:rPr lang="en-US" sz="1200" b="1" i="1" dirty="0" err="1">
+                <a:solidFill>
+                  <a:schemeClr val="tx1"/>
+                </a:solidFill>
+                <a:latin typeface="Arial" panose="020B0604020202020204" pitchFamily="34" charset="0"/>
+                <a:cs typeface="Arial" panose="020B0604020202020204" pitchFamily="34" charset="0"/>
+              </a:rPr>
+              <a:t>allEventXmlFilesSaved</a:t>
+            </a:r>
+            <a:endParaRPr lang="en-US" sz="1200" b="1" i="1" dirty="0">
+              <a:solidFill>
+                <a:schemeClr val="tx1"/>
+              </a:solidFill>
+              <a:latin typeface="Arial" panose="020B0604020202020204" pitchFamily="34" charset="0"/>
+              <a:cs typeface="Arial" panose="020B0604020202020204" pitchFamily="34" charset="0"/>
+            </a:endParaRPr>
+          </a:p>
+          <a:p>
+            <a:endParaRPr lang="en-US" sz="1000" b="1" i="1" dirty="0">
+              <a:solidFill>
+                <a:schemeClr val="tx1"/>
+              </a:solidFill>
+              <a:latin typeface="Arial" panose="020B0604020202020204" pitchFamily="34" charset="0"/>
+              <a:cs typeface="Arial" panose="020B0604020202020204" pitchFamily="34" charset="0"/>
+            </a:endParaRPr>
+          </a:p>
+          <a:p>
+            <a:r>
+              <a:rPr lang="en-US" sz="1200" b="1" i="1" dirty="0" err="1">
+                <a:solidFill>
+                  <a:schemeClr val="tx1"/>
+                </a:solidFill>
+                <a:latin typeface="Arial" panose="020B0604020202020204" pitchFamily="34" charset="0"/>
+                <a:cs typeface="Arial" panose="020B0604020202020204" pitchFamily="34" charset="0"/>
+              </a:rPr>
+              <a:t>allEventXmlFilesSaved</a:t>
+            </a:r>
+            <a:endParaRPr lang="en-US" sz="1200" b="1" i="1" dirty="0">
+              <a:solidFill>
+                <a:schemeClr val="tx1"/>
+              </a:solidFill>
+              <a:latin typeface="Arial" panose="020B0604020202020204" pitchFamily="34" charset="0"/>
+              <a:cs typeface="Arial" panose="020B0604020202020204" pitchFamily="34" charset="0"/>
+            </a:endParaRPr>
+          </a:p>
+          <a:p>
+            <a:r>
+              <a:rPr lang="en-US" sz="1000" b="1" dirty="0">
+                <a:solidFill>
+                  <a:schemeClr val="tx1"/>
+                </a:solidFill>
+                <a:latin typeface="Arial" panose="020B0604020202020204" pitchFamily="34" charset="0"/>
+                <a:cs typeface="Arial" panose="020B0604020202020204" pitchFamily="34" charset="0"/>
+              </a:rPr>
+              <a:t>   Message to the user</a:t>
+            </a:r>
+            <a:endParaRPr lang="en-US" sz="1200" b="1" i="1" dirty="0">
+              <a:solidFill>
+                <a:schemeClr val="tx1"/>
+              </a:solidFill>
               <a:latin typeface="Arial" panose="020B0604020202020204" pitchFamily="34" charset="0"/>
               <a:cs typeface="Arial" panose="020B0604020202020204" pitchFamily="34" charset="0"/>
             </a:endParaRPr>
@@ -7882,7 +7495,7 @@
     </p:spTree>
     <p:extLst>
       <p:ext uri="{BB962C8B-B14F-4D97-AF65-F5344CB8AC3E}">
-        <p14:creationId xmlns:p14="http://schemas.microsoft.com/office/powerpoint/2010/main" val="2130856640"/>
+        <p14:creationId xmlns:p14="http://schemas.microsoft.com/office/powerpoint/2010/main" val="4120034849"/>
       </p:ext>
     </p:extLst>
   </p:cSld>
@@ -7914,6 +7527,1397 @@
           <p:cNvPr id="2" name="Rechteck 1">
             <a:extLst>
               <a:ext uri="{FF2B5EF4-FFF2-40B4-BE49-F238E27FC236}">
+                <a16:creationId xmlns:a16="http://schemas.microsoft.com/office/drawing/2014/main" id="{AF544034-4CB0-7421-E984-56CFE2F42B7E}"/>
+              </a:ext>
+            </a:extLst>
+          </p:cNvPr>
+          <p:cNvSpPr/>
+          <p:nvPr/>
+        </p:nvSpPr>
+        <p:spPr>
+          <a:xfrm>
+            <a:off x="753620" y="270414"/>
+            <a:ext cx="4057369" cy="570469"/>
+          </a:xfrm>
+          <a:prstGeom prst="rect">
+            <a:avLst/>
+          </a:prstGeom>
+          <a:noFill/>
+          <a:ln w="19050">
+            <a:solidFill>
+              <a:schemeClr val="tx1"/>
+            </a:solidFill>
+          </a:ln>
+        </p:spPr>
+        <p:style>
+          <a:lnRef idx="2">
+            <a:schemeClr val="accent1">
+              <a:shade val="50000"/>
+            </a:schemeClr>
+          </a:lnRef>
+          <a:fillRef idx="1">
+            <a:schemeClr val="accent1"/>
+          </a:fillRef>
+          <a:effectRef idx="0">
+            <a:schemeClr val="accent1"/>
+          </a:effectRef>
+          <a:fontRef idx="minor">
+            <a:schemeClr val="lt1"/>
+          </a:fontRef>
+        </p:style>
+        <p:txBody>
+          <a:bodyPr rtlCol="0" anchor="ctr"/>
+          <a:lstStyle/>
+          <a:p>
+            <a:pPr algn="ctr"/>
+            <a:r>
+              <a:rPr lang="de-CH" b="1" dirty="0" err="1">
+                <a:solidFill>
+                  <a:schemeClr val="tx1"/>
+                </a:solidFill>
+                <a:latin typeface="Arial" panose="020B0604020202020204" pitchFamily="34" charset="0"/>
+                <a:cs typeface="Arial" panose="020B0604020202020204" pitchFamily="34" charset="0"/>
+              </a:rPr>
+              <a:t>ReservationNewSeasonData</a:t>
+            </a:r>
+            <a:r>
+              <a:rPr lang="de-CH" dirty="0">
+                <a:solidFill>
+                  <a:schemeClr val="tx1"/>
+                </a:solidFill>
+                <a:latin typeface="Arial" panose="020B0604020202020204" pitchFamily="34" charset="0"/>
+                <a:cs typeface="Arial" panose="020B0604020202020204" pitchFamily="34" charset="0"/>
+              </a:rPr>
+              <a:t> </a:t>
+            </a:r>
+          </a:p>
+          <a:p>
+            <a:pPr algn="ctr"/>
+            <a:r>
+              <a:rPr lang="de-CH" sz="1200" dirty="0">
+                <a:solidFill>
+                  <a:schemeClr val="tx1"/>
+                </a:solidFill>
+                <a:latin typeface="Arial" panose="020B0604020202020204" pitchFamily="34" charset="0"/>
+                <a:cs typeface="Arial" panose="020B0604020202020204" pitchFamily="34" charset="0"/>
+              </a:rPr>
+              <a:t>Data </a:t>
+            </a:r>
+            <a:r>
+              <a:rPr lang="de-CH" sz="1200" dirty="0" err="1">
+                <a:solidFill>
+                  <a:schemeClr val="tx1"/>
+                </a:solidFill>
+                <a:latin typeface="Arial" panose="020B0604020202020204" pitchFamily="34" charset="0"/>
+                <a:cs typeface="Arial" panose="020B0604020202020204" pitchFamily="34" charset="0"/>
+              </a:rPr>
+              <a:t>for</a:t>
+            </a:r>
+            <a:r>
+              <a:rPr lang="de-CH" sz="1200" dirty="0">
+                <a:solidFill>
+                  <a:schemeClr val="tx1"/>
+                </a:solidFill>
+                <a:latin typeface="Arial" panose="020B0604020202020204" pitchFamily="34" charset="0"/>
+                <a:cs typeface="Arial" panose="020B0604020202020204" pitchFamily="34" charset="0"/>
+              </a:rPr>
+              <a:t> </a:t>
+            </a:r>
+            <a:r>
+              <a:rPr lang="de-CH" sz="1200" dirty="0" err="1">
+                <a:solidFill>
+                  <a:schemeClr val="tx1"/>
+                </a:solidFill>
+                <a:latin typeface="Arial" panose="020B0604020202020204" pitchFamily="34" charset="0"/>
+                <a:cs typeface="Arial" panose="020B0604020202020204" pitchFamily="34" charset="0"/>
+              </a:rPr>
+              <a:t>the</a:t>
+            </a:r>
+            <a:r>
+              <a:rPr lang="de-CH" sz="1200" dirty="0">
+                <a:solidFill>
+                  <a:schemeClr val="tx1"/>
+                </a:solidFill>
+                <a:latin typeface="Arial" panose="020B0604020202020204" pitchFamily="34" charset="0"/>
+                <a:cs typeface="Arial" panose="020B0604020202020204" pitchFamily="34" charset="0"/>
+              </a:rPr>
+              <a:t> </a:t>
+            </a:r>
+            <a:r>
+              <a:rPr lang="de-CH" sz="1200" dirty="0" err="1">
+                <a:solidFill>
+                  <a:schemeClr val="tx1"/>
+                </a:solidFill>
+                <a:latin typeface="Arial" panose="020B0604020202020204" pitchFamily="34" charset="0"/>
+                <a:cs typeface="Arial" panose="020B0604020202020204" pitchFamily="34" charset="0"/>
+              </a:rPr>
+              <a:t>creation</a:t>
+            </a:r>
+            <a:r>
+              <a:rPr lang="de-CH" sz="1200" dirty="0">
+                <a:solidFill>
+                  <a:schemeClr val="tx1"/>
+                </a:solidFill>
+                <a:latin typeface="Arial" panose="020B0604020202020204" pitchFamily="34" charset="0"/>
+                <a:cs typeface="Arial" panose="020B0604020202020204" pitchFamily="34" charset="0"/>
+              </a:rPr>
+              <a:t> </a:t>
+            </a:r>
+            <a:r>
+              <a:rPr lang="de-CH" sz="1200" dirty="0" err="1">
+                <a:solidFill>
+                  <a:schemeClr val="tx1"/>
+                </a:solidFill>
+                <a:latin typeface="Arial" panose="020B0604020202020204" pitchFamily="34" charset="0"/>
+                <a:cs typeface="Arial" panose="020B0604020202020204" pitchFamily="34" charset="0"/>
+              </a:rPr>
+              <a:t>of</a:t>
+            </a:r>
+            <a:r>
+              <a:rPr lang="de-CH" sz="1200" dirty="0">
+                <a:solidFill>
+                  <a:schemeClr val="tx1"/>
+                </a:solidFill>
+                <a:latin typeface="Arial" panose="020B0604020202020204" pitchFamily="34" charset="0"/>
+                <a:cs typeface="Arial" panose="020B0604020202020204" pitchFamily="34" charset="0"/>
+              </a:rPr>
+              <a:t> </a:t>
+            </a:r>
+            <a:r>
+              <a:rPr lang="de-CH" sz="1200" dirty="0" err="1">
+                <a:solidFill>
+                  <a:schemeClr val="tx1"/>
+                </a:solidFill>
+                <a:latin typeface="Arial" panose="020B0604020202020204" pitchFamily="34" charset="0"/>
+                <a:cs typeface="Arial" panose="020B0604020202020204" pitchFamily="34" charset="0"/>
+              </a:rPr>
+              <a:t>the</a:t>
+            </a:r>
+            <a:r>
+              <a:rPr lang="de-CH" sz="1200" dirty="0">
+                <a:solidFill>
+                  <a:schemeClr val="tx1"/>
+                </a:solidFill>
+                <a:latin typeface="Arial" panose="020B0604020202020204" pitchFamily="34" charset="0"/>
+                <a:cs typeface="Arial" panose="020B0604020202020204" pitchFamily="34" charset="0"/>
+              </a:rPr>
+              <a:t> </a:t>
+            </a:r>
+            <a:r>
+              <a:rPr lang="de-CH" sz="1200" dirty="0" err="1">
+                <a:solidFill>
+                  <a:schemeClr val="tx1"/>
+                </a:solidFill>
+                <a:latin typeface="Arial" panose="020B0604020202020204" pitchFamily="34" charset="0"/>
+                <a:cs typeface="Arial" panose="020B0604020202020204" pitchFamily="34" charset="0"/>
+              </a:rPr>
+              <a:t>new</a:t>
+            </a:r>
+            <a:r>
+              <a:rPr lang="de-CH" sz="1200" dirty="0">
+                <a:solidFill>
+                  <a:schemeClr val="tx1"/>
+                </a:solidFill>
+                <a:latin typeface="Arial" panose="020B0604020202020204" pitchFamily="34" charset="0"/>
+                <a:cs typeface="Arial" panose="020B0604020202020204" pitchFamily="34" charset="0"/>
+              </a:rPr>
+              <a:t> </a:t>
+            </a:r>
+            <a:r>
+              <a:rPr lang="de-CH" sz="1200" dirty="0" err="1">
+                <a:solidFill>
+                  <a:schemeClr val="tx1"/>
+                </a:solidFill>
+                <a:latin typeface="Arial" panose="020B0604020202020204" pitchFamily="34" charset="0"/>
+                <a:cs typeface="Arial" panose="020B0604020202020204" pitchFamily="34" charset="0"/>
+              </a:rPr>
+              <a:t>season</a:t>
+            </a:r>
+            <a:r>
+              <a:rPr lang="de-CH" sz="1200" dirty="0">
+                <a:solidFill>
+                  <a:schemeClr val="tx1"/>
+                </a:solidFill>
+                <a:latin typeface="Arial" panose="020B0604020202020204" pitchFamily="34" charset="0"/>
+                <a:cs typeface="Arial" panose="020B0604020202020204" pitchFamily="34" charset="0"/>
+              </a:rPr>
+              <a:t> </a:t>
+            </a:r>
+            <a:r>
+              <a:rPr lang="de-CH" sz="1200" dirty="0" err="1">
+                <a:solidFill>
+                  <a:schemeClr val="tx1"/>
+                </a:solidFill>
+                <a:latin typeface="Arial" panose="020B0604020202020204" pitchFamily="34" charset="0"/>
+                <a:cs typeface="Arial" panose="020B0604020202020204" pitchFamily="34" charset="0"/>
+              </a:rPr>
+              <a:t>files</a:t>
+            </a:r>
+            <a:endParaRPr lang="de-CH" sz="1200" dirty="0">
+              <a:solidFill>
+                <a:schemeClr val="tx1"/>
+              </a:solidFill>
+              <a:latin typeface="Arial" panose="020B0604020202020204" pitchFamily="34" charset="0"/>
+              <a:cs typeface="Arial" panose="020B0604020202020204" pitchFamily="34" charset="0"/>
+            </a:endParaRPr>
+          </a:p>
+        </p:txBody>
+      </p:sp>
+      <p:sp>
+        <p:nvSpPr>
+          <p:cNvPr id="3" name="Rechteck 2">
+            <a:extLst>
+              <a:ext uri="{FF2B5EF4-FFF2-40B4-BE49-F238E27FC236}">
+                <a16:creationId xmlns:a16="http://schemas.microsoft.com/office/drawing/2014/main" id="{915AF3A7-8F2C-18A0-9575-87F4CA364F68}"/>
+              </a:ext>
+            </a:extLst>
+          </p:cNvPr>
+          <p:cNvSpPr/>
+          <p:nvPr/>
+        </p:nvSpPr>
+        <p:spPr>
+          <a:xfrm>
+            <a:off x="753620" y="840882"/>
+            <a:ext cx="4057372" cy="5746703"/>
+          </a:xfrm>
+          <a:prstGeom prst="rect">
+            <a:avLst/>
+          </a:prstGeom>
+          <a:noFill/>
+          <a:ln w="19050">
+            <a:solidFill>
+              <a:schemeClr val="tx1"/>
+            </a:solidFill>
+          </a:ln>
+        </p:spPr>
+        <p:style>
+          <a:lnRef idx="2">
+            <a:schemeClr val="accent1">
+              <a:shade val="50000"/>
+            </a:schemeClr>
+          </a:lnRef>
+          <a:fillRef idx="1">
+            <a:schemeClr val="accent1"/>
+          </a:fillRef>
+          <a:effectRef idx="0">
+            <a:schemeClr val="accent1"/>
+          </a:effectRef>
+          <a:fontRef idx="minor">
+            <a:schemeClr val="lt1"/>
+          </a:fontRef>
+        </p:style>
+        <p:txBody>
+          <a:bodyPr rtlCol="0" anchor="ctr"/>
+          <a:lstStyle/>
+          <a:p>
+            <a:r>
+              <a:rPr lang="en-US" sz="1000" b="1" dirty="0" err="1">
+                <a:solidFill>
+                  <a:schemeClr val="tx1"/>
+                </a:solidFill>
+                <a:latin typeface="Arial" panose="020B0604020202020204" pitchFamily="34" charset="0"/>
+                <a:cs typeface="Arial" panose="020B0604020202020204" pitchFamily="34" charset="0"/>
+              </a:rPr>
+              <a:t>m_season_case</a:t>
+            </a:r>
+            <a:r>
+              <a:rPr lang="en-US" sz="1000" b="1" dirty="0">
+                <a:solidFill>
+                  <a:schemeClr val="tx1"/>
+                </a:solidFill>
+                <a:latin typeface="Arial" panose="020B0604020202020204" pitchFamily="34" charset="0"/>
+                <a:cs typeface="Arial" panose="020B0604020202020204" pitchFamily="34" charset="0"/>
+              </a:rPr>
+              <a:t> </a:t>
+            </a:r>
+          </a:p>
+          <a:p>
+            <a:r>
+              <a:rPr lang="en-US" sz="1000" b="1" i="1" dirty="0">
+                <a:solidFill>
+                  <a:schemeClr val="tx1"/>
+                </a:solidFill>
+                <a:latin typeface="Arial" panose="020B0604020202020204" pitchFamily="34" charset="0"/>
+                <a:cs typeface="Arial" panose="020B0604020202020204" pitchFamily="34" charset="0"/>
+              </a:rPr>
+              <a:t>   Case current, previous or next</a:t>
+            </a:r>
+          </a:p>
+          <a:p>
+            <a:r>
+              <a:rPr lang="en-US" sz="1000" b="1" dirty="0" err="1">
+                <a:solidFill>
+                  <a:schemeClr val="tx1"/>
+                </a:solidFill>
+                <a:latin typeface="Arial" panose="020B0604020202020204" pitchFamily="34" charset="0"/>
+                <a:cs typeface="Arial" panose="020B0604020202020204" pitchFamily="34" charset="0"/>
+              </a:rPr>
+              <a:t>m_main_dir</a:t>
+            </a:r>
+            <a:r>
+              <a:rPr lang="en-US" sz="1000" b="1" dirty="0">
+                <a:solidFill>
+                  <a:schemeClr val="tx1"/>
+                </a:solidFill>
+                <a:latin typeface="Arial" panose="020B0604020202020204" pitchFamily="34" charset="0"/>
+                <a:cs typeface="Arial" panose="020B0604020202020204" pitchFamily="34" charset="0"/>
+              </a:rPr>
+              <a:t> </a:t>
+            </a:r>
+          </a:p>
+          <a:p>
+            <a:r>
+              <a:rPr lang="en-US" sz="1000" b="1" i="1" dirty="0">
+                <a:solidFill>
+                  <a:schemeClr val="tx1"/>
+                </a:solidFill>
+                <a:latin typeface="Arial" panose="020B0604020202020204" pitchFamily="34" charset="0"/>
+                <a:cs typeface="Arial" panose="020B0604020202020204" pitchFamily="34" charset="0"/>
+              </a:rPr>
+              <a:t>   Reservation (Release) or </a:t>
+            </a:r>
+            <a:r>
+              <a:rPr lang="en-US" sz="1000" b="1" i="1" dirty="0" err="1">
+                <a:solidFill>
+                  <a:schemeClr val="tx1"/>
+                </a:solidFill>
+                <a:latin typeface="Arial" panose="020B0604020202020204" pitchFamily="34" charset="0"/>
+                <a:cs typeface="Arial" panose="020B0604020202020204" pitchFamily="34" charset="0"/>
+              </a:rPr>
+              <a:t>ReservationLayout</a:t>
+            </a:r>
+            <a:r>
+              <a:rPr lang="en-US" sz="1000" b="1" i="1" dirty="0">
+                <a:solidFill>
+                  <a:schemeClr val="tx1"/>
+                </a:solidFill>
+                <a:latin typeface="Arial" panose="020B0604020202020204" pitchFamily="34" charset="0"/>
+                <a:cs typeface="Arial" panose="020B0604020202020204" pitchFamily="34" charset="0"/>
+              </a:rPr>
+              <a:t> (Development)</a:t>
+            </a:r>
+          </a:p>
+          <a:p>
+            <a:r>
+              <a:rPr lang="en-US" sz="1000" b="1" dirty="0" err="1">
+                <a:solidFill>
+                  <a:schemeClr val="tx1"/>
+                </a:solidFill>
+                <a:latin typeface="Arial" panose="020B0604020202020204" pitchFamily="34" charset="0"/>
+                <a:cs typeface="Arial" panose="020B0604020202020204" pitchFamily="34" charset="0"/>
+              </a:rPr>
+              <a:t>m_result_dir</a:t>
+            </a:r>
+            <a:r>
+              <a:rPr lang="en-US" sz="1000" b="1" i="1" dirty="0">
+                <a:solidFill>
+                  <a:schemeClr val="tx1"/>
+                </a:solidFill>
+                <a:latin typeface="Arial" panose="020B0604020202020204" pitchFamily="34" charset="0"/>
+                <a:cs typeface="Arial" panose="020B0604020202020204" pitchFamily="34" charset="0"/>
+              </a:rPr>
+              <a:t> </a:t>
+            </a:r>
+          </a:p>
+          <a:p>
+            <a:r>
+              <a:rPr lang="en-US" sz="1000" b="1" i="1" dirty="0">
+                <a:solidFill>
+                  <a:schemeClr val="tx1"/>
+                </a:solidFill>
+                <a:latin typeface="Arial" panose="020B0604020202020204" pitchFamily="34" charset="0"/>
+                <a:cs typeface="Arial" panose="020B0604020202020204" pitchFamily="34" charset="0"/>
+              </a:rPr>
+              <a:t>   For instance Spagi_76_Chairs_V_2</a:t>
+            </a:r>
+          </a:p>
+          <a:p>
+            <a:r>
+              <a:rPr lang="en-US" sz="1000" b="1" dirty="0" err="1">
+                <a:solidFill>
+                  <a:schemeClr val="tx1"/>
+                </a:solidFill>
+                <a:latin typeface="Arial" panose="020B0604020202020204" pitchFamily="34" charset="0"/>
+                <a:cs typeface="Arial" panose="020B0604020202020204" pitchFamily="34" charset="0"/>
+              </a:rPr>
+              <a:t>m_sub_xml_dir</a:t>
+            </a:r>
+            <a:r>
+              <a:rPr lang="en-US" sz="1000" b="1" dirty="0">
+                <a:solidFill>
+                  <a:schemeClr val="tx1"/>
+                </a:solidFill>
+                <a:latin typeface="Arial" panose="020B0604020202020204" pitchFamily="34" charset="0"/>
+                <a:cs typeface="Arial" panose="020B0604020202020204" pitchFamily="34" charset="0"/>
+              </a:rPr>
+              <a:t> </a:t>
+            </a:r>
+          </a:p>
+          <a:p>
+            <a:r>
+              <a:rPr lang="en-US" sz="1000" b="1" i="1" dirty="0">
+                <a:solidFill>
+                  <a:schemeClr val="tx1"/>
+                </a:solidFill>
+                <a:latin typeface="Arial" panose="020B0604020202020204" pitchFamily="34" charset="0"/>
+                <a:cs typeface="Arial" panose="020B0604020202020204" pitchFamily="34" charset="0"/>
+              </a:rPr>
+              <a:t>   </a:t>
+            </a:r>
+            <a:r>
+              <a:rPr lang="en-US" sz="1000" b="1" i="1" dirty="0" err="1">
+                <a:solidFill>
+                  <a:schemeClr val="tx1"/>
+                </a:solidFill>
+                <a:latin typeface="Arial" panose="020B0604020202020204" pitchFamily="34" charset="0"/>
+                <a:cs typeface="Arial" panose="020B0604020202020204" pitchFamily="34" charset="0"/>
+              </a:rPr>
+              <a:t>SaisonXML</a:t>
+            </a:r>
+            <a:endParaRPr lang="en-US" sz="1000" b="1" i="1" dirty="0">
+              <a:solidFill>
+                <a:schemeClr val="tx1"/>
+              </a:solidFill>
+              <a:latin typeface="Arial" panose="020B0604020202020204" pitchFamily="34" charset="0"/>
+              <a:cs typeface="Arial" panose="020B0604020202020204" pitchFamily="34" charset="0"/>
+            </a:endParaRPr>
+          </a:p>
+          <a:p>
+            <a:r>
+              <a:rPr lang="en-US" sz="1000" b="1" dirty="0" err="1">
+                <a:solidFill>
+                  <a:schemeClr val="tx1"/>
+                </a:solidFill>
+                <a:latin typeface="Arial" panose="020B0604020202020204" pitchFamily="34" charset="0"/>
+                <a:cs typeface="Arial" panose="020B0604020202020204" pitchFamily="34" charset="0"/>
+              </a:rPr>
+              <a:t>m_xml_filename</a:t>
+            </a:r>
+            <a:r>
+              <a:rPr lang="en-US" sz="1000" b="1" dirty="0">
+                <a:solidFill>
+                  <a:schemeClr val="tx1"/>
+                </a:solidFill>
+                <a:latin typeface="Arial" panose="020B0604020202020204" pitchFamily="34" charset="0"/>
+                <a:cs typeface="Arial" panose="020B0604020202020204" pitchFamily="34" charset="0"/>
+              </a:rPr>
+              <a:t> </a:t>
+            </a:r>
+          </a:p>
+          <a:p>
+            <a:r>
+              <a:rPr lang="en-US" sz="1000" b="1" i="1" dirty="0">
+                <a:solidFill>
+                  <a:schemeClr val="tx1"/>
+                </a:solidFill>
+                <a:latin typeface="Arial" panose="020B0604020202020204" pitchFamily="34" charset="0"/>
+                <a:cs typeface="Arial" panose="020B0604020202020204" pitchFamily="34" charset="0"/>
+              </a:rPr>
+              <a:t>   EventProgram.xml</a:t>
+            </a:r>
+          </a:p>
+          <a:p>
+            <a:r>
+              <a:rPr lang="en-US" sz="1000" b="1" dirty="0">
+                <a:solidFill>
+                  <a:schemeClr val="tx1"/>
+                </a:solidFill>
+                <a:latin typeface="Arial" panose="020B0604020202020204" pitchFamily="34" charset="0"/>
+                <a:cs typeface="Arial" panose="020B0604020202020204" pitchFamily="34" charset="0"/>
+              </a:rPr>
+              <a:t> </a:t>
+            </a:r>
+            <a:r>
+              <a:rPr lang="en-US" sz="1000" b="1" dirty="0" err="1">
+                <a:solidFill>
+                  <a:schemeClr val="tx1"/>
+                </a:solidFill>
+                <a:latin typeface="Arial" panose="020B0604020202020204" pitchFamily="34" charset="0"/>
+                <a:cs typeface="Arial" panose="020B0604020202020204" pitchFamily="34" charset="0"/>
+              </a:rPr>
+              <a:t>m_event_program_callback_fctn</a:t>
+            </a:r>
+            <a:endParaRPr lang="en-US" sz="1000" b="1" dirty="0">
+              <a:solidFill>
+                <a:schemeClr val="tx1"/>
+              </a:solidFill>
+              <a:latin typeface="Arial" panose="020B0604020202020204" pitchFamily="34" charset="0"/>
+              <a:cs typeface="Arial" panose="020B0604020202020204" pitchFamily="34" charset="0"/>
+            </a:endParaRPr>
+          </a:p>
+          <a:p>
+            <a:r>
+              <a:rPr lang="en-US" sz="1000" b="1" i="1" dirty="0">
+                <a:solidFill>
+                  <a:schemeClr val="tx1"/>
+                </a:solidFill>
+                <a:latin typeface="Arial" panose="020B0604020202020204" pitchFamily="34" charset="0"/>
+                <a:cs typeface="Arial" panose="020B0604020202020204" pitchFamily="34" charset="0"/>
+              </a:rPr>
+              <a:t>    Callback function name for the event program file creation</a:t>
+            </a:r>
+          </a:p>
+          <a:p>
+            <a:endParaRPr lang="en-US" sz="1000" b="1" dirty="0">
+              <a:solidFill>
+                <a:schemeClr val="tx1"/>
+              </a:solidFill>
+              <a:latin typeface="Arial" panose="020B0604020202020204" pitchFamily="34" charset="0"/>
+              <a:cs typeface="Arial" panose="020B0604020202020204" pitchFamily="34" charset="0"/>
+            </a:endParaRPr>
+          </a:p>
+          <a:p>
+            <a:r>
+              <a:rPr lang="en-US" sz="1000" b="1" dirty="0" err="1">
+                <a:solidFill>
+                  <a:schemeClr val="tx1"/>
+                </a:solidFill>
+                <a:latin typeface="Arial" panose="020B0604020202020204" pitchFamily="34" charset="0"/>
+                <a:cs typeface="Arial" panose="020B0604020202020204" pitchFamily="34" charset="0"/>
+              </a:rPr>
+              <a:t>m_abs_event_program_url</a:t>
+            </a:r>
+            <a:r>
+              <a:rPr lang="en-US" sz="1000" b="1" dirty="0">
+                <a:solidFill>
+                  <a:schemeClr val="tx1"/>
+                </a:solidFill>
+                <a:latin typeface="Arial" panose="020B0604020202020204" pitchFamily="34" charset="0"/>
+                <a:cs typeface="Arial" panose="020B0604020202020204" pitchFamily="34" charset="0"/>
+              </a:rPr>
+              <a:t> </a:t>
+            </a:r>
+          </a:p>
+          <a:p>
+            <a:r>
+              <a:rPr lang="en-US" sz="1000" b="1" i="1" dirty="0">
+                <a:solidFill>
+                  <a:schemeClr val="tx1"/>
+                </a:solidFill>
+                <a:latin typeface="Arial" panose="020B0604020202020204" pitchFamily="34" charset="0"/>
+                <a:cs typeface="Arial" panose="020B0604020202020204" pitchFamily="34" charset="0"/>
+              </a:rPr>
+              <a:t>    Absolute URL for </a:t>
+            </a:r>
+            <a:r>
+              <a:rPr lang="en-US" sz="1000" b="1" i="1" dirty="0" err="1">
+                <a:solidFill>
+                  <a:schemeClr val="tx1"/>
+                </a:solidFill>
+                <a:latin typeface="Arial" panose="020B0604020202020204" pitchFamily="34" charset="0"/>
+                <a:cs typeface="Arial" panose="020B0604020202020204" pitchFamily="34" charset="0"/>
+              </a:rPr>
+              <a:t>m_xml_filename</a:t>
+            </a:r>
+            <a:endParaRPr lang="en-US" sz="1000" b="1" i="1" dirty="0">
+              <a:solidFill>
+                <a:schemeClr val="tx1"/>
+              </a:solidFill>
+              <a:latin typeface="Arial" panose="020B0604020202020204" pitchFamily="34" charset="0"/>
+              <a:cs typeface="Arial" panose="020B0604020202020204" pitchFamily="34" charset="0"/>
+            </a:endParaRPr>
+          </a:p>
+          <a:p>
+            <a:r>
+              <a:rPr lang="de-CH" sz="1000" b="1" dirty="0" err="1">
+                <a:solidFill>
+                  <a:schemeClr val="tx1"/>
+                </a:solidFill>
+                <a:latin typeface="Arial" panose="020B0604020202020204" pitchFamily="34" charset="0"/>
+                <a:cs typeface="Arial" panose="020B0604020202020204" pitchFamily="34" charset="0"/>
+              </a:rPr>
+              <a:t>m_abs_result_dir_url</a:t>
+            </a:r>
+            <a:endParaRPr lang="de-CH" sz="1000" b="1" dirty="0">
+              <a:solidFill>
+                <a:schemeClr val="tx1"/>
+              </a:solidFill>
+              <a:latin typeface="Arial" panose="020B0604020202020204" pitchFamily="34" charset="0"/>
+              <a:cs typeface="Arial" panose="020B0604020202020204" pitchFamily="34" charset="0"/>
+            </a:endParaRPr>
+          </a:p>
+          <a:p>
+            <a:r>
+              <a:rPr lang="de-CH" sz="1000" b="1" dirty="0">
+                <a:solidFill>
+                  <a:schemeClr val="tx1"/>
+                </a:solidFill>
+                <a:latin typeface="Arial" panose="020B0604020202020204" pitchFamily="34" charset="0"/>
+                <a:cs typeface="Arial" panose="020B0604020202020204" pitchFamily="34" charset="0"/>
+              </a:rPr>
+              <a:t>  </a:t>
+            </a:r>
+            <a:r>
+              <a:rPr lang="en-US" sz="1000" b="1" i="1" dirty="0">
+                <a:solidFill>
+                  <a:schemeClr val="tx1"/>
+                </a:solidFill>
+                <a:latin typeface="Arial" panose="020B0604020202020204" pitchFamily="34" charset="0"/>
+                <a:cs typeface="Arial" panose="020B0604020202020204" pitchFamily="34" charset="0"/>
+              </a:rPr>
+              <a:t>Absolute URL to result directory</a:t>
+            </a:r>
+            <a:endParaRPr lang="de-CH" sz="1000" b="1" dirty="0">
+              <a:solidFill>
+                <a:schemeClr val="tx1"/>
+              </a:solidFill>
+              <a:latin typeface="Arial" panose="020B0604020202020204" pitchFamily="34" charset="0"/>
+              <a:cs typeface="Arial" panose="020B0604020202020204" pitchFamily="34" charset="0"/>
+            </a:endParaRPr>
+          </a:p>
+          <a:p>
+            <a:r>
+              <a:rPr lang="de-CH" sz="1000" b="1" dirty="0" err="1">
+                <a:solidFill>
+                  <a:schemeClr val="tx1"/>
+                </a:solidFill>
+                <a:latin typeface="Arial" panose="020B0604020202020204" pitchFamily="34" charset="0"/>
+                <a:cs typeface="Arial" panose="020B0604020202020204" pitchFamily="34" charset="0"/>
+              </a:rPr>
+              <a:t>m_rel_event_program_dir_url</a:t>
+            </a:r>
+            <a:endParaRPr lang="de-CH" sz="1000" b="1" dirty="0">
+              <a:solidFill>
+                <a:schemeClr val="tx1"/>
+              </a:solidFill>
+              <a:latin typeface="Arial" panose="020B0604020202020204" pitchFamily="34" charset="0"/>
+              <a:cs typeface="Arial" panose="020B0604020202020204" pitchFamily="34" charset="0"/>
+            </a:endParaRPr>
+          </a:p>
+          <a:p>
+            <a:r>
+              <a:rPr lang="de-CH" sz="1000" b="1" dirty="0">
+                <a:solidFill>
+                  <a:schemeClr val="tx1"/>
+                </a:solidFill>
+                <a:latin typeface="Arial" panose="020B0604020202020204" pitchFamily="34" charset="0"/>
+                <a:cs typeface="Arial" panose="020B0604020202020204" pitchFamily="34" charset="0"/>
+              </a:rPr>
+              <a:t>   Relative </a:t>
+            </a:r>
+            <a:r>
+              <a:rPr lang="en-US" sz="1000" b="1" i="1" dirty="0">
+                <a:solidFill>
+                  <a:schemeClr val="tx1"/>
+                </a:solidFill>
+                <a:latin typeface="Arial" panose="020B0604020202020204" pitchFamily="34" charset="0"/>
+                <a:cs typeface="Arial" panose="020B0604020202020204" pitchFamily="34" charset="0"/>
+              </a:rPr>
+              <a:t>URL to result directory</a:t>
+            </a:r>
+            <a:endParaRPr lang="de-CH" sz="1000" b="1" dirty="0">
+              <a:solidFill>
+                <a:schemeClr val="tx1"/>
+              </a:solidFill>
+              <a:latin typeface="Arial" panose="020B0604020202020204" pitchFamily="34" charset="0"/>
+              <a:cs typeface="Arial" panose="020B0604020202020204" pitchFamily="34" charset="0"/>
+            </a:endParaRPr>
+          </a:p>
+          <a:p>
+            <a:r>
+              <a:rPr lang="fr-FR" sz="1000" b="1" dirty="0" err="1">
+                <a:solidFill>
+                  <a:schemeClr val="tx1"/>
+                </a:solidFill>
+                <a:latin typeface="Arial" panose="020B0604020202020204" pitchFamily="34" charset="0"/>
+                <a:cs typeface="Arial" panose="020B0604020202020204" pitchFamily="34" charset="0"/>
+              </a:rPr>
+              <a:t>m_rel_event_files_dir_url</a:t>
+            </a:r>
+            <a:endParaRPr lang="fr-FR" sz="1000" b="1" dirty="0">
+              <a:solidFill>
+                <a:schemeClr val="tx1"/>
+              </a:solidFill>
+              <a:latin typeface="Arial" panose="020B0604020202020204" pitchFamily="34" charset="0"/>
+              <a:cs typeface="Arial" panose="020B0604020202020204" pitchFamily="34" charset="0"/>
+            </a:endParaRPr>
+          </a:p>
+          <a:p>
+            <a:r>
+              <a:rPr lang="de-CH" sz="1000" b="1" dirty="0">
+                <a:solidFill>
+                  <a:schemeClr val="tx1"/>
+                </a:solidFill>
+                <a:latin typeface="Arial" panose="020B0604020202020204" pitchFamily="34" charset="0"/>
+                <a:cs typeface="Arial" panose="020B0604020202020204" pitchFamily="34" charset="0"/>
+              </a:rPr>
+              <a:t>    Relative </a:t>
+            </a:r>
+            <a:r>
+              <a:rPr lang="en-US" sz="1000" b="1" i="1" dirty="0">
+                <a:solidFill>
+                  <a:schemeClr val="tx1"/>
+                </a:solidFill>
+                <a:latin typeface="Arial" panose="020B0604020202020204" pitchFamily="34" charset="0"/>
+                <a:cs typeface="Arial" panose="020B0604020202020204" pitchFamily="34" charset="0"/>
+              </a:rPr>
+              <a:t>URL to result directory</a:t>
+            </a:r>
+            <a:endParaRPr lang="de-CH" sz="1000" b="1" dirty="0">
+              <a:solidFill>
+                <a:schemeClr val="tx1"/>
+              </a:solidFill>
+              <a:latin typeface="Arial" panose="020B0604020202020204" pitchFamily="34" charset="0"/>
+              <a:cs typeface="Arial" panose="020B0604020202020204" pitchFamily="34" charset="0"/>
+            </a:endParaRPr>
+          </a:p>
+          <a:p>
+            <a:r>
+              <a:rPr lang="de-CH" sz="1000" b="1" dirty="0" err="1">
+                <a:solidFill>
+                  <a:schemeClr val="tx1"/>
+                </a:solidFill>
+                <a:latin typeface="Arial" panose="020B0604020202020204" pitchFamily="34" charset="0"/>
+                <a:cs typeface="Arial" panose="020B0604020202020204" pitchFamily="34" charset="0"/>
+              </a:rPr>
+              <a:t>m_input_data_ok</a:t>
+            </a:r>
+            <a:endParaRPr lang="de-CH" sz="1000" b="1" dirty="0">
+              <a:solidFill>
+                <a:schemeClr val="tx1"/>
+              </a:solidFill>
+              <a:latin typeface="Arial" panose="020B0604020202020204" pitchFamily="34" charset="0"/>
+              <a:cs typeface="Arial" panose="020B0604020202020204" pitchFamily="34" charset="0"/>
+            </a:endParaRPr>
+          </a:p>
+          <a:p>
+            <a:r>
+              <a:rPr lang="de-CH" sz="1000" b="1" i="1" dirty="0">
+                <a:solidFill>
+                  <a:schemeClr val="tx1"/>
+                </a:solidFill>
+                <a:latin typeface="Arial" panose="020B0604020202020204" pitchFamily="34" charset="0"/>
+                <a:cs typeface="Arial" panose="020B0604020202020204" pitchFamily="34" charset="0"/>
+              </a:rPr>
+              <a:t>   </a:t>
+            </a:r>
+            <a:r>
+              <a:rPr lang="de-CH" sz="1000" b="1" i="1" dirty="0" err="1">
+                <a:solidFill>
+                  <a:schemeClr val="tx1"/>
+                </a:solidFill>
+                <a:latin typeface="Arial" panose="020B0604020202020204" pitchFamily="34" charset="0"/>
+                <a:cs typeface="Arial" panose="020B0604020202020204" pitchFamily="34" charset="0"/>
+              </a:rPr>
+              <a:t>Flag</a:t>
+            </a:r>
+            <a:r>
+              <a:rPr lang="de-CH" sz="1000" b="1" i="1" dirty="0">
+                <a:solidFill>
+                  <a:schemeClr val="tx1"/>
+                </a:solidFill>
+                <a:latin typeface="Arial" panose="020B0604020202020204" pitchFamily="34" charset="0"/>
+                <a:cs typeface="Arial" panose="020B0604020202020204" pitchFamily="34" charset="0"/>
+              </a:rPr>
+              <a:t> </a:t>
+            </a:r>
+            <a:r>
+              <a:rPr lang="en-US" sz="1000" b="1" i="1" dirty="0">
+                <a:solidFill>
+                  <a:schemeClr val="tx1"/>
+                </a:solidFill>
+                <a:latin typeface="Arial" panose="020B0604020202020204" pitchFamily="34" charset="0"/>
+                <a:cs typeface="Arial" panose="020B0604020202020204" pitchFamily="34" charset="0"/>
+              </a:rPr>
+              <a:t>telling if the input data is OK</a:t>
+            </a:r>
+            <a:endParaRPr lang="de-CH" sz="1000" b="1" dirty="0">
+              <a:solidFill>
+                <a:schemeClr val="tx1"/>
+              </a:solidFill>
+              <a:latin typeface="Arial" panose="020B0604020202020204" pitchFamily="34" charset="0"/>
+              <a:cs typeface="Arial" panose="020B0604020202020204" pitchFamily="34" charset="0"/>
+            </a:endParaRPr>
+          </a:p>
+          <a:p>
+            <a:r>
+              <a:rPr lang="de-CH" sz="1000" b="1" dirty="0" err="1">
+                <a:solidFill>
+                  <a:schemeClr val="tx1"/>
+                </a:solidFill>
+                <a:latin typeface="Arial" panose="020B0604020202020204" pitchFamily="34" charset="0"/>
+                <a:cs typeface="Arial" panose="020B0604020202020204" pitchFamily="34" charset="0"/>
+              </a:rPr>
+              <a:t>m_season_start_year</a:t>
+            </a:r>
+            <a:endParaRPr lang="de-CH" sz="1000" b="1" dirty="0">
+              <a:solidFill>
+                <a:schemeClr val="tx1"/>
+              </a:solidFill>
+              <a:latin typeface="Arial" panose="020B0604020202020204" pitchFamily="34" charset="0"/>
+              <a:cs typeface="Arial" panose="020B0604020202020204" pitchFamily="34" charset="0"/>
+            </a:endParaRPr>
+          </a:p>
+          <a:p>
+            <a:r>
+              <a:rPr lang="de-CH" sz="1000" b="1" dirty="0">
+                <a:solidFill>
+                  <a:schemeClr val="tx1"/>
+                </a:solidFill>
+                <a:latin typeface="Arial" panose="020B0604020202020204" pitchFamily="34" charset="0"/>
+                <a:cs typeface="Arial" panose="020B0604020202020204" pitchFamily="34" charset="0"/>
+              </a:rPr>
+              <a:t>   </a:t>
+            </a:r>
+            <a:r>
+              <a:rPr lang="de-CH" sz="1000" b="1" i="1" dirty="0">
+                <a:solidFill>
+                  <a:schemeClr val="tx1"/>
+                </a:solidFill>
+                <a:latin typeface="Arial" panose="020B0604020202020204" pitchFamily="34" charset="0"/>
+                <a:cs typeface="Arial" panose="020B0604020202020204" pitchFamily="34" charset="0"/>
+              </a:rPr>
+              <a:t>Season </a:t>
+            </a:r>
+            <a:r>
+              <a:rPr lang="de-CH" sz="1000" b="1" i="1" dirty="0" err="1">
+                <a:solidFill>
+                  <a:schemeClr val="tx1"/>
+                </a:solidFill>
+                <a:latin typeface="Arial" panose="020B0604020202020204" pitchFamily="34" charset="0"/>
+                <a:cs typeface="Arial" panose="020B0604020202020204" pitchFamily="34" charset="0"/>
+              </a:rPr>
+              <a:t>program</a:t>
+            </a:r>
+            <a:r>
+              <a:rPr lang="de-CH" sz="1000" b="1" i="1" dirty="0">
+                <a:solidFill>
+                  <a:schemeClr val="tx1"/>
+                </a:solidFill>
+                <a:latin typeface="Arial" panose="020B0604020202020204" pitchFamily="34" charset="0"/>
+                <a:cs typeface="Arial" panose="020B0604020202020204" pitchFamily="34" charset="0"/>
+              </a:rPr>
+              <a:t> </a:t>
+            </a:r>
+            <a:r>
+              <a:rPr lang="de-CH" sz="1000" b="1" i="1" dirty="0" err="1">
+                <a:solidFill>
+                  <a:schemeClr val="tx1"/>
+                </a:solidFill>
+                <a:latin typeface="Arial" panose="020B0604020202020204" pitchFamily="34" charset="0"/>
+                <a:cs typeface="Arial" panose="020B0604020202020204" pitchFamily="34" charset="0"/>
+              </a:rPr>
+              <a:t>start</a:t>
+            </a:r>
+            <a:r>
+              <a:rPr lang="de-CH" sz="1000" b="1" i="1" dirty="0">
+                <a:solidFill>
+                  <a:schemeClr val="tx1"/>
+                </a:solidFill>
+                <a:latin typeface="Arial" panose="020B0604020202020204" pitchFamily="34" charset="0"/>
+                <a:cs typeface="Arial" panose="020B0604020202020204" pitchFamily="34" charset="0"/>
+              </a:rPr>
+              <a:t> </a:t>
+            </a:r>
+            <a:r>
+              <a:rPr lang="de-CH" sz="1000" b="1" i="1" dirty="0" err="1">
+                <a:solidFill>
+                  <a:schemeClr val="tx1"/>
+                </a:solidFill>
+                <a:latin typeface="Arial" panose="020B0604020202020204" pitchFamily="34" charset="0"/>
+                <a:cs typeface="Arial" panose="020B0604020202020204" pitchFamily="34" charset="0"/>
+              </a:rPr>
+              <a:t>year</a:t>
+            </a:r>
+            <a:endParaRPr lang="de-CH" sz="1000" b="1" dirty="0">
+              <a:solidFill>
+                <a:schemeClr val="tx1"/>
+              </a:solidFill>
+              <a:latin typeface="Arial" panose="020B0604020202020204" pitchFamily="34" charset="0"/>
+              <a:cs typeface="Arial" panose="020B0604020202020204" pitchFamily="34" charset="0"/>
+            </a:endParaRPr>
+          </a:p>
+          <a:p>
+            <a:r>
+              <a:rPr lang="de-CH" sz="1000" b="1" dirty="0" err="1">
+                <a:solidFill>
+                  <a:schemeClr val="tx1"/>
+                </a:solidFill>
+                <a:latin typeface="Arial" panose="020B0604020202020204" pitchFamily="34" charset="0"/>
+                <a:cs typeface="Arial" panose="020B0604020202020204" pitchFamily="34" charset="0"/>
+              </a:rPr>
+              <a:t>m_season_xml</a:t>
+            </a:r>
+            <a:r>
+              <a:rPr lang="de-CH" sz="1000" b="1" dirty="0">
+                <a:solidFill>
+                  <a:schemeClr val="tx1"/>
+                </a:solidFill>
+                <a:latin typeface="Arial" panose="020B0604020202020204" pitchFamily="34" charset="0"/>
+                <a:cs typeface="Arial" panose="020B0604020202020204" pitchFamily="34" charset="0"/>
+              </a:rPr>
+              <a:t> </a:t>
+            </a:r>
+          </a:p>
+          <a:p>
+            <a:r>
+              <a:rPr lang="de-CH" sz="1000" b="1" i="1" dirty="0">
+                <a:solidFill>
+                  <a:schemeClr val="tx1"/>
+                </a:solidFill>
+                <a:latin typeface="Arial" panose="020B0604020202020204" pitchFamily="34" charset="0"/>
+                <a:cs typeface="Arial" panose="020B0604020202020204" pitchFamily="34" charset="0"/>
+              </a:rPr>
+              <a:t>   Instance </a:t>
+            </a:r>
+            <a:r>
+              <a:rPr lang="de-CH" sz="1000" b="1" i="1" dirty="0" err="1">
+                <a:solidFill>
+                  <a:schemeClr val="tx1"/>
+                </a:solidFill>
+                <a:latin typeface="Arial" panose="020B0604020202020204" pitchFamily="34" charset="0"/>
+                <a:cs typeface="Arial" panose="020B0604020202020204" pitchFamily="34" charset="0"/>
+              </a:rPr>
+              <a:t>of</a:t>
+            </a:r>
+            <a:r>
+              <a:rPr lang="de-CH" sz="1000" b="1" i="1" dirty="0">
+                <a:solidFill>
+                  <a:schemeClr val="tx1"/>
+                </a:solidFill>
+                <a:latin typeface="Arial" panose="020B0604020202020204" pitchFamily="34" charset="0"/>
+                <a:cs typeface="Arial" panose="020B0604020202020204" pitchFamily="34" charset="0"/>
+              </a:rPr>
+              <a:t> </a:t>
+            </a:r>
+            <a:r>
+              <a:rPr lang="de-CH" sz="1000" b="1" i="1" dirty="0" err="1">
+                <a:solidFill>
+                  <a:schemeClr val="tx1"/>
+                </a:solidFill>
+                <a:latin typeface="Arial" panose="020B0604020202020204" pitchFamily="34" charset="0"/>
+                <a:cs typeface="Arial" panose="020B0604020202020204" pitchFamily="34" charset="0"/>
+              </a:rPr>
+              <a:t>SeasonXml</a:t>
+            </a:r>
+            <a:endParaRPr lang="de-CH" sz="1000" b="1" i="1" dirty="0">
+              <a:solidFill>
+                <a:schemeClr val="tx1"/>
+              </a:solidFill>
+              <a:latin typeface="Arial" panose="020B0604020202020204" pitchFamily="34" charset="0"/>
+              <a:cs typeface="Arial" panose="020B0604020202020204" pitchFamily="34" charset="0"/>
+            </a:endParaRPr>
+          </a:p>
+          <a:p>
+            <a:r>
+              <a:rPr lang="de-CH" sz="1000" b="1" dirty="0" err="1">
+                <a:solidFill>
+                  <a:schemeClr val="tx1"/>
+                </a:solidFill>
+                <a:latin typeface="Arial" panose="020B0604020202020204" pitchFamily="34" charset="0"/>
+                <a:cs typeface="Arial" panose="020B0604020202020204" pitchFamily="34" charset="0"/>
+              </a:rPr>
+              <a:t>m_event_xml</a:t>
+            </a:r>
+            <a:endParaRPr lang="de-CH" sz="1000" b="1" dirty="0">
+              <a:solidFill>
+                <a:schemeClr val="tx1"/>
+              </a:solidFill>
+              <a:latin typeface="Arial" panose="020B0604020202020204" pitchFamily="34" charset="0"/>
+              <a:cs typeface="Arial" panose="020B0604020202020204" pitchFamily="34" charset="0"/>
+            </a:endParaRPr>
+          </a:p>
+          <a:p>
+            <a:r>
+              <a:rPr lang="de-CH" sz="1000" b="1" dirty="0">
+                <a:solidFill>
+                  <a:schemeClr val="tx1"/>
+                </a:solidFill>
+                <a:latin typeface="Arial" panose="020B0604020202020204" pitchFamily="34" charset="0"/>
+                <a:cs typeface="Arial" panose="020B0604020202020204" pitchFamily="34" charset="0"/>
+              </a:rPr>
+              <a:t>    </a:t>
+            </a:r>
+            <a:r>
+              <a:rPr lang="de-CH" sz="1000" b="1" i="1" dirty="0">
+                <a:solidFill>
+                  <a:schemeClr val="tx1"/>
+                </a:solidFill>
+                <a:latin typeface="Arial" panose="020B0604020202020204" pitchFamily="34" charset="0"/>
+                <a:cs typeface="Arial" panose="020B0604020202020204" pitchFamily="34" charset="0"/>
+              </a:rPr>
+              <a:t>Instance </a:t>
+            </a:r>
+            <a:r>
+              <a:rPr lang="de-CH" sz="1000" b="1" i="1" dirty="0" err="1">
+                <a:solidFill>
+                  <a:schemeClr val="tx1"/>
+                </a:solidFill>
+                <a:latin typeface="Arial" panose="020B0604020202020204" pitchFamily="34" charset="0"/>
+                <a:cs typeface="Arial" panose="020B0604020202020204" pitchFamily="34" charset="0"/>
+              </a:rPr>
+              <a:t>of</a:t>
+            </a:r>
+            <a:r>
+              <a:rPr lang="de-CH" sz="1000" b="1" i="1" dirty="0">
+                <a:solidFill>
+                  <a:schemeClr val="tx1"/>
+                </a:solidFill>
+                <a:latin typeface="Arial" panose="020B0604020202020204" pitchFamily="34" charset="0"/>
+                <a:cs typeface="Arial" panose="020B0604020202020204" pitchFamily="34" charset="0"/>
+              </a:rPr>
+              <a:t> </a:t>
+            </a:r>
+            <a:r>
+              <a:rPr lang="de-CH" sz="1000" b="1" i="1" dirty="0" err="1">
+                <a:solidFill>
+                  <a:schemeClr val="tx1"/>
+                </a:solidFill>
+                <a:latin typeface="Arial" panose="020B0604020202020204" pitchFamily="34" charset="0"/>
+                <a:cs typeface="Arial" panose="020B0604020202020204" pitchFamily="34" charset="0"/>
+              </a:rPr>
+              <a:t>EventProgramXml</a:t>
+            </a:r>
+            <a:r>
+              <a:rPr lang="de-CH" sz="1000" b="1" i="1" dirty="0">
+                <a:solidFill>
+                  <a:schemeClr val="tx1"/>
+                </a:solidFill>
+                <a:latin typeface="Arial" panose="020B0604020202020204" pitchFamily="34" charset="0"/>
+                <a:cs typeface="Arial" panose="020B0604020202020204" pitchFamily="34" charset="0"/>
+              </a:rPr>
+              <a:t> </a:t>
+            </a:r>
+          </a:p>
+          <a:p>
+            <a:r>
+              <a:rPr lang="de-CH" sz="1000" b="1" dirty="0" err="1">
+                <a:solidFill>
+                  <a:schemeClr val="tx1"/>
+                </a:solidFill>
+                <a:latin typeface="Arial" panose="020B0604020202020204" pitchFamily="34" charset="0"/>
+                <a:cs typeface="Arial" panose="020B0604020202020204" pitchFamily="34" charset="0"/>
+              </a:rPr>
+              <a:t>m_event_object_index</a:t>
+            </a:r>
+            <a:endParaRPr lang="de-CH" sz="1000" b="1" dirty="0">
+              <a:solidFill>
+                <a:schemeClr val="tx1"/>
+              </a:solidFill>
+              <a:latin typeface="Arial" panose="020B0604020202020204" pitchFamily="34" charset="0"/>
+              <a:cs typeface="Arial" panose="020B0604020202020204" pitchFamily="34" charset="0"/>
+            </a:endParaRPr>
+          </a:p>
+          <a:p>
+            <a:r>
+              <a:rPr lang="en-US" sz="1000" b="1" i="1" dirty="0">
+                <a:solidFill>
+                  <a:schemeClr val="tx1"/>
+                </a:solidFill>
+                <a:latin typeface="Arial" panose="020B0604020202020204" pitchFamily="34" charset="0"/>
+                <a:cs typeface="Arial" panose="020B0604020202020204" pitchFamily="34" charset="0"/>
+              </a:rPr>
+              <a:t> Current index for </a:t>
+            </a:r>
+            <a:r>
+              <a:rPr lang="en-US" sz="1000" b="1" i="1" dirty="0" err="1">
+                <a:solidFill>
+                  <a:schemeClr val="tx1"/>
+                </a:solidFill>
+                <a:latin typeface="Arial" panose="020B0604020202020204" pitchFamily="34" charset="0"/>
+                <a:cs typeface="Arial" panose="020B0604020202020204" pitchFamily="34" charset="0"/>
+              </a:rPr>
+              <a:t>m_event_xml_array</a:t>
+            </a:r>
+            <a:r>
+              <a:rPr lang="en-US" sz="1000" b="1" i="1" dirty="0">
+                <a:solidFill>
+                  <a:schemeClr val="tx1"/>
+                </a:solidFill>
+                <a:latin typeface="Arial" panose="020B0604020202020204" pitchFamily="34" charset="0"/>
+                <a:cs typeface="Arial" panose="020B0604020202020204" pitchFamily="34" charset="0"/>
+              </a:rPr>
+              <a:t> in recursive loop</a:t>
+            </a:r>
+            <a:endParaRPr lang="de-CH" sz="1000" b="1" i="1" dirty="0">
+              <a:solidFill>
+                <a:schemeClr val="tx1"/>
+              </a:solidFill>
+              <a:latin typeface="Arial" panose="020B0604020202020204" pitchFamily="34" charset="0"/>
+              <a:cs typeface="Arial" panose="020B0604020202020204" pitchFamily="34" charset="0"/>
+            </a:endParaRPr>
+          </a:p>
+          <a:p>
+            <a:r>
+              <a:rPr lang="de-CH" sz="1000" b="1" dirty="0" err="1">
+                <a:solidFill>
+                  <a:schemeClr val="tx1"/>
+                </a:solidFill>
+                <a:latin typeface="Arial" panose="020B0604020202020204" pitchFamily="34" charset="0"/>
+                <a:cs typeface="Arial" panose="020B0604020202020204" pitchFamily="34" charset="0"/>
+              </a:rPr>
+              <a:t>m_event_xml_array</a:t>
+            </a:r>
+            <a:endParaRPr lang="de-CH" sz="1000" b="1" dirty="0">
+              <a:solidFill>
+                <a:schemeClr val="tx1"/>
+              </a:solidFill>
+              <a:latin typeface="Arial" panose="020B0604020202020204" pitchFamily="34" charset="0"/>
+              <a:cs typeface="Arial" panose="020B0604020202020204" pitchFamily="34" charset="0"/>
+            </a:endParaRPr>
+          </a:p>
+          <a:p>
+            <a:r>
+              <a:rPr lang="en-US" sz="1000" b="1" i="1" dirty="0">
+                <a:solidFill>
+                  <a:schemeClr val="tx1"/>
+                </a:solidFill>
+                <a:latin typeface="Arial" panose="020B0604020202020204" pitchFamily="34" charset="0"/>
+                <a:cs typeface="Arial" panose="020B0604020202020204" pitchFamily="34" charset="0"/>
+              </a:rPr>
+              <a:t> Array with event XML objects</a:t>
+            </a:r>
+          </a:p>
+          <a:p>
+            <a:r>
+              <a:rPr lang="en-US" sz="1000" b="1" dirty="0" err="1">
+                <a:solidFill>
+                  <a:schemeClr val="tx1"/>
+                </a:solidFill>
+                <a:latin typeface="Arial" panose="020B0604020202020204" pitchFamily="34" charset="0"/>
+                <a:cs typeface="Arial" panose="020B0604020202020204" pitchFamily="34" charset="0"/>
+              </a:rPr>
+              <a:t>m_file_name_add_str</a:t>
+            </a:r>
+            <a:r>
+              <a:rPr lang="en-US" sz="1000" b="1" dirty="0">
+                <a:solidFill>
+                  <a:schemeClr val="tx1"/>
+                </a:solidFill>
+                <a:latin typeface="Arial" panose="020B0604020202020204" pitchFamily="34" charset="0"/>
+                <a:cs typeface="Arial" panose="020B0604020202020204" pitchFamily="34" charset="0"/>
+              </a:rPr>
+              <a:t> = 'Salmen’;</a:t>
+            </a:r>
+          </a:p>
+          <a:p>
+            <a:r>
+              <a:rPr lang="fr-FR" sz="1000" b="1" dirty="0" err="1">
+                <a:solidFill>
+                  <a:schemeClr val="tx1"/>
+                </a:solidFill>
+                <a:latin typeface="Arial" panose="020B0604020202020204" pitchFamily="34" charset="0"/>
+                <a:cs typeface="Arial" panose="020B0604020202020204" pitchFamily="34" charset="0"/>
+              </a:rPr>
+              <a:t>m_event_files_sub_dir</a:t>
+            </a:r>
+            <a:endParaRPr lang="fr-FR" sz="1000" b="1" dirty="0">
+              <a:solidFill>
+                <a:schemeClr val="tx1"/>
+              </a:solidFill>
+              <a:latin typeface="Arial" panose="020B0604020202020204" pitchFamily="34" charset="0"/>
+              <a:cs typeface="Arial" panose="020B0604020202020204" pitchFamily="34" charset="0"/>
+            </a:endParaRPr>
+          </a:p>
+          <a:p>
+            <a:r>
+              <a:rPr lang="de-CH" sz="1000" b="1" i="1" dirty="0">
+                <a:solidFill>
+                  <a:schemeClr val="tx1"/>
+                </a:solidFill>
+                <a:latin typeface="Arial" panose="020B0604020202020204" pitchFamily="34" charset="0"/>
+                <a:cs typeface="Arial" panose="020B0604020202020204" pitchFamily="34" charset="0"/>
+              </a:rPr>
+              <a:t>    Subdirectory </a:t>
+            </a:r>
+            <a:r>
+              <a:rPr lang="de-CH" sz="1000" b="1" i="1" dirty="0" err="1">
+                <a:solidFill>
+                  <a:schemeClr val="tx1"/>
+                </a:solidFill>
+                <a:latin typeface="Arial" panose="020B0604020202020204" pitchFamily="34" charset="0"/>
+                <a:cs typeface="Arial" panose="020B0604020202020204" pitchFamily="34" charset="0"/>
+              </a:rPr>
+              <a:t>m_result_dir</a:t>
+            </a:r>
+            <a:r>
+              <a:rPr lang="de-CH" sz="1000" b="1" i="1" dirty="0">
+                <a:solidFill>
+                  <a:schemeClr val="tx1"/>
+                </a:solidFill>
+                <a:latin typeface="Arial" panose="020B0604020202020204" pitchFamily="34" charset="0"/>
+                <a:cs typeface="Arial" panose="020B0604020202020204" pitchFamily="34" charset="0"/>
+              </a:rPr>
+              <a:t>/</a:t>
+            </a:r>
+            <a:r>
+              <a:rPr lang="de-CH" sz="1000" b="1" i="1" dirty="0" err="1">
+                <a:solidFill>
+                  <a:schemeClr val="tx1"/>
+                </a:solidFill>
+                <a:latin typeface="Arial" panose="020B0604020202020204" pitchFamily="34" charset="0"/>
+                <a:cs typeface="Arial" panose="020B0604020202020204" pitchFamily="34" charset="0"/>
+              </a:rPr>
+              <a:t>m_sub_xml_dir</a:t>
+            </a:r>
+            <a:r>
+              <a:rPr lang="de-CH" sz="1000" b="1" i="1" dirty="0">
+                <a:solidFill>
+                  <a:schemeClr val="tx1"/>
+                </a:solidFill>
+                <a:latin typeface="Arial" panose="020B0604020202020204" pitchFamily="34" charset="0"/>
+                <a:cs typeface="Arial" panose="020B0604020202020204" pitchFamily="34" charset="0"/>
+              </a:rPr>
+              <a:t>/</a:t>
+            </a:r>
+          </a:p>
+        </p:txBody>
+      </p:sp>
+      <p:sp>
+        <p:nvSpPr>
+          <p:cNvPr id="4" name="Textfeld 3">
+            <a:extLst>
+              <a:ext uri="{FF2B5EF4-FFF2-40B4-BE49-F238E27FC236}">
+                <a16:creationId xmlns:a16="http://schemas.microsoft.com/office/drawing/2014/main" id="{01235A2A-663A-B1C1-5EA5-8B1C6EBDC8E9}"/>
+              </a:ext>
+            </a:extLst>
+          </p:cNvPr>
+          <p:cNvSpPr txBox="1"/>
+          <p:nvPr/>
+        </p:nvSpPr>
+        <p:spPr>
+          <a:xfrm>
+            <a:off x="5517572" y="187288"/>
+            <a:ext cx="6674427" cy="369332"/>
+          </a:xfrm>
+          <a:prstGeom prst="rect">
+            <a:avLst/>
+          </a:prstGeom>
+          <a:noFill/>
+        </p:spPr>
+        <p:txBody>
+          <a:bodyPr wrap="square">
+            <a:spAutoFit/>
+          </a:bodyPr>
+          <a:lstStyle/>
+          <a:p>
+            <a:pPr algn="ctr"/>
+            <a:r>
+              <a:rPr lang="de-CH" b="1" dirty="0" err="1">
+                <a:latin typeface="Arial" panose="020B0604020202020204" pitchFamily="34" charset="0"/>
+                <a:cs typeface="Arial" panose="020B0604020202020204" pitchFamily="34" charset="0"/>
+              </a:rPr>
+              <a:t>ReservationNewSeasonData</a:t>
+            </a:r>
+            <a:r>
+              <a:rPr lang="de-CH" b="1" dirty="0">
+                <a:latin typeface="Arial" panose="020B0604020202020204" pitchFamily="34" charset="0"/>
+                <a:cs typeface="Arial" panose="020B0604020202020204" pitchFamily="34" charset="0"/>
+              </a:rPr>
+              <a:t> .js</a:t>
+            </a:r>
+          </a:p>
+        </p:txBody>
+      </p:sp>
+      <p:sp>
+        <p:nvSpPr>
+          <p:cNvPr id="5" name="Textfeld 4">
+            <a:extLst>
+              <a:ext uri="{FF2B5EF4-FFF2-40B4-BE49-F238E27FC236}">
+                <a16:creationId xmlns:a16="http://schemas.microsoft.com/office/drawing/2014/main" id="{26D08DB3-A645-AC9B-6568-85F23F06607B}"/>
+              </a:ext>
+            </a:extLst>
+          </p:cNvPr>
+          <p:cNvSpPr txBox="1"/>
+          <p:nvPr/>
+        </p:nvSpPr>
+        <p:spPr>
+          <a:xfrm>
+            <a:off x="4920264" y="6016212"/>
+            <a:ext cx="4057369" cy="523220"/>
+          </a:xfrm>
+          <a:prstGeom prst="rect">
+            <a:avLst/>
+          </a:prstGeom>
+          <a:noFill/>
+        </p:spPr>
+        <p:txBody>
+          <a:bodyPr wrap="square">
+            <a:spAutoFit/>
+          </a:bodyPr>
+          <a:lstStyle/>
+          <a:p>
+            <a:pPr algn="ctr"/>
+            <a:r>
+              <a:rPr lang="en-US" sz="1400" b="1" dirty="0" err="1">
+                <a:latin typeface="Arial" panose="020B0604020202020204" pitchFamily="34" charset="0"/>
+                <a:cs typeface="Arial" panose="020B0604020202020204" pitchFamily="34" charset="0"/>
+              </a:rPr>
+              <a:t>g_new_season_files_data</a:t>
+            </a:r>
+            <a:r>
+              <a:rPr lang="en-US" sz="1400" b="1" dirty="0">
+                <a:latin typeface="Arial" panose="020B0604020202020204" pitchFamily="34" charset="0"/>
+                <a:cs typeface="Arial" panose="020B0604020202020204" pitchFamily="34" charset="0"/>
+              </a:rPr>
+              <a:t> = </a:t>
+            </a:r>
+          </a:p>
+          <a:p>
+            <a:pPr algn="ctr"/>
+            <a:r>
+              <a:rPr lang="en-US" sz="1400" b="1" dirty="0">
+                <a:latin typeface="Arial" panose="020B0604020202020204" pitchFamily="34" charset="0"/>
+                <a:cs typeface="Arial" panose="020B0604020202020204" pitchFamily="34" charset="0"/>
+              </a:rPr>
+              <a:t>new </a:t>
+            </a:r>
+            <a:r>
+              <a:rPr lang="en-US" sz="1400" b="1" dirty="0" err="1">
+                <a:latin typeface="Arial" panose="020B0604020202020204" pitchFamily="34" charset="0"/>
+                <a:cs typeface="Arial" panose="020B0604020202020204" pitchFamily="34" charset="0"/>
+              </a:rPr>
+              <a:t>ReservationNewSeasonData</a:t>
+            </a:r>
+            <a:r>
+              <a:rPr lang="en-US" sz="1400" b="1" dirty="0">
+                <a:latin typeface="Arial" panose="020B0604020202020204" pitchFamily="34" charset="0"/>
+                <a:cs typeface="Arial" panose="020B0604020202020204" pitchFamily="34" charset="0"/>
+              </a:rPr>
+              <a:t> (…) </a:t>
+            </a:r>
+            <a:endParaRPr lang="de-CH" sz="1400" b="1" dirty="0">
+              <a:latin typeface="Arial" panose="020B0604020202020204" pitchFamily="34" charset="0"/>
+              <a:cs typeface="Arial" panose="020B0604020202020204" pitchFamily="34" charset="0"/>
+            </a:endParaRPr>
+          </a:p>
+        </p:txBody>
+      </p:sp>
+    </p:spTree>
+    <p:extLst>
+      <p:ext uri="{BB962C8B-B14F-4D97-AF65-F5344CB8AC3E}">
+        <p14:creationId xmlns:p14="http://schemas.microsoft.com/office/powerpoint/2010/main" val="2130856640"/>
+      </p:ext>
+    </p:extLst>
+  </p:cSld>
+  <p:clrMapOvr>
+    <a:masterClrMapping/>
+  </p:clrMapOvr>
+</p:sld>
+</file>
+
+<file path=ppt/slides/slide5.xml><?xml version="1.0" encoding="utf-8"?>
+<p:sld xmlns:a="http://schemas.openxmlformats.org/drawingml/2006/main" xmlns:r="http://schemas.openxmlformats.org/officeDocument/2006/relationships" xmlns:p="http://schemas.openxmlformats.org/presentationml/2006/main">
+  <p:cSld>
+    <p:spTree>
+      <p:nvGrpSpPr>
+        <p:cNvPr id="1" name=""/>
+        <p:cNvGrpSpPr/>
+        <p:nvPr/>
+      </p:nvGrpSpPr>
+      <p:grpSpPr>
+        <a:xfrm>
+          <a:off x="0" y="0"/>
+          <a:ext cx="0" cy="0"/>
+          <a:chOff x="0" y="0"/>
+          <a:chExt cx="0" cy="0"/>
+        </a:xfrm>
+      </p:grpSpPr>
+      <p:sp>
+        <p:nvSpPr>
+          <p:cNvPr id="2" name="Rechteck 1">
+            <a:extLst>
+              <a:ext uri="{FF2B5EF4-FFF2-40B4-BE49-F238E27FC236}">
                 <a16:creationId xmlns:a16="http://schemas.microsoft.com/office/drawing/2014/main" id="{0B0E4C48-E5E3-50B0-722E-1FF60AA68ED7}"/>
               </a:ext>
             </a:extLst>
@@ -9426,7 +10430,7 @@
 </p:sld>
 </file>
 
-<file path=ppt/slides/slide5.xml><?xml version="1.0" encoding="utf-8"?>
+<file path=ppt/slides/slide6.xml><?xml version="1.0" encoding="utf-8"?>
 <p:sld xmlns:a="http://schemas.openxmlformats.org/drawingml/2006/main" xmlns:r="http://schemas.openxmlformats.org/officeDocument/2006/relationships" xmlns:p="http://schemas.openxmlformats.org/presentationml/2006/main">
   <p:cSld>
     <p:spTree>
@@ -11421,7 +12425,7 @@
 </p:sld>
 </file>
 
-<file path=ppt/slides/slide6.xml><?xml version="1.0" encoding="utf-8"?>
+<file path=ppt/slides/slide7.xml><?xml version="1.0" encoding="utf-8"?>
 <p:sld xmlns:a="http://schemas.openxmlformats.org/drawingml/2006/main" xmlns:r="http://schemas.openxmlformats.org/officeDocument/2006/relationships" xmlns:p="http://schemas.openxmlformats.org/presentationml/2006/main">
   <p:cSld>
     <p:spTree>
@@ -13113,7 +14117,7 @@
 </p:sld>
 </file>
 
-<file path=ppt/slides/slide7.xml><?xml version="1.0" encoding="utf-8"?>
+<file path=ppt/slides/slide8.xml><?xml version="1.0" encoding="utf-8"?>
 <p:sld xmlns:a="http://schemas.openxmlformats.org/drawingml/2006/main" xmlns:r="http://schemas.openxmlformats.org/officeDocument/2006/relationships" xmlns:p="http://schemas.openxmlformats.org/presentationml/2006/main">
   <p:cSld>
     <p:spTree>
@@ -13412,7 +14416,7 @@
 </p:sld>
 </file>
 
-<file path=ppt/slides/slide8.xml><?xml version="1.0" encoding="utf-8"?>
+<file path=ppt/slides/slide9.xml><?xml version="1.0" encoding="utf-8"?>
 <p:sld xmlns:a="http://schemas.openxmlformats.org/drawingml/2006/main" xmlns:r="http://schemas.openxmlformats.org/officeDocument/2006/relationships" xmlns:p="http://schemas.openxmlformats.org/presentationml/2006/main">
   <p:cSld>
     <p:spTree>
@@ -13463,66 +14467,6 @@
     <p:extLst>
       <p:ext uri="{BB962C8B-B14F-4D97-AF65-F5344CB8AC3E}">
         <p14:creationId xmlns:p14="http://schemas.microsoft.com/office/powerpoint/2010/main" val="1360772239"/>
-      </p:ext>
-    </p:extLst>
-  </p:cSld>
-  <p:clrMapOvr>
-    <a:masterClrMapping/>
-  </p:clrMapOvr>
-</p:sld>
-</file>
-
-<file path=ppt/slides/slide9.xml><?xml version="1.0" encoding="utf-8"?>
-<p:sld xmlns:a="http://schemas.openxmlformats.org/drawingml/2006/main" xmlns:r="http://schemas.openxmlformats.org/officeDocument/2006/relationships" xmlns:p="http://schemas.openxmlformats.org/presentationml/2006/main">
-  <p:cSld>
-    <p:spTree>
-      <p:nvGrpSpPr>
-        <p:cNvPr id="1" name=""/>
-        <p:cNvGrpSpPr/>
-        <p:nvPr/>
-      </p:nvGrpSpPr>
-      <p:grpSpPr>
-        <a:xfrm>
-          <a:off x="0" y="0"/>
-          <a:ext cx="0" cy="0"/>
-          <a:chOff x="0" y="0"/>
-          <a:chExt cx="0" cy="0"/>
-        </a:xfrm>
-      </p:grpSpPr>
-      <p:pic>
-        <p:nvPicPr>
-          <p:cNvPr id="3" name="Grafik 2">
-            <a:extLst>
-              <a:ext uri="{FF2B5EF4-FFF2-40B4-BE49-F238E27FC236}">
-                <a16:creationId xmlns:a16="http://schemas.microsoft.com/office/drawing/2014/main" id="{17CA3C3D-C39A-BD3C-4464-718D814A967C}"/>
-              </a:ext>
-            </a:extLst>
-          </p:cNvPr>
-          <p:cNvPicPr>
-            <a:picLocks noChangeAspect="1"/>
-          </p:cNvPicPr>
-          <p:nvPr/>
-        </p:nvPicPr>
-        <p:blipFill>
-          <a:blip r:embed="rId2"/>
-          <a:stretch>
-            <a:fillRect/>
-          </a:stretch>
-        </p:blipFill>
-        <p:spPr>
-          <a:xfrm>
-            <a:off x="810286" y="776619"/>
-            <a:ext cx="10571428" cy="5304762"/>
-          </a:xfrm>
-          <a:prstGeom prst="rect">
-            <a:avLst/>
-          </a:prstGeom>
-        </p:spPr>
-      </p:pic>
-    </p:spTree>
-    <p:extLst>
-      <p:ext uri="{BB962C8B-B14F-4D97-AF65-F5344CB8AC3E}">
-        <p14:creationId xmlns:p14="http://schemas.microsoft.com/office/powerpoint/2010/main" val="364843717"/>
       </p:ext>
     </p:extLst>
   </p:cSld>

--- a/Description/ResrvationNewSeason.pptx
+++ b/Description/ResrvationNewSeason.pptx
@@ -278,7 +278,7 @@
           <a:p>
             <a:fld id="{DDCE6D58-9B57-4731-A47B-3CD41B48F0A9}" type="datetimeFigureOut">
               <a:rPr lang="de-CH" smtClean="0"/>
-              <a:t>02.06.2025</a:t>
+              <a:t>03.06.2025</a:t>
             </a:fld>
             <a:endParaRPr lang="de-CH"/>
           </a:p>
@@ -448,7 +448,7 @@
           <a:p>
             <a:fld id="{DDCE6D58-9B57-4731-A47B-3CD41B48F0A9}" type="datetimeFigureOut">
               <a:rPr lang="de-CH" smtClean="0"/>
-              <a:t>02.06.2025</a:t>
+              <a:t>03.06.2025</a:t>
             </a:fld>
             <a:endParaRPr lang="de-CH"/>
           </a:p>
@@ -628,7 +628,7 @@
           <a:p>
             <a:fld id="{DDCE6D58-9B57-4731-A47B-3CD41B48F0A9}" type="datetimeFigureOut">
               <a:rPr lang="de-CH" smtClean="0"/>
-              <a:t>02.06.2025</a:t>
+              <a:t>03.06.2025</a:t>
             </a:fld>
             <a:endParaRPr lang="de-CH"/>
           </a:p>
@@ -798,7 +798,7 @@
           <a:p>
             <a:fld id="{DDCE6D58-9B57-4731-A47B-3CD41B48F0A9}" type="datetimeFigureOut">
               <a:rPr lang="de-CH" smtClean="0"/>
-              <a:t>02.06.2025</a:t>
+              <a:t>03.06.2025</a:t>
             </a:fld>
             <a:endParaRPr lang="de-CH"/>
           </a:p>
@@ -1044,7 +1044,7 @@
           <a:p>
             <a:fld id="{DDCE6D58-9B57-4731-A47B-3CD41B48F0A9}" type="datetimeFigureOut">
               <a:rPr lang="de-CH" smtClean="0"/>
-              <a:t>02.06.2025</a:t>
+              <a:t>03.06.2025</a:t>
             </a:fld>
             <a:endParaRPr lang="de-CH"/>
           </a:p>
@@ -1276,7 +1276,7 @@
           <a:p>
             <a:fld id="{DDCE6D58-9B57-4731-A47B-3CD41B48F0A9}" type="datetimeFigureOut">
               <a:rPr lang="de-CH" smtClean="0"/>
-              <a:t>02.06.2025</a:t>
+              <a:t>03.06.2025</a:t>
             </a:fld>
             <a:endParaRPr lang="de-CH"/>
           </a:p>
@@ -1643,7 +1643,7 @@
           <a:p>
             <a:fld id="{DDCE6D58-9B57-4731-A47B-3CD41B48F0A9}" type="datetimeFigureOut">
               <a:rPr lang="de-CH" smtClean="0"/>
-              <a:t>02.06.2025</a:t>
+              <a:t>03.06.2025</a:t>
             </a:fld>
             <a:endParaRPr lang="de-CH"/>
           </a:p>
@@ -1761,7 +1761,7 @@
           <a:p>
             <a:fld id="{DDCE6D58-9B57-4731-A47B-3CD41B48F0A9}" type="datetimeFigureOut">
               <a:rPr lang="de-CH" smtClean="0"/>
-              <a:t>02.06.2025</a:t>
+              <a:t>03.06.2025</a:t>
             </a:fld>
             <a:endParaRPr lang="de-CH"/>
           </a:p>
@@ -1856,7 +1856,7 @@
           <a:p>
             <a:fld id="{DDCE6D58-9B57-4731-A47B-3CD41B48F0A9}" type="datetimeFigureOut">
               <a:rPr lang="de-CH" smtClean="0"/>
-              <a:t>02.06.2025</a:t>
+              <a:t>03.06.2025</a:t>
             </a:fld>
             <a:endParaRPr lang="de-CH"/>
           </a:p>
@@ -2133,7 +2133,7 @@
           <a:p>
             <a:fld id="{DDCE6D58-9B57-4731-A47B-3CD41B48F0A9}" type="datetimeFigureOut">
               <a:rPr lang="de-CH" smtClean="0"/>
-              <a:t>02.06.2025</a:t>
+              <a:t>03.06.2025</a:t>
             </a:fld>
             <a:endParaRPr lang="de-CH"/>
           </a:p>
@@ -2386,7 +2386,7 @@
           <a:p>
             <a:fld id="{DDCE6D58-9B57-4731-A47B-3CD41B48F0A9}" type="datetimeFigureOut">
               <a:rPr lang="de-CH" smtClean="0"/>
-              <a:t>02.06.2025</a:t>
+              <a:t>03.06.2025</a:t>
             </a:fld>
             <a:endParaRPr lang="de-CH"/>
           </a:p>
@@ -2599,7 +2599,7 @@
           <a:p>
             <a:fld id="{DDCE6D58-9B57-4731-A47B-3CD41B48F0A9}" type="datetimeFigureOut">
               <a:rPr lang="de-CH" smtClean="0"/>
-              <a:t>02.06.2025</a:t>
+              <a:t>03.06.2025</a:t>
             </a:fld>
             <a:endParaRPr lang="de-CH"/>
           </a:p>
@@ -3026,7 +3026,7 @@
         </p:blipFill>
         <p:spPr>
           <a:xfrm>
-            <a:off x="4776952" y="2081381"/>
+            <a:off x="180974" y="3016564"/>
             <a:ext cx="2638095" cy="2695238"/>
           </a:xfrm>
           <a:prstGeom prst="rect">
@@ -3034,6 +3034,91 @@
           </a:prstGeom>
         </p:spPr>
       </p:pic>
+      <p:pic>
+        <p:nvPicPr>
+          <p:cNvPr id="1026" name="Picture 2" descr="XML-Dateien einer neuen Saison generieren">
+            <a:extLst>
+              <a:ext uri="{FF2B5EF4-FFF2-40B4-BE49-F238E27FC236}">
+                <a16:creationId xmlns:a16="http://schemas.microsoft.com/office/drawing/2014/main" id="{3CF0C929-AB92-83DC-52CF-55A1CCF75972}"/>
+              </a:ext>
+            </a:extLst>
+          </p:cNvPr>
+          <p:cNvPicPr>
+            <a:picLocks noChangeAspect="1" noChangeArrowheads="1"/>
+          </p:cNvPicPr>
+          <p:nvPr/>
+        </p:nvPicPr>
+        <p:blipFill>
+          <a:blip r:embed="rId3">
+            <a:extLst>
+              <a:ext uri="{28A0092B-C50C-407E-A947-70E740481C1C}">
+                <a14:useLocalDpi xmlns:a14="http://schemas.microsoft.com/office/drawing/2010/main" val="0"/>
+              </a:ext>
+            </a:extLst>
+          </a:blip>
+          <a:srcRect/>
+          <a:stretch>
+            <a:fillRect/>
+          </a:stretch>
+        </p:blipFill>
+        <p:spPr bwMode="auto">
+          <a:xfrm>
+            <a:off x="648566" y="1671791"/>
+            <a:ext cx="1647826" cy="1237701"/>
+          </a:xfrm>
+          <a:prstGeom prst="rect">
+            <a:avLst/>
+          </a:prstGeom>
+          <a:noFill/>
+          <a:extLst>
+            <a:ext uri="{909E8E84-426E-40DD-AFC4-6F175D3DCCD1}">
+              <a14:hiddenFill xmlns:a14="http://schemas.microsoft.com/office/drawing/2010/main">
+                <a:solidFill>
+                  <a:srgbClr val="FFFFFF"/>
+                </a:solidFill>
+              </a14:hiddenFill>
+            </a:ext>
+          </a:extLst>
+        </p:spPr>
+      </p:pic>
+      <p:sp>
+        <p:nvSpPr>
+          <p:cNvPr id="2" name="Textfeld 1">
+            <a:extLst>
+              <a:ext uri="{FF2B5EF4-FFF2-40B4-BE49-F238E27FC236}">
+                <a16:creationId xmlns:a16="http://schemas.microsoft.com/office/drawing/2014/main" id="{6F326C67-4A02-6544-26E3-4BB0D396869E}"/>
+              </a:ext>
+            </a:extLst>
+          </p:cNvPr>
+          <p:cNvSpPr txBox="1"/>
+          <p:nvPr/>
+        </p:nvSpPr>
+        <p:spPr>
+          <a:xfrm>
+            <a:off x="481308" y="1148571"/>
+            <a:ext cx="2037426" cy="523220"/>
+          </a:xfrm>
+          <a:prstGeom prst="rect">
+            <a:avLst/>
+          </a:prstGeom>
+          <a:noFill/>
+        </p:spPr>
+        <p:txBody>
+          <a:bodyPr wrap="square" rtlCol="0">
+            <a:spAutoFit/>
+          </a:bodyPr>
+          <a:lstStyle/>
+          <a:p>
+            <a:pPr algn="ctr"/>
+            <a:r>
+              <a:rPr lang="de-CH" sz="2800" b="1" dirty="0">
+                <a:latin typeface="Arial Black" panose="020B0A04020102020204" pitchFamily="34" charset="0"/>
+              </a:rPr>
+              <a:t>Intranet</a:t>
+            </a:r>
+          </a:p>
+        </p:txBody>
+      </p:sp>
     </p:spTree>
     <p:extLst>
       <p:ext uri="{BB962C8B-B14F-4D97-AF65-F5344CB8AC3E}">
@@ -14104,6 +14189,1822 @@
           </a:fontRef>
         </p:style>
       </p:cxnSp>
+      <p:cxnSp>
+        <p:nvCxnSpPr>
+          <p:cNvPr id="47" name="Gerader Verbinder 46">
+            <a:extLst>
+              <a:ext uri="{FF2B5EF4-FFF2-40B4-BE49-F238E27FC236}">
+                <a16:creationId xmlns:a16="http://schemas.microsoft.com/office/drawing/2014/main" id="{5B596629-33EA-D6BB-203D-A484C4431C75}"/>
+              </a:ext>
+            </a:extLst>
+          </p:cNvPr>
+          <p:cNvCxnSpPr>
+            <a:cxnSpLocks/>
+            <a:stCxn id="55" idx="0"/>
+          </p:cNvCxnSpPr>
+          <p:nvPr/>
+        </p:nvCxnSpPr>
+        <p:spPr>
+          <a:xfrm flipV="1">
+            <a:off x="10694067" y="4566567"/>
+            <a:ext cx="8998" cy="919559"/>
+          </a:xfrm>
+          <a:prstGeom prst="line">
+            <a:avLst/>
+          </a:prstGeom>
+        </p:spPr>
+        <p:style>
+          <a:lnRef idx="1">
+            <a:schemeClr val="accent1"/>
+          </a:lnRef>
+          <a:fillRef idx="0">
+            <a:schemeClr val="accent1"/>
+          </a:fillRef>
+          <a:effectRef idx="0">
+            <a:schemeClr val="accent1"/>
+          </a:effectRef>
+          <a:fontRef idx="minor">
+            <a:schemeClr val="tx1"/>
+          </a:fontRef>
+        </p:style>
+      </p:cxnSp>
+      <p:cxnSp>
+        <p:nvCxnSpPr>
+          <p:cNvPr id="48" name="Gerader Verbinder 47">
+            <a:extLst>
+              <a:ext uri="{FF2B5EF4-FFF2-40B4-BE49-F238E27FC236}">
+                <a16:creationId xmlns:a16="http://schemas.microsoft.com/office/drawing/2014/main" id="{DEE6F3C3-477B-8E9A-E52F-16915DA60008}"/>
+              </a:ext>
+            </a:extLst>
+          </p:cNvPr>
+          <p:cNvCxnSpPr>
+            <a:cxnSpLocks/>
+            <a:endCxn id="49" idx="2"/>
+          </p:cNvCxnSpPr>
+          <p:nvPr/>
+        </p:nvCxnSpPr>
+        <p:spPr>
+          <a:xfrm flipH="1" flipV="1">
+            <a:off x="9182741" y="4366597"/>
+            <a:ext cx="1251" cy="194649"/>
+          </a:xfrm>
+          <a:prstGeom prst="line">
+            <a:avLst/>
+          </a:prstGeom>
+        </p:spPr>
+        <p:style>
+          <a:lnRef idx="1">
+            <a:schemeClr val="accent1"/>
+          </a:lnRef>
+          <a:fillRef idx="0">
+            <a:schemeClr val="accent1"/>
+          </a:fillRef>
+          <a:effectRef idx="0">
+            <a:schemeClr val="accent1"/>
+          </a:effectRef>
+          <a:fontRef idx="minor">
+            <a:schemeClr val="tx1"/>
+          </a:fontRef>
+        </p:style>
+      </p:cxnSp>
+      <p:sp>
+        <p:nvSpPr>
+          <p:cNvPr id="49" name="Rechteck 48">
+            <a:extLst>
+              <a:ext uri="{FF2B5EF4-FFF2-40B4-BE49-F238E27FC236}">
+                <a16:creationId xmlns:a16="http://schemas.microsoft.com/office/drawing/2014/main" id="{3E4B5D6F-9406-EFA2-F7CE-3397ECA36081}"/>
+              </a:ext>
+            </a:extLst>
+          </p:cNvPr>
+          <p:cNvSpPr/>
+          <p:nvPr/>
+        </p:nvSpPr>
+        <p:spPr>
+          <a:xfrm>
+            <a:off x="8321429" y="4062305"/>
+            <a:ext cx="1722623" cy="304292"/>
+          </a:xfrm>
+          <a:prstGeom prst="rect">
+            <a:avLst/>
+          </a:prstGeom>
+          <a:solidFill>
+            <a:srgbClr val="FFFF00"/>
+          </a:solidFill>
+          <a:ln>
+            <a:solidFill>
+              <a:schemeClr val="tx1"/>
+            </a:solidFill>
+          </a:ln>
+        </p:spPr>
+        <p:style>
+          <a:lnRef idx="2">
+            <a:schemeClr val="accent1">
+              <a:shade val="50000"/>
+            </a:schemeClr>
+          </a:lnRef>
+          <a:fillRef idx="1">
+            <a:schemeClr val="accent1"/>
+          </a:fillRef>
+          <a:effectRef idx="0">
+            <a:schemeClr val="accent1"/>
+          </a:effectRef>
+          <a:fontRef idx="minor">
+            <a:schemeClr val="lt1"/>
+          </a:fontRef>
+        </p:style>
+        <p:txBody>
+          <a:bodyPr rtlCol="0" anchor="ctr"/>
+          <a:lstStyle/>
+          <a:p>
+            <a:pPr algn="ctr"/>
+            <a:r>
+              <a:rPr lang="de-CH" sz="1000" b="1" dirty="0">
+                <a:solidFill>
+                  <a:schemeClr val="tx1"/>
+                </a:solidFill>
+                <a:latin typeface="Arial" panose="020B0604020202020204" pitchFamily="34" charset="0"/>
+                <a:cs typeface="Arial" panose="020B0604020202020204" pitchFamily="34" charset="0"/>
+              </a:rPr>
+              <a:t>Reservation </a:t>
+            </a:r>
+          </a:p>
+        </p:txBody>
+      </p:sp>
+      <p:cxnSp>
+        <p:nvCxnSpPr>
+          <p:cNvPr id="50" name="Gerader Verbinder 49">
+            <a:extLst>
+              <a:ext uri="{FF2B5EF4-FFF2-40B4-BE49-F238E27FC236}">
+                <a16:creationId xmlns:a16="http://schemas.microsoft.com/office/drawing/2014/main" id="{35FD7F8D-DF0B-2241-2F75-E213154B1C89}"/>
+              </a:ext>
+            </a:extLst>
+          </p:cNvPr>
+          <p:cNvCxnSpPr>
+            <a:cxnSpLocks/>
+          </p:cNvCxnSpPr>
+          <p:nvPr/>
+        </p:nvCxnSpPr>
+        <p:spPr>
+          <a:xfrm flipV="1">
+            <a:off x="9415129" y="4561246"/>
+            <a:ext cx="0" cy="204892"/>
+          </a:xfrm>
+          <a:prstGeom prst="line">
+            <a:avLst/>
+          </a:prstGeom>
+        </p:spPr>
+        <p:style>
+          <a:lnRef idx="1">
+            <a:schemeClr val="accent1"/>
+          </a:lnRef>
+          <a:fillRef idx="0">
+            <a:schemeClr val="accent1"/>
+          </a:fillRef>
+          <a:effectRef idx="0">
+            <a:schemeClr val="accent1"/>
+          </a:effectRef>
+          <a:fontRef idx="minor">
+            <a:schemeClr val="tx1"/>
+          </a:fontRef>
+        </p:style>
+      </p:cxnSp>
+      <p:cxnSp>
+        <p:nvCxnSpPr>
+          <p:cNvPr id="51" name="Gerader Verbinder 50">
+            <a:extLst>
+              <a:ext uri="{FF2B5EF4-FFF2-40B4-BE49-F238E27FC236}">
+                <a16:creationId xmlns:a16="http://schemas.microsoft.com/office/drawing/2014/main" id="{D4512F21-B6A6-D17E-6CF5-08FF89AE8BE5}"/>
+              </a:ext>
+            </a:extLst>
+          </p:cNvPr>
+          <p:cNvCxnSpPr>
+            <a:cxnSpLocks/>
+          </p:cNvCxnSpPr>
+          <p:nvPr/>
+        </p:nvCxnSpPr>
+        <p:spPr>
+          <a:xfrm flipV="1">
+            <a:off x="9737193" y="4554169"/>
+            <a:ext cx="0" cy="201916"/>
+          </a:xfrm>
+          <a:prstGeom prst="line">
+            <a:avLst/>
+          </a:prstGeom>
+        </p:spPr>
+        <p:style>
+          <a:lnRef idx="1">
+            <a:schemeClr val="accent1"/>
+          </a:lnRef>
+          <a:fillRef idx="0">
+            <a:schemeClr val="accent1"/>
+          </a:fillRef>
+          <a:effectRef idx="0">
+            <a:schemeClr val="accent1"/>
+          </a:effectRef>
+          <a:fontRef idx="minor">
+            <a:schemeClr val="tx1"/>
+          </a:fontRef>
+        </p:style>
+      </p:cxnSp>
+      <p:cxnSp>
+        <p:nvCxnSpPr>
+          <p:cNvPr id="52" name="Gerader Verbinder 51">
+            <a:extLst>
+              <a:ext uri="{FF2B5EF4-FFF2-40B4-BE49-F238E27FC236}">
+                <a16:creationId xmlns:a16="http://schemas.microsoft.com/office/drawing/2014/main" id="{EB8D1630-501B-C005-AF46-CC006AD276DE}"/>
+              </a:ext>
+            </a:extLst>
+          </p:cNvPr>
+          <p:cNvCxnSpPr>
+            <a:cxnSpLocks/>
+          </p:cNvCxnSpPr>
+          <p:nvPr/>
+        </p:nvCxnSpPr>
+        <p:spPr>
+          <a:xfrm flipV="1">
+            <a:off x="10355778" y="4554108"/>
+            <a:ext cx="0" cy="212030"/>
+          </a:xfrm>
+          <a:prstGeom prst="line">
+            <a:avLst/>
+          </a:prstGeom>
+        </p:spPr>
+        <p:style>
+          <a:lnRef idx="1">
+            <a:schemeClr val="accent1"/>
+          </a:lnRef>
+          <a:fillRef idx="0">
+            <a:schemeClr val="accent1"/>
+          </a:fillRef>
+          <a:effectRef idx="0">
+            <a:schemeClr val="accent1"/>
+          </a:effectRef>
+          <a:fontRef idx="minor">
+            <a:schemeClr val="tx1"/>
+          </a:fontRef>
+        </p:style>
+      </p:cxnSp>
+      <p:cxnSp>
+        <p:nvCxnSpPr>
+          <p:cNvPr id="53" name="Gerader Verbinder 52">
+            <a:extLst>
+              <a:ext uri="{FF2B5EF4-FFF2-40B4-BE49-F238E27FC236}">
+                <a16:creationId xmlns:a16="http://schemas.microsoft.com/office/drawing/2014/main" id="{398286E6-916B-9DD5-F8F4-73CCABF0F2D5}"/>
+              </a:ext>
+            </a:extLst>
+          </p:cNvPr>
+          <p:cNvCxnSpPr>
+            <a:cxnSpLocks/>
+          </p:cNvCxnSpPr>
+          <p:nvPr/>
+        </p:nvCxnSpPr>
+        <p:spPr>
+          <a:xfrm flipV="1">
+            <a:off x="7427712" y="4529316"/>
+            <a:ext cx="3275353" cy="39986"/>
+          </a:xfrm>
+          <a:prstGeom prst="line">
+            <a:avLst/>
+          </a:prstGeom>
+        </p:spPr>
+        <p:style>
+          <a:lnRef idx="1">
+            <a:schemeClr val="accent1"/>
+          </a:lnRef>
+          <a:fillRef idx="0">
+            <a:schemeClr val="accent1"/>
+          </a:fillRef>
+          <a:effectRef idx="0">
+            <a:schemeClr val="accent1"/>
+          </a:effectRef>
+          <a:fontRef idx="minor">
+            <a:schemeClr val="tx1"/>
+          </a:fontRef>
+        </p:style>
+      </p:cxnSp>
+      <p:sp>
+        <p:nvSpPr>
+          <p:cNvPr id="54" name="Rechteck 53">
+            <a:extLst>
+              <a:ext uri="{FF2B5EF4-FFF2-40B4-BE49-F238E27FC236}">
+                <a16:creationId xmlns:a16="http://schemas.microsoft.com/office/drawing/2014/main" id="{52812B93-B71F-7695-7263-9A2D771E9983}"/>
+              </a:ext>
+            </a:extLst>
+          </p:cNvPr>
+          <p:cNvSpPr/>
+          <p:nvPr/>
+        </p:nvSpPr>
+        <p:spPr>
+          <a:xfrm>
+            <a:off x="10004028" y="5031542"/>
+            <a:ext cx="1518243" cy="273141"/>
+          </a:xfrm>
+          <a:prstGeom prst="rect">
+            <a:avLst/>
+          </a:prstGeom>
+          <a:solidFill>
+            <a:srgbClr val="FFFF00"/>
+          </a:solidFill>
+          <a:ln>
+            <a:solidFill>
+              <a:schemeClr val="tx1"/>
+            </a:solidFill>
+          </a:ln>
+        </p:spPr>
+        <p:style>
+          <a:lnRef idx="2">
+            <a:schemeClr val="accent1">
+              <a:shade val="50000"/>
+            </a:schemeClr>
+          </a:lnRef>
+          <a:fillRef idx="1">
+            <a:schemeClr val="accent1"/>
+          </a:fillRef>
+          <a:effectRef idx="0">
+            <a:schemeClr val="accent1"/>
+          </a:effectRef>
+          <a:fontRef idx="minor">
+            <a:schemeClr val="lt1"/>
+          </a:fontRef>
+        </p:style>
+        <p:txBody>
+          <a:bodyPr rtlCol="0" anchor="ctr"/>
+          <a:lstStyle/>
+          <a:p>
+            <a:pPr algn="ctr"/>
+            <a:r>
+              <a:rPr lang="de-CH" sz="1000" b="1" dirty="0">
+                <a:solidFill>
+                  <a:schemeClr val="tx1"/>
+                </a:solidFill>
+                <a:latin typeface="Arial" panose="020B0604020202020204" pitchFamily="34" charset="0"/>
+                <a:cs typeface="Arial" panose="020B0604020202020204" pitchFamily="34" charset="0"/>
+              </a:rPr>
+              <a:t>Spagi_76_Chairs_V_3</a:t>
+            </a:r>
+          </a:p>
+        </p:txBody>
+      </p:sp>
+      <p:sp>
+        <p:nvSpPr>
+          <p:cNvPr id="55" name="Rechteck 54">
+            <a:extLst>
+              <a:ext uri="{FF2B5EF4-FFF2-40B4-BE49-F238E27FC236}">
+                <a16:creationId xmlns:a16="http://schemas.microsoft.com/office/drawing/2014/main" id="{152EBF0F-1958-FA6A-5CBE-036765407C9F}"/>
+              </a:ext>
+            </a:extLst>
+          </p:cNvPr>
+          <p:cNvSpPr/>
+          <p:nvPr/>
+        </p:nvSpPr>
+        <p:spPr>
+          <a:xfrm>
+            <a:off x="10248271" y="5486126"/>
+            <a:ext cx="891591" cy="273141"/>
+          </a:xfrm>
+          <a:prstGeom prst="rect">
+            <a:avLst/>
+          </a:prstGeom>
+          <a:solidFill>
+            <a:srgbClr val="FFFF00"/>
+          </a:solidFill>
+          <a:ln>
+            <a:solidFill>
+              <a:schemeClr val="tx1"/>
+            </a:solidFill>
+          </a:ln>
+        </p:spPr>
+        <p:style>
+          <a:lnRef idx="2">
+            <a:schemeClr val="accent1">
+              <a:shade val="50000"/>
+            </a:schemeClr>
+          </a:lnRef>
+          <a:fillRef idx="1">
+            <a:schemeClr val="accent1"/>
+          </a:fillRef>
+          <a:effectRef idx="0">
+            <a:schemeClr val="accent1"/>
+          </a:effectRef>
+          <a:fontRef idx="minor">
+            <a:schemeClr val="lt1"/>
+          </a:fontRef>
+        </p:style>
+        <p:txBody>
+          <a:bodyPr rtlCol="0" anchor="ctr"/>
+          <a:lstStyle/>
+          <a:p>
+            <a:pPr algn="ctr"/>
+            <a:r>
+              <a:rPr lang="de-CH" sz="1000" b="1">
+                <a:solidFill>
+                  <a:schemeClr val="tx1"/>
+                </a:solidFill>
+                <a:latin typeface="Arial" panose="020B0604020202020204" pitchFamily="34" charset="0"/>
+                <a:cs typeface="Arial" panose="020B0604020202020204" pitchFamily="34" charset="0"/>
+              </a:rPr>
+              <a:t>SaisonXML</a:t>
+            </a:r>
+            <a:endParaRPr lang="de-CH" sz="1000" b="1" dirty="0">
+              <a:solidFill>
+                <a:schemeClr val="tx1"/>
+              </a:solidFill>
+              <a:latin typeface="Arial" panose="020B0604020202020204" pitchFamily="34" charset="0"/>
+              <a:cs typeface="Arial" panose="020B0604020202020204" pitchFamily="34" charset="0"/>
+            </a:endParaRPr>
+          </a:p>
+        </p:txBody>
+      </p:sp>
+      <p:cxnSp>
+        <p:nvCxnSpPr>
+          <p:cNvPr id="56" name="Gerader Verbinder 55">
+            <a:extLst>
+              <a:ext uri="{FF2B5EF4-FFF2-40B4-BE49-F238E27FC236}">
+                <a16:creationId xmlns:a16="http://schemas.microsoft.com/office/drawing/2014/main" id="{D80DBC1E-8AB1-3125-9502-277F2411F981}"/>
+              </a:ext>
+            </a:extLst>
+          </p:cNvPr>
+          <p:cNvCxnSpPr>
+            <a:cxnSpLocks/>
+            <a:stCxn id="58" idx="0"/>
+          </p:cNvCxnSpPr>
+          <p:nvPr/>
+        </p:nvCxnSpPr>
+        <p:spPr>
+          <a:xfrm flipV="1">
+            <a:off x="9072538" y="4565945"/>
+            <a:ext cx="8998" cy="919559"/>
+          </a:xfrm>
+          <a:prstGeom prst="line">
+            <a:avLst/>
+          </a:prstGeom>
+        </p:spPr>
+        <p:style>
+          <a:lnRef idx="1">
+            <a:schemeClr val="accent1"/>
+          </a:lnRef>
+          <a:fillRef idx="0">
+            <a:schemeClr val="accent1"/>
+          </a:fillRef>
+          <a:effectRef idx="0">
+            <a:schemeClr val="accent1"/>
+          </a:effectRef>
+          <a:fontRef idx="minor">
+            <a:schemeClr val="tx1"/>
+          </a:fontRef>
+        </p:style>
+      </p:cxnSp>
+      <p:sp>
+        <p:nvSpPr>
+          <p:cNvPr id="57" name="Rechteck 56">
+            <a:extLst>
+              <a:ext uri="{FF2B5EF4-FFF2-40B4-BE49-F238E27FC236}">
+                <a16:creationId xmlns:a16="http://schemas.microsoft.com/office/drawing/2014/main" id="{E24462A6-E747-A083-C8AA-2CAB84885B1A}"/>
+              </a:ext>
+            </a:extLst>
+          </p:cNvPr>
+          <p:cNvSpPr/>
+          <p:nvPr/>
+        </p:nvSpPr>
+        <p:spPr>
+          <a:xfrm>
+            <a:off x="8382499" y="5030920"/>
+            <a:ext cx="1518243" cy="273141"/>
+          </a:xfrm>
+          <a:prstGeom prst="rect">
+            <a:avLst/>
+          </a:prstGeom>
+          <a:solidFill>
+            <a:srgbClr val="FFFF00"/>
+          </a:solidFill>
+          <a:ln>
+            <a:solidFill>
+              <a:schemeClr val="tx1"/>
+            </a:solidFill>
+          </a:ln>
+        </p:spPr>
+        <p:style>
+          <a:lnRef idx="2">
+            <a:schemeClr val="accent1">
+              <a:shade val="50000"/>
+            </a:schemeClr>
+          </a:lnRef>
+          <a:fillRef idx="1">
+            <a:schemeClr val="accent1"/>
+          </a:fillRef>
+          <a:effectRef idx="0">
+            <a:schemeClr val="accent1"/>
+          </a:effectRef>
+          <a:fontRef idx="minor">
+            <a:schemeClr val="lt1"/>
+          </a:fontRef>
+        </p:style>
+        <p:txBody>
+          <a:bodyPr rtlCol="0" anchor="ctr"/>
+          <a:lstStyle/>
+          <a:p>
+            <a:pPr algn="ctr"/>
+            <a:r>
+              <a:rPr lang="de-CH" sz="1000" b="1" dirty="0">
+                <a:solidFill>
+                  <a:schemeClr val="tx1"/>
+                </a:solidFill>
+                <a:latin typeface="Arial" panose="020B0604020202020204" pitchFamily="34" charset="0"/>
+                <a:cs typeface="Arial" panose="020B0604020202020204" pitchFamily="34" charset="0"/>
+              </a:rPr>
+              <a:t>Spagi_76_Chairs_V_2</a:t>
+            </a:r>
+          </a:p>
+        </p:txBody>
+      </p:sp>
+      <p:sp>
+        <p:nvSpPr>
+          <p:cNvPr id="58" name="Rechteck 57">
+            <a:extLst>
+              <a:ext uri="{FF2B5EF4-FFF2-40B4-BE49-F238E27FC236}">
+                <a16:creationId xmlns:a16="http://schemas.microsoft.com/office/drawing/2014/main" id="{5ED1C8FE-5F4F-0FB5-8AEE-087391806BAA}"/>
+              </a:ext>
+            </a:extLst>
+          </p:cNvPr>
+          <p:cNvSpPr/>
+          <p:nvPr/>
+        </p:nvSpPr>
+        <p:spPr>
+          <a:xfrm>
+            <a:off x="8626742" y="5485504"/>
+            <a:ext cx="891591" cy="273141"/>
+          </a:xfrm>
+          <a:prstGeom prst="rect">
+            <a:avLst/>
+          </a:prstGeom>
+          <a:solidFill>
+            <a:srgbClr val="FFFF00"/>
+          </a:solidFill>
+          <a:ln>
+            <a:solidFill>
+              <a:schemeClr val="tx1"/>
+            </a:solidFill>
+          </a:ln>
+        </p:spPr>
+        <p:style>
+          <a:lnRef idx="2">
+            <a:schemeClr val="accent1">
+              <a:shade val="50000"/>
+            </a:schemeClr>
+          </a:lnRef>
+          <a:fillRef idx="1">
+            <a:schemeClr val="accent1"/>
+          </a:fillRef>
+          <a:effectRef idx="0">
+            <a:schemeClr val="accent1"/>
+          </a:effectRef>
+          <a:fontRef idx="minor">
+            <a:schemeClr val="lt1"/>
+          </a:fontRef>
+        </p:style>
+        <p:txBody>
+          <a:bodyPr rtlCol="0" anchor="ctr"/>
+          <a:lstStyle/>
+          <a:p>
+            <a:pPr algn="ctr"/>
+            <a:r>
+              <a:rPr lang="de-CH" sz="1000" b="1">
+                <a:solidFill>
+                  <a:schemeClr val="tx1"/>
+                </a:solidFill>
+                <a:latin typeface="Arial" panose="020B0604020202020204" pitchFamily="34" charset="0"/>
+                <a:cs typeface="Arial" panose="020B0604020202020204" pitchFamily="34" charset="0"/>
+              </a:rPr>
+              <a:t>SaisonXML</a:t>
+            </a:r>
+            <a:endParaRPr lang="de-CH" sz="1000" b="1" dirty="0">
+              <a:solidFill>
+                <a:schemeClr val="tx1"/>
+              </a:solidFill>
+              <a:latin typeface="Arial" panose="020B0604020202020204" pitchFamily="34" charset="0"/>
+              <a:cs typeface="Arial" panose="020B0604020202020204" pitchFamily="34" charset="0"/>
+            </a:endParaRPr>
+          </a:p>
+        </p:txBody>
+      </p:sp>
+      <p:sp>
+        <p:nvSpPr>
+          <p:cNvPr id="59" name="Textfeld 58">
+            <a:extLst>
+              <a:ext uri="{FF2B5EF4-FFF2-40B4-BE49-F238E27FC236}">
+                <a16:creationId xmlns:a16="http://schemas.microsoft.com/office/drawing/2014/main" id="{CC425FE9-49AD-3BF2-7D62-A604B4F60D55}"/>
+              </a:ext>
+            </a:extLst>
+          </p:cNvPr>
+          <p:cNvSpPr txBox="1"/>
+          <p:nvPr/>
+        </p:nvSpPr>
+        <p:spPr>
+          <a:xfrm>
+            <a:off x="8388501" y="5750286"/>
+            <a:ext cx="1377072" cy="338554"/>
+          </a:xfrm>
+          <a:prstGeom prst="rect">
+            <a:avLst/>
+          </a:prstGeom>
+          <a:noFill/>
+        </p:spPr>
+        <p:txBody>
+          <a:bodyPr wrap="square" rtlCol="0">
+            <a:spAutoFit/>
+          </a:bodyPr>
+          <a:lstStyle/>
+          <a:p>
+            <a:pPr algn="ctr"/>
+            <a:r>
+              <a:rPr lang="de-CH" sz="800" b="1" dirty="0">
+                <a:latin typeface="Aptos Narrow" panose="020B0004020202020204" pitchFamily="34" charset="0"/>
+              </a:rPr>
+              <a:t>Event </a:t>
+            </a:r>
+            <a:r>
+              <a:rPr lang="de-CH" sz="800" b="1" dirty="0" err="1">
+                <a:latin typeface="Aptos Narrow" panose="020B0004020202020204" pitchFamily="34" charset="0"/>
+              </a:rPr>
+              <a:t>program</a:t>
+            </a:r>
+            <a:r>
+              <a:rPr lang="de-CH" sz="800" b="1" dirty="0">
+                <a:latin typeface="Aptos Narrow" panose="020B0004020202020204" pitchFamily="34" charset="0"/>
+              </a:rPr>
+              <a:t> XML </a:t>
+            </a:r>
+            <a:r>
+              <a:rPr lang="de-CH" sz="800" b="1" dirty="0" err="1">
+                <a:latin typeface="Aptos Narrow" panose="020B0004020202020204" pitchFamily="34" charset="0"/>
+              </a:rPr>
+              <a:t>file</a:t>
+            </a:r>
+            <a:endParaRPr lang="de-CH" sz="800" b="1" dirty="0">
+              <a:latin typeface="Aptos Narrow" panose="020B0004020202020204" pitchFamily="34" charset="0"/>
+            </a:endParaRPr>
+          </a:p>
+          <a:p>
+            <a:pPr algn="ctr"/>
+            <a:r>
+              <a:rPr lang="de-CH" sz="800" b="1" dirty="0">
+                <a:latin typeface="Aptos Narrow" panose="020B0004020202020204" pitchFamily="34" charset="0"/>
+              </a:rPr>
+              <a:t>Event </a:t>
+            </a:r>
+            <a:r>
+              <a:rPr lang="de-CH" sz="800" b="1" dirty="0" err="1">
+                <a:latin typeface="Aptos Narrow" panose="020B0004020202020204" pitchFamily="34" charset="0"/>
+              </a:rPr>
+              <a:t>reservation</a:t>
+            </a:r>
+            <a:r>
+              <a:rPr lang="de-CH" sz="800" b="1" dirty="0">
+                <a:latin typeface="Aptos Narrow" panose="020B0004020202020204" pitchFamily="34" charset="0"/>
+              </a:rPr>
+              <a:t> XML </a:t>
+            </a:r>
+            <a:r>
+              <a:rPr lang="de-CH" sz="800" b="1" dirty="0" err="1">
+                <a:latin typeface="Aptos Narrow" panose="020B0004020202020204" pitchFamily="34" charset="0"/>
+              </a:rPr>
+              <a:t>files</a:t>
+            </a:r>
+            <a:endParaRPr lang="de-CH" sz="800" b="1" dirty="0">
+              <a:latin typeface="Aptos Narrow" panose="020B0004020202020204" pitchFamily="34" charset="0"/>
+            </a:endParaRPr>
+          </a:p>
+        </p:txBody>
+      </p:sp>
+      <p:sp>
+        <p:nvSpPr>
+          <p:cNvPr id="60" name="Textfeld 59">
+            <a:extLst>
+              <a:ext uri="{FF2B5EF4-FFF2-40B4-BE49-F238E27FC236}">
+                <a16:creationId xmlns:a16="http://schemas.microsoft.com/office/drawing/2014/main" id="{A6B29E86-5A0A-447A-36D8-DC0CE9D3353E}"/>
+              </a:ext>
+            </a:extLst>
+          </p:cNvPr>
+          <p:cNvSpPr txBox="1"/>
+          <p:nvPr/>
+        </p:nvSpPr>
+        <p:spPr>
+          <a:xfrm>
+            <a:off x="9979294" y="5788221"/>
+            <a:ext cx="1377072" cy="338554"/>
+          </a:xfrm>
+          <a:prstGeom prst="rect">
+            <a:avLst/>
+          </a:prstGeom>
+          <a:noFill/>
+        </p:spPr>
+        <p:txBody>
+          <a:bodyPr wrap="square" rtlCol="0">
+            <a:spAutoFit/>
+          </a:bodyPr>
+          <a:lstStyle/>
+          <a:p>
+            <a:pPr algn="ctr"/>
+            <a:r>
+              <a:rPr lang="de-CH" sz="800" b="1" dirty="0">
+                <a:latin typeface="Aptos Narrow" panose="020B0004020202020204" pitchFamily="34" charset="0"/>
+              </a:rPr>
+              <a:t>Event </a:t>
+            </a:r>
+            <a:r>
+              <a:rPr lang="de-CH" sz="800" b="1" dirty="0" err="1">
+                <a:latin typeface="Aptos Narrow" panose="020B0004020202020204" pitchFamily="34" charset="0"/>
+              </a:rPr>
+              <a:t>program</a:t>
+            </a:r>
+            <a:r>
+              <a:rPr lang="de-CH" sz="800" b="1" dirty="0">
+                <a:latin typeface="Aptos Narrow" panose="020B0004020202020204" pitchFamily="34" charset="0"/>
+              </a:rPr>
+              <a:t> XML </a:t>
+            </a:r>
+            <a:r>
+              <a:rPr lang="de-CH" sz="800" b="1" dirty="0" err="1">
+                <a:latin typeface="Aptos Narrow" panose="020B0004020202020204" pitchFamily="34" charset="0"/>
+              </a:rPr>
+              <a:t>file</a:t>
+            </a:r>
+            <a:endParaRPr lang="de-CH" sz="800" b="1" dirty="0">
+              <a:latin typeface="Aptos Narrow" panose="020B0004020202020204" pitchFamily="34" charset="0"/>
+            </a:endParaRPr>
+          </a:p>
+          <a:p>
+            <a:pPr algn="ctr"/>
+            <a:r>
+              <a:rPr lang="de-CH" sz="800" b="1" dirty="0">
+                <a:latin typeface="Aptos Narrow" panose="020B0004020202020204" pitchFamily="34" charset="0"/>
+              </a:rPr>
+              <a:t>Event </a:t>
+            </a:r>
+            <a:r>
+              <a:rPr lang="de-CH" sz="800" b="1" dirty="0" err="1">
+                <a:latin typeface="Aptos Narrow" panose="020B0004020202020204" pitchFamily="34" charset="0"/>
+              </a:rPr>
+              <a:t>reservation</a:t>
+            </a:r>
+            <a:r>
+              <a:rPr lang="de-CH" sz="800" b="1" dirty="0">
+                <a:latin typeface="Aptos Narrow" panose="020B0004020202020204" pitchFamily="34" charset="0"/>
+              </a:rPr>
+              <a:t> XML </a:t>
+            </a:r>
+            <a:r>
+              <a:rPr lang="de-CH" sz="800" b="1" dirty="0" err="1">
+                <a:latin typeface="Aptos Narrow" panose="020B0004020202020204" pitchFamily="34" charset="0"/>
+              </a:rPr>
+              <a:t>files</a:t>
+            </a:r>
+            <a:endParaRPr lang="de-CH" sz="800" b="1" dirty="0">
+              <a:latin typeface="Aptos Narrow" panose="020B0004020202020204" pitchFamily="34" charset="0"/>
+            </a:endParaRPr>
+          </a:p>
+        </p:txBody>
+      </p:sp>
+      <p:sp>
+        <p:nvSpPr>
+          <p:cNvPr id="62" name="Rechteck 61">
+            <a:extLst>
+              <a:ext uri="{FF2B5EF4-FFF2-40B4-BE49-F238E27FC236}">
+                <a16:creationId xmlns:a16="http://schemas.microsoft.com/office/drawing/2014/main" id="{5597465C-FF67-C70A-6211-542DA09E295E}"/>
+              </a:ext>
+            </a:extLst>
+          </p:cNvPr>
+          <p:cNvSpPr/>
+          <p:nvPr/>
+        </p:nvSpPr>
+        <p:spPr>
+          <a:xfrm>
+            <a:off x="8770185" y="3595539"/>
+            <a:ext cx="891591" cy="273141"/>
+          </a:xfrm>
+          <a:prstGeom prst="rect">
+            <a:avLst/>
+          </a:prstGeom>
+          <a:solidFill>
+            <a:srgbClr val="FFFF00"/>
+          </a:solidFill>
+          <a:ln>
+            <a:solidFill>
+              <a:schemeClr val="tx1"/>
+            </a:solidFill>
+          </a:ln>
+        </p:spPr>
+        <p:style>
+          <a:lnRef idx="2">
+            <a:schemeClr val="accent1">
+              <a:shade val="50000"/>
+            </a:schemeClr>
+          </a:lnRef>
+          <a:fillRef idx="1">
+            <a:schemeClr val="accent1"/>
+          </a:fillRef>
+          <a:effectRef idx="0">
+            <a:schemeClr val="accent1"/>
+          </a:effectRef>
+          <a:fontRef idx="minor">
+            <a:schemeClr val="lt1"/>
+          </a:fontRef>
+        </p:style>
+        <p:txBody>
+          <a:bodyPr rtlCol="0" anchor="ctr"/>
+          <a:lstStyle/>
+          <a:p>
+            <a:pPr algn="ctr"/>
+            <a:r>
+              <a:rPr lang="de-CH" sz="1000" b="1" dirty="0" err="1">
+                <a:solidFill>
+                  <a:schemeClr val="tx1"/>
+                </a:solidFill>
+                <a:latin typeface="Arial" panose="020B0604020202020204" pitchFamily="34" charset="0"/>
+                <a:cs typeface="Arial" panose="020B0604020202020204" pitchFamily="34" charset="0"/>
+              </a:rPr>
+              <a:t>www</a:t>
+            </a:r>
+            <a:endParaRPr lang="de-CH" sz="1000" b="1" dirty="0">
+              <a:solidFill>
+                <a:schemeClr val="tx1"/>
+              </a:solidFill>
+              <a:latin typeface="Arial" panose="020B0604020202020204" pitchFamily="34" charset="0"/>
+              <a:cs typeface="Arial" panose="020B0604020202020204" pitchFamily="34" charset="0"/>
+            </a:endParaRPr>
+          </a:p>
+        </p:txBody>
+      </p:sp>
+      <p:cxnSp>
+        <p:nvCxnSpPr>
+          <p:cNvPr id="63" name="Gerader Verbinder 62">
+            <a:extLst>
+              <a:ext uri="{FF2B5EF4-FFF2-40B4-BE49-F238E27FC236}">
+                <a16:creationId xmlns:a16="http://schemas.microsoft.com/office/drawing/2014/main" id="{20908F7E-2F7B-A3E7-71F9-0D27A6DBAA21}"/>
+              </a:ext>
+            </a:extLst>
+          </p:cNvPr>
+          <p:cNvCxnSpPr>
+            <a:cxnSpLocks/>
+          </p:cNvCxnSpPr>
+          <p:nvPr/>
+        </p:nvCxnSpPr>
+        <p:spPr>
+          <a:xfrm flipH="1" flipV="1">
+            <a:off x="9205590" y="3866772"/>
+            <a:ext cx="1251" cy="194649"/>
+          </a:xfrm>
+          <a:prstGeom prst="line">
+            <a:avLst/>
+          </a:prstGeom>
+        </p:spPr>
+        <p:style>
+          <a:lnRef idx="1">
+            <a:schemeClr val="accent1"/>
+          </a:lnRef>
+          <a:fillRef idx="0">
+            <a:schemeClr val="accent1"/>
+          </a:fillRef>
+          <a:effectRef idx="0">
+            <a:schemeClr val="accent1"/>
+          </a:effectRef>
+          <a:fontRef idx="minor">
+            <a:schemeClr val="tx1"/>
+          </a:fontRef>
+        </p:style>
+      </p:cxnSp>
+      <p:cxnSp>
+        <p:nvCxnSpPr>
+          <p:cNvPr id="64" name="Gerader Verbinder 63">
+            <a:extLst>
+              <a:ext uri="{FF2B5EF4-FFF2-40B4-BE49-F238E27FC236}">
+                <a16:creationId xmlns:a16="http://schemas.microsoft.com/office/drawing/2014/main" id="{4CAEB2A5-AA10-4A2A-3506-BFA7791C3FED}"/>
+              </a:ext>
+            </a:extLst>
+          </p:cNvPr>
+          <p:cNvCxnSpPr>
+            <a:cxnSpLocks/>
+            <a:stCxn id="66" idx="0"/>
+          </p:cNvCxnSpPr>
+          <p:nvPr/>
+        </p:nvCxnSpPr>
+        <p:spPr>
+          <a:xfrm flipV="1">
+            <a:off x="7418714" y="4557586"/>
+            <a:ext cx="8998" cy="919559"/>
+          </a:xfrm>
+          <a:prstGeom prst="line">
+            <a:avLst/>
+          </a:prstGeom>
+        </p:spPr>
+        <p:style>
+          <a:lnRef idx="1">
+            <a:schemeClr val="accent1"/>
+          </a:lnRef>
+          <a:fillRef idx="0">
+            <a:schemeClr val="accent1"/>
+          </a:fillRef>
+          <a:effectRef idx="0">
+            <a:schemeClr val="accent1"/>
+          </a:effectRef>
+          <a:fontRef idx="minor">
+            <a:schemeClr val="tx1"/>
+          </a:fontRef>
+        </p:style>
+      </p:cxnSp>
+      <p:sp>
+        <p:nvSpPr>
+          <p:cNvPr id="65" name="Rechteck 64">
+            <a:extLst>
+              <a:ext uri="{FF2B5EF4-FFF2-40B4-BE49-F238E27FC236}">
+                <a16:creationId xmlns:a16="http://schemas.microsoft.com/office/drawing/2014/main" id="{2206522B-4527-4C90-0A3B-F79851378C70}"/>
+              </a:ext>
+            </a:extLst>
+          </p:cNvPr>
+          <p:cNvSpPr/>
+          <p:nvPr/>
+        </p:nvSpPr>
+        <p:spPr>
+          <a:xfrm>
+            <a:off x="6728675" y="5022561"/>
+            <a:ext cx="1518243" cy="273141"/>
+          </a:xfrm>
+          <a:prstGeom prst="rect">
+            <a:avLst/>
+          </a:prstGeom>
+          <a:solidFill>
+            <a:srgbClr val="FFFF00"/>
+          </a:solidFill>
+          <a:ln>
+            <a:solidFill>
+              <a:schemeClr val="tx1"/>
+            </a:solidFill>
+          </a:ln>
+        </p:spPr>
+        <p:style>
+          <a:lnRef idx="2">
+            <a:schemeClr val="accent1">
+              <a:shade val="50000"/>
+            </a:schemeClr>
+          </a:lnRef>
+          <a:fillRef idx="1">
+            <a:schemeClr val="accent1"/>
+          </a:fillRef>
+          <a:effectRef idx="0">
+            <a:schemeClr val="accent1"/>
+          </a:effectRef>
+          <a:fontRef idx="minor">
+            <a:schemeClr val="lt1"/>
+          </a:fontRef>
+        </p:style>
+        <p:txBody>
+          <a:bodyPr rtlCol="0" anchor="ctr"/>
+          <a:lstStyle/>
+          <a:p>
+            <a:pPr algn="ctr"/>
+            <a:r>
+              <a:rPr lang="de-CH" sz="1000" b="1" dirty="0">
+                <a:solidFill>
+                  <a:schemeClr val="tx1"/>
+                </a:solidFill>
+                <a:latin typeface="Arial" panose="020B0604020202020204" pitchFamily="34" charset="0"/>
+                <a:cs typeface="Arial" panose="020B0604020202020204" pitchFamily="34" charset="0"/>
+              </a:rPr>
+              <a:t>Spagi_76_Chairs_V_1</a:t>
+            </a:r>
+          </a:p>
+        </p:txBody>
+      </p:sp>
+      <p:sp>
+        <p:nvSpPr>
+          <p:cNvPr id="66" name="Rechteck 65">
+            <a:extLst>
+              <a:ext uri="{FF2B5EF4-FFF2-40B4-BE49-F238E27FC236}">
+                <a16:creationId xmlns:a16="http://schemas.microsoft.com/office/drawing/2014/main" id="{617B61BF-A603-7A6D-B4A2-DB145D8290BC}"/>
+              </a:ext>
+            </a:extLst>
+          </p:cNvPr>
+          <p:cNvSpPr/>
+          <p:nvPr/>
+        </p:nvSpPr>
+        <p:spPr>
+          <a:xfrm>
+            <a:off x="6972918" y="5477145"/>
+            <a:ext cx="891591" cy="273141"/>
+          </a:xfrm>
+          <a:prstGeom prst="rect">
+            <a:avLst/>
+          </a:prstGeom>
+          <a:solidFill>
+            <a:srgbClr val="FFFF00"/>
+          </a:solidFill>
+          <a:ln>
+            <a:solidFill>
+              <a:schemeClr val="tx1"/>
+            </a:solidFill>
+          </a:ln>
+        </p:spPr>
+        <p:style>
+          <a:lnRef idx="2">
+            <a:schemeClr val="accent1">
+              <a:shade val="50000"/>
+            </a:schemeClr>
+          </a:lnRef>
+          <a:fillRef idx="1">
+            <a:schemeClr val="accent1"/>
+          </a:fillRef>
+          <a:effectRef idx="0">
+            <a:schemeClr val="accent1"/>
+          </a:effectRef>
+          <a:fontRef idx="minor">
+            <a:schemeClr val="lt1"/>
+          </a:fontRef>
+        </p:style>
+        <p:txBody>
+          <a:bodyPr rtlCol="0" anchor="ctr"/>
+          <a:lstStyle/>
+          <a:p>
+            <a:pPr algn="ctr"/>
+            <a:r>
+              <a:rPr lang="de-CH" sz="1000" b="1">
+                <a:solidFill>
+                  <a:schemeClr val="tx1"/>
+                </a:solidFill>
+                <a:latin typeface="Arial" panose="020B0604020202020204" pitchFamily="34" charset="0"/>
+                <a:cs typeface="Arial" panose="020B0604020202020204" pitchFamily="34" charset="0"/>
+              </a:rPr>
+              <a:t>SaisonXML</a:t>
+            </a:r>
+            <a:endParaRPr lang="de-CH" sz="1000" b="1" dirty="0">
+              <a:solidFill>
+                <a:schemeClr val="tx1"/>
+              </a:solidFill>
+              <a:latin typeface="Arial" panose="020B0604020202020204" pitchFamily="34" charset="0"/>
+              <a:cs typeface="Arial" panose="020B0604020202020204" pitchFamily="34" charset="0"/>
+            </a:endParaRPr>
+          </a:p>
+        </p:txBody>
+      </p:sp>
+      <p:sp>
+        <p:nvSpPr>
+          <p:cNvPr id="67" name="Textfeld 66">
+            <a:extLst>
+              <a:ext uri="{FF2B5EF4-FFF2-40B4-BE49-F238E27FC236}">
+                <a16:creationId xmlns:a16="http://schemas.microsoft.com/office/drawing/2014/main" id="{0B8302D4-6CFC-EB72-0A2E-64D00C912C6C}"/>
+              </a:ext>
+            </a:extLst>
+          </p:cNvPr>
+          <p:cNvSpPr txBox="1"/>
+          <p:nvPr/>
+        </p:nvSpPr>
+        <p:spPr>
+          <a:xfrm>
+            <a:off x="6734677" y="5741927"/>
+            <a:ext cx="1377072" cy="338554"/>
+          </a:xfrm>
+          <a:prstGeom prst="rect">
+            <a:avLst/>
+          </a:prstGeom>
+          <a:noFill/>
+        </p:spPr>
+        <p:txBody>
+          <a:bodyPr wrap="square" rtlCol="0">
+            <a:spAutoFit/>
+          </a:bodyPr>
+          <a:lstStyle/>
+          <a:p>
+            <a:pPr algn="ctr"/>
+            <a:r>
+              <a:rPr lang="de-CH" sz="800" b="1" dirty="0">
+                <a:latin typeface="Aptos Narrow" panose="020B0004020202020204" pitchFamily="34" charset="0"/>
+              </a:rPr>
+              <a:t>Event </a:t>
+            </a:r>
+            <a:r>
+              <a:rPr lang="de-CH" sz="800" b="1" dirty="0" err="1">
+                <a:latin typeface="Aptos Narrow" panose="020B0004020202020204" pitchFamily="34" charset="0"/>
+              </a:rPr>
+              <a:t>program</a:t>
+            </a:r>
+            <a:r>
+              <a:rPr lang="de-CH" sz="800" b="1" dirty="0">
+                <a:latin typeface="Aptos Narrow" panose="020B0004020202020204" pitchFamily="34" charset="0"/>
+              </a:rPr>
+              <a:t> XML </a:t>
+            </a:r>
+            <a:r>
+              <a:rPr lang="de-CH" sz="800" b="1" dirty="0" err="1">
+                <a:latin typeface="Aptos Narrow" panose="020B0004020202020204" pitchFamily="34" charset="0"/>
+              </a:rPr>
+              <a:t>file</a:t>
+            </a:r>
+            <a:endParaRPr lang="de-CH" sz="800" b="1" dirty="0">
+              <a:latin typeface="Aptos Narrow" panose="020B0004020202020204" pitchFamily="34" charset="0"/>
+            </a:endParaRPr>
+          </a:p>
+          <a:p>
+            <a:pPr algn="ctr"/>
+            <a:r>
+              <a:rPr lang="de-CH" sz="800" b="1" dirty="0">
+                <a:latin typeface="Aptos Narrow" panose="020B0004020202020204" pitchFamily="34" charset="0"/>
+              </a:rPr>
+              <a:t>Event </a:t>
+            </a:r>
+            <a:r>
+              <a:rPr lang="de-CH" sz="800" b="1" dirty="0" err="1">
+                <a:latin typeface="Aptos Narrow" panose="020B0004020202020204" pitchFamily="34" charset="0"/>
+              </a:rPr>
+              <a:t>reservation</a:t>
+            </a:r>
+            <a:r>
+              <a:rPr lang="de-CH" sz="800" b="1" dirty="0">
+                <a:latin typeface="Aptos Narrow" panose="020B0004020202020204" pitchFamily="34" charset="0"/>
+              </a:rPr>
+              <a:t> XML </a:t>
+            </a:r>
+            <a:r>
+              <a:rPr lang="de-CH" sz="800" b="1" dirty="0" err="1">
+                <a:latin typeface="Aptos Narrow" panose="020B0004020202020204" pitchFamily="34" charset="0"/>
+              </a:rPr>
+              <a:t>files</a:t>
+            </a:r>
+            <a:endParaRPr lang="de-CH" sz="800" b="1" dirty="0">
+              <a:latin typeface="Aptos Narrow" panose="020B0004020202020204" pitchFamily="34" charset="0"/>
+            </a:endParaRPr>
+          </a:p>
+        </p:txBody>
+      </p:sp>
+      <p:cxnSp>
+        <p:nvCxnSpPr>
+          <p:cNvPr id="70" name="Gerader Verbinder 69">
+            <a:extLst>
+              <a:ext uri="{FF2B5EF4-FFF2-40B4-BE49-F238E27FC236}">
+                <a16:creationId xmlns:a16="http://schemas.microsoft.com/office/drawing/2014/main" id="{FE3F17D8-DEB5-73CC-00FC-212880BAAC14}"/>
+              </a:ext>
+            </a:extLst>
+          </p:cNvPr>
+          <p:cNvCxnSpPr>
+            <a:cxnSpLocks/>
+            <a:stCxn id="80" idx="0"/>
+          </p:cNvCxnSpPr>
+          <p:nvPr/>
+        </p:nvCxnSpPr>
+        <p:spPr>
+          <a:xfrm flipV="1">
+            <a:off x="2557430" y="5053535"/>
+            <a:ext cx="8998" cy="919559"/>
+          </a:xfrm>
+          <a:prstGeom prst="line">
+            <a:avLst/>
+          </a:prstGeom>
+        </p:spPr>
+        <p:style>
+          <a:lnRef idx="1">
+            <a:schemeClr val="accent1"/>
+          </a:lnRef>
+          <a:fillRef idx="0">
+            <a:schemeClr val="accent1"/>
+          </a:fillRef>
+          <a:effectRef idx="0">
+            <a:schemeClr val="accent1"/>
+          </a:effectRef>
+          <a:fontRef idx="minor">
+            <a:schemeClr val="tx1"/>
+          </a:fontRef>
+        </p:style>
+      </p:cxnSp>
+      <p:cxnSp>
+        <p:nvCxnSpPr>
+          <p:cNvPr id="71" name="Gerader Verbinder 70">
+            <a:extLst>
+              <a:ext uri="{FF2B5EF4-FFF2-40B4-BE49-F238E27FC236}">
+                <a16:creationId xmlns:a16="http://schemas.microsoft.com/office/drawing/2014/main" id="{50A8587E-57B2-F5E3-0B1A-462FC8908DA6}"/>
+              </a:ext>
+            </a:extLst>
+          </p:cNvPr>
+          <p:cNvCxnSpPr>
+            <a:cxnSpLocks/>
+            <a:endCxn id="72" idx="2"/>
+          </p:cNvCxnSpPr>
+          <p:nvPr/>
+        </p:nvCxnSpPr>
+        <p:spPr>
+          <a:xfrm flipH="1" flipV="1">
+            <a:off x="2663709" y="4858886"/>
+            <a:ext cx="1251" cy="194649"/>
+          </a:xfrm>
+          <a:prstGeom prst="line">
+            <a:avLst/>
+          </a:prstGeom>
+        </p:spPr>
+        <p:style>
+          <a:lnRef idx="1">
+            <a:schemeClr val="accent1"/>
+          </a:lnRef>
+          <a:fillRef idx="0">
+            <a:schemeClr val="accent1"/>
+          </a:fillRef>
+          <a:effectRef idx="0">
+            <a:schemeClr val="accent1"/>
+          </a:effectRef>
+          <a:fontRef idx="minor">
+            <a:schemeClr val="tx1"/>
+          </a:fontRef>
+        </p:style>
+      </p:cxnSp>
+      <p:sp>
+        <p:nvSpPr>
+          <p:cNvPr id="72" name="Rechteck 71">
+            <a:extLst>
+              <a:ext uri="{FF2B5EF4-FFF2-40B4-BE49-F238E27FC236}">
+                <a16:creationId xmlns:a16="http://schemas.microsoft.com/office/drawing/2014/main" id="{ABC1C921-94CE-3F25-15BA-88E9F45A47C2}"/>
+              </a:ext>
+            </a:extLst>
+          </p:cNvPr>
+          <p:cNvSpPr/>
+          <p:nvPr/>
+        </p:nvSpPr>
+        <p:spPr>
+          <a:xfrm>
+            <a:off x="1802397" y="4554594"/>
+            <a:ext cx="1722623" cy="304292"/>
+          </a:xfrm>
+          <a:prstGeom prst="rect">
+            <a:avLst/>
+          </a:prstGeom>
+          <a:solidFill>
+            <a:srgbClr val="FFFF00"/>
+          </a:solidFill>
+          <a:ln>
+            <a:solidFill>
+              <a:schemeClr val="tx1"/>
+            </a:solidFill>
+          </a:ln>
+        </p:spPr>
+        <p:style>
+          <a:lnRef idx="2">
+            <a:schemeClr val="accent1">
+              <a:shade val="50000"/>
+            </a:schemeClr>
+          </a:lnRef>
+          <a:fillRef idx="1">
+            <a:schemeClr val="accent1"/>
+          </a:fillRef>
+          <a:effectRef idx="0">
+            <a:schemeClr val="accent1"/>
+          </a:effectRef>
+          <a:fontRef idx="minor">
+            <a:schemeClr val="lt1"/>
+          </a:fontRef>
+        </p:style>
+        <p:txBody>
+          <a:bodyPr rtlCol="0" anchor="ctr"/>
+          <a:lstStyle/>
+          <a:p>
+            <a:pPr algn="ctr"/>
+            <a:r>
+              <a:rPr lang="de-CH" sz="1000" b="1" dirty="0" err="1">
+                <a:solidFill>
+                  <a:schemeClr val="tx1"/>
+                </a:solidFill>
+                <a:latin typeface="Arial" panose="020B0604020202020204" pitchFamily="34" charset="0"/>
+                <a:cs typeface="Arial" panose="020B0604020202020204" pitchFamily="34" charset="0"/>
+              </a:rPr>
+              <a:t>ReservationLayout</a:t>
+            </a:r>
+            <a:r>
+              <a:rPr lang="de-CH" sz="1000" b="1" dirty="0">
+                <a:solidFill>
+                  <a:schemeClr val="tx1"/>
+                </a:solidFill>
+                <a:latin typeface="Arial" panose="020B0604020202020204" pitchFamily="34" charset="0"/>
+                <a:cs typeface="Arial" panose="020B0604020202020204" pitchFamily="34" charset="0"/>
+              </a:rPr>
+              <a:t> </a:t>
+            </a:r>
+          </a:p>
+        </p:txBody>
+      </p:sp>
+      <p:cxnSp>
+        <p:nvCxnSpPr>
+          <p:cNvPr id="73" name="Gerader Verbinder 72">
+            <a:extLst>
+              <a:ext uri="{FF2B5EF4-FFF2-40B4-BE49-F238E27FC236}">
+                <a16:creationId xmlns:a16="http://schemas.microsoft.com/office/drawing/2014/main" id="{6205B0CC-AB56-E3D4-1059-F7E913F282AA}"/>
+              </a:ext>
+            </a:extLst>
+          </p:cNvPr>
+          <p:cNvCxnSpPr>
+            <a:cxnSpLocks/>
+          </p:cNvCxnSpPr>
+          <p:nvPr/>
+        </p:nvCxnSpPr>
+        <p:spPr>
+          <a:xfrm flipV="1">
+            <a:off x="2418115" y="5053535"/>
+            <a:ext cx="0" cy="204892"/>
+          </a:xfrm>
+          <a:prstGeom prst="line">
+            <a:avLst/>
+          </a:prstGeom>
+        </p:spPr>
+        <p:style>
+          <a:lnRef idx="1">
+            <a:schemeClr val="accent1"/>
+          </a:lnRef>
+          <a:fillRef idx="0">
+            <a:schemeClr val="accent1"/>
+          </a:fillRef>
+          <a:effectRef idx="0">
+            <a:schemeClr val="accent1"/>
+          </a:effectRef>
+          <a:fontRef idx="minor">
+            <a:schemeClr val="tx1"/>
+          </a:fontRef>
+        </p:style>
+      </p:cxnSp>
+      <p:cxnSp>
+        <p:nvCxnSpPr>
+          <p:cNvPr id="74" name="Gerader Verbinder 73">
+            <a:extLst>
+              <a:ext uri="{FF2B5EF4-FFF2-40B4-BE49-F238E27FC236}">
+                <a16:creationId xmlns:a16="http://schemas.microsoft.com/office/drawing/2014/main" id="{2C25216F-4C79-A19F-AC6C-EE33AF45AC75}"/>
+              </a:ext>
+            </a:extLst>
+          </p:cNvPr>
+          <p:cNvCxnSpPr>
+            <a:cxnSpLocks/>
+          </p:cNvCxnSpPr>
+          <p:nvPr/>
+        </p:nvCxnSpPr>
+        <p:spPr>
+          <a:xfrm flipV="1">
+            <a:off x="2740179" y="5046458"/>
+            <a:ext cx="0" cy="201916"/>
+          </a:xfrm>
+          <a:prstGeom prst="line">
+            <a:avLst/>
+          </a:prstGeom>
+        </p:spPr>
+        <p:style>
+          <a:lnRef idx="1">
+            <a:schemeClr val="accent1"/>
+          </a:lnRef>
+          <a:fillRef idx="0">
+            <a:schemeClr val="accent1"/>
+          </a:fillRef>
+          <a:effectRef idx="0">
+            <a:schemeClr val="accent1"/>
+          </a:effectRef>
+          <a:fontRef idx="minor">
+            <a:schemeClr val="tx1"/>
+          </a:fontRef>
+        </p:style>
+      </p:cxnSp>
+      <p:cxnSp>
+        <p:nvCxnSpPr>
+          <p:cNvPr id="76" name="Gerader Verbinder 75">
+            <a:extLst>
+              <a:ext uri="{FF2B5EF4-FFF2-40B4-BE49-F238E27FC236}">
+                <a16:creationId xmlns:a16="http://schemas.microsoft.com/office/drawing/2014/main" id="{200676F0-FF96-B6BB-49FC-A0DB6C9433F8}"/>
+              </a:ext>
+            </a:extLst>
+          </p:cNvPr>
+          <p:cNvCxnSpPr>
+            <a:cxnSpLocks/>
+          </p:cNvCxnSpPr>
+          <p:nvPr/>
+        </p:nvCxnSpPr>
+        <p:spPr>
+          <a:xfrm flipV="1">
+            <a:off x="2024085" y="5046397"/>
+            <a:ext cx="0" cy="222112"/>
+          </a:xfrm>
+          <a:prstGeom prst="line">
+            <a:avLst/>
+          </a:prstGeom>
+        </p:spPr>
+        <p:style>
+          <a:lnRef idx="1">
+            <a:schemeClr val="accent1"/>
+          </a:lnRef>
+          <a:fillRef idx="0">
+            <a:schemeClr val="accent1"/>
+          </a:fillRef>
+          <a:effectRef idx="0">
+            <a:schemeClr val="accent1"/>
+          </a:effectRef>
+          <a:fontRef idx="minor">
+            <a:schemeClr val="tx1"/>
+          </a:fontRef>
+        </p:style>
+      </p:cxnSp>
+      <p:cxnSp>
+        <p:nvCxnSpPr>
+          <p:cNvPr id="77" name="Gerader Verbinder 76">
+            <a:extLst>
+              <a:ext uri="{FF2B5EF4-FFF2-40B4-BE49-F238E27FC236}">
+                <a16:creationId xmlns:a16="http://schemas.microsoft.com/office/drawing/2014/main" id="{8839779D-A396-43B6-DBBA-EA836AE2E61D}"/>
+              </a:ext>
+            </a:extLst>
+          </p:cNvPr>
+          <p:cNvCxnSpPr>
+            <a:cxnSpLocks/>
+          </p:cNvCxnSpPr>
+          <p:nvPr/>
+        </p:nvCxnSpPr>
+        <p:spPr>
+          <a:xfrm flipV="1">
+            <a:off x="3358764" y="5046397"/>
+            <a:ext cx="0" cy="212030"/>
+          </a:xfrm>
+          <a:prstGeom prst="line">
+            <a:avLst/>
+          </a:prstGeom>
+        </p:spPr>
+        <p:style>
+          <a:lnRef idx="1">
+            <a:schemeClr val="accent1"/>
+          </a:lnRef>
+          <a:fillRef idx="0">
+            <a:schemeClr val="accent1"/>
+          </a:fillRef>
+          <a:effectRef idx="0">
+            <a:schemeClr val="accent1"/>
+          </a:effectRef>
+          <a:fontRef idx="minor">
+            <a:schemeClr val="tx1"/>
+          </a:fontRef>
+        </p:style>
+      </p:cxnSp>
+      <p:cxnSp>
+        <p:nvCxnSpPr>
+          <p:cNvPr id="78" name="Gerader Verbinder 77">
+            <a:extLst>
+              <a:ext uri="{FF2B5EF4-FFF2-40B4-BE49-F238E27FC236}">
+                <a16:creationId xmlns:a16="http://schemas.microsoft.com/office/drawing/2014/main" id="{D1A41227-D58F-96C9-FD2E-3AB2024692ED}"/>
+              </a:ext>
+            </a:extLst>
+          </p:cNvPr>
+          <p:cNvCxnSpPr>
+            <a:cxnSpLocks/>
+          </p:cNvCxnSpPr>
+          <p:nvPr/>
+        </p:nvCxnSpPr>
+        <p:spPr>
+          <a:xfrm>
+            <a:off x="1825343" y="5053535"/>
+            <a:ext cx="1627524" cy="0"/>
+          </a:xfrm>
+          <a:prstGeom prst="line">
+            <a:avLst/>
+          </a:prstGeom>
+        </p:spPr>
+        <p:style>
+          <a:lnRef idx="1">
+            <a:schemeClr val="accent1"/>
+          </a:lnRef>
+          <a:fillRef idx="0">
+            <a:schemeClr val="accent1"/>
+          </a:fillRef>
+          <a:effectRef idx="0">
+            <a:schemeClr val="accent1"/>
+          </a:effectRef>
+          <a:fontRef idx="minor">
+            <a:schemeClr val="tx1"/>
+          </a:fontRef>
+        </p:style>
+      </p:cxnSp>
+      <p:sp>
+        <p:nvSpPr>
+          <p:cNvPr id="79" name="Rechteck 78">
+            <a:extLst>
+              <a:ext uri="{FF2B5EF4-FFF2-40B4-BE49-F238E27FC236}">
+                <a16:creationId xmlns:a16="http://schemas.microsoft.com/office/drawing/2014/main" id="{2A4AFDF6-5F49-279C-7225-FAC5DD08CA73}"/>
+              </a:ext>
+            </a:extLst>
+          </p:cNvPr>
+          <p:cNvSpPr/>
+          <p:nvPr/>
+        </p:nvSpPr>
+        <p:spPr>
+          <a:xfrm>
+            <a:off x="1867391" y="5518510"/>
+            <a:ext cx="1518243" cy="273141"/>
+          </a:xfrm>
+          <a:prstGeom prst="rect">
+            <a:avLst/>
+          </a:prstGeom>
+          <a:solidFill>
+            <a:srgbClr val="FFFF00"/>
+          </a:solidFill>
+          <a:ln>
+            <a:solidFill>
+              <a:schemeClr val="tx1"/>
+            </a:solidFill>
+          </a:ln>
+        </p:spPr>
+        <p:style>
+          <a:lnRef idx="2">
+            <a:schemeClr val="accent1">
+              <a:shade val="50000"/>
+            </a:schemeClr>
+          </a:lnRef>
+          <a:fillRef idx="1">
+            <a:schemeClr val="accent1"/>
+          </a:fillRef>
+          <a:effectRef idx="0">
+            <a:schemeClr val="accent1"/>
+          </a:effectRef>
+          <a:fontRef idx="minor">
+            <a:schemeClr val="lt1"/>
+          </a:fontRef>
+        </p:style>
+        <p:txBody>
+          <a:bodyPr rtlCol="0" anchor="ctr"/>
+          <a:lstStyle/>
+          <a:p>
+            <a:pPr algn="ctr"/>
+            <a:r>
+              <a:rPr lang="de-CH" sz="1000" b="1" dirty="0">
+                <a:solidFill>
+                  <a:schemeClr val="tx1"/>
+                </a:solidFill>
+                <a:latin typeface="Arial" panose="020B0604020202020204" pitchFamily="34" charset="0"/>
+                <a:cs typeface="Arial" panose="020B0604020202020204" pitchFamily="34" charset="0"/>
+              </a:rPr>
+              <a:t>Spagi_76_Chairs_V_3</a:t>
+            </a:r>
+          </a:p>
+        </p:txBody>
+      </p:sp>
+      <p:sp>
+        <p:nvSpPr>
+          <p:cNvPr id="80" name="Rechteck 79">
+            <a:extLst>
+              <a:ext uri="{FF2B5EF4-FFF2-40B4-BE49-F238E27FC236}">
+                <a16:creationId xmlns:a16="http://schemas.microsoft.com/office/drawing/2014/main" id="{BE943E24-B2CD-449B-CE2E-B9A05CC496FC}"/>
+              </a:ext>
+            </a:extLst>
+          </p:cNvPr>
+          <p:cNvSpPr/>
+          <p:nvPr/>
+        </p:nvSpPr>
+        <p:spPr>
+          <a:xfrm>
+            <a:off x="2111634" y="5973094"/>
+            <a:ext cx="891591" cy="273141"/>
+          </a:xfrm>
+          <a:prstGeom prst="rect">
+            <a:avLst/>
+          </a:prstGeom>
+          <a:solidFill>
+            <a:srgbClr val="FFFF00"/>
+          </a:solidFill>
+          <a:ln>
+            <a:solidFill>
+              <a:schemeClr val="tx1"/>
+            </a:solidFill>
+          </a:ln>
+        </p:spPr>
+        <p:style>
+          <a:lnRef idx="2">
+            <a:schemeClr val="accent1">
+              <a:shade val="50000"/>
+            </a:schemeClr>
+          </a:lnRef>
+          <a:fillRef idx="1">
+            <a:schemeClr val="accent1"/>
+          </a:fillRef>
+          <a:effectRef idx="0">
+            <a:schemeClr val="accent1"/>
+          </a:effectRef>
+          <a:fontRef idx="minor">
+            <a:schemeClr val="lt1"/>
+          </a:fontRef>
+        </p:style>
+        <p:txBody>
+          <a:bodyPr rtlCol="0" anchor="ctr"/>
+          <a:lstStyle/>
+          <a:p>
+            <a:pPr algn="ctr"/>
+            <a:r>
+              <a:rPr lang="de-CH" sz="1000" b="1">
+                <a:solidFill>
+                  <a:schemeClr val="tx1"/>
+                </a:solidFill>
+                <a:latin typeface="Arial" panose="020B0604020202020204" pitchFamily="34" charset="0"/>
+                <a:cs typeface="Arial" panose="020B0604020202020204" pitchFamily="34" charset="0"/>
+              </a:rPr>
+              <a:t>SaisonXML</a:t>
+            </a:r>
+            <a:endParaRPr lang="de-CH" sz="1000" b="1" dirty="0">
+              <a:solidFill>
+                <a:schemeClr val="tx1"/>
+              </a:solidFill>
+              <a:latin typeface="Arial" panose="020B0604020202020204" pitchFamily="34" charset="0"/>
+              <a:cs typeface="Arial" panose="020B0604020202020204" pitchFamily="34" charset="0"/>
+            </a:endParaRPr>
+          </a:p>
+        </p:txBody>
+      </p:sp>
+      <p:sp>
+        <p:nvSpPr>
+          <p:cNvPr id="81" name="Textfeld 80">
+            <a:extLst>
+              <a:ext uri="{FF2B5EF4-FFF2-40B4-BE49-F238E27FC236}">
+                <a16:creationId xmlns:a16="http://schemas.microsoft.com/office/drawing/2014/main" id="{2B96B18B-2A77-6AAE-235B-CE28BBCDD11C}"/>
+              </a:ext>
+            </a:extLst>
+          </p:cNvPr>
+          <p:cNvSpPr txBox="1"/>
+          <p:nvPr/>
+        </p:nvSpPr>
+        <p:spPr>
+          <a:xfrm>
+            <a:off x="1877892" y="6268792"/>
+            <a:ext cx="1377072" cy="338554"/>
+          </a:xfrm>
+          <a:prstGeom prst="rect">
+            <a:avLst/>
+          </a:prstGeom>
+          <a:noFill/>
+        </p:spPr>
+        <p:txBody>
+          <a:bodyPr wrap="square" rtlCol="0">
+            <a:spAutoFit/>
+          </a:bodyPr>
+          <a:lstStyle/>
+          <a:p>
+            <a:pPr algn="ctr"/>
+            <a:r>
+              <a:rPr lang="de-CH" sz="800" b="1" dirty="0">
+                <a:latin typeface="Aptos Narrow" panose="020B0004020202020204" pitchFamily="34" charset="0"/>
+              </a:rPr>
+              <a:t>Event </a:t>
+            </a:r>
+            <a:r>
+              <a:rPr lang="de-CH" sz="800" b="1" dirty="0" err="1">
+                <a:latin typeface="Aptos Narrow" panose="020B0004020202020204" pitchFamily="34" charset="0"/>
+              </a:rPr>
+              <a:t>program</a:t>
+            </a:r>
+            <a:r>
+              <a:rPr lang="de-CH" sz="800" b="1" dirty="0">
+                <a:latin typeface="Aptos Narrow" panose="020B0004020202020204" pitchFamily="34" charset="0"/>
+              </a:rPr>
+              <a:t> XML </a:t>
+            </a:r>
+            <a:r>
+              <a:rPr lang="de-CH" sz="800" b="1" dirty="0" err="1">
+                <a:latin typeface="Aptos Narrow" panose="020B0004020202020204" pitchFamily="34" charset="0"/>
+              </a:rPr>
+              <a:t>file</a:t>
+            </a:r>
+            <a:endParaRPr lang="de-CH" sz="800" b="1" dirty="0">
+              <a:latin typeface="Aptos Narrow" panose="020B0004020202020204" pitchFamily="34" charset="0"/>
+            </a:endParaRPr>
+          </a:p>
+          <a:p>
+            <a:pPr algn="ctr"/>
+            <a:r>
+              <a:rPr lang="de-CH" sz="800" b="1" dirty="0">
+                <a:latin typeface="Aptos Narrow" panose="020B0004020202020204" pitchFamily="34" charset="0"/>
+              </a:rPr>
+              <a:t>Event </a:t>
+            </a:r>
+            <a:r>
+              <a:rPr lang="de-CH" sz="800" b="1" dirty="0" err="1">
+                <a:latin typeface="Aptos Narrow" panose="020B0004020202020204" pitchFamily="34" charset="0"/>
+              </a:rPr>
+              <a:t>reservation</a:t>
+            </a:r>
+            <a:r>
+              <a:rPr lang="de-CH" sz="800" b="1" dirty="0">
+                <a:latin typeface="Aptos Narrow" panose="020B0004020202020204" pitchFamily="34" charset="0"/>
+              </a:rPr>
+              <a:t> XML </a:t>
+            </a:r>
+            <a:r>
+              <a:rPr lang="de-CH" sz="800" b="1" dirty="0" err="1">
+                <a:latin typeface="Aptos Narrow" panose="020B0004020202020204" pitchFamily="34" charset="0"/>
+              </a:rPr>
+              <a:t>files</a:t>
+            </a:r>
+            <a:endParaRPr lang="de-CH" sz="800" b="1" dirty="0">
+              <a:latin typeface="Aptos Narrow" panose="020B0004020202020204" pitchFamily="34" charset="0"/>
+            </a:endParaRPr>
+          </a:p>
+        </p:txBody>
+      </p:sp>
+      <p:cxnSp>
+        <p:nvCxnSpPr>
+          <p:cNvPr id="83" name="Gerader Verbinder 82">
+            <a:extLst>
+              <a:ext uri="{FF2B5EF4-FFF2-40B4-BE49-F238E27FC236}">
+                <a16:creationId xmlns:a16="http://schemas.microsoft.com/office/drawing/2014/main" id="{DF5595E1-3D60-DF02-48CD-CA7CD84117C8}"/>
+              </a:ext>
+            </a:extLst>
+          </p:cNvPr>
+          <p:cNvCxnSpPr>
+            <a:cxnSpLocks/>
+          </p:cNvCxnSpPr>
+          <p:nvPr/>
+        </p:nvCxnSpPr>
+        <p:spPr>
+          <a:xfrm flipH="1" flipV="1">
+            <a:off x="2663708" y="4366589"/>
+            <a:ext cx="1251" cy="194649"/>
+          </a:xfrm>
+          <a:prstGeom prst="line">
+            <a:avLst/>
+          </a:prstGeom>
+        </p:spPr>
+        <p:style>
+          <a:lnRef idx="1">
+            <a:schemeClr val="accent1"/>
+          </a:lnRef>
+          <a:fillRef idx="0">
+            <a:schemeClr val="accent1"/>
+          </a:fillRef>
+          <a:effectRef idx="0">
+            <a:schemeClr val="accent1"/>
+          </a:effectRef>
+          <a:fontRef idx="minor">
+            <a:schemeClr val="tx1"/>
+          </a:fontRef>
+        </p:style>
+      </p:cxnSp>
+      <p:sp>
+        <p:nvSpPr>
+          <p:cNvPr id="85" name="Rechteck 84">
+            <a:extLst>
+              <a:ext uri="{FF2B5EF4-FFF2-40B4-BE49-F238E27FC236}">
+                <a16:creationId xmlns:a16="http://schemas.microsoft.com/office/drawing/2014/main" id="{65A7D3DA-90E7-5750-D300-25D9BBA076D3}"/>
+              </a:ext>
+            </a:extLst>
+          </p:cNvPr>
+          <p:cNvSpPr/>
+          <p:nvPr/>
+        </p:nvSpPr>
+        <p:spPr>
+          <a:xfrm>
+            <a:off x="2217912" y="4086615"/>
+            <a:ext cx="891591" cy="273141"/>
+          </a:xfrm>
+          <a:prstGeom prst="rect">
+            <a:avLst/>
+          </a:prstGeom>
+          <a:solidFill>
+            <a:srgbClr val="FFFF00"/>
+          </a:solidFill>
+          <a:ln>
+            <a:solidFill>
+              <a:schemeClr val="tx1"/>
+            </a:solidFill>
+          </a:ln>
+        </p:spPr>
+        <p:style>
+          <a:lnRef idx="2">
+            <a:schemeClr val="accent1">
+              <a:shade val="50000"/>
+            </a:schemeClr>
+          </a:lnRef>
+          <a:fillRef idx="1">
+            <a:schemeClr val="accent1"/>
+          </a:fillRef>
+          <a:effectRef idx="0">
+            <a:schemeClr val="accent1"/>
+          </a:effectRef>
+          <a:fontRef idx="minor">
+            <a:schemeClr val="lt1"/>
+          </a:fontRef>
+        </p:style>
+        <p:txBody>
+          <a:bodyPr rtlCol="0" anchor="ctr"/>
+          <a:lstStyle/>
+          <a:p>
+            <a:pPr algn="ctr"/>
+            <a:r>
+              <a:rPr lang="de-CH" sz="1000" b="1" dirty="0" err="1">
+                <a:solidFill>
+                  <a:schemeClr val="tx1"/>
+                </a:solidFill>
+                <a:latin typeface="Arial" panose="020B0604020202020204" pitchFamily="34" charset="0"/>
+                <a:cs typeface="Arial" panose="020B0604020202020204" pitchFamily="34" charset="0"/>
+              </a:rPr>
+              <a:t>www</a:t>
+            </a:r>
+            <a:endParaRPr lang="de-CH" sz="1000" b="1" dirty="0">
+              <a:solidFill>
+                <a:schemeClr val="tx1"/>
+              </a:solidFill>
+              <a:latin typeface="Arial" panose="020B0604020202020204" pitchFamily="34" charset="0"/>
+              <a:cs typeface="Arial" panose="020B0604020202020204" pitchFamily="34" charset="0"/>
+            </a:endParaRPr>
+          </a:p>
+        </p:txBody>
+      </p:sp>
     </p:spTree>
     <p:extLst>
       <p:ext uri="{BB962C8B-B14F-4D97-AF65-F5344CB8AC3E}">

--- a/Description/ResrvationNewSeason.pptx
+++ b/Description/ResrvationNewSeason.pptx
@@ -278,7 +278,7 @@
           <a:p>
             <a:fld id="{DDCE6D58-9B57-4731-A47B-3CD41B48F0A9}" type="datetimeFigureOut">
               <a:rPr lang="de-CH" smtClean="0"/>
-              <a:t>03.06.2025</a:t>
+              <a:t>11.11.2025</a:t>
             </a:fld>
             <a:endParaRPr lang="de-CH"/>
           </a:p>
@@ -448,7 +448,7 @@
           <a:p>
             <a:fld id="{DDCE6D58-9B57-4731-A47B-3CD41B48F0A9}" type="datetimeFigureOut">
               <a:rPr lang="de-CH" smtClean="0"/>
-              <a:t>03.06.2025</a:t>
+              <a:t>11.11.2025</a:t>
             </a:fld>
             <a:endParaRPr lang="de-CH"/>
           </a:p>
@@ -628,7 +628,7 @@
           <a:p>
             <a:fld id="{DDCE6D58-9B57-4731-A47B-3CD41B48F0A9}" type="datetimeFigureOut">
               <a:rPr lang="de-CH" smtClean="0"/>
-              <a:t>03.06.2025</a:t>
+              <a:t>11.11.2025</a:t>
             </a:fld>
             <a:endParaRPr lang="de-CH"/>
           </a:p>
@@ -798,7 +798,7 @@
           <a:p>
             <a:fld id="{DDCE6D58-9B57-4731-A47B-3CD41B48F0A9}" type="datetimeFigureOut">
               <a:rPr lang="de-CH" smtClean="0"/>
-              <a:t>03.06.2025</a:t>
+              <a:t>11.11.2025</a:t>
             </a:fld>
             <a:endParaRPr lang="de-CH"/>
           </a:p>
@@ -1044,7 +1044,7 @@
           <a:p>
             <a:fld id="{DDCE6D58-9B57-4731-A47B-3CD41B48F0A9}" type="datetimeFigureOut">
               <a:rPr lang="de-CH" smtClean="0"/>
-              <a:t>03.06.2025</a:t>
+              <a:t>11.11.2025</a:t>
             </a:fld>
             <a:endParaRPr lang="de-CH"/>
           </a:p>
@@ -1276,7 +1276,7 @@
           <a:p>
             <a:fld id="{DDCE6D58-9B57-4731-A47B-3CD41B48F0A9}" type="datetimeFigureOut">
               <a:rPr lang="de-CH" smtClean="0"/>
-              <a:t>03.06.2025</a:t>
+              <a:t>11.11.2025</a:t>
             </a:fld>
             <a:endParaRPr lang="de-CH"/>
           </a:p>
@@ -1643,7 +1643,7 @@
           <a:p>
             <a:fld id="{DDCE6D58-9B57-4731-A47B-3CD41B48F0A9}" type="datetimeFigureOut">
               <a:rPr lang="de-CH" smtClean="0"/>
-              <a:t>03.06.2025</a:t>
+              <a:t>11.11.2025</a:t>
             </a:fld>
             <a:endParaRPr lang="de-CH"/>
           </a:p>
@@ -1761,7 +1761,7 @@
           <a:p>
             <a:fld id="{DDCE6D58-9B57-4731-A47B-3CD41B48F0A9}" type="datetimeFigureOut">
               <a:rPr lang="de-CH" smtClean="0"/>
-              <a:t>03.06.2025</a:t>
+              <a:t>11.11.2025</a:t>
             </a:fld>
             <a:endParaRPr lang="de-CH"/>
           </a:p>
@@ -1856,7 +1856,7 @@
           <a:p>
             <a:fld id="{DDCE6D58-9B57-4731-A47B-3CD41B48F0A9}" type="datetimeFigureOut">
               <a:rPr lang="de-CH" smtClean="0"/>
-              <a:t>03.06.2025</a:t>
+              <a:t>11.11.2025</a:t>
             </a:fld>
             <a:endParaRPr lang="de-CH"/>
           </a:p>
@@ -2133,7 +2133,7 @@
           <a:p>
             <a:fld id="{DDCE6D58-9B57-4731-A47B-3CD41B48F0A9}" type="datetimeFigureOut">
               <a:rPr lang="de-CH" smtClean="0"/>
-              <a:t>03.06.2025</a:t>
+              <a:t>11.11.2025</a:t>
             </a:fld>
             <a:endParaRPr lang="de-CH"/>
           </a:p>
@@ -2386,7 +2386,7 @@
           <a:p>
             <a:fld id="{DDCE6D58-9B57-4731-A47B-3CD41B48F0A9}" type="datetimeFigureOut">
               <a:rPr lang="de-CH" smtClean="0"/>
-              <a:t>03.06.2025</a:t>
+              <a:t>11.11.2025</a:t>
             </a:fld>
             <a:endParaRPr lang="de-CH"/>
           </a:p>
@@ -2599,7 +2599,7 @@
           <a:p>
             <a:fld id="{DDCE6D58-9B57-4731-A47B-3CD41B48F0A9}" type="datetimeFigureOut">
               <a:rPr lang="de-CH" smtClean="0"/>
-              <a:t>03.06.2025</a:t>
+              <a:t>11.11.2025</a:t>
             </a:fld>
             <a:endParaRPr lang="de-CH"/>
           </a:p>
